--- a/presentation/case_study_01_presentation.pptx
+++ b/presentation/case_study_01_presentation.pptx
@@ -2,11 +2,18 @@
 <file path=ppt/presentation.xml><?xml version="1.0" encoding="utf-8"?>
 <p:presentation xmlns:a="http://schemas.openxmlformats.org/drawingml/2006/main" xmlns:r="http://schemas.openxmlformats.org/officeDocument/2006/relationships" xmlns:p="http://schemas.openxmlformats.org/presentationml/2006/main" saveSubsetFonts="1">
   <p:sldMasterIdLst>
-    <p:sldMasterId id="2147483648" r:id="rId1"/>
+    <p:sldMasterId id="2147483660" r:id="rId1"/>
   </p:sldMasterIdLst>
+  <p:notesMasterIdLst>
+    <p:notesMasterId r:id="rId8"/>
+  </p:notesMasterIdLst>
   <p:sldIdLst>
     <p:sldId id="256" r:id="rId2"/>
     <p:sldId id="257" r:id="rId3"/>
+    <p:sldId id="258" r:id="rId4"/>
+    <p:sldId id="259" r:id="rId5"/>
+    <p:sldId id="262" r:id="rId6"/>
+    <p:sldId id="263" r:id="rId7"/>
   </p:sldIdLst>
   <p:sldSz cx="12192000" cy="6858000"/>
   <p:notesSz cx="6858000" cy="9144000"/>
@@ -14,7 +21,7 @@
     <a:defPPr>
       <a:defRPr lang="en-US"/>
     </a:defPPr>
-    <a:lvl1pPr marL="0" algn="l" defTabSz="914400" rtl="0" eaLnBrk="1" latinLnBrk="0" hangingPunct="1">
+    <a:lvl1pPr marL="0" algn="l" defTabSz="457200" rtl="0" eaLnBrk="1" latinLnBrk="0" hangingPunct="1">
       <a:defRPr sz="1800" kern="1200">
         <a:solidFill>
           <a:schemeClr val="tx1"/>
@@ -24,7 +31,7 @@
         <a:cs typeface="+mn-cs"/>
       </a:defRPr>
     </a:lvl1pPr>
-    <a:lvl2pPr marL="457200" algn="l" defTabSz="914400" rtl="0" eaLnBrk="1" latinLnBrk="0" hangingPunct="1">
+    <a:lvl2pPr marL="457200" algn="l" defTabSz="457200" rtl="0" eaLnBrk="1" latinLnBrk="0" hangingPunct="1">
       <a:defRPr sz="1800" kern="1200">
         <a:solidFill>
           <a:schemeClr val="tx1"/>
@@ -34,7 +41,7 @@
         <a:cs typeface="+mn-cs"/>
       </a:defRPr>
     </a:lvl2pPr>
-    <a:lvl3pPr marL="914400" algn="l" defTabSz="914400" rtl="0" eaLnBrk="1" latinLnBrk="0" hangingPunct="1">
+    <a:lvl3pPr marL="914400" algn="l" defTabSz="457200" rtl="0" eaLnBrk="1" latinLnBrk="0" hangingPunct="1">
       <a:defRPr sz="1800" kern="1200">
         <a:solidFill>
           <a:schemeClr val="tx1"/>
@@ -44,7 +51,7 @@
         <a:cs typeface="+mn-cs"/>
       </a:defRPr>
     </a:lvl3pPr>
-    <a:lvl4pPr marL="1371600" algn="l" defTabSz="914400" rtl="0" eaLnBrk="1" latinLnBrk="0" hangingPunct="1">
+    <a:lvl4pPr marL="1371600" algn="l" defTabSz="457200" rtl="0" eaLnBrk="1" latinLnBrk="0" hangingPunct="1">
       <a:defRPr sz="1800" kern="1200">
         <a:solidFill>
           <a:schemeClr val="tx1"/>
@@ -54,7 +61,7 @@
         <a:cs typeface="+mn-cs"/>
       </a:defRPr>
     </a:lvl4pPr>
-    <a:lvl5pPr marL="1828800" algn="l" defTabSz="914400" rtl="0" eaLnBrk="1" latinLnBrk="0" hangingPunct="1">
+    <a:lvl5pPr marL="1828800" algn="l" defTabSz="457200" rtl="0" eaLnBrk="1" latinLnBrk="0" hangingPunct="1">
       <a:defRPr sz="1800" kern="1200">
         <a:solidFill>
           <a:schemeClr val="tx1"/>
@@ -64,7 +71,7 @@
         <a:cs typeface="+mn-cs"/>
       </a:defRPr>
     </a:lvl5pPr>
-    <a:lvl6pPr marL="2286000" algn="l" defTabSz="914400" rtl="0" eaLnBrk="1" latinLnBrk="0" hangingPunct="1">
+    <a:lvl6pPr marL="2286000" algn="l" defTabSz="457200" rtl="0" eaLnBrk="1" latinLnBrk="0" hangingPunct="1">
       <a:defRPr sz="1800" kern="1200">
         <a:solidFill>
           <a:schemeClr val="tx1"/>
@@ -74,7 +81,7 @@
         <a:cs typeface="+mn-cs"/>
       </a:defRPr>
     </a:lvl6pPr>
-    <a:lvl7pPr marL="2743200" algn="l" defTabSz="914400" rtl="0" eaLnBrk="1" latinLnBrk="0" hangingPunct="1">
+    <a:lvl7pPr marL="2743200" algn="l" defTabSz="457200" rtl="0" eaLnBrk="1" latinLnBrk="0" hangingPunct="1">
       <a:defRPr sz="1800" kern="1200">
         <a:solidFill>
           <a:schemeClr val="tx1"/>
@@ -84,7 +91,7 @@
         <a:cs typeface="+mn-cs"/>
       </a:defRPr>
     </a:lvl7pPr>
-    <a:lvl8pPr marL="3200400" algn="l" defTabSz="914400" rtl="0" eaLnBrk="1" latinLnBrk="0" hangingPunct="1">
+    <a:lvl8pPr marL="3200400" algn="l" defTabSz="457200" rtl="0" eaLnBrk="1" latinLnBrk="0" hangingPunct="1">
       <a:defRPr sz="1800" kern="1200">
         <a:solidFill>
           <a:schemeClr val="tx1"/>
@@ -94,7 +101,7 @@
         <a:cs typeface="+mn-cs"/>
       </a:defRPr>
     </a:lvl8pPr>
-    <a:lvl9pPr marL="3657600" algn="l" defTabSz="914400" rtl="0" eaLnBrk="1" latinLnBrk="0" hangingPunct="1">
+    <a:lvl9pPr marL="3657600" algn="l" defTabSz="457200" rtl="0" eaLnBrk="1" latinLnBrk="0" hangingPunct="1">
       <a:defRPr sz="1800" kern="1200">
         <a:solidFill>
           <a:schemeClr val="tx1"/>
@@ -105,11 +112,812 @@
       </a:defRPr>
     </a:lvl9pPr>
   </p:defaultTextStyle>
+  <p:extLst>
+    <p:ext uri="{EFAFB233-063F-42B5-8137-9DF3F51BA10A}">
+      <p15:sldGuideLst xmlns:p15="http://schemas.microsoft.com/office/powerpoint/2012/main"/>
+    </p:ext>
+  </p:extLst>
 </p:presentation>
 </file>
 
+<file path=ppt/notesMasters/notesMaster1.xml><?xml version="1.0" encoding="utf-8"?>
+<p:notesMaster xmlns:a="http://schemas.openxmlformats.org/drawingml/2006/main" xmlns:r="http://schemas.openxmlformats.org/officeDocument/2006/relationships" xmlns:p="http://schemas.openxmlformats.org/presentationml/2006/main">
+  <p:cSld>
+    <p:bg>
+      <p:bgRef idx="1001">
+        <a:schemeClr val="bg1"/>
+      </p:bgRef>
+    </p:bg>
+    <p:spTree>
+      <p:nvGrpSpPr>
+        <p:cNvPr id="1" name=""/>
+        <p:cNvGrpSpPr/>
+        <p:nvPr/>
+      </p:nvGrpSpPr>
+      <p:grpSpPr>
+        <a:xfrm>
+          <a:off x="0" y="0"/>
+          <a:ext cx="0" cy="0"/>
+          <a:chOff x="0" y="0"/>
+          <a:chExt cx="0" cy="0"/>
+        </a:xfrm>
+      </p:grpSpPr>
+      <p:sp>
+        <p:nvSpPr>
+          <p:cNvPr id="2" name="Header Placeholder 1"/>
+          <p:cNvSpPr>
+            <a:spLocks noGrp="1"/>
+          </p:cNvSpPr>
+          <p:nvPr>
+            <p:ph type="hdr" sz="quarter"/>
+          </p:nvPr>
+        </p:nvSpPr>
+        <p:spPr>
+          <a:xfrm>
+            <a:off x="0" y="0"/>
+            <a:ext cx="2971800" cy="458788"/>
+          </a:xfrm>
+          <a:prstGeom prst="rect">
+            <a:avLst/>
+          </a:prstGeom>
+        </p:spPr>
+        <p:txBody>
+          <a:bodyPr vert="horz" lIns="91440" tIns="45720" rIns="91440" bIns="45720" rtlCol="0"/>
+          <a:lstStyle>
+            <a:lvl1pPr algn="l">
+              <a:defRPr sz="1200"/>
+            </a:lvl1pPr>
+          </a:lstStyle>
+          <a:p>
+            <a:endParaRPr lang="en-US"/>
+          </a:p>
+        </p:txBody>
+      </p:sp>
+      <p:sp>
+        <p:nvSpPr>
+          <p:cNvPr id="3" name="Date Placeholder 2"/>
+          <p:cNvSpPr>
+            <a:spLocks noGrp="1"/>
+          </p:cNvSpPr>
+          <p:nvPr>
+            <p:ph type="dt" idx="1"/>
+          </p:nvPr>
+        </p:nvSpPr>
+        <p:spPr>
+          <a:xfrm>
+            <a:off x="3884613" y="0"/>
+            <a:ext cx="2971800" cy="458788"/>
+          </a:xfrm>
+          <a:prstGeom prst="rect">
+            <a:avLst/>
+          </a:prstGeom>
+        </p:spPr>
+        <p:txBody>
+          <a:bodyPr vert="horz" lIns="91440" tIns="45720" rIns="91440" bIns="45720" rtlCol="0"/>
+          <a:lstStyle>
+            <a:lvl1pPr algn="r">
+              <a:defRPr sz="1200"/>
+            </a:lvl1pPr>
+          </a:lstStyle>
+          <a:p>
+            <a:fld id="{B1A855E2-DB13-48C7-94A0-C415C5BC6CA7}" type="datetimeFigureOut">
+              <a:rPr lang="en-US" smtClean="0"/>
+              <a:t>10/10/2021</a:t>
+            </a:fld>
+            <a:endParaRPr lang="en-US"/>
+          </a:p>
+        </p:txBody>
+      </p:sp>
+      <p:sp>
+        <p:nvSpPr>
+          <p:cNvPr id="4" name="Slide Image Placeholder 3"/>
+          <p:cNvSpPr>
+            <a:spLocks noGrp="1" noRot="1" noChangeAspect="1"/>
+          </p:cNvSpPr>
+          <p:nvPr>
+            <p:ph type="sldImg" idx="2"/>
+          </p:nvPr>
+        </p:nvSpPr>
+        <p:spPr>
+          <a:xfrm>
+            <a:off x="685800" y="1143000"/>
+            <a:ext cx="5486400" cy="3086100"/>
+          </a:xfrm>
+          <a:prstGeom prst="rect">
+            <a:avLst/>
+          </a:prstGeom>
+          <a:noFill/>
+          <a:ln w="12700">
+            <a:solidFill>
+              <a:prstClr val="black"/>
+            </a:solidFill>
+          </a:ln>
+        </p:spPr>
+        <p:txBody>
+          <a:bodyPr vert="horz" lIns="91440" tIns="45720" rIns="91440" bIns="45720" rtlCol="0" anchor="ctr"/>
+          <a:lstStyle/>
+          <a:p>
+            <a:endParaRPr lang="en-US"/>
+          </a:p>
+        </p:txBody>
+      </p:sp>
+      <p:sp>
+        <p:nvSpPr>
+          <p:cNvPr id="5" name="Notes Placeholder 4"/>
+          <p:cNvSpPr>
+            <a:spLocks noGrp="1"/>
+          </p:cNvSpPr>
+          <p:nvPr>
+            <p:ph type="body" sz="quarter" idx="3"/>
+          </p:nvPr>
+        </p:nvSpPr>
+        <p:spPr>
+          <a:xfrm>
+            <a:off x="685800" y="4400550"/>
+            <a:ext cx="5486400" cy="3600450"/>
+          </a:xfrm>
+          <a:prstGeom prst="rect">
+            <a:avLst/>
+          </a:prstGeom>
+        </p:spPr>
+        <p:txBody>
+          <a:bodyPr vert="horz" lIns="91440" tIns="45720" rIns="91440" bIns="45720" rtlCol="0"/>
+          <a:lstStyle/>
+          <a:p>
+            <a:pPr lvl="0"/>
+            <a:r>
+              <a:rPr lang="en-US"/>
+              <a:t>Click to edit Master text styles</a:t>
+            </a:r>
+          </a:p>
+          <a:p>
+            <a:pPr lvl="1"/>
+            <a:r>
+              <a:rPr lang="en-US"/>
+              <a:t>Second level</a:t>
+            </a:r>
+          </a:p>
+          <a:p>
+            <a:pPr lvl="2"/>
+            <a:r>
+              <a:rPr lang="en-US"/>
+              <a:t>Third level</a:t>
+            </a:r>
+          </a:p>
+          <a:p>
+            <a:pPr lvl="3"/>
+            <a:r>
+              <a:rPr lang="en-US"/>
+              <a:t>Fourth level</a:t>
+            </a:r>
+          </a:p>
+          <a:p>
+            <a:pPr lvl="4"/>
+            <a:r>
+              <a:rPr lang="en-US"/>
+              <a:t>Fifth level</a:t>
+            </a:r>
+          </a:p>
+        </p:txBody>
+      </p:sp>
+      <p:sp>
+        <p:nvSpPr>
+          <p:cNvPr id="6" name="Footer Placeholder 5"/>
+          <p:cNvSpPr>
+            <a:spLocks noGrp="1"/>
+          </p:cNvSpPr>
+          <p:nvPr>
+            <p:ph type="ftr" sz="quarter" idx="4"/>
+          </p:nvPr>
+        </p:nvSpPr>
+        <p:spPr>
+          <a:xfrm>
+            <a:off x="0" y="8685213"/>
+            <a:ext cx="2971800" cy="458787"/>
+          </a:xfrm>
+          <a:prstGeom prst="rect">
+            <a:avLst/>
+          </a:prstGeom>
+        </p:spPr>
+        <p:txBody>
+          <a:bodyPr vert="horz" lIns="91440" tIns="45720" rIns="91440" bIns="45720" rtlCol="0" anchor="b"/>
+          <a:lstStyle>
+            <a:lvl1pPr algn="l">
+              <a:defRPr sz="1200"/>
+            </a:lvl1pPr>
+          </a:lstStyle>
+          <a:p>
+            <a:endParaRPr lang="en-US"/>
+          </a:p>
+        </p:txBody>
+      </p:sp>
+      <p:sp>
+        <p:nvSpPr>
+          <p:cNvPr id="7" name="Slide Number Placeholder 6"/>
+          <p:cNvSpPr>
+            <a:spLocks noGrp="1"/>
+          </p:cNvSpPr>
+          <p:nvPr>
+            <p:ph type="sldNum" sz="quarter" idx="5"/>
+          </p:nvPr>
+        </p:nvSpPr>
+        <p:spPr>
+          <a:xfrm>
+            <a:off x="3884613" y="8685213"/>
+            <a:ext cx="2971800" cy="458787"/>
+          </a:xfrm>
+          <a:prstGeom prst="rect">
+            <a:avLst/>
+          </a:prstGeom>
+        </p:spPr>
+        <p:txBody>
+          <a:bodyPr vert="horz" lIns="91440" tIns="45720" rIns="91440" bIns="45720" rtlCol="0" anchor="b"/>
+          <a:lstStyle>
+            <a:lvl1pPr algn="r">
+              <a:defRPr sz="1200"/>
+            </a:lvl1pPr>
+          </a:lstStyle>
+          <a:p>
+            <a:fld id="{3867F36A-245A-4821-878C-D325D05C74D3}" type="slidenum">
+              <a:rPr lang="en-US" smtClean="0"/>
+              <a:t>‹#›</a:t>
+            </a:fld>
+            <a:endParaRPr lang="en-US"/>
+          </a:p>
+        </p:txBody>
+      </p:sp>
+    </p:spTree>
+    <p:extLst>
+      <p:ext uri="{BB962C8B-B14F-4D97-AF65-F5344CB8AC3E}">
+        <p14:creationId xmlns:p14="http://schemas.microsoft.com/office/powerpoint/2010/main" val="2437089254"/>
+      </p:ext>
+    </p:extLst>
+  </p:cSld>
+  <p:clrMap bg1="lt1" tx1="dk1" bg2="lt2" tx2="dk2" accent1="accent1" accent2="accent2" accent3="accent3" accent4="accent4" accent5="accent5" accent6="accent6" hlink="hlink" folHlink="folHlink"/>
+  <p:notesStyle>
+    <a:lvl1pPr marL="0" algn="l" defTabSz="914400" rtl="0" eaLnBrk="1" latinLnBrk="0" hangingPunct="1">
+      <a:defRPr sz="1200" kern="1200">
+        <a:solidFill>
+          <a:schemeClr val="tx1"/>
+        </a:solidFill>
+        <a:latin typeface="+mn-lt"/>
+        <a:ea typeface="+mn-ea"/>
+        <a:cs typeface="+mn-cs"/>
+      </a:defRPr>
+    </a:lvl1pPr>
+    <a:lvl2pPr marL="457200" algn="l" defTabSz="914400" rtl="0" eaLnBrk="1" latinLnBrk="0" hangingPunct="1">
+      <a:defRPr sz="1200" kern="1200">
+        <a:solidFill>
+          <a:schemeClr val="tx1"/>
+        </a:solidFill>
+        <a:latin typeface="+mn-lt"/>
+        <a:ea typeface="+mn-ea"/>
+        <a:cs typeface="+mn-cs"/>
+      </a:defRPr>
+    </a:lvl2pPr>
+    <a:lvl3pPr marL="914400" algn="l" defTabSz="914400" rtl="0" eaLnBrk="1" latinLnBrk="0" hangingPunct="1">
+      <a:defRPr sz="1200" kern="1200">
+        <a:solidFill>
+          <a:schemeClr val="tx1"/>
+        </a:solidFill>
+        <a:latin typeface="+mn-lt"/>
+        <a:ea typeface="+mn-ea"/>
+        <a:cs typeface="+mn-cs"/>
+      </a:defRPr>
+    </a:lvl3pPr>
+    <a:lvl4pPr marL="1371600" algn="l" defTabSz="914400" rtl="0" eaLnBrk="1" latinLnBrk="0" hangingPunct="1">
+      <a:defRPr sz="1200" kern="1200">
+        <a:solidFill>
+          <a:schemeClr val="tx1"/>
+        </a:solidFill>
+        <a:latin typeface="+mn-lt"/>
+        <a:ea typeface="+mn-ea"/>
+        <a:cs typeface="+mn-cs"/>
+      </a:defRPr>
+    </a:lvl4pPr>
+    <a:lvl5pPr marL="1828800" algn="l" defTabSz="914400" rtl="0" eaLnBrk="1" latinLnBrk="0" hangingPunct="1">
+      <a:defRPr sz="1200" kern="1200">
+        <a:solidFill>
+          <a:schemeClr val="tx1"/>
+        </a:solidFill>
+        <a:latin typeface="+mn-lt"/>
+        <a:ea typeface="+mn-ea"/>
+        <a:cs typeface="+mn-cs"/>
+      </a:defRPr>
+    </a:lvl5pPr>
+    <a:lvl6pPr marL="2286000" algn="l" defTabSz="914400" rtl="0" eaLnBrk="1" latinLnBrk="0" hangingPunct="1">
+      <a:defRPr sz="1200" kern="1200">
+        <a:solidFill>
+          <a:schemeClr val="tx1"/>
+        </a:solidFill>
+        <a:latin typeface="+mn-lt"/>
+        <a:ea typeface="+mn-ea"/>
+        <a:cs typeface="+mn-cs"/>
+      </a:defRPr>
+    </a:lvl6pPr>
+    <a:lvl7pPr marL="2743200" algn="l" defTabSz="914400" rtl="0" eaLnBrk="1" latinLnBrk="0" hangingPunct="1">
+      <a:defRPr sz="1200" kern="1200">
+        <a:solidFill>
+          <a:schemeClr val="tx1"/>
+        </a:solidFill>
+        <a:latin typeface="+mn-lt"/>
+        <a:ea typeface="+mn-ea"/>
+        <a:cs typeface="+mn-cs"/>
+      </a:defRPr>
+    </a:lvl7pPr>
+    <a:lvl8pPr marL="3200400" algn="l" defTabSz="914400" rtl="0" eaLnBrk="1" latinLnBrk="0" hangingPunct="1">
+      <a:defRPr sz="1200" kern="1200">
+        <a:solidFill>
+          <a:schemeClr val="tx1"/>
+        </a:solidFill>
+        <a:latin typeface="+mn-lt"/>
+        <a:ea typeface="+mn-ea"/>
+        <a:cs typeface="+mn-cs"/>
+      </a:defRPr>
+    </a:lvl8pPr>
+    <a:lvl9pPr marL="3657600" algn="l" defTabSz="914400" rtl="0" eaLnBrk="1" latinLnBrk="0" hangingPunct="1">
+      <a:defRPr sz="1200" kern="1200">
+        <a:solidFill>
+          <a:schemeClr val="tx1"/>
+        </a:solidFill>
+        <a:latin typeface="+mn-lt"/>
+        <a:ea typeface="+mn-ea"/>
+        <a:cs typeface="+mn-cs"/>
+      </a:defRPr>
+    </a:lvl9pPr>
+  </p:notesStyle>
+</p:notesMaster>
+</file>
+
+<file path=ppt/notesSlides/notesSlide1.xml><?xml version="1.0" encoding="utf-8"?>
+<p:notes xmlns:a="http://schemas.openxmlformats.org/drawingml/2006/main" xmlns:r="http://schemas.openxmlformats.org/officeDocument/2006/relationships" xmlns:p="http://schemas.openxmlformats.org/presentationml/2006/main">
+  <p:cSld>
+    <p:spTree>
+      <p:nvGrpSpPr>
+        <p:cNvPr id="1" name=""/>
+        <p:cNvGrpSpPr/>
+        <p:nvPr/>
+      </p:nvGrpSpPr>
+      <p:grpSpPr>
+        <a:xfrm>
+          <a:off x="0" y="0"/>
+          <a:ext cx="0" cy="0"/>
+          <a:chOff x="0" y="0"/>
+          <a:chExt cx="0" cy="0"/>
+        </a:xfrm>
+      </p:grpSpPr>
+      <p:sp>
+        <p:nvSpPr>
+          <p:cNvPr id="2" name="Slide Image Placeholder 1"/>
+          <p:cNvSpPr>
+            <a:spLocks noGrp="1" noRot="1" noChangeAspect="1"/>
+          </p:cNvSpPr>
+          <p:nvPr>
+            <p:ph type="sldImg"/>
+          </p:nvPr>
+        </p:nvSpPr>
+        <p:spPr/>
+      </p:sp>
+      <p:sp>
+        <p:nvSpPr>
+          <p:cNvPr id="3" name="Notes Placeholder 2"/>
+          <p:cNvSpPr>
+            <a:spLocks noGrp="1"/>
+          </p:cNvSpPr>
+          <p:nvPr>
+            <p:ph type="body" idx="1"/>
+          </p:nvPr>
+        </p:nvSpPr>
+        <p:spPr/>
+        <p:txBody>
+          <a:bodyPr/>
+          <a:lstStyle/>
+          <a:p>
+            <a:r>
+              <a:rPr lang="en-US" dirty="0"/>
+              <a:t> 1.   How many breweries are present in each state?</a:t>
+            </a:r>
+          </a:p>
+        </p:txBody>
+      </p:sp>
+      <p:sp>
+        <p:nvSpPr>
+          <p:cNvPr id="4" name="Slide Number Placeholder 3"/>
+          <p:cNvSpPr>
+            <a:spLocks noGrp="1"/>
+          </p:cNvSpPr>
+          <p:nvPr>
+            <p:ph type="sldNum" sz="quarter" idx="5"/>
+          </p:nvPr>
+        </p:nvSpPr>
+        <p:spPr/>
+        <p:txBody>
+          <a:bodyPr/>
+          <a:lstStyle/>
+          <a:p>
+            <a:fld id="{3867F36A-245A-4821-878C-D325D05C74D3}" type="slidenum">
+              <a:rPr lang="en-US" smtClean="0"/>
+              <a:t>2</a:t>
+            </a:fld>
+            <a:endParaRPr lang="en-US"/>
+          </a:p>
+        </p:txBody>
+      </p:sp>
+    </p:spTree>
+    <p:extLst>
+      <p:ext uri="{BB962C8B-B14F-4D97-AF65-F5344CB8AC3E}">
+        <p14:creationId xmlns:p14="http://schemas.microsoft.com/office/powerpoint/2010/main" val="4274396063"/>
+      </p:ext>
+    </p:extLst>
+  </p:cSld>
+  <p:clrMapOvr>
+    <a:masterClrMapping/>
+  </p:clrMapOvr>
+</p:notes>
+</file>
+
+<file path=ppt/notesSlides/notesSlide2.xml><?xml version="1.0" encoding="utf-8"?>
+<p:notes xmlns:a="http://schemas.openxmlformats.org/drawingml/2006/main" xmlns:r="http://schemas.openxmlformats.org/officeDocument/2006/relationships" xmlns:p="http://schemas.openxmlformats.org/presentationml/2006/main">
+  <p:cSld>
+    <p:spTree>
+      <p:nvGrpSpPr>
+        <p:cNvPr id="1" name=""/>
+        <p:cNvGrpSpPr/>
+        <p:nvPr/>
+      </p:nvGrpSpPr>
+      <p:grpSpPr>
+        <a:xfrm>
+          <a:off x="0" y="0"/>
+          <a:ext cx="0" cy="0"/>
+          <a:chOff x="0" y="0"/>
+          <a:chExt cx="0" cy="0"/>
+        </a:xfrm>
+      </p:grpSpPr>
+      <p:sp>
+        <p:nvSpPr>
+          <p:cNvPr id="2" name="Slide Image Placeholder 1"/>
+          <p:cNvSpPr>
+            <a:spLocks noGrp="1" noRot="1" noChangeAspect="1"/>
+          </p:cNvSpPr>
+          <p:nvPr>
+            <p:ph type="sldImg"/>
+          </p:nvPr>
+        </p:nvSpPr>
+        <p:spPr/>
+      </p:sp>
+      <p:sp>
+        <p:nvSpPr>
+          <p:cNvPr id="3" name="Notes Placeholder 2"/>
+          <p:cNvSpPr>
+            <a:spLocks noGrp="1"/>
+          </p:cNvSpPr>
+          <p:nvPr>
+            <p:ph type="body" idx="1"/>
+          </p:nvPr>
+        </p:nvSpPr>
+        <p:spPr/>
+        <p:txBody>
+          <a:bodyPr/>
+          <a:lstStyle/>
+          <a:p>
+            <a:r>
+              <a:rPr lang="en-US" dirty="0"/>
+              <a:t>3.   Address the missing values in each column.</a:t>
+            </a:r>
+          </a:p>
+        </p:txBody>
+      </p:sp>
+      <p:sp>
+        <p:nvSpPr>
+          <p:cNvPr id="4" name="Slide Number Placeholder 3"/>
+          <p:cNvSpPr>
+            <a:spLocks noGrp="1"/>
+          </p:cNvSpPr>
+          <p:nvPr>
+            <p:ph type="sldNum" sz="quarter" idx="5"/>
+          </p:nvPr>
+        </p:nvSpPr>
+        <p:spPr/>
+        <p:txBody>
+          <a:bodyPr/>
+          <a:lstStyle/>
+          <a:p>
+            <a:fld id="{3867F36A-245A-4821-878C-D325D05C74D3}" type="slidenum">
+              <a:rPr lang="en-US" smtClean="0"/>
+              <a:t>3</a:t>
+            </a:fld>
+            <a:endParaRPr lang="en-US"/>
+          </a:p>
+        </p:txBody>
+      </p:sp>
+    </p:spTree>
+    <p:extLst>
+      <p:ext uri="{BB962C8B-B14F-4D97-AF65-F5344CB8AC3E}">
+        <p14:creationId xmlns:p14="http://schemas.microsoft.com/office/powerpoint/2010/main" val="3730460193"/>
+      </p:ext>
+    </p:extLst>
+  </p:cSld>
+  <p:clrMapOvr>
+    <a:masterClrMapping/>
+  </p:clrMapOvr>
+</p:notes>
+</file>
+
+<file path=ppt/notesSlides/notesSlide3.xml><?xml version="1.0" encoding="utf-8"?>
+<p:notes xmlns:a="http://schemas.openxmlformats.org/drawingml/2006/main" xmlns:r="http://schemas.openxmlformats.org/officeDocument/2006/relationships" xmlns:p="http://schemas.openxmlformats.org/presentationml/2006/main">
+  <p:cSld>
+    <p:spTree>
+      <p:nvGrpSpPr>
+        <p:cNvPr id="1" name=""/>
+        <p:cNvGrpSpPr/>
+        <p:nvPr/>
+      </p:nvGrpSpPr>
+      <p:grpSpPr>
+        <a:xfrm>
+          <a:off x="0" y="0"/>
+          <a:ext cx="0" cy="0"/>
+          <a:chOff x="0" y="0"/>
+          <a:chExt cx="0" cy="0"/>
+        </a:xfrm>
+      </p:grpSpPr>
+      <p:sp>
+        <p:nvSpPr>
+          <p:cNvPr id="2" name="Slide Image Placeholder 1"/>
+          <p:cNvSpPr>
+            <a:spLocks noGrp="1" noRot="1" noChangeAspect="1"/>
+          </p:cNvSpPr>
+          <p:nvPr>
+            <p:ph type="sldImg"/>
+          </p:nvPr>
+        </p:nvSpPr>
+        <p:spPr/>
+      </p:sp>
+      <p:sp>
+        <p:nvSpPr>
+          <p:cNvPr id="3" name="Notes Placeholder 2"/>
+          <p:cNvSpPr>
+            <a:spLocks noGrp="1"/>
+          </p:cNvSpPr>
+          <p:nvPr>
+            <p:ph type="body" idx="1"/>
+          </p:nvPr>
+        </p:nvSpPr>
+        <p:spPr/>
+        <p:txBody>
+          <a:bodyPr/>
+          <a:lstStyle/>
+          <a:p>
+            <a:r>
+              <a:rPr lang="en-US" dirty="0"/>
+              <a:t> 4.   Compute the median alcohol content </a:t>
+            </a:r>
+          </a:p>
+          <a:p>
+            <a:r>
+              <a:rPr lang="en-US" dirty="0"/>
+              <a:t> 5.   Which state has the maximum alcoholic (ABV) beer? Which state has the most bitter (IBU) beer? and international bitterness unit for each state. </a:t>
+            </a:r>
+          </a:p>
+        </p:txBody>
+      </p:sp>
+      <p:sp>
+        <p:nvSpPr>
+          <p:cNvPr id="4" name="Slide Number Placeholder 3"/>
+          <p:cNvSpPr>
+            <a:spLocks noGrp="1"/>
+          </p:cNvSpPr>
+          <p:nvPr>
+            <p:ph type="sldNum" sz="quarter" idx="5"/>
+          </p:nvPr>
+        </p:nvSpPr>
+        <p:spPr/>
+        <p:txBody>
+          <a:bodyPr/>
+          <a:lstStyle/>
+          <a:p>
+            <a:fld id="{3867F36A-245A-4821-878C-D325D05C74D3}" type="slidenum">
+              <a:rPr lang="en-US" smtClean="0"/>
+              <a:t>4</a:t>
+            </a:fld>
+            <a:endParaRPr lang="en-US"/>
+          </a:p>
+        </p:txBody>
+      </p:sp>
+    </p:spTree>
+    <p:extLst>
+      <p:ext uri="{BB962C8B-B14F-4D97-AF65-F5344CB8AC3E}">
+        <p14:creationId xmlns:p14="http://schemas.microsoft.com/office/powerpoint/2010/main" val="1701898880"/>
+      </p:ext>
+    </p:extLst>
+  </p:cSld>
+  <p:clrMapOvr>
+    <a:masterClrMapping/>
+  </p:clrMapOvr>
+</p:notes>
+</file>
+
+<file path=ppt/notesSlides/notesSlide4.xml><?xml version="1.0" encoding="utf-8"?>
+<p:notes xmlns:a="http://schemas.openxmlformats.org/drawingml/2006/main" xmlns:r="http://schemas.openxmlformats.org/officeDocument/2006/relationships" xmlns:p="http://schemas.openxmlformats.org/presentationml/2006/main">
+  <p:cSld>
+    <p:spTree>
+      <p:nvGrpSpPr>
+        <p:cNvPr id="1" name=""/>
+        <p:cNvGrpSpPr/>
+        <p:nvPr/>
+      </p:nvGrpSpPr>
+      <p:grpSpPr>
+        <a:xfrm>
+          <a:off x="0" y="0"/>
+          <a:ext cx="0" cy="0"/>
+          <a:chOff x="0" y="0"/>
+          <a:chExt cx="0" cy="0"/>
+        </a:xfrm>
+      </p:grpSpPr>
+      <p:sp>
+        <p:nvSpPr>
+          <p:cNvPr id="2" name="Slide Image Placeholder 1"/>
+          <p:cNvSpPr>
+            <a:spLocks noGrp="1" noRot="1" noChangeAspect="1"/>
+          </p:cNvSpPr>
+          <p:nvPr>
+            <p:ph type="sldImg"/>
+          </p:nvPr>
+        </p:nvSpPr>
+        <p:spPr/>
+      </p:sp>
+      <p:sp>
+        <p:nvSpPr>
+          <p:cNvPr id="3" name="Notes Placeholder 2"/>
+          <p:cNvSpPr>
+            <a:spLocks noGrp="1"/>
+          </p:cNvSpPr>
+          <p:nvPr>
+            <p:ph type="body" idx="1"/>
+          </p:nvPr>
+        </p:nvSpPr>
+        <p:spPr/>
+        <p:txBody>
+          <a:bodyPr/>
+          <a:lstStyle/>
+          <a:p>
+            <a:pPr marL="228600" indent="-228600">
+              <a:buAutoNum type="arabicPeriod" startAt="6"/>
+            </a:pPr>
+            <a:r>
+              <a:rPr lang="en-US" dirty="0"/>
+              <a:t>Comment on the summary statistics and distribution of the ABV variable.</a:t>
+            </a:r>
+          </a:p>
+        </p:txBody>
+      </p:sp>
+      <p:sp>
+        <p:nvSpPr>
+          <p:cNvPr id="4" name="Slide Number Placeholder 3"/>
+          <p:cNvSpPr>
+            <a:spLocks noGrp="1"/>
+          </p:cNvSpPr>
+          <p:nvPr>
+            <p:ph type="sldNum" sz="quarter" idx="5"/>
+          </p:nvPr>
+        </p:nvSpPr>
+        <p:spPr/>
+        <p:txBody>
+          <a:bodyPr/>
+          <a:lstStyle/>
+          <a:p>
+            <a:fld id="{3867F36A-245A-4821-878C-D325D05C74D3}" type="slidenum">
+              <a:rPr lang="en-US" smtClean="0"/>
+              <a:t>5</a:t>
+            </a:fld>
+            <a:endParaRPr lang="en-US"/>
+          </a:p>
+        </p:txBody>
+      </p:sp>
+    </p:spTree>
+    <p:extLst>
+      <p:ext uri="{BB962C8B-B14F-4D97-AF65-F5344CB8AC3E}">
+        <p14:creationId xmlns:p14="http://schemas.microsoft.com/office/powerpoint/2010/main" val="484930026"/>
+      </p:ext>
+    </p:extLst>
+  </p:cSld>
+  <p:clrMapOvr>
+    <a:masterClrMapping/>
+  </p:clrMapOvr>
+</p:notes>
+</file>
+
+<file path=ppt/notesSlides/notesSlide5.xml><?xml version="1.0" encoding="utf-8"?>
+<p:notes xmlns:a="http://schemas.openxmlformats.org/drawingml/2006/main" xmlns:r="http://schemas.openxmlformats.org/officeDocument/2006/relationships" xmlns:p="http://schemas.openxmlformats.org/presentationml/2006/main">
+  <p:cSld>
+    <p:spTree>
+      <p:nvGrpSpPr>
+        <p:cNvPr id="1" name=""/>
+        <p:cNvGrpSpPr/>
+        <p:nvPr/>
+      </p:nvGrpSpPr>
+      <p:grpSpPr>
+        <a:xfrm>
+          <a:off x="0" y="0"/>
+          <a:ext cx="0" cy="0"/>
+          <a:chOff x="0" y="0"/>
+          <a:chExt cx="0" cy="0"/>
+        </a:xfrm>
+      </p:grpSpPr>
+      <p:sp>
+        <p:nvSpPr>
+          <p:cNvPr id="2" name="Slide Image Placeholder 1"/>
+          <p:cNvSpPr>
+            <a:spLocks noGrp="1" noRot="1" noChangeAspect="1"/>
+          </p:cNvSpPr>
+          <p:nvPr>
+            <p:ph type="sldImg"/>
+          </p:nvPr>
+        </p:nvSpPr>
+        <p:spPr/>
+      </p:sp>
+      <p:sp>
+        <p:nvSpPr>
+          <p:cNvPr id="3" name="Notes Placeholder 2"/>
+          <p:cNvSpPr>
+            <a:spLocks noGrp="1"/>
+          </p:cNvSpPr>
+          <p:nvPr>
+            <p:ph type="body" idx="1"/>
+          </p:nvPr>
+        </p:nvSpPr>
+        <p:spPr/>
+        <p:txBody>
+          <a:bodyPr/>
+          <a:lstStyle/>
+          <a:p>
+            <a:pPr marL="0" indent="0">
+              <a:buNone/>
+            </a:pPr>
+            <a:r>
+              <a:rPr lang="en-US" dirty="0"/>
+              <a:t>7.   Is there an apparent relationship between the bitterness of the beer and its alcoholic content?</a:t>
+            </a:r>
+          </a:p>
+        </p:txBody>
+      </p:sp>
+      <p:sp>
+        <p:nvSpPr>
+          <p:cNvPr id="4" name="Slide Number Placeholder 3"/>
+          <p:cNvSpPr>
+            <a:spLocks noGrp="1"/>
+          </p:cNvSpPr>
+          <p:nvPr>
+            <p:ph type="sldNum" sz="quarter" idx="5"/>
+          </p:nvPr>
+        </p:nvSpPr>
+        <p:spPr/>
+        <p:txBody>
+          <a:bodyPr/>
+          <a:lstStyle/>
+          <a:p>
+            <a:fld id="{3867F36A-245A-4821-878C-D325D05C74D3}" type="slidenum">
+              <a:rPr lang="en-US" smtClean="0"/>
+              <a:t>6</a:t>
+            </a:fld>
+            <a:endParaRPr lang="en-US"/>
+          </a:p>
+        </p:txBody>
+      </p:sp>
+    </p:spTree>
+    <p:extLst>
+      <p:ext uri="{BB962C8B-B14F-4D97-AF65-F5344CB8AC3E}">
+        <p14:creationId xmlns:p14="http://schemas.microsoft.com/office/powerpoint/2010/main" val="3783401219"/>
+      </p:ext>
+    </p:extLst>
+  </p:cSld>
+  <p:clrMapOvr>
+    <a:masterClrMapping/>
+  </p:clrMapOvr>
+</p:notes>
+</file>
+
 <file path=ppt/slideLayouts/slideLayout1.xml><?xml version="1.0" encoding="utf-8"?>
-<p:sldLayout xmlns:a="http://schemas.openxmlformats.org/drawingml/2006/main" xmlns:r="http://schemas.openxmlformats.org/officeDocument/2006/relationships" xmlns:p="http://schemas.openxmlformats.org/presentationml/2006/main" type="title" preserve="1">
+<p:sldLayout xmlns:a="http://schemas.openxmlformats.org/drawingml/2006/main" xmlns:r="http://schemas.openxmlformats.org/officeDocument/2006/relationships" xmlns:p="http://schemas.openxmlformats.org/presentationml/2006/main" showMasterSp="0" type="title" preserve="1">
   <p:cSld name="Title Slide">
     <p:spTree>
       <p:nvGrpSpPr>
@@ -125,15 +933,539 @@
           <a:chExt cx="0" cy="0"/>
         </a:xfrm>
       </p:grpSpPr>
-      <p:sp>
-        <p:nvSpPr>
-          <p:cNvPr id="2" name="Title 1">
-            <a:extLst>
-              <a:ext uri="{FF2B5EF4-FFF2-40B4-BE49-F238E27FC236}">
-                <a16:creationId xmlns:a16="http://schemas.microsoft.com/office/drawing/2014/main" id="{B11B89C7-E4A8-4FBB-AD61-1C26487FFC97}"/>
-              </a:ext>
-            </a:extLst>
-          </p:cNvPr>
+      <p:grpSp>
+        <p:nvGrpSpPr>
+          <p:cNvPr id="7" name="Group 6"/>
+          <p:cNvGrpSpPr/>
+          <p:nvPr/>
+        </p:nvGrpSpPr>
+        <p:grpSpPr>
+          <a:xfrm>
+            <a:off x="0" y="-8467"/>
+            <a:ext cx="12192000" cy="6866467"/>
+            <a:chOff x="0" y="-8467"/>
+            <a:chExt cx="12192000" cy="6866467"/>
+          </a:xfrm>
+        </p:grpSpPr>
+        <p:cxnSp>
+          <p:nvCxnSpPr>
+            <p:cNvPr id="32" name="Straight Connector 31"/>
+            <p:cNvCxnSpPr/>
+            <p:nvPr/>
+          </p:nvCxnSpPr>
+          <p:spPr>
+            <a:xfrm>
+              <a:off x="9371012" y="0"/>
+              <a:ext cx="1219200" cy="6858000"/>
+            </a:xfrm>
+            <a:prstGeom prst="line">
+              <a:avLst/>
+            </a:prstGeom>
+            <a:ln w="9525">
+              <a:solidFill>
+                <a:schemeClr val="bg1">
+                  <a:lumMod val="75000"/>
+                </a:schemeClr>
+              </a:solidFill>
+            </a:ln>
+          </p:spPr>
+          <p:style>
+            <a:lnRef idx="2">
+              <a:schemeClr val="accent1"/>
+            </a:lnRef>
+            <a:fillRef idx="0">
+              <a:schemeClr val="accent1"/>
+            </a:fillRef>
+            <a:effectRef idx="1">
+              <a:schemeClr val="accent1"/>
+            </a:effectRef>
+            <a:fontRef idx="minor">
+              <a:schemeClr val="tx1"/>
+            </a:fontRef>
+          </p:style>
+        </p:cxnSp>
+        <p:cxnSp>
+          <p:nvCxnSpPr>
+            <p:cNvPr id="21" name="Straight Connector 20"/>
+            <p:cNvCxnSpPr/>
+            <p:nvPr/>
+          </p:nvCxnSpPr>
+          <p:spPr>
+            <a:xfrm flipH="1">
+              <a:off x="7425267" y="3681413"/>
+              <a:ext cx="4763558" cy="3176587"/>
+            </a:xfrm>
+            <a:prstGeom prst="line">
+              <a:avLst/>
+            </a:prstGeom>
+            <a:ln w="9525">
+              <a:solidFill>
+                <a:schemeClr val="bg1">
+                  <a:lumMod val="85000"/>
+                </a:schemeClr>
+              </a:solidFill>
+            </a:ln>
+          </p:spPr>
+          <p:style>
+            <a:lnRef idx="2">
+              <a:schemeClr val="accent1"/>
+            </a:lnRef>
+            <a:fillRef idx="0">
+              <a:schemeClr val="accent1"/>
+            </a:fillRef>
+            <a:effectRef idx="1">
+              <a:schemeClr val="accent1"/>
+            </a:effectRef>
+            <a:fontRef idx="minor">
+              <a:schemeClr val="tx1"/>
+            </a:fontRef>
+          </p:style>
+        </p:cxnSp>
+        <p:sp>
+          <p:nvSpPr>
+            <p:cNvPr id="24" name="Rectangle 23"/>
+            <p:cNvSpPr/>
+            <p:nvPr/>
+          </p:nvSpPr>
+          <p:spPr>
+            <a:xfrm>
+              <a:off x="9181476" y="-8467"/>
+              <a:ext cx="3007349" cy="6866467"/>
+            </a:xfrm>
+            <a:custGeom>
+              <a:avLst/>
+              <a:gdLst/>
+              <a:ahLst/>
+              <a:cxnLst/>
+              <a:rect l="l" t="t" r="r" b="b"/>
+              <a:pathLst>
+                <a:path w="3007349" h="6866467">
+                  <a:moveTo>
+                    <a:pt x="2045532" y="0"/>
+                  </a:moveTo>
+                  <a:lnTo>
+                    <a:pt x="3007349" y="0"/>
+                  </a:lnTo>
+                  <a:lnTo>
+                    <a:pt x="3007349" y="6866467"/>
+                  </a:lnTo>
+                  <a:lnTo>
+                    <a:pt x="0" y="6866467"/>
+                  </a:lnTo>
+                  <a:lnTo>
+                    <a:pt x="2045532" y="0"/>
+                  </a:lnTo>
+                  <a:close/>
+                </a:path>
+              </a:pathLst>
+            </a:custGeom>
+            <a:solidFill>
+              <a:schemeClr val="accent1">
+                <a:alpha val="30000"/>
+              </a:schemeClr>
+            </a:solidFill>
+            <a:ln>
+              <a:noFill/>
+            </a:ln>
+            <a:effectLst/>
+          </p:spPr>
+          <p:style>
+            <a:lnRef idx="1">
+              <a:schemeClr val="accent1"/>
+            </a:lnRef>
+            <a:fillRef idx="3">
+              <a:schemeClr val="accent1"/>
+            </a:fillRef>
+            <a:effectRef idx="2">
+              <a:schemeClr val="accent1"/>
+            </a:effectRef>
+            <a:fontRef idx="minor">
+              <a:schemeClr val="lt1"/>
+            </a:fontRef>
+          </p:style>
+        </p:sp>
+        <p:sp>
+          <p:nvSpPr>
+            <p:cNvPr id="26" name="Rectangle 25"/>
+            <p:cNvSpPr/>
+            <p:nvPr/>
+          </p:nvSpPr>
+          <p:spPr>
+            <a:xfrm>
+              <a:off x="9603442" y="-8467"/>
+              <a:ext cx="2588558" cy="6866467"/>
+            </a:xfrm>
+            <a:custGeom>
+              <a:avLst/>
+              <a:gdLst/>
+              <a:ahLst/>
+              <a:cxnLst/>
+              <a:rect l="l" t="t" r="r" b="b"/>
+              <a:pathLst>
+                <a:path w="2573311" h="6866467">
+                  <a:moveTo>
+                    <a:pt x="0" y="0"/>
+                  </a:moveTo>
+                  <a:lnTo>
+                    <a:pt x="2573311" y="0"/>
+                  </a:lnTo>
+                  <a:lnTo>
+                    <a:pt x="2573311" y="6866467"/>
+                  </a:lnTo>
+                  <a:lnTo>
+                    <a:pt x="1202336" y="6866467"/>
+                  </a:lnTo>
+                  <a:lnTo>
+                    <a:pt x="0" y="0"/>
+                  </a:lnTo>
+                  <a:close/>
+                </a:path>
+              </a:pathLst>
+            </a:custGeom>
+            <a:solidFill>
+              <a:schemeClr val="accent1">
+                <a:alpha val="20000"/>
+              </a:schemeClr>
+            </a:solidFill>
+            <a:ln>
+              <a:noFill/>
+            </a:ln>
+            <a:effectLst/>
+          </p:spPr>
+          <p:style>
+            <a:lnRef idx="1">
+              <a:schemeClr val="accent1"/>
+            </a:lnRef>
+            <a:fillRef idx="3">
+              <a:schemeClr val="accent1"/>
+            </a:fillRef>
+            <a:effectRef idx="2">
+              <a:schemeClr val="accent1"/>
+            </a:effectRef>
+            <a:fontRef idx="minor">
+              <a:schemeClr val="lt1"/>
+            </a:fontRef>
+          </p:style>
+        </p:sp>
+        <p:sp>
+          <p:nvSpPr>
+            <p:cNvPr id="27" name="Isosceles Triangle 26"/>
+            <p:cNvSpPr/>
+            <p:nvPr/>
+          </p:nvSpPr>
+          <p:spPr>
+            <a:xfrm>
+              <a:off x="8932333" y="3048000"/>
+              <a:ext cx="3259667" cy="3810000"/>
+            </a:xfrm>
+            <a:prstGeom prst="triangle">
+              <a:avLst>
+                <a:gd name="adj" fmla="val 100000"/>
+              </a:avLst>
+            </a:prstGeom>
+            <a:solidFill>
+              <a:schemeClr val="accent2">
+                <a:alpha val="72000"/>
+              </a:schemeClr>
+            </a:solidFill>
+            <a:ln>
+              <a:noFill/>
+            </a:ln>
+            <a:effectLst/>
+          </p:spPr>
+          <p:style>
+            <a:lnRef idx="1">
+              <a:schemeClr val="accent1"/>
+            </a:lnRef>
+            <a:fillRef idx="3">
+              <a:schemeClr val="accent1"/>
+            </a:fillRef>
+            <a:effectRef idx="2">
+              <a:schemeClr val="accent1"/>
+            </a:effectRef>
+            <a:fontRef idx="minor">
+              <a:schemeClr val="lt1"/>
+            </a:fontRef>
+          </p:style>
+        </p:sp>
+        <p:sp>
+          <p:nvSpPr>
+            <p:cNvPr id="28" name="Rectangle 27"/>
+            <p:cNvSpPr/>
+            <p:nvPr/>
+          </p:nvSpPr>
+          <p:spPr>
+            <a:xfrm>
+              <a:off x="9334500" y="-8467"/>
+              <a:ext cx="2854326" cy="6866467"/>
+            </a:xfrm>
+            <a:custGeom>
+              <a:avLst/>
+              <a:gdLst/>
+              <a:ahLst/>
+              <a:cxnLst/>
+              <a:rect l="l" t="t" r="r" b="b"/>
+              <a:pathLst>
+                <a:path w="2858013" h="6866467">
+                  <a:moveTo>
+                    <a:pt x="0" y="0"/>
+                  </a:moveTo>
+                  <a:lnTo>
+                    <a:pt x="2858013" y="0"/>
+                  </a:lnTo>
+                  <a:lnTo>
+                    <a:pt x="2858013" y="6866467"/>
+                  </a:lnTo>
+                  <a:lnTo>
+                    <a:pt x="2473942" y="6866467"/>
+                  </a:lnTo>
+                  <a:lnTo>
+                    <a:pt x="0" y="0"/>
+                  </a:lnTo>
+                  <a:close/>
+                </a:path>
+              </a:pathLst>
+            </a:custGeom>
+            <a:solidFill>
+              <a:schemeClr val="accent2">
+                <a:lumMod val="75000"/>
+                <a:alpha val="70000"/>
+              </a:schemeClr>
+            </a:solidFill>
+            <a:ln>
+              <a:noFill/>
+            </a:ln>
+            <a:effectLst/>
+          </p:spPr>
+          <p:style>
+            <a:lnRef idx="1">
+              <a:schemeClr val="accent1"/>
+            </a:lnRef>
+            <a:fillRef idx="3">
+              <a:schemeClr val="accent1"/>
+            </a:fillRef>
+            <a:effectRef idx="2">
+              <a:schemeClr val="accent1"/>
+            </a:effectRef>
+            <a:fontRef idx="minor">
+              <a:schemeClr val="lt1"/>
+            </a:fontRef>
+          </p:style>
+        </p:sp>
+        <p:sp>
+          <p:nvSpPr>
+            <p:cNvPr id="29" name="Rectangle 28"/>
+            <p:cNvSpPr/>
+            <p:nvPr/>
+          </p:nvSpPr>
+          <p:spPr>
+            <a:xfrm>
+              <a:off x="10898730" y="-8467"/>
+              <a:ext cx="1290094" cy="6866467"/>
+            </a:xfrm>
+            <a:custGeom>
+              <a:avLst/>
+              <a:gdLst/>
+              <a:ahLst/>
+              <a:cxnLst/>
+              <a:rect l="l" t="t" r="r" b="b"/>
+              <a:pathLst>
+                <a:path w="1290094" h="6858000">
+                  <a:moveTo>
+                    <a:pt x="1019735" y="0"/>
+                  </a:moveTo>
+                  <a:lnTo>
+                    <a:pt x="1290094" y="0"/>
+                  </a:lnTo>
+                  <a:lnTo>
+                    <a:pt x="1290094" y="6858000"/>
+                  </a:lnTo>
+                  <a:lnTo>
+                    <a:pt x="0" y="6858000"/>
+                  </a:lnTo>
+                  <a:lnTo>
+                    <a:pt x="1019735" y="0"/>
+                  </a:lnTo>
+                  <a:close/>
+                </a:path>
+              </a:pathLst>
+            </a:custGeom>
+            <a:solidFill>
+              <a:schemeClr val="accent1">
+                <a:lumMod val="60000"/>
+                <a:lumOff val="40000"/>
+                <a:alpha val="70000"/>
+              </a:schemeClr>
+            </a:solidFill>
+            <a:ln>
+              <a:noFill/>
+            </a:ln>
+            <a:effectLst/>
+          </p:spPr>
+          <p:style>
+            <a:lnRef idx="1">
+              <a:schemeClr val="accent1"/>
+            </a:lnRef>
+            <a:fillRef idx="3">
+              <a:schemeClr val="accent1"/>
+            </a:fillRef>
+            <a:effectRef idx="2">
+              <a:schemeClr val="accent1"/>
+            </a:effectRef>
+            <a:fontRef idx="minor">
+              <a:schemeClr val="lt1"/>
+            </a:fontRef>
+          </p:style>
+        </p:sp>
+        <p:sp>
+          <p:nvSpPr>
+            <p:cNvPr id="30" name="Rectangle 29"/>
+            <p:cNvSpPr/>
+            <p:nvPr/>
+          </p:nvSpPr>
+          <p:spPr>
+            <a:xfrm>
+              <a:off x="10938999" y="-8467"/>
+              <a:ext cx="1249825" cy="6866467"/>
+            </a:xfrm>
+            <a:custGeom>
+              <a:avLst/>
+              <a:gdLst/>
+              <a:ahLst/>
+              <a:cxnLst/>
+              <a:rect l="l" t="t" r="r" b="b"/>
+              <a:pathLst>
+                <a:path w="1249825" h="6858000">
+                  <a:moveTo>
+                    <a:pt x="0" y="0"/>
+                  </a:moveTo>
+                  <a:lnTo>
+                    <a:pt x="1249825" y="0"/>
+                  </a:lnTo>
+                  <a:lnTo>
+                    <a:pt x="1249825" y="6858000"/>
+                  </a:lnTo>
+                  <a:lnTo>
+                    <a:pt x="1109382" y="6858000"/>
+                  </a:lnTo>
+                  <a:lnTo>
+                    <a:pt x="0" y="0"/>
+                  </a:lnTo>
+                  <a:close/>
+                </a:path>
+              </a:pathLst>
+            </a:custGeom>
+            <a:solidFill>
+              <a:schemeClr val="accent1">
+                <a:alpha val="65000"/>
+              </a:schemeClr>
+            </a:solidFill>
+            <a:ln>
+              <a:noFill/>
+            </a:ln>
+            <a:effectLst/>
+          </p:spPr>
+          <p:style>
+            <a:lnRef idx="1">
+              <a:schemeClr val="accent1"/>
+            </a:lnRef>
+            <a:fillRef idx="3">
+              <a:schemeClr val="accent1"/>
+            </a:fillRef>
+            <a:effectRef idx="2">
+              <a:schemeClr val="accent1"/>
+            </a:effectRef>
+            <a:fontRef idx="minor">
+              <a:schemeClr val="lt1"/>
+            </a:fontRef>
+          </p:style>
+        </p:sp>
+        <p:sp>
+          <p:nvSpPr>
+            <p:cNvPr id="31" name="Isosceles Triangle 30"/>
+            <p:cNvSpPr/>
+            <p:nvPr/>
+          </p:nvSpPr>
+          <p:spPr>
+            <a:xfrm>
+              <a:off x="10371666" y="3589867"/>
+              <a:ext cx="1817159" cy="3268133"/>
+            </a:xfrm>
+            <a:prstGeom prst="triangle">
+              <a:avLst>
+                <a:gd name="adj" fmla="val 100000"/>
+              </a:avLst>
+            </a:prstGeom>
+            <a:solidFill>
+              <a:schemeClr val="accent1">
+                <a:alpha val="80000"/>
+              </a:schemeClr>
+            </a:solidFill>
+            <a:ln>
+              <a:noFill/>
+            </a:ln>
+            <a:effectLst/>
+          </p:spPr>
+          <p:style>
+            <a:lnRef idx="1">
+              <a:schemeClr val="accent1"/>
+            </a:lnRef>
+            <a:fillRef idx="3">
+              <a:schemeClr val="accent1"/>
+            </a:fillRef>
+            <a:effectRef idx="2">
+              <a:schemeClr val="accent1"/>
+            </a:effectRef>
+            <a:fontRef idx="minor">
+              <a:schemeClr val="lt1"/>
+            </a:fontRef>
+          </p:style>
+        </p:sp>
+        <p:sp>
+          <p:nvSpPr>
+            <p:cNvPr id="19" name="Isosceles Triangle 18"/>
+            <p:cNvSpPr/>
+            <p:nvPr/>
+          </p:nvSpPr>
+          <p:spPr>
+            <a:xfrm rot="10800000">
+              <a:off x="0" y="0"/>
+              <a:ext cx="842596" cy="5666154"/>
+            </a:xfrm>
+            <a:prstGeom prst="triangle">
+              <a:avLst>
+                <a:gd name="adj" fmla="val 100000"/>
+              </a:avLst>
+            </a:prstGeom>
+            <a:solidFill>
+              <a:schemeClr val="accent1">
+                <a:alpha val="85000"/>
+              </a:schemeClr>
+            </a:solidFill>
+            <a:ln>
+              <a:noFill/>
+            </a:ln>
+            <a:effectLst/>
+          </p:spPr>
+          <p:style>
+            <a:lnRef idx="1">
+              <a:schemeClr val="accent1"/>
+            </a:lnRef>
+            <a:fillRef idx="3">
+              <a:schemeClr val="accent1"/>
+            </a:fillRef>
+            <a:effectRef idx="2">
+              <a:schemeClr val="accent1"/>
+            </a:effectRef>
+            <a:fontRef idx="minor">
+              <a:schemeClr val="lt1"/>
+            </a:fontRef>
+          </p:style>
+        </p:sp>
+      </p:grpSp>
+      <p:sp>
+        <p:nvSpPr>
+          <p:cNvPr id="2" name="Title 1"/>
           <p:cNvSpPr>
             <a:spLocks noGrp="1"/>
           </p:cNvSpPr>
@@ -143,15 +1475,21 @@
         </p:nvSpPr>
         <p:spPr>
           <a:xfrm>
-            <a:off x="1524000" y="1122363"/>
-            <a:ext cx="9144000" cy="2387600"/>
+            <a:off x="1507067" y="2404534"/>
+            <a:ext cx="7766936" cy="1646302"/>
           </a:xfrm>
         </p:spPr>
         <p:txBody>
-          <a:bodyPr anchor="b"/>
+          <a:bodyPr anchor="b">
+            <a:noAutofit/>
+          </a:bodyPr>
           <a:lstStyle>
-            <a:lvl1pPr algn="ctr">
-              <a:defRPr sz="6000"/>
+            <a:lvl1pPr algn="r">
+              <a:defRPr sz="5400">
+                <a:solidFill>
+                  <a:schemeClr val="accent1"/>
+                </a:solidFill>
+              </a:defRPr>
             </a:lvl1pPr>
           </a:lstStyle>
           <a:p>
@@ -159,18 +1497,13 @@
               <a:rPr lang="en-US"/>
               <a:t>Click to edit Master title style</a:t>
             </a:r>
-          </a:p>
-        </p:txBody>
-      </p:sp>
-      <p:sp>
-        <p:nvSpPr>
-          <p:cNvPr id="3" name="Subtitle 2">
-            <a:extLst>
-              <a:ext uri="{FF2B5EF4-FFF2-40B4-BE49-F238E27FC236}">
-                <a16:creationId xmlns:a16="http://schemas.microsoft.com/office/drawing/2014/main" id="{2CCF6581-ADC0-4783-9487-2D78DE579D9C}"/>
-              </a:ext>
-            </a:extLst>
-          </p:cNvPr>
+            <a:endParaRPr lang="en-US" dirty="0"/>
+          </a:p>
+        </p:txBody>
+      </p:sp>
+      <p:sp>
+        <p:nvSpPr>
+          <p:cNvPr id="3" name="Subtitle 2"/>
           <p:cNvSpPr>
             <a:spLocks noGrp="1"/>
           </p:cNvSpPr>
@@ -180,48 +1513,103 @@
         </p:nvSpPr>
         <p:spPr>
           <a:xfrm>
-            <a:off x="1524000" y="3602038"/>
-            <a:ext cx="9144000" cy="1655762"/>
+            <a:off x="1507067" y="4050833"/>
+            <a:ext cx="7766936" cy="1096899"/>
           </a:xfrm>
         </p:spPr>
         <p:txBody>
-          <a:bodyPr/>
+          <a:bodyPr anchor="t"/>
           <a:lstStyle>
-            <a:lvl1pPr marL="0" indent="0" algn="ctr">
-              <a:buNone/>
-              <a:defRPr sz="2400"/>
+            <a:lvl1pPr marL="0" indent="0" algn="r">
+              <a:buNone/>
+              <a:defRPr>
+                <a:solidFill>
+                  <a:schemeClr val="tx1">
+                    <a:lumMod val="50000"/>
+                    <a:lumOff val="50000"/>
+                  </a:schemeClr>
+                </a:solidFill>
+              </a:defRPr>
             </a:lvl1pPr>
             <a:lvl2pPr marL="457200" indent="0" algn="ctr">
               <a:buNone/>
-              <a:defRPr sz="2000"/>
+              <a:defRPr>
+                <a:solidFill>
+                  <a:schemeClr val="tx1">
+                    <a:tint val="75000"/>
+                  </a:schemeClr>
+                </a:solidFill>
+              </a:defRPr>
             </a:lvl2pPr>
             <a:lvl3pPr marL="914400" indent="0" algn="ctr">
               <a:buNone/>
-              <a:defRPr sz="1800"/>
+              <a:defRPr>
+                <a:solidFill>
+                  <a:schemeClr val="tx1">
+                    <a:tint val="75000"/>
+                  </a:schemeClr>
+                </a:solidFill>
+              </a:defRPr>
             </a:lvl3pPr>
             <a:lvl4pPr marL="1371600" indent="0" algn="ctr">
               <a:buNone/>
-              <a:defRPr sz="1600"/>
+              <a:defRPr>
+                <a:solidFill>
+                  <a:schemeClr val="tx1">
+                    <a:tint val="75000"/>
+                  </a:schemeClr>
+                </a:solidFill>
+              </a:defRPr>
             </a:lvl4pPr>
             <a:lvl5pPr marL="1828800" indent="0" algn="ctr">
               <a:buNone/>
-              <a:defRPr sz="1600"/>
+              <a:defRPr>
+                <a:solidFill>
+                  <a:schemeClr val="tx1">
+                    <a:tint val="75000"/>
+                  </a:schemeClr>
+                </a:solidFill>
+              </a:defRPr>
             </a:lvl5pPr>
             <a:lvl6pPr marL="2286000" indent="0" algn="ctr">
               <a:buNone/>
-              <a:defRPr sz="1600"/>
+              <a:defRPr>
+                <a:solidFill>
+                  <a:schemeClr val="tx1">
+                    <a:tint val="75000"/>
+                  </a:schemeClr>
+                </a:solidFill>
+              </a:defRPr>
             </a:lvl6pPr>
             <a:lvl7pPr marL="2743200" indent="0" algn="ctr">
               <a:buNone/>
-              <a:defRPr sz="1600"/>
+              <a:defRPr>
+                <a:solidFill>
+                  <a:schemeClr val="tx1">
+                    <a:tint val="75000"/>
+                  </a:schemeClr>
+                </a:solidFill>
+              </a:defRPr>
             </a:lvl7pPr>
             <a:lvl8pPr marL="3200400" indent="0" algn="ctr">
               <a:buNone/>
-              <a:defRPr sz="1600"/>
+              <a:defRPr>
+                <a:solidFill>
+                  <a:schemeClr val="tx1">
+                    <a:tint val="75000"/>
+                  </a:schemeClr>
+                </a:solidFill>
+              </a:defRPr>
             </a:lvl8pPr>
             <a:lvl9pPr marL="3657600" indent="0" algn="ctr">
               <a:buNone/>
-              <a:defRPr sz="1600"/>
+              <a:defRPr>
+                <a:solidFill>
+                  <a:schemeClr val="tx1">
+                    <a:tint val="75000"/>
+                  </a:schemeClr>
+                </a:solidFill>
+              </a:defRPr>
             </a:lvl9pPr>
           </a:lstStyle>
           <a:p>
@@ -229,18 +1617,13 @@
               <a:rPr lang="en-US"/>
               <a:t>Click to edit Master subtitle style</a:t>
             </a:r>
-          </a:p>
-        </p:txBody>
-      </p:sp>
-      <p:sp>
-        <p:nvSpPr>
-          <p:cNvPr id="4" name="Date Placeholder 3">
-            <a:extLst>
-              <a:ext uri="{FF2B5EF4-FFF2-40B4-BE49-F238E27FC236}">
-                <a16:creationId xmlns:a16="http://schemas.microsoft.com/office/drawing/2014/main" id="{82D9B7E0-F752-4CC0-8723-2DDB3A44E812}"/>
-              </a:ext>
-            </a:extLst>
-          </p:cNvPr>
+            <a:endParaRPr lang="en-US" dirty="0"/>
+          </a:p>
+        </p:txBody>
+      </p:sp>
+      <p:sp>
+        <p:nvSpPr>
+          <p:cNvPr id="4" name="Date Placeholder 3"/>
           <p:cNvSpPr>
             <a:spLocks noGrp="1"/>
           </p:cNvSpPr>
@@ -255,7 +1638,7 @@
           <a:p>
             <a:fld id="{BCA1455B-9EF9-4F4B-83B7-0488328AF603}" type="datetimeFigureOut">
               <a:rPr lang="en-US" smtClean="0"/>
-              <a:t>10/8/2021</a:t>
+              <a:t>10/10/2021</a:t>
             </a:fld>
             <a:endParaRPr lang="en-US"/>
           </a:p>
@@ -263,13 +1646,7 @@
       </p:sp>
       <p:sp>
         <p:nvSpPr>
-          <p:cNvPr id="5" name="Footer Placeholder 4">
-            <a:extLst>
-              <a:ext uri="{FF2B5EF4-FFF2-40B4-BE49-F238E27FC236}">
-                <a16:creationId xmlns:a16="http://schemas.microsoft.com/office/drawing/2014/main" id="{AC32C67C-4A93-4AB2-8206-9523955BDFAE}"/>
-              </a:ext>
-            </a:extLst>
-          </p:cNvPr>
+          <p:cNvPr id="5" name="Footer Placeholder 4"/>
           <p:cNvSpPr>
             <a:spLocks noGrp="1"/>
           </p:cNvSpPr>
@@ -288,13 +1665,7 @@
       </p:sp>
       <p:sp>
         <p:nvSpPr>
-          <p:cNvPr id="6" name="Slide Number Placeholder 5">
-            <a:extLst>
-              <a:ext uri="{FF2B5EF4-FFF2-40B4-BE49-F238E27FC236}">
-                <a16:creationId xmlns:a16="http://schemas.microsoft.com/office/drawing/2014/main" id="{7ADBCA01-4114-4700-A73F-28672F6953DE}"/>
-              </a:ext>
-            </a:extLst>
-          </p:cNvPr>
+          <p:cNvPr id="6" name="Slide Number Placeholder 5"/>
           <p:cNvSpPr>
             <a:spLocks noGrp="1"/>
           </p:cNvSpPr>
@@ -318,7 +1689,7 @@
     </p:spTree>
     <p:extLst>
       <p:ext uri="{BB962C8B-B14F-4D97-AF65-F5344CB8AC3E}">
-        <p14:creationId xmlns:p14="http://schemas.microsoft.com/office/powerpoint/2010/main" val="4268456169"/>
+        <p14:creationId xmlns:p14="http://schemas.microsoft.com/office/powerpoint/2010/main" val="3111291466"/>
       </p:ext>
     </p:extLst>
   </p:cSld>
@@ -329,6 +1700,1619 @@
 </file>
 
 <file path=ppt/slideLayouts/slideLayout10.xml><?xml version="1.0" encoding="utf-8"?>
+<p:sldLayout xmlns:a="http://schemas.openxmlformats.org/drawingml/2006/main" xmlns:r="http://schemas.openxmlformats.org/officeDocument/2006/relationships" xmlns:p="http://schemas.openxmlformats.org/presentationml/2006/main" preserve="1">
+  <p:cSld name="Title and Caption">
+    <p:spTree>
+      <p:nvGrpSpPr>
+        <p:cNvPr id="1" name=""/>
+        <p:cNvGrpSpPr/>
+        <p:nvPr/>
+      </p:nvGrpSpPr>
+      <p:grpSpPr>
+        <a:xfrm>
+          <a:off x="0" y="0"/>
+          <a:ext cx="0" cy="0"/>
+          <a:chOff x="0" y="0"/>
+          <a:chExt cx="0" cy="0"/>
+        </a:xfrm>
+      </p:grpSpPr>
+      <p:sp>
+        <p:nvSpPr>
+          <p:cNvPr id="2" name="Title 1"/>
+          <p:cNvSpPr>
+            <a:spLocks noGrp="1"/>
+          </p:cNvSpPr>
+          <p:nvPr>
+            <p:ph type="title"/>
+          </p:nvPr>
+        </p:nvSpPr>
+        <p:spPr>
+          <a:xfrm>
+            <a:off x="677335" y="609600"/>
+            <a:ext cx="8596668" cy="3403600"/>
+          </a:xfrm>
+        </p:spPr>
+        <p:txBody>
+          <a:bodyPr anchor="ctr">
+            <a:normAutofit/>
+          </a:bodyPr>
+          <a:lstStyle>
+            <a:lvl1pPr algn="l">
+              <a:defRPr sz="4400" b="0" cap="none"/>
+            </a:lvl1pPr>
+          </a:lstStyle>
+          <a:p>
+            <a:r>
+              <a:rPr lang="en-US"/>
+              <a:t>Click to edit Master title style</a:t>
+            </a:r>
+            <a:endParaRPr lang="en-US" dirty="0"/>
+          </a:p>
+        </p:txBody>
+      </p:sp>
+      <p:sp>
+        <p:nvSpPr>
+          <p:cNvPr id="3" name="Text Placeholder 2"/>
+          <p:cNvSpPr>
+            <a:spLocks noGrp="1"/>
+          </p:cNvSpPr>
+          <p:nvPr>
+            <p:ph type="body" idx="1"/>
+          </p:nvPr>
+        </p:nvSpPr>
+        <p:spPr>
+          <a:xfrm>
+            <a:off x="677335" y="4470400"/>
+            <a:ext cx="8596668" cy="1570962"/>
+          </a:xfrm>
+        </p:spPr>
+        <p:txBody>
+          <a:bodyPr anchor="ctr">
+            <a:normAutofit/>
+          </a:bodyPr>
+          <a:lstStyle>
+            <a:lvl1pPr marL="0" indent="0" algn="l">
+              <a:buNone/>
+              <a:defRPr sz="1800">
+                <a:solidFill>
+                  <a:schemeClr val="tx1">
+                    <a:lumMod val="75000"/>
+                    <a:lumOff val="25000"/>
+                  </a:schemeClr>
+                </a:solidFill>
+              </a:defRPr>
+            </a:lvl1pPr>
+            <a:lvl2pPr marL="457200" indent="0">
+              <a:buNone/>
+              <a:defRPr sz="1800">
+                <a:solidFill>
+                  <a:schemeClr val="tx1">
+                    <a:tint val="75000"/>
+                  </a:schemeClr>
+                </a:solidFill>
+              </a:defRPr>
+            </a:lvl2pPr>
+            <a:lvl3pPr marL="914400" indent="0">
+              <a:buNone/>
+              <a:defRPr sz="1600">
+                <a:solidFill>
+                  <a:schemeClr val="tx1">
+                    <a:tint val="75000"/>
+                  </a:schemeClr>
+                </a:solidFill>
+              </a:defRPr>
+            </a:lvl3pPr>
+            <a:lvl4pPr marL="1371600" indent="0">
+              <a:buNone/>
+              <a:defRPr sz="1400">
+                <a:solidFill>
+                  <a:schemeClr val="tx1">
+                    <a:tint val="75000"/>
+                  </a:schemeClr>
+                </a:solidFill>
+              </a:defRPr>
+            </a:lvl4pPr>
+            <a:lvl5pPr marL="1828800" indent="0">
+              <a:buNone/>
+              <a:defRPr sz="1400">
+                <a:solidFill>
+                  <a:schemeClr val="tx1">
+                    <a:tint val="75000"/>
+                  </a:schemeClr>
+                </a:solidFill>
+              </a:defRPr>
+            </a:lvl5pPr>
+            <a:lvl6pPr marL="2286000" indent="0">
+              <a:buNone/>
+              <a:defRPr sz="1400">
+                <a:solidFill>
+                  <a:schemeClr val="tx1">
+                    <a:tint val="75000"/>
+                  </a:schemeClr>
+                </a:solidFill>
+              </a:defRPr>
+            </a:lvl6pPr>
+            <a:lvl7pPr marL="2743200" indent="0">
+              <a:buNone/>
+              <a:defRPr sz="1400">
+                <a:solidFill>
+                  <a:schemeClr val="tx1">
+                    <a:tint val="75000"/>
+                  </a:schemeClr>
+                </a:solidFill>
+              </a:defRPr>
+            </a:lvl7pPr>
+            <a:lvl8pPr marL="3200400" indent="0">
+              <a:buNone/>
+              <a:defRPr sz="1400">
+                <a:solidFill>
+                  <a:schemeClr val="tx1">
+                    <a:tint val="75000"/>
+                  </a:schemeClr>
+                </a:solidFill>
+              </a:defRPr>
+            </a:lvl8pPr>
+            <a:lvl9pPr marL="3657600" indent="0">
+              <a:buNone/>
+              <a:defRPr sz="1400">
+                <a:solidFill>
+                  <a:schemeClr val="tx1">
+                    <a:tint val="75000"/>
+                  </a:schemeClr>
+                </a:solidFill>
+              </a:defRPr>
+            </a:lvl9pPr>
+          </a:lstStyle>
+          <a:p>
+            <a:pPr lvl="0"/>
+            <a:r>
+              <a:rPr lang="en-US"/>
+              <a:t>Click to edit Master text styles</a:t>
+            </a:r>
+          </a:p>
+        </p:txBody>
+      </p:sp>
+      <p:sp>
+        <p:nvSpPr>
+          <p:cNvPr id="4" name="Date Placeholder 3"/>
+          <p:cNvSpPr>
+            <a:spLocks noGrp="1"/>
+          </p:cNvSpPr>
+          <p:nvPr>
+            <p:ph type="dt" sz="half" idx="10"/>
+          </p:nvPr>
+        </p:nvSpPr>
+        <p:spPr/>
+        <p:txBody>
+          <a:bodyPr/>
+          <a:lstStyle/>
+          <a:p>
+            <a:fld id="{BCA1455B-9EF9-4F4B-83B7-0488328AF603}" type="datetimeFigureOut">
+              <a:rPr lang="en-US" smtClean="0"/>
+              <a:t>10/10/2021</a:t>
+            </a:fld>
+            <a:endParaRPr lang="en-US"/>
+          </a:p>
+        </p:txBody>
+      </p:sp>
+      <p:sp>
+        <p:nvSpPr>
+          <p:cNvPr id="5" name="Footer Placeholder 4"/>
+          <p:cNvSpPr>
+            <a:spLocks noGrp="1"/>
+          </p:cNvSpPr>
+          <p:nvPr>
+            <p:ph type="ftr" sz="quarter" idx="11"/>
+          </p:nvPr>
+        </p:nvSpPr>
+        <p:spPr/>
+        <p:txBody>
+          <a:bodyPr/>
+          <a:lstStyle/>
+          <a:p>
+            <a:endParaRPr lang="en-US"/>
+          </a:p>
+        </p:txBody>
+      </p:sp>
+      <p:sp>
+        <p:nvSpPr>
+          <p:cNvPr id="6" name="Slide Number Placeholder 5"/>
+          <p:cNvSpPr>
+            <a:spLocks noGrp="1"/>
+          </p:cNvSpPr>
+          <p:nvPr>
+            <p:ph type="sldNum" sz="quarter" idx="12"/>
+          </p:nvPr>
+        </p:nvSpPr>
+        <p:spPr/>
+        <p:txBody>
+          <a:bodyPr/>
+          <a:lstStyle/>
+          <a:p>
+            <a:fld id="{96C00F60-76F1-45C6-98C5-E287DD13415A}" type="slidenum">
+              <a:rPr lang="en-US" smtClean="0"/>
+              <a:t>‹#›</a:t>
+            </a:fld>
+            <a:endParaRPr lang="en-US"/>
+          </a:p>
+        </p:txBody>
+      </p:sp>
+    </p:spTree>
+    <p:extLst>
+      <p:ext uri="{BB962C8B-B14F-4D97-AF65-F5344CB8AC3E}">
+        <p14:creationId xmlns:p14="http://schemas.microsoft.com/office/powerpoint/2010/main" val="3144071016"/>
+      </p:ext>
+    </p:extLst>
+  </p:cSld>
+  <p:clrMapOvr>
+    <a:masterClrMapping/>
+  </p:clrMapOvr>
+</p:sldLayout>
+</file>
+
+<file path=ppt/slideLayouts/slideLayout11.xml><?xml version="1.0" encoding="utf-8"?>
+<p:sldLayout xmlns:a="http://schemas.openxmlformats.org/drawingml/2006/main" xmlns:r="http://schemas.openxmlformats.org/officeDocument/2006/relationships" xmlns:p="http://schemas.openxmlformats.org/presentationml/2006/main" preserve="1">
+  <p:cSld name="Quote with Caption">
+    <p:spTree>
+      <p:nvGrpSpPr>
+        <p:cNvPr id="1" name=""/>
+        <p:cNvGrpSpPr/>
+        <p:nvPr/>
+      </p:nvGrpSpPr>
+      <p:grpSpPr>
+        <a:xfrm>
+          <a:off x="0" y="0"/>
+          <a:ext cx="0" cy="0"/>
+          <a:chOff x="0" y="0"/>
+          <a:chExt cx="0" cy="0"/>
+        </a:xfrm>
+      </p:grpSpPr>
+      <p:sp>
+        <p:nvSpPr>
+          <p:cNvPr id="2" name="Title 1"/>
+          <p:cNvSpPr>
+            <a:spLocks noGrp="1"/>
+          </p:cNvSpPr>
+          <p:nvPr>
+            <p:ph type="title"/>
+          </p:nvPr>
+        </p:nvSpPr>
+        <p:spPr>
+          <a:xfrm>
+            <a:off x="931334" y="609600"/>
+            <a:ext cx="8094134" cy="3022600"/>
+          </a:xfrm>
+        </p:spPr>
+        <p:txBody>
+          <a:bodyPr anchor="ctr">
+            <a:normAutofit/>
+          </a:bodyPr>
+          <a:lstStyle>
+            <a:lvl1pPr algn="l">
+              <a:defRPr sz="4400" b="0" cap="none"/>
+            </a:lvl1pPr>
+          </a:lstStyle>
+          <a:p>
+            <a:r>
+              <a:rPr lang="en-US"/>
+              <a:t>Click to edit Master title style</a:t>
+            </a:r>
+            <a:endParaRPr lang="en-US" dirty="0"/>
+          </a:p>
+        </p:txBody>
+      </p:sp>
+      <p:sp>
+        <p:nvSpPr>
+          <p:cNvPr id="23" name="Text Placeholder 9"/>
+          <p:cNvSpPr>
+            <a:spLocks noGrp="1"/>
+          </p:cNvSpPr>
+          <p:nvPr>
+            <p:ph type="body" sz="quarter" idx="13"/>
+          </p:nvPr>
+        </p:nvSpPr>
+        <p:spPr>
+          <a:xfrm>
+            <a:off x="1366139" y="3632200"/>
+            <a:ext cx="7224524" cy="381000"/>
+          </a:xfrm>
+        </p:spPr>
+        <p:txBody>
+          <a:bodyPr anchor="ctr">
+            <a:noAutofit/>
+          </a:bodyPr>
+          <a:lstStyle>
+            <a:lvl1pPr marL="0" indent="0">
+              <a:buFontTx/>
+              <a:buNone/>
+              <a:defRPr sz="1600">
+                <a:solidFill>
+                  <a:schemeClr val="tx1">
+                    <a:lumMod val="50000"/>
+                    <a:lumOff val="50000"/>
+                  </a:schemeClr>
+                </a:solidFill>
+              </a:defRPr>
+            </a:lvl1pPr>
+            <a:lvl2pPr marL="457200" indent="0">
+              <a:buFontTx/>
+              <a:buNone/>
+              <a:defRPr/>
+            </a:lvl2pPr>
+            <a:lvl3pPr marL="914400" indent="0">
+              <a:buFontTx/>
+              <a:buNone/>
+              <a:defRPr/>
+            </a:lvl3pPr>
+            <a:lvl4pPr marL="1371600" indent="0">
+              <a:buFontTx/>
+              <a:buNone/>
+              <a:defRPr/>
+            </a:lvl4pPr>
+            <a:lvl5pPr marL="1828800" indent="0">
+              <a:buFontTx/>
+              <a:buNone/>
+              <a:defRPr/>
+            </a:lvl5pPr>
+          </a:lstStyle>
+          <a:p>
+            <a:pPr lvl="0"/>
+            <a:r>
+              <a:rPr lang="en-US"/>
+              <a:t>Click to edit Master text styles</a:t>
+            </a:r>
+          </a:p>
+        </p:txBody>
+      </p:sp>
+      <p:sp>
+        <p:nvSpPr>
+          <p:cNvPr id="3" name="Text Placeholder 2"/>
+          <p:cNvSpPr>
+            <a:spLocks noGrp="1"/>
+          </p:cNvSpPr>
+          <p:nvPr>
+            <p:ph type="body" idx="1"/>
+          </p:nvPr>
+        </p:nvSpPr>
+        <p:spPr>
+          <a:xfrm>
+            <a:off x="677335" y="4470400"/>
+            <a:ext cx="8596668" cy="1570962"/>
+          </a:xfrm>
+        </p:spPr>
+        <p:txBody>
+          <a:bodyPr anchor="ctr">
+            <a:normAutofit/>
+          </a:bodyPr>
+          <a:lstStyle>
+            <a:lvl1pPr marL="0" indent="0" algn="l">
+              <a:buNone/>
+              <a:defRPr sz="1800">
+                <a:solidFill>
+                  <a:schemeClr val="tx1">
+                    <a:lumMod val="75000"/>
+                    <a:lumOff val="25000"/>
+                  </a:schemeClr>
+                </a:solidFill>
+              </a:defRPr>
+            </a:lvl1pPr>
+            <a:lvl2pPr marL="457200" indent="0">
+              <a:buNone/>
+              <a:defRPr sz="1800">
+                <a:solidFill>
+                  <a:schemeClr val="tx1">
+                    <a:tint val="75000"/>
+                  </a:schemeClr>
+                </a:solidFill>
+              </a:defRPr>
+            </a:lvl2pPr>
+            <a:lvl3pPr marL="914400" indent="0">
+              <a:buNone/>
+              <a:defRPr sz="1600">
+                <a:solidFill>
+                  <a:schemeClr val="tx1">
+                    <a:tint val="75000"/>
+                  </a:schemeClr>
+                </a:solidFill>
+              </a:defRPr>
+            </a:lvl3pPr>
+            <a:lvl4pPr marL="1371600" indent="0">
+              <a:buNone/>
+              <a:defRPr sz="1400">
+                <a:solidFill>
+                  <a:schemeClr val="tx1">
+                    <a:tint val="75000"/>
+                  </a:schemeClr>
+                </a:solidFill>
+              </a:defRPr>
+            </a:lvl4pPr>
+            <a:lvl5pPr marL="1828800" indent="0">
+              <a:buNone/>
+              <a:defRPr sz="1400">
+                <a:solidFill>
+                  <a:schemeClr val="tx1">
+                    <a:tint val="75000"/>
+                  </a:schemeClr>
+                </a:solidFill>
+              </a:defRPr>
+            </a:lvl5pPr>
+            <a:lvl6pPr marL="2286000" indent="0">
+              <a:buNone/>
+              <a:defRPr sz="1400">
+                <a:solidFill>
+                  <a:schemeClr val="tx1">
+                    <a:tint val="75000"/>
+                  </a:schemeClr>
+                </a:solidFill>
+              </a:defRPr>
+            </a:lvl6pPr>
+            <a:lvl7pPr marL="2743200" indent="0">
+              <a:buNone/>
+              <a:defRPr sz="1400">
+                <a:solidFill>
+                  <a:schemeClr val="tx1">
+                    <a:tint val="75000"/>
+                  </a:schemeClr>
+                </a:solidFill>
+              </a:defRPr>
+            </a:lvl7pPr>
+            <a:lvl8pPr marL="3200400" indent="0">
+              <a:buNone/>
+              <a:defRPr sz="1400">
+                <a:solidFill>
+                  <a:schemeClr val="tx1">
+                    <a:tint val="75000"/>
+                  </a:schemeClr>
+                </a:solidFill>
+              </a:defRPr>
+            </a:lvl8pPr>
+            <a:lvl9pPr marL="3657600" indent="0">
+              <a:buNone/>
+              <a:defRPr sz="1400">
+                <a:solidFill>
+                  <a:schemeClr val="tx1">
+                    <a:tint val="75000"/>
+                  </a:schemeClr>
+                </a:solidFill>
+              </a:defRPr>
+            </a:lvl9pPr>
+          </a:lstStyle>
+          <a:p>
+            <a:pPr lvl="0"/>
+            <a:r>
+              <a:rPr lang="en-US"/>
+              <a:t>Click to edit Master text styles</a:t>
+            </a:r>
+          </a:p>
+        </p:txBody>
+      </p:sp>
+      <p:sp>
+        <p:nvSpPr>
+          <p:cNvPr id="4" name="Date Placeholder 3"/>
+          <p:cNvSpPr>
+            <a:spLocks noGrp="1"/>
+          </p:cNvSpPr>
+          <p:nvPr>
+            <p:ph type="dt" sz="half" idx="10"/>
+          </p:nvPr>
+        </p:nvSpPr>
+        <p:spPr/>
+        <p:txBody>
+          <a:bodyPr/>
+          <a:lstStyle/>
+          <a:p>
+            <a:fld id="{BCA1455B-9EF9-4F4B-83B7-0488328AF603}" type="datetimeFigureOut">
+              <a:rPr lang="en-US" smtClean="0"/>
+              <a:t>10/10/2021</a:t>
+            </a:fld>
+            <a:endParaRPr lang="en-US"/>
+          </a:p>
+        </p:txBody>
+      </p:sp>
+      <p:sp>
+        <p:nvSpPr>
+          <p:cNvPr id="5" name="Footer Placeholder 4"/>
+          <p:cNvSpPr>
+            <a:spLocks noGrp="1"/>
+          </p:cNvSpPr>
+          <p:nvPr>
+            <p:ph type="ftr" sz="quarter" idx="11"/>
+          </p:nvPr>
+        </p:nvSpPr>
+        <p:spPr/>
+        <p:txBody>
+          <a:bodyPr/>
+          <a:lstStyle/>
+          <a:p>
+            <a:endParaRPr lang="en-US"/>
+          </a:p>
+        </p:txBody>
+      </p:sp>
+      <p:sp>
+        <p:nvSpPr>
+          <p:cNvPr id="6" name="Slide Number Placeholder 5"/>
+          <p:cNvSpPr>
+            <a:spLocks noGrp="1"/>
+          </p:cNvSpPr>
+          <p:nvPr>
+            <p:ph type="sldNum" sz="quarter" idx="12"/>
+          </p:nvPr>
+        </p:nvSpPr>
+        <p:spPr/>
+        <p:txBody>
+          <a:bodyPr/>
+          <a:lstStyle/>
+          <a:p>
+            <a:fld id="{96C00F60-76F1-45C6-98C5-E287DD13415A}" type="slidenum">
+              <a:rPr lang="en-US" smtClean="0"/>
+              <a:t>‹#›</a:t>
+            </a:fld>
+            <a:endParaRPr lang="en-US"/>
+          </a:p>
+        </p:txBody>
+      </p:sp>
+      <p:sp>
+        <p:nvSpPr>
+          <p:cNvPr id="20" name="TextBox 19"/>
+          <p:cNvSpPr txBox="1"/>
+          <p:nvPr/>
+        </p:nvSpPr>
+        <p:spPr>
+          <a:xfrm>
+            <a:off x="541870" y="790378"/>
+            <a:ext cx="609600" cy="584776"/>
+          </a:xfrm>
+          <a:prstGeom prst="rect">
+            <a:avLst/>
+          </a:prstGeom>
+        </p:spPr>
+        <p:txBody>
+          <a:bodyPr vert="horz" lIns="91440" tIns="45720" rIns="91440" bIns="45720" rtlCol="0" anchor="ctr">
+            <a:noAutofit/>
+          </a:bodyPr>
+          <a:lstStyle/>
+          <a:p>
+            <a:pPr lvl="0"/>
+            <a:r>
+              <a:rPr lang="en-US" sz="8000" baseline="0" dirty="0">
+                <a:ln w="3175" cmpd="sng">
+                  <a:noFill/>
+                </a:ln>
+                <a:solidFill>
+                  <a:schemeClr val="accent1">
+                    <a:lumMod val="60000"/>
+                    <a:lumOff val="40000"/>
+                  </a:schemeClr>
+                </a:solidFill>
+                <a:effectLst/>
+                <a:latin typeface="Arial"/>
+              </a:rPr>
+              <a:t>“</a:t>
+            </a:r>
+          </a:p>
+        </p:txBody>
+      </p:sp>
+      <p:sp>
+        <p:nvSpPr>
+          <p:cNvPr id="22" name="TextBox 21"/>
+          <p:cNvSpPr txBox="1"/>
+          <p:nvPr/>
+        </p:nvSpPr>
+        <p:spPr>
+          <a:xfrm>
+            <a:off x="8893011" y="2886556"/>
+            <a:ext cx="609600" cy="584776"/>
+          </a:xfrm>
+          <a:prstGeom prst="rect">
+            <a:avLst/>
+          </a:prstGeom>
+        </p:spPr>
+        <p:txBody>
+          <a:bodyPr vert="horz" lIns="91440" tIns="45720" rIns="91440" bIns="45720" rtlCol="0" anchor="ctr">
+            <a:noAutofit/>
+          </a:bodyPr>
+          <a:lstStyle/>
+          <a:p>
+            <a:pPr lvl="0"/>
+            <a:r>
+              <a:rPr lang="en-US" sz="8000" baseline="0" dirty="0">
+                <a:ln w="3175" cmpd="sng">
+                  <a:noFill/>
+                </a:ln>
+                <a:solidFill>
+                  <a:schemeClr val="accent1">
+                    <a:lumMod val="60000"/>
+                    <a:lumOff val="40000"/>
+                  </a:schemeClr>
+                </a:solidFill>
+                <a:latin typeface="Arial"/>
+              </a:rPr>
+              <a:t>”</a:t>
+            </a:r>
+            <a:endParaRPr lang="en-US" dirty="0">
+              <a:solidFill>
+                <a:schemeClr val="accent1">
+                  <a:lumMod val="60000"/>
+                  <a:lumOff val="40000"/>
+                </a:schemeClr>
+              </a:solidFill>
+              <a:latin typeface="Arial"/>
+            </a:endParaRPr>
+          </a:p>
+        </p:txBody>
+      </p:sp>
+    </p:spTree>
+    <p:extLst>
+      <p:ext uri="{BB962C8B-B14F-4D97-AF65-F5344CB8AC3E}">
+        <p14:creationId xmlns:p14="http://schemas.microsoft.com/office/powerpoint/2010/main" val="1789058129"/>
+      </p:ext>
+    </p:extLst>
+  </p:cSld>
+  <p:clrMapOvr>
+    <a:masterClrMapping/>
+  </p:clrMapOvr>
+</p:sldLayout>
+</file>
+
+<file path=ppt/slideLayouts/slideLayout12.xml><?xml version="1.0" encoding="utf-8"?>
+<p:sldLayout xmlns:a="http://schemas.openxmlformats.org/drawingml/2006/main" xmlns:r="http://schemas.openxmlformats.org/officeDocument/2006/relationships" xmlns:p="http://schemas.openxmlformats.org/presentationml/2006/main" preserve="1">
+  <p:cSld name="Name Card">
+    <p:spTree>
+      <p:nvGrpSpPr>
+        <p:cNvPr id="1" name=""/>
+        <p:cNvGrpSpPr/>
+        <p:nvPr/>
+      </p:nvGrpSpPr>
+      <p:grpSpPr>
+        <a:xfrm>
+          <a:off x="0" y="0"/>
+          <a:ext cx="0" cy="0"/>
+          <a:chOff x="0" y="0"/>
+          <a:chExt cx="0" cy="0"/>
+        </a:xfrm>
+      </p:grpSpPr>
+      <p:sp>
+        <p:nvSpPr>
+          <p:cNvPr id="2" name="Title 1"/>
+          <p:cNvSpPr>
+            <a:spLocks noGrp="1"/>
+          </p:cNvSpPr>
+          <p:nvPr>
+            <p:ph type="title"/>
+          </p:nvPr>
+        </p:nvSpPr>
+        <p:spPr>
+          <a:xfrm>
+            <a:off x="677335" y="1931988"/>
+            <a:ext cx="8596668" cy="2595460"/>
+          </a:xfrm>
+        </p:spPr>
+        <p:txBody>
+          <a:bodyPr anchor="b">
+            <a:normAutofit/>
+          </a:bodyPr>
+          <a:lstStyle>
+            <a:lvl1pPr algn="l">
+              <a:defRPr sz="4400" b="0" cap="none"/>
+            </a:lvl1pPr>
+          </a:lstStyle>
+          <a:p>
+            <a:r>
+              <a:rPr lang="en-US"/>
+              <a:t>Click to edit Master title style</a:t>
+            </a:r>
+            <a:endParaRPr lang="en-US" dirty="0"/>
+          </a:p>
+        </p:txBody>
+      </p:sp>
+      <p:sp>
+        <p:nvSpPr>
+          <p:cNvPr id="3" name="Text Placeholder 2"/>
+          <p:cNvSpPr>
+            <a:spLocks noGrp="1"/>
+          </p:cNvSpPr>
+          <p:nvPr>
+            <p:ph type="body" idx="1"/>
+          </p:nvPr>
+        </p:nvSpPr>
+        <p:spPr>
+          <a:xfrm>
+            <a:off x="677335" y="4527448"/>
+            <a:ext cx="8596668" cy="1513914"/>
+          </a:xfrm>
+        </p:spPr>
+        <p:txBody>
+          <a:bodyPr anchor="t">
+            <a:normAutofit/>
+          </a:bodyPr>
+          <a:lstStyle>
+            <a:lvl1pPr marL="0" indent="0" algn="l">
+              <a:buNone/>
+              <a:defRPr sz="1800">
+                <a:solidFill>
+                  <a:schemeClr val="tx1">
+                    <a:lumMod val="75000"/>
+                    <a:lumOff val="25000"/>
+                  </a:schemeClr>
+                </a:solidFill>
+              </a:defRPr>
+            </a:lvl1pPr>
+            <a:lvl2pPr marL="457200" indent="0">
+              <a:buNone/>
+              <a:defRPr sz="1800">
+                <a:solidFill>
+                  <a:schemeClr val="tx1">
+                    <a:tint val="75000"/>
+                  </a:schemeClr>
+                </a:solidFill>
+              </a:defRPr>
+            </a:lvl2pPr>
+            <a:lvl3pPr marL="914400" indent="0">
+              <a:buNone/>
+              <a:defRPr sz="1600">
+                <a:solidFill>
+                  <a:schemeClr val="tx1">
+                    <a:tint val="75000"/>
+                  </a:schemeClr>
+                </a:solidFill>
+              </a:defRPr>
+            </a:lvl3pPr>
+            <a:lvl4pPr marL="1371600" indent="0">
+              <a:buNone/>
+              <a:defRPr sz="1400">
+                <a:solidFill>
+                  <a:schemeClr val="tx1">
+                    <a:tint val="75000"/>
+                  </a:schemeClr>
+                </a:solidFill>
+              </a:defRPr>
+            </a:lvl4pPr>
+            <a:lvl5pPr marL="1828800" indent="0">
+              <a:buNone/>
+              <a:defRPr sz="1400">
+                <a:solidFill>
+                  <a:schemeClr val="tx1">
+                    <a:tint val="75000"/>
+                  </a:schemeClr>
+                </a:solidFill>
+              </a:defRPr>
+            </a:lvl5pPr>
+            <a:lvl6pPr marL="2286000" indent="0">
+              <a:buNone/>
+              <a:defRPr sz="1400">
+                <a:solidFill>
+                  <a:schemeClr val="tx1">
+                    <a:tint val="75000"/>
+                  </a:schemeClr>
+                </a:solidFill>
+              </a:defRPr>
+            </a:lvl6pPr>
+            <a:lvl7pPr marL="2743200" indent="0">
+              <a:buNone/>
+              <a:defRPr sz="1400">
+                <a:solidFill>
+                  <a:schemeClr val="tx1">
+                    <a:tint val="75000"/>
+                  </a:schemeClr>
+                </a:solidFill>
+              </a:defRPr>
+            </a:lvl7pPr>
+            <a:lvl8pPr marL="3200400" indent="0">
+              <a:buNone/>
+              <a:defRPr sz="1400">
+                <a:solidFill>
+                  <a:schemeClr val="tx1">
+                    <a:tint val="75000"/>
+                  </a:schemeClr>
+                </a:solidFill>
+              </a:defRPr>
+            </a:lvl8pPr>
+            <a:lvl9pPr marL="3657600" indent="0">
+              <a:buNone/>
+              <a:defRPr sz="1400">
+                <a:solidFill>
+                  <a:schemeClr val="tx1">
+                    <a:tint val="75000"/>
+                  </a:schemeClr>
+                </a:solidFill>
+              </a:defRPr>
+            </a:lvl9pPr>
+          </a:lstStyle>
+          <a:p>
+            <a:pPr lvl="0"/>
+            <a:r>
+              <a:rPr lang="en-US"/>
+              <a:t>Click to edit Master text styles</a:t>
+            </a:r>
+          </a:p>
+        </p:txBody>
+      </p:sp>
+      <p:sp>
+        <p:nvSpPr>
+          <p:cNvPr id="4" name="Date Placeholder 3"/>
+          <p:cNvSpPr>
+            <a:spLocks noGrp="1"/>
+          </p:cNvSpPr>
+          <p:nvPr>
+            <p:ph type="dt" sz="half" idx="10"/>
+          </p:nvPr>
+        </p:nvSpPr>
+        <p:spPr/>
+        <p:txBody>
+          <a:bodyPr/>
+          <a:lstStyle/>
+          <a:p>
+            <a:fld id="{BCA1455B-9EF9-4F4B-83B7-0488328AF603}" type="datetimeFigureOut">
+              <a:rPr lang="en-US" smtClean="0"/>
+              <a:t>10/10/2021</a:t>
+            </a:fld>
+            <a:endParaRPr lang="en-US"/>
+          </a:p>
+        </p:txBody>
+      </p:sp>
+      <p:sp>
+        <p:nvSpPr>
+          <p:cNvPr id="5" name="Footer Placeholder 4"/>
+          <p:cNvSpPr>
+            <a:spLocks noGrp="1"/>
+          </p:cNvSpPr>
+          <p:nvPr>
+            <p:ph type="ftr" sz="quarter" idx="11"/>
+          </p:nvPr>
+        </p:nvSpPr>
+        <p:spPr/>
+        <p:txBody>
+          <a:bodyPr/>
+          <a:lstStyle/>
+          <a:p>
+            <a:endParaRPr lang="en-US"/>
+          </a:p>
+        </p:txBody>
+      </p:sp>
+      <p:sp>
+        <p:nvSpPr>
+          <p:cNvPr id="6" name="Slide Number Placeholder 5"/>
+          <p:cNvSpPr>
+            <a:spLocks noGrp="1"/>
+          </p:cNvSpPr>
+          <p:nvPr>
+            <p:ph type="sldNum" sz="quarter" idx="12"/>
+          </p:nvPr>
+        </p:nvSpPr>
+        <p:spPr/>
+        <p:txBody>
+          <a:bodyPr/>
+          <a:lstStyle/>
+          <a:p>
+            <a:fld id="{96C00F60-76F1-45C6-98C5-E287DD13415A}" type="slidenum">
+              <a:rPr lang="en-US" smtClean="0"/>
+              <a:t>‹#›</a:t>
+            </a:fld>
+            <a:endParaRPr lang="en-US"/>
+          </a:p>
+        </p:txBody>
+      </p:sp>
+    </p:spTree>
+    <p:extLst>
+      <p:ext uri="{BB962C8B-B14F-4D97-AF65-F5344CB8AC3E}">
+        <p14:creationId xmlns:p14="http://schemas.microsoft.com/office/powerpoint/2010/main" val="1428419080"/>
+      </p:ext>
+    </p:extLst>
+  </p:cSld>
+  <p:clrMapOvr>
+    <a:masterClrMapping/>
+  </p:clrMapOvr>
+</p:sldLayout>
+</file>
+
+<file path=ppt/slideLayouts/slideLayout13.xml><?xml version="1.0" encoding="utf-8"?>
+<p:sldLayout xmlns:a="http://schemas.openxmlformats.org/drawingml/2006/main" xmlns:r="http://schemas.openxmlformats.org/officeDocument/2006/relationships" xmlns:p="http://schemas.openxmlformats.org/presentationml/2006/main" preserve="1">
+  <p:cSld name="Quote Name Card">
+    <p:spTree>
+      <p:nvGrpSpPr>
+        <p:cNvPr id="1" name=""/>
+        <p:cNvGrpSpPr/>
+        <p:nvPr/>
+      </p:nvGrpSpPr>
+      <p:grpSpPr>
+        <a:xfrm>
+          <a:off x="0" y="0"/>
+          <a:ext cx="0" cy="0"/>
+          <a:chOff x="0" y="0"/>
+          <a:chExt cx="0" cy="0"/>
+        </a:xfrm>
+      </p:grpSpPr>
+      <p:sp>
+        <p:nvSpPr>
+          <p:cNvPr id="2" name="Title 1"/>
+          <p:cNvSpPr>
+            <a:spLocks noGrp="1"/>
+          </p:cNvSpPr>
+          <p:nvPr>
+            <p:ph type="title"/>
+          </p:nvPr>
+        </p:nvSpPr>
+        <p:spPr>
+          <a:xfrm>
+            <a:off x="931334" y="609600"/>
+            <a:ext cx="8094134" cy="3022600"/>
+          </a:xfrm>
+        </p:spPr>
+        <p:txBody>
+          <a:bodyPr anchor="ctr">
+            <a:normAutofit/>
+          </a:bodyPr>
+          <a:lstStyle>
+            <a:lvl1pPr algn="l">
+              <a:defRPr sz="4400" b="0" cap="none"/>
+            </a:lvl1pPr>
+          </a:lstStyle>
+          <a:p>
+            <a:r>
+              <a:rPr lang="en-US"/>
+              <a:t>Click to edit Master title style</a:t>
+            </a:r>
+            <a:endParaRPr lang="en-US" dirty="0"/>
+          </a:p>
+        </p:txBody>
+      </p:sp>
+      <p:sp>
+        <p:nvSpPr>
+          <p:cNvPr id="23" name="Text Placeholder 9"/>
+          <p:cNvSpPr>
+            <a:spLocks noGrp="1"/>
+          </p:cNvSpPr>
+          <p:nvPr>
+            <p:ph type="body" sz="quarter" idx="13"/>
+          </p:nvPr>
+        </p:nvSpPr>
+        <p:spPr>
+          <a:xfrm>
+            <a:off x="677332" y="4013200"/>
+            <a:ext cx="8596669" cy="514248"/>
+          </a:xfrm>
+        </p:spPr>
+        <p:txBody>
+          <a:bodyPr anchor="b">
+            <a:noAutofit/>
+          </a:bodyPr>
+          <a:lstStyle>
+            <a:lvl1pPr marL="0" indent="0">
+              <a:buFontTx/>
+              <a:buNone/>
+              <a:defRPr sz="2400">
+                <a:solidFill>
+                  <a:schemeClr val="tx1">
+                    <a:lumMod val="75000"/>
+                    <a:lumOff val="25000"/>
+                  </a:schemeClr>
+                </a:solidFill>
+              </a:defRPr>
+            </a:lvl1pPr>
+            <a:lvl2pPr marL="457200" indent="0">
+              <a:buFontTx/>
+              <a:buNone/>
+              <a:defRPr/>
+            </a:lvl2pPr>
+            <a:lvl3pPr marL="914400" indent="0">
+              <a:buFontTx/>
+              <a:buNone/>
+              <a:defRPr/>
+            </a:lvl3pPr>
+            <a:lvl4pPr marL="1371600" indent="0">
+              <a:buFontTx/>
+              <a:buNone/>
+              <a:defRPr/>
+            </a:lvl4pPr>
+            <a:lvl5pPr marL="1828800" indent="0">
+              <a:buFontTx/>
+              <a:buNone/>
+              <a:defRPr/>
+            </a:lvl5pPr>
+          </a:lstStyle>
+          <a:p>
+            <a:pPr lvl="0"/>
+            <a:r>
+              <a:rPr lang="en-US"/>
+              <a:t>Click to edit Master text styles</a:t>
+            </a:r>
+          </a:p>
+        </p:txBody>
+      </p:sp>
+      <p:sp>
+        <p:nvSpPr>
+          <p:cNvPr id="3" name="Text Placeholder 2"/>
+          <p:cNvSpPr>
+            <a:spLocks noGrp="1"/>
+          </p:cNvSpPr>
+          <p:nvPr>
+            <p:ph type="body" idx="1"/>
+          </p:nvPr>
+        </p:nvSpPr>
+        <p:spPr>
+          <a:xfrm>
+            <a:off x="677335" y="4527448"/>
+            <a:ext cx="8596668" cy="1513914"/>
+          </a:xfrm>
+        </p:spPr>
+        <p:txBody>
+          <a:bodyPr anchor="t">
+            <a:normAutofit/>
+          </a:bodyPr>
+          <a:lstStyle>
+            <a:lvl1pPr marL="0" indent="0" algn="l">
+              <a:buNone/>
+              <a:defRPr sz="1800">
+                <a:solidFill>
+                  <a:schemeClr val="tx1">
+                    <a:lumMod val="50000"/>
+                    <a:lumOff val="50000"/>
+                  </a:schemeClr>
+                </a:solidFill>
+              </a:defRPr>
+            </a:lvl1pPr>
+            <a:lvl2pPr marL="457200" indent="0">
+              <a:buNone/>
+              <a:defRPr sz="1800">
+                <a:solidFill>
+                  <a:schemeClr val="tx1">
+                    <a:tint val="75000"/>
+                  </a:schemeClr>
+                </a:solidFill>
+              </a:defRPr>
+            </a:lvl2pPr>
+            <a:lvl3pPr marL="914400" indent="0">
+              <a:buNone/>
+              <a:defRPr sz="1600">
+                <a:solidFill>
+                  <a:schemeClr val="tx1">
+                    <a:tint val="75000"/>
+                  </a:schemeClr>
+                </a:solidFill>
+              </a:defRPr>
+            </a:lvl3pPr>
+            <a:lvl4pPr marL="1371600" indent="0">
+              <a:buNone/>
+              <a:defRPr sz="1400">
+                <a:solidFill>
+                  <a:schemeClr val="tx1">
+                    <a:tint val="75000"/>
+                  </a:schemeClr>
+                </a:solidFill>
+              </a:defRPr>
+            </a:lvl4pPr>
+            <a:lvl5pPr marL="1828800" indent="0">
+              <a:buNone/>
+              <a:defRPr sz="1400">
+                <a:solidFill>
+                  <a:schemeClr val="tx1">
+                    <a:tint val="75000"/>
+                  </a:schemeClr>
+                </a:solidFill>
+              </a:defRPr>
+            </a:lvl5pPr>
+            <a:lvl6pPr marL="2286000" indent="0">
+              <a:buNone/>
+              <a:defRPr sz="1400">
+                <a:solidFill>
+                  <a:schemeClr val="tx1">
+                    <a:tint val="75000"/>
+                  </a:schemeClr>
+                </a:solidFill>
+              </a:defRPr>
+            </a:lvl6pPr>
+            <a:lvl7pPr marL="2743200" indent="0">
+              <a:buNone/>
+              <a:defRPr sz="1400">
+                <a:solidFill>
+                  <a:schemeClr val="tx1">
+                    <a:tint val="75000"/>
+                  </a:schemeClr>
+                </a:solidFill>
+              </a:defRPr>
+            </a:lvl7pPr>
+            <a:lvl8pPr marL="3200400" indent="0">
+              <a:buNone/>
+              <a:defRPr sz="1400">
+                <a:solidFill>
+                  <a:schemeClr val="tx1">
+                    <a:tint val="75000"/>
+                  </a:schemeClr>
+                </a:solidFill>
+              </a:defRPr>
+            </a:lvl8pPr>
+            <a:lvl9pPr marL="3657600" indent="0">
+              <a:buNone/>
+              <a:defRPr sz="1400">
+                <a:solidFill>
+                  <a:schemeClr val="tx1">
+                    <a:tint val="75000"/>
+                  </a:schemeClr>
+                </a:solidFill>
+              </a:defRPr>
+            </a:lvl9pPr>
+          </a:lstStyle>
+          <a:p>
+            <a:pPr lvl="0"/>
+            <a:r>
+              <a:rPr lang="en-US"/>
+              <a:t>Click to edit Master text styles</a:t>
+            </a:r>
+          </a:p>
+        </p:txBody>
+      </p:sp>
+      <p:sp>
+        <p:nvSpPr>
+          <p:cNvPr id="4" name="Date Placeholder 3"/>
+          <p:cNvSpPr>
+            <a:spLocks noGrp="1"/>
+          </p:cNvSpPr>
+          <p:nvPr>
+            <p:ph type="dt" sz="half" idx="10"/>
+          </p:nvPr>
+        </p:nvSpPr>
+        <p:spPr/>
+        <p:txBody>
+          <a:bodyPr/>
+          <a:lstStyle/>
+          <a:p>
+            <a:fld id="{BCA1455B-9EF9-4F4B-83B7-0488328AF603}" type="datetimeFigureOut">
+              <a:rPr lang="en-US" smtClean="0"/>
+              <a:t>10/10/2021</a:t>
+            </a:fld>
+            <a:endParaRPr lang="en-US"/>
+          </a:p>
+        </p:txBody>
+      </p:sp>
+      <p:sp>
+        <p:nvSpPr>
+          <p:cNvPr id="5" name="Footer Placeholder 4"/>
+          <p:cNvSpPr>
+            <a:spLocks noGrp="1"/>
+          </p:cNvSpPr>
+          <p:nvPr>
+            <p:ph type="ftr" sz="quarter" idx="11"/>
+          </p:nvPr>
+        </p:nvSpPr>
+        <p:spPr/>
+        <p:txBody>
+          <a:bodyPr/>
+          <a:lstStyle/>
+          <a:p>
+            <a:endParaRPr lang="en-US"/>
+          </a:p>
+        </p:txBody>
+      </p:sp>
+      <p:sp>
+        <p:nvSpPr>
+          <p:cNvPr id="6" name="Slide Number Placeholder 5"/>
+          <p:cNvSpPr>
+            <a:spLocks noGrp="1"/>
+          </p:cNvSpPr>
+          <p:nvPr>
+            <p:ph type="sldNum" sz="quarter" idx="12"/>
+          </p:nvPr>
+        </p:nvSpPr>
+        <p:spPr/>
+        <p:txBody>
+          <a:bodyPr/>
+          <a:lstStyle/>
+          <a:p>
+            <a:fld id="{96C00F60-76F1-45C6-98C5-E287DD13415A}" type="slidenum">
+              <a:rPr lang="en-US" smtClean="0"/>
+              <a:t>‹#›</a:t>
+            </a:fld>
+            <a:endParaRPr lang="en-US"/>
+          </a:p>
+        </p:txBody>
+      </p:sp>
+      <p:sp>
+        <p:nvSpPr>
+          <p:cNvPr id="24" name="TextBox 23"/>
+          <p:cNvSpPr txBox="1"/>
+          <p:nvPr/>
+        </p:nvSpPr>
+        <p:spPr>
+          <a:xfrm>
+            <a:off x="541870" y="790378"/>
+            <a:ext cx="609600" cy="584776"/>
+          </a:xfrm>
+          <a:prstGeom prst="rect">
+            <a:avLst/>
+          </a:prstGeom>
+        </p:spPr>
+        <p:txBody>
+          <a:bodyPr vert="horz" lIns="91440" tIns="45720" rIns="91440" bIns="45720" rtlCol="0" anchor="ctr">
+            <a:noAutofit/>
+          </a:bodyPr>
+          <a:lstStyle/>
+          <a:p>
+            <a:pPr lvl="0"/>
+            <a:r>
+              <a:rPr lang="en-US" sz="8000" baseline="0" dirty="0">
+                <a:ln w="3175" cmpd="sng">
+                  <a:noFill/>
+                </a:ln>
+                <a:solidFill>
+                  <a:schemeClr val="accent1">
+                    <a:lumMod val="60000"/>
+                    <a:lumOff val="40000"/>
+                  </a:schemeClr>
+                </a:solidFill>
+                <a:effectLst/>
+                <a:latin typeface="Arial"/>
+              </a:rPr>
+              <a:t>“</a:t>
+            </a:r>
+          </a:p>
+        </p:txBody>
+      </p:sp>
+      <p:sp>
+        <p:nvSpPr>
+          <p:cNvPr id="25" name="TextBox 24"/>
+          <p:cNvSpPr txBox="1"/>
+          <p:nvPr/>
+        </p:nvSpPr>
+        <p:spPr>
+          <a:xfrm>
+            <a:off x="8893011" y="2886556"/>
+            <a:ext cx="609600" cy="584776"/>
+          </a:xfrm>
+          <a:prstGeom prst="rect">
+            <a:avLst/>
+          </a:prstGeom>
+        </p:spPr>
+        <p:txBody>
+          <a:bodyPr vert="horz" lIns="91440" tIns="45720" rIns="91440" bIns="45720" rtlCol="0" anchor="ctr">
+            <a:noAutofit/>
+          </a:bodyPr>
+          <a:lstStyle/>
+          <a:p>
+            <a:pPr lvl="0"/>
+            <a:r>
+              <a:rPr lang="en-US" sz="8000" baseline="0" dirty="0">
+                <a:ln w="3175" cmpd="sng">
+                  <a:noFill/>
+                </a:ln>
+                <a:solidFill>
+                  <a:schemeClr val="accent1">
+                    <a:lumMod val="60000"/>
+                    <a:lumOff val="40000"/>
+                  </a:schemeClr>
+                </a:solidFill>
+                <a:effectLst/>
+                <a:latin typeface="Arial"/>
+              </a:rPr>
+              <a:t>”</a:t>
+            </a:r>
+          </a:p>
+        </p:txBody>
+      </p:sp>
+    </p:spTree>
+    <p:extLst>
+      <p:ext uri="{BB962C8B-B14F-4D97-AF65-F5344CB8AC3E}">
+        <p14:creationId xmlns:p14="http://schemas.microsoft.com/office/powerpoint/2010/main" val="1652185791"/>
+      </p:ext>
+    </p:extLst>
+  </p:cSld>
+  <p:clrMapOvr>
+    <a:masterClrMapping/>
+  </p:clrMapOvr>
+</p:sldLayout>
+</file>
+
+<file path=ppt/slideLayouts/slideLayout14.xml><?xml version="1.0" encoding="utf-8"?>
+<p:sldLayout xmlns:a="http://schemas.openxmlformats.org/drawingml/2006/main" xmlns:r="http://schemas.openxmlformats.org/officeDocument/2006/relationships" xmlns:p="http://schemas.openxmlformats.org/presentationml/2006/main" preserve="1">
+  <p:cSld name="True or False">
+    <p:spTree>
+      <p:nvGrpSpPr>
+        <p:cNvPr id="1" name=""/>
+        <p:cNvGrpSpPr/>
+        <p:nvPr/>
+      </p:nvGrpSpPr>
+      <p:grpSpPr>
+        <a:xfrm>
+          <a:off x="0" y="0"/>
+          <a:ext cx="0" cy="0"/>
+          <a:chOff x="0" y="0"/>
+          <a:chExt cx="0" cy="0"/>
+        </a:xfrm>
+      </p:grpSpPr>
+      <p:sp>
+        <p:nvSpPr>
+          <p:cNvPr id="2" name="Title 1"/>
+          <p:cNvSpPr>
+            <a:spLocks noGrp="1"/>
+          </p:cNvSpPr>
+          <p:nvPr>
+            <p:ph type="title"/>
+          </p:nvPr>
+        </p:nvSpPr>
+        <p:spPr>
+          <a:xfrm>
+            <a:off x="685799" y="609600"/>
+            <a:ext cx="8588203" cy="3022600"/>
+          </a:xfrm>
+        </p:spPr>
+        <p:txBody>
+          <a:bodyPr anchor="ctr">
+            <a:normAutofit/>
+          </a:bodyPr>
+          <a:lstStyle>
+            <a:lvl1pPr algn="l">
+              <a:defRPr sz="4400" b="0" cap="none"/>
+            </a:lvl1pPr>
+          </a:lstStyle>
+          <a:p>
+            <a:r>
+              <a:rPr lang="en-US"/>
+              <a:t>Click to edit Master title style</a:t>
+            </a:r>
+            <a:endParaRPr lang="en-US" dirty="0"/>
+          </a:p>
+        </p:txBody>
+      </p:sp>
+      <p:sp>
+        <p:nvSpPr>
+          <p:cNvPr id="23" name="Text Placeholder 9"/>
+          <p:cNvSpPr>
+            <a:spLocks noGrp="1"/>
+          </p:cNvSpPr>
+          <p:nvPr>
+            <p:ph type="body" sz="quarter" idx="13"/>
+          </p:nvPr>
+        </p:nvSpPr>
+        <p:spPr>
+          <a:xfrm>
+            <a:off x="677332" y="4013200"/>
+            <a:ext cx="8596669" cy="514248"/>
+          </a:xfrm>
+        </p:spPr>
+        <p:txBody>
+          <a:bodyPr anchor="b">
+            <a:noAutofit/>
+          </a:bodyPr>
+          <a:lstStyle>
+            <a:lvl1pPr marL="0" indent="0">
+              <a:buFontTx/>
+              <a:buNone/>
+              <a:defRPr sz="2400">
+                <a:solidFill>
+                  <a:schemeClr val="accent1"/>
+                </a:solidFill>
+              </a:defRPr>
+            </a:lvl1pPr>
+            <a:lvl2pPr marL="457200" indent="0">
+              <a:buFontTx/>
+              <a:buNone/>
+              <a:defRPr/>
+            </a:lvl2pPr>
+            <a:lvl3pPr marL="914400" indent="0">
+              <a:buFontTx/>
+              <a:buNone/>
+              <a:defRPr/>
+            </a:lvl3pPr>
+            <a:lvl4pPr marL="1371600" indent="0">
+              <a:buFontTx/>
+              <a:buNone/>
+              <a:defRPr/>
+            </a:lvl4pPr>
+            <a:lvl5pPr marL="1828800" indent="0">
+              <a:buFontTx/>
+              <a:buNone/>
+              <a:defRPr/>
+            </a:lvl5pPr>
+          </a:lstStyle>
+          <a:p>
+            <a:pPr lvl="0"/>
+            <a:r>
+              <a:rPr lang="en-US"/>
+              <a:t>Click to edit Master text styles</a:t>
+            </a:r>
+          </a:p>
+        </p:txBody>
+      </p:sp>
+      <p:sp>
+        <p:nvSpPr>
+          <p:cNvPr id="3" name="Text Placeholder 2"/>
+          <p:cNvSpPr>
+            <a:spLocks noGrp="1"/>
+          </p:cNvSpPr>
+          <p:nvPr>
+            <p:ph type="body" idx="1"/>
+          </p:nvPr>
+        </p:nvSpPr>
+        <p:spPr>
+          <a:xfrm>
+            <a:off x="677335" y="4527448"/>
+            <a:ext cx="8596668" cy="1513914"/>
+          </a:xfrm>
+        </p:spPr>
+        <p:txBody>
+          <a:bodyPr anchor="t">
+            <a:normAutofit/>
+          </a:bodyPr>
+          <a:lstStyle>
+            <a:lvl1pPr marL="0" indent="0" algn="l">
+              <a:buNone/>
+              <a:defRPr sz="1800">
+                <a:solidFill>
+                  <a:schemeClr val="tx1">
+                    <a:lumMod val="50000"/>
+                    <a:lumOff val="50000"/>
+                  </a:schemeClr>
+                </a:solidFill>
+              </a:defRPr>
+            </a:lvl1pPr>
+            <a:lvl2pPr marL="457200" indent="0">
+              <a:buNone/>
+              <a:defRPr sz="1800">
+                <a:solidFill>
+                  <a:schemeClr val="tx1">
+                    <a:tint val="75000"/>
+                  </a:schemeClr>
+                </a:solidFill>
+              </a:defRPr>
+            </a:lvl2pPr>
+            <a:lvl3pPr marL="914400" indent="0">
+              <a:buNone/>
+              <a:defRPr sz="1600">
+                <a:solidFill>
+                  <a:schemeClr val="tx1">
+                    <a:tint val="75000"/>
+                  </a:schemeClr>
+                </a:solidFill>
+              </a:defRPr>
+            </a:lvl3pPr>
+            <a:lvl4pPr marL="1371600" indent="0">
+              <a:buNone/>
+              <a:defRPr sz="1400">
+                <a:solidFill>
+                  <a:schemeClr val="tx1">
+                    <a:tint val="75000"/>
+                  </a:schemeClr>
+                </a:solidFill>
+              </a:defRPr>
+            </a:lvl4pPr>
+            <a:lvl5pPr marL="1828800" indent="0">
+              <a:buNone/>
+              <a:defRPr sz="1400">
+                <a:solidFill>
+                  <a:schemeClr val="tx1">
+                    <a:tint val="75000"/>
+                  </a:schemeClr>
+                </a:solidFill>
+              </a:defRPr>
+            </a:lvl5pPr>
+            <a:lvl6pPr marL="2286000" indent="0">
+              <a:buNone/>
+              <a:defRPr sz="1400">
+                <a:solidFill>
+                  <a:schemeClr val="tx1">
+                    <a:tint val="75000"/>
+                  </a:schemeClr>
+                </a:solidFill>
+              </a:defRPr>
+            </a:lvl6pPr>
+            <a:lvl7pPr marL="2743200" indent="0">
+              <a:buNone/>
+              <a:defRPr sz="1400">
+                <a:solidFill>
+                  <a:schemeClr val="tx1">
+                    <a:tint val="75000"/>
+                  </a:schemeClr>
+                </a:solidFill>
+              </a:defRPr>
+            </a:lvl7pPr>
+            <a:lvl8pPr marL="3200400" indent="0">
+              <a:buNone/>
+              <a:defRPr sz="1400">
+                <a:solidFill>
+                  <a:schemeClr val="tx1">
+                    <a:tint val="75000"/>
+                  </a:schemeClr>
+                </a:solidFill>
+              </a:defRPr>
+            </a:lvl8pPr>
+            <a:lvl9pPr marL="3657600" indent="0">
+              <a:buNone/>
+              <a:defRPr sz="1400">
+                <a:solidFill>
+                  <a:schemeClr val="tx1">
+                    <a:tint val="75000"/>
+                  </a:schemeClr>
+                </a:solidFill>
+              </a:defRPr>
+            </a:lvl9pPr>
+          </a:lstStyle>
+          <a:p>
+            <a:pPr lvl="0"/>
+            <a:r>
+              <a:rPr lang="en-US"/>
+              <a:t>Click to edit Master text styles</a:t>
+            </a:r>
+          </a:p>
+        </p:txBody>
+      </p:sp>
+      <p:sp>
+        <p:nvSpPr>
+          <p:cNvPr id="4" name="Date Placeholder 3"/>
+          <p:cNvSpPr>
+            <a:spLocks noGrp="1"/>
+          </p:cNvSpPr>
+          <p:nvPr>
+            <p:ph type="dt" sz="half" idx="10"/>
+          </p:nvPr>
+        </p:nvSpPr>
+        <p:spPr/>
+        <p:txBody>
+          <a:bodyPr/>
+          <a:lstStyle/>
+          <a:p>
+            <a:fld id="{BCA1455B-9EF9-4F4B-83B7-0488328AF603}" type="datetimeFigureOut">
+              <a:rPr lang="en-US" smtClean="0"/>
+              <a:t>10/10/2021</a:t>
+            </a:fld>
+            <a:endParaRPr lang="en-US"/>
+          </a:p>
+        </p:txBody>
+      </p:sp>
+      <p:sp>
+        <p:nvSpPr>
+          <p:cNvPr id="5" name="Footer Placeholder 4"/>
+          <p:cNvSpPr>
+            <a:spLocks noGrp="1"/>
+          </p:cNvSpPr>
+          <p:nvPr>
+            <p:ph type="ftr" sz="quarter" idx="11"/>
+          </p:nvPr>
+        </p:nvSpPr>
+        <p:spPr/>
+        <p:txBody>
+          <a:bodyPr/>
+          <a:lstStyle/>
+          <a:p>
+            <a:endParaRPr lang="en-US"/>
+          </a:p>
+        </p:txBody>
+      </p:sp>
+      <p:sp>
+        <p:nvSpPr>
+          <p:cNvPr id="6" name="Slide Number Placeholder 5"/>
+          <p:cNvSpPr>
+            <a:spLocks noGrp="1"/>
+          </p:cNvSpPr>
+          <p:nvPr>
+            <p:ph type="sldNum" sz="quarter" idx="12"/>
+          </p:nvPr>
+        </p:nvSpPr>
+        <p:spPr/>
+        <p:txBody>
+          <a:bodyPr/>
+          <a:lstStyle/>
+          <a:p>
+            <a:fld id="{96C00F60-76F1-45C6-98C5-E287DD13415A}" type="slidenum">
+              <a:rPr lang="en-US" smtClean="0"/>
+              <a:t>‹#›</a:t>
+            </a:fld>
+            <a:endParaRPr lang="en-US"/>
+          </a:p>
+        </p:txBody>
+      </p:sp>
+    </p:spTree>
+    <p:extLst>
+      <p:ext uri="{BB962C8B-B14F-4D97-AF65-F5344CB8AC3E}">
+        <p14:creationId xmlns:p14="http://schemas.microsoft.com/office/powerpoint/2010/main" val="1396361549"/>
+      </p:ext>
+    </p:extLst>
+  </p:cSld>
+  <p:clrMapOvr>
+    <a:masterClrMapping/>
+  </p:clrMapOvr>
+</p:sldLayout>
+</file>
+
+<file path=ppt/slideLayouts/slideLayout15.xml><?xml version="1.0" encoding="utf-8"?>
 <p:sldLayout xmlns:a="http://schemas.openxmlformats.org/drawingml/2006/main" xmlns:r="http://schemas.openxmlformats.org/officeDocument/2006/relationships" xmlns:p="http://schemas.openxmlformats.org/presentationml/2006/main" type="vertTx" preserve="1">
   <p:cSld name="Title and Vertical Text">
     <p:spTree>
@@ -347,13 +3331,7 @@
       </p:grpSpPr>
       <p:sp>
         <p:nvSpPr>
-          <p:cNvPr id="2" name="Title 1">
-            <a:extLst>
-              <a:ext uri="{FF2B5EF4-FFF2-40B4-BE49-F238E27FC236}">
-                <a16:creationId xmlns:a16="http://schemas.microsoft.com/office/drawing/2014/main" id="{F8FEB71B-1066-4DC0-A4B1-D341BC05029C}"/>
-              </a:ext>
-            </a:extLst>
-          </p:cNvPr>
+          <p:cNvPr id="2" name="Title 1"/>
           <p:cNvSpPr>
             <a:spLocks noGrp="1"/>
           </p:cNvSpPr>
@@ -370,18 +3348,13 @@
               <a:rPr lang="en-US"/>
               <a:t>Click to edit Master title style</a:t>
             </a:r>
-          </a:p>
-        </p:txBody>
-      </p:sp>
-      <p:sp>
-        <p:nvSpPr>
-          <p:cNvPr id="3" name="Vertical Text Placeholder 2">
-            <a:extLst>
-              <a:ext uri="{FF2B5EF4-FFF2-40B4-BE49-F238E27FC236}">
-                <a16:creationId xmlns:a16="http://schemas.microsoft.com/office/drawing/2014/main" id="{395465E6-C020-421C-B0AE-81880E37B37A}"/>
-              </a:ext>
-            </a:extLst>
-          </p:cNvPr>
+            <a:endParaRPr lang="en-US" dirty="0"/>
+          </a:p>
+        </p:txBody>
+      </p:sp>
+      <p:sp>
+        <p:nvSpPr>
+          <p:cNvPr id="3" name="Vertical Text Placeholder 2"/>
           <p:cNvSpPr>
             <a:spLocks noGrp="1"/>
           </p:cNvSpPr>
@@ -427,18 +3400,13 @@
               <a:rPr lang="en-US"/>
               <a:t>Fifth level</a:t>
             </a:r>
-          </a:p>
-        </p:txBody>
-      </p:sp>
-      <p:sp>
-        <p:nvSpPr>
-          <p:cNvPr id="4" name="Date Placeholder 3">
-            <a:extLst>
-              <a:ext uri="{FF2B5EF4-FFF2-40B4-BE49-F238E27FC236}">
-                <a16:creationId xmlns:a16="http://schemas.microsoft.com/office/drawing/2014/main" id="{E8112F6A-B04B-4E1E-9DCE-CAED29D1CDA3}"/>
-              </a:ext>
-            </a:extLst>
-          </p:cNvPr>
+            <a:endParaRPr lang="en-US" dirty="0"/>
+          </a:p>
+        </p:txBody>
+      </p:sp>
+      <p:sp>
+        <p:nvSpPr>
+          <p:cNvPr id="4" name="Date Placeholder 3"/>
           <p:cNvSpPr>
             <a:spLocks noGrp="1"/>
           </p:cNvSpPr>
@@ -453,7 +3421,7 @@
           <a:p>
             <a:fld id="{BCA1455B-9EF9-4F4B-83B7-0488328AF603}" type="datetimeFigureOut">
               <a:rPr lang="en-US" smtClean="0"/>
-              <a:t>10/8/2021</a:t>
+              <a:t>10/10/2021</a:t>
             </a:fld>
             <a:endParaRPr lang="en-US"/>
           </a:p>
@@ -461,13 +3429,7 @@
       </p:sp>
       <p:sp>
         <p:nvSpPr>
-          <p:cNvPr id="5" name="Footer Placeholder 4">
-            <a:extLst>
-              <a:ext uri="{FF2B5EF4-FFF2-40B4-BE49-F238E27FC236}">
-                <a16:creationId xmlns:a16="http://schemas.microsoft.com/office/drawing/2014/main" id="{CFD73542-AC74-42B8-AFFA-EAFEE56D794E}"/>
-              </a:ext>
-            </a:extLst>
-          </p:cNvPr>
+          <p:cNvPr id="5" name="Footer Placeholder 4"/>
           <p:cNvSpPr>
             <a:spLocks noGrp="1"/>
           </p:cNvSpPr>
@@ -486,13 +3448,7 @@
       </p:sp>
       <p:sp>
         <p:nvSpPr>
-          <p:cNvPr id="6" name="Slide Number Placeholder 5">
-            <a:extLst>
-              <a:ext uri="{FF2B5EF4-FFF2-40B4-BE49-F238E27FC236}">
-                <a16:creationId xmlns:a16="http://schemas.microsoft.com/office/drawing/2014/main" id="{A60858A0-F243-4307-9122-6CB2EB223BA7}"/>
-              </a:ext>
-            </a:extLst>
-          </p:cNvPr>
+          <p:cNvPr id="6" name="Slide Number Placeholder 5"/>
           <p:cNvSpPr>
             <a:spLocks noGrp="1"/>
           </p:cNvSpPr>
@@ -516,7 +3472,7 @@
     </p:spTree>
     <p:extLst>
       <p:ext uri="{BB962C8B-B14F-4D97-AF65-F5344CB8AC3E}">
-        <p14:creationId xmlns:p14="http://schemas.microsoft.com/office/powerpoint/2010/main" val="1073803786"/>
+        <p14:creationId xmlns:p14="http://schemas.microsoft.com/office/powerpoint/2010/main" val="1066315922"/>
       </p:ext>
     </p:extLst>
   </p:cSld>
@@ -526,7 +3482,7 @@
 </p:sldLayout>
 </file>
 
-<file path=ppt/slideLayouts/slideLayout11.xml><?xml version="1.0" encoding="utf-8"?>
+<file path=ppt/slideLayouts/slideLayout16.xml><?xml version="1.0" encoding="utf-8"?>
 <p:sldLayout xmlns:a="http://schemas.openxmlformats.org/drawingml/2006/main" xmlns:r="http://schemas.openxmlformats.org/officeDocument/2006/relationships" xmlns:p="http://schemas.openxmlformats.org/presentationml/2006/main" type="vertTitleAndTx" preserve="1">
   <p:cSld name="Vertical Title and Text">
     <p:spTree>
@@ -545,13 +3501,7 @@
       </p:grpSpPr>
       <p:sp>
         <p:nvSpPr>
-          <p:cNvPr id="2" name="Vertical Title 1">
-            <a:extLst>
-              <a:ext uri="{FF2B5EF4-FFF2-40B4-BE49-F238E27FC236}">
-                <a16:creationId xmlns:a16="http://schemas.microsoft.com/office/drawing/2014/main" id="{0C9F31C3-493F-4A7E-99D6-DB3908D44236}"/>
-              </a:ext>
-            </a:extLst>
-          </p:cNvPr>
+          <p:cNvPr id="2" name="Vertical Title 1"/>
           <p:cNvSpPr>
             <a:spLocks noGrp="1"/>
           </p:cNvSpPr>
@@ -561,30 +3511,25 @@
         </p:nvSpPr>
         <p:spPr>
           <a:xfrm>
-            <a:off x="8724900" y="365125"/>
-            <a:ext cx="2628900" cy="5811838"/>
+            <a:off x="7967673" y="609599"/>
+            <a:ext cx="1304743" cy="5251451"/>
           </a:xfrm>
         </p:spPr>
         <p:txBody>
-          <a:bodyPr vert="eaVert"/>
+          <a:bodyPr vert="eaVert" anchor="ctr"/>
           <a:lstStyle/>
           <a:p>
             <a:r>
               <a:rPr lang="en-US"/>
               <a:t>Click to edit Master title style</a:t>
             </a:r>
-          </a:p>
-        </p:txBody>
-      </p:sp>
-      <p:sp>
-        <p:nvSpPr>
-          <p:cNvPr id="3" name="Vertical Text Placeholder 2">
-            <a:extLst>
-              <a:ext uri="{FF2B5EF4-FFF2-40B4-BE49-F238E27FC236}">
-                <a16:creationId xmlns:a16="http://schemas.microsoft.com/office/drawing/2014/main" id="{D40140DE-A32A-4BBC-9FAF-E67FAD2544A2}"/>
-              </a:ext>
-            </a:extLst>
-          </p:cNvPr>
+            <a:endParaRPr lang="en-US" dirty="0"/>
+          </a:p>
+        </p:txBody>
+      </p:sp>
+      <p:sp>
+        <p:nvSpPr>
+          <p:cNvPr id="3" name="Vertical Text Placeholder 2"/>
           <p:cNvSpPr>
             <a:spLocks noGrp="1"/>
           </p:cNvSpPr>
@@ -594,8 +3539,8 @@
         </p:nvSpPr>
         <p:spPr>
           <a:xfrm>
-            <a:off x="838200" y="365125"/>
-            <a:ext cx="7734300" cy="5811838"/>
+            <a:off x="677335" y="609600"/>
+            <a:ext cx="7060150" cy="5251450"/>
           </a:xfrm>
         </p:spPr>
         <p:txBody>
@@ -635,18 +3580,13 @@
               <a:rPr lang="en-US"/>
               <a:t>Fifth level</a:t>
             </a:r>
-          </a:p>
-        </p:txBody>
-      </p:sp>
-      <p:sp>
-        <p:nvSpPr>
-          <p:cNvPr id="4" name="Date Placeholder 3">
-            <a:extLst>
-              <a:ext uri="{FF2B5EF4-FFF2-40B4-BE49-F238E27FC236}">
-                <a16:creationId xmlns:a16="http://schemas.microsoft.com/office/drawing/2014/main" id="{36A3D561-BEB6-4B44-90D3-B104DE1E564E}"/>
-              </a:ext>
-            </a:extLst>
-          </p:cNvPr>
+            <a:endParaRPr lang="en-US" dirty="0"/>
+          </a:p>
+        </p:txBody>
+      </p:sp>
+      <p:sp>
+        <p:nvSpPr>
+          <p:cNvPr id="4" name="Date Placeholder 3"/>
           <p:cNvSpPr>
             <a:spLocks noGrp="1"/>
           </p:cNvSpPr>
@@ -661,7 +3601,7 @@
           <a:p>
             <a:fld id="{BCA1455B-9EF9-4F4B-83B7-0488328AF603}" type="datetimeFigureOut">
               <a:rPr lang="en-US" smtClean="0"/>
-              <a:t>10/8/2021</a:t>
+              <a:t>10/10/2021</a:t>
             </a:fld>
             <a:endParaRPr lang="en-US"/>
           </a:p>
@@ -669,13 +3609,7 @@
       </p:sp>
       <p:sp>
         <p:nvSpPr>
-          <p:cNvPr id="5" name="Footer Placeholder 4">
-            <a:extLst>
-              <a:ext uri="{FF2B5EF4-FFF2-40B4-BE49-F238E27FC236}">
-                <a16:creationId xmlns:a16="http://schemas.microsoft.com/office/drawing/2014/main" id="{4C311A71-3D08-496F-A83D-D70A956CF64A}"/>
-              </a:ext>
-            </a:extLst>
-          </p:cNvPr>
+          <p:cNvPr id="5" name="Footer Placeholder 4"/>
           <p:cNvSpPr>
             <a:spLocks noGrp="1"/>
           </p:cNvSpPr>
@@ -694,13 +3628,7 @@
       </p:sp>
       <p:sp>
         <p:nvSpPr>
-          <p:cNvPr id="6" name="Slide Number Placeholder 5">
-            <a:extLst>
-              <a:ext uri="{FF2B5EF4-FFF2-40B4-BE49-F238E27FC236}">
-                <a16:creationId xmlns:a16="http://schemas.microsoft.com/office/drawing/2014/main" id="{60F1098F-1248-4775-A807-0CB61C6FBEB3}"/>
-              </a:ext>
-            </a:extLst>
-          </p:cNvPr>
+          <p:cNvPr id="6" name="Slide Number Placeholder 5"/>
           <p:cNvSpPr>
             <a:spLocks noGrp="1"/>
           </p:cNvSpPr>
@@ -724,7 +3652,7 @@
     </p:spTree>
     <p:extLst>
       <p:ext uri="{BB962C8B-B14F-4D97-AF65-F5344CB8AC3E}">
-        <p14:creationId xmlns:p14="http://schemas.microsoft.com/office/powerpoint/2010/main" val="2723903338"/>
+        <p14:creationId xmlns:p14="http://schemas.microsoft.com/office/powerpoint/2010/main" val="1050242929"/>
       </p:ext>
     </p:extLst>
   </p:cSld>
@@ -753,13 +3681,7 @@
       </p:grpSpPr>
       <p:sp>
         <p:nvSpPr>
-          <p:cNvPr id="2" name="Title 1">
-            <a:extLst>
-              <a:ext uri="{FF2B5EF4-FFF2-40B4-BE49-F238E27FC236}">
-                <a16:creationId xmlns:a16="http://schemas.microsoft.com/office/drawing/2014/main" id="{AF58B5C5-9836-4007-BDA0-3C77B15FFD32}"/>
-              </a:ext>
-            </a:extLst>
-          </p:cNvPr>
+          <p:cNvPr id="2" name="Title 1"/>
           <p:cNvSpPr>
             <a:spLocks noGrp="1"/>
           </p:cNvSpPr>
@@ -769,25 +3691,26 @@
         </p:nvSpPr>
         <p:spPr/>
         <p:txBody>
-          <a:bodyPr/>
-          <a:lstStyle/>
+          <a:bodyPr>
+            <a:normAutofit/>
+          </a:bodyPr>
+          <a:lstStyle>
+            <a:lvl1pPr>
+              <a:defRPr sz="3600"/>
+            </a:lvl1pPr>
+          </a:lstStyle>
           <a:p>
             <a:r>
               <a:rPr lang="en-US"/>
               <a:t>Click to edit Master title style</a:t>
             </a:r>
-          </a:p>
-        </p:txBody>
-      </p:sp>
-      <p:sp>
-        <p:nvSpPr>
-          <p:cNvPr id="3" name="Content Placeholder 2">
-            <a:extLst>
-              <a:ext uri="{FF2B5EF4-FFF2-40B4-BE49-F238E27FC236}">
-                <a16:creationId xmlns:a16="http://schemas.microsoft.com/office/drawing/2014/main" id="{AAED9359-7573-42D8-B2F0-550D14F45E7C}"/>
-              </a:ext>
-            </a:extLst>
-          </p:cNvPr>
+            <a:endParaRPr lang="en-US" dirty="0"/>
+          </a:p>
+        </p:txBody>
+      </p:sp>
+      <p:sp>
+        <p:nvSpPr>
+          <p:cNvPr id="3" name="Content Placeholder 2"/>
           <p:cNvSpPr>
             <a:spLocks noGrp="1"/>
           </p:cNvSpPr>
@@ -833,18 +3756,13 @@
               <a:rPr lang="en-US"/>
               <a:t>Fifth level</a:t>
             </a:r>
-          </a:p>
-        </p:txBody>
-      </p:sp>
-      <p:sp>
-        <p:nvSpPr>
-          <p:cNvPr id="4" name="Date Placeholder 3">
-            <a:extLst>
-              <a:ext uri="{FF2B5EF4-FFF2-40B4-BE49-F238E27FC236}">
-                <a16:creationId xmlns:a16="http://schemas.microsoft.com/office/drawing/2014/main" id="{B9AE090E-CD34-4E68-BE7A-8E79B696D87F}"/>
-              </a:ext>
-            </a:extLst>
-          </p:cNvPr>
+            <a:endParaRPr lang="en-US" dirty="0"/>
+          </a:p>
+        </p:txBody>
+      </p:sp>
+      <p:sp>
+        <p:nvSpPr>
+          <p:cNvPr id="4" name="Date Placeholder 3"/>
           <p:cNvSpPr>
             <a:spLocks noGrp="1"/>
           </p:cNvSpPr>
@@ -859,7 +3777,7 @@
           <a:p>
             <a:fld id="{BCA1455B-9EF9-4F4B-83B7-0488328AF603}" type="datetimeFigureOut">
               <a:rPr lang="en-US" smtClean="0"/>
-              <a:t>10/8/2021</a:t>
+              <a:t>10/10/2021</a:t>
             </a:fld>
             <a:endParaRPr lang="en-US"/>
           </a:p>
@@ -867,13 +3785,7 @@
       </p:sp>
       <p:sp>
         <p:nvSpPr>
-          <p:cNvPr id="5" name="Footer Placeholder 4">
-            <a:extLst>
-              <a:ext uri="{FF2B5EF4-FFF2-40B4-BE49-F238E27FC236}">
-                <a16:creationId xmlns:a16="http://schemas.microsoft.com/office/drawing/2014/main" id="{3BB9FB8D-6809-43A1-B9BA-8CB28B280BF3}"/>
-              </a:ext>
-            </a:extLst>
-          </p:cNvPr>
+          <p:cNvPr id="5" name="Footer Placeholder 4"/>
           <p:cNvSpPr>
             <a:spLocks noGrp="1"/>
           </p:cNvSpPr>
@@ -892,13 +3804,7 @@
       </p:sp>
       <p:sp>
         <p:nvSpPr>
-          <p:cNvPr id="6" name="Slide Number Placeholder 5">
-            <a:extLst>
-              <a:ext uri="{FF2B5EF4-FFF2-40B4-BE49-F238E27FC236}">
-                <a16:creationId xmlns:a16="http://schemas.microsoft.com/office/drawing/2014/main" id="{3D00D5E0-C67F-4BA9-93F9-B880CD2C92C0}"/>
-              </a:ext>
-            </a:extLst>
-          </p:cNvPr>
+          <p:cNvPr id="6" name="Slide Number Placeholder 5"/>
           <p:cNvSpPr>
             <a:spLocks noGrp="1"/>
           </p:cNvSpPr>
@@ -922,7 +3828,7 @@
     </p:spTree>
     <p:extLst>
       <p:ext uri="{BB962C8B-B14F-4D97-AF65-F5344CB8AC3E}">
-        <p14:creationId xmlns:p14="http://schemas.microsoft.com/office/powerpoint/2010/main" val="1621294554"/>
+        <p14:creationId xmlns:p14="http://schemas.microsoft.com/office/powerpoint/2010/main" val="778392615"/>
       </p:ext>
     </p:extLst>
   </p:cSld>
@@ -951,13 +3857,7 @@
       </p:grpSpPr>
       <p:sp>
         <p:nvSpPr>
-          <p:cNvPr id="2" name="Title 1">
-            <a:extLst>
-              <a:ext uri="{FF2B5EF4-FFF2-40B4-BE49-F238E27FC236}">
-                <a16:creationId xmlns:a16="http://schemas.microsoft.com/office/drawing/2014/main" id="{D8803795-9582-4AEA-885C-3E7C46FC259A}"/>
-              </a:ext>
-            </a:extLst>
-          </p:cNvPr>
+          <p:cNvPr id="2" name="Title 1"/>
           <p:cNvSpPr>
             <a:spLocks noGrp="1"/>
           </p:cNvSpPr>
@@ -967,15 +3867,15 @@
         </p:nvSpPr>
         <p:spPr>
           <a:xfrm>
-            <a:off x="831850" y="1709738"/>
-            <a:ext cx="10515600" cy="2852737"/>
+            <a:off x="677335" y="2700867"/>
+            <a:ext cx="8596668" cy="1826581"/>
           </a:xfrm>
         </p:spPr>
         <p:txBody>
           <a:bodyPr anchor="b"/>
           <a:lstStyle>
-            <a:lvl1pPr>
-              <a:defRPr sz="6000"/>
+            <a:lvl1pPr algn="l">
+              <a:defRPr sz="4000" b="0" cap="none"/>
             </a:lvl1pPr>
           </a:lstStyle>
           <a:p>
@@ -983,18 +3883,13 @@
               <a:rPr lang="en-US"/>
               <a:t>Click to edit Master title style</a:t>
             </a:r>
-          </a:p>
-        </p:txBody>
-      </p:sp>
-      <p:sp>
-        <p:nvSpPr>
-          <p:cNvPr id="3" name="Text Placeholder 2">
-            <a:extLst>
-              <a:ext uri="{FF2B5EF4-FFF2-40B4-BE49-F238E27FC236}">
-                <a16:creationId xmlns:a16="http://schemas.microsoft.com/office/drawing/2014/main" id="{2596082B-F604-40F1-A87F-0D1ADE2C0F75}"/>
-              </a:ext>
-            </a:extLst>
-          </p:cNvPr>
+            <a:endParaRPr lang="en-US" dirty="0"/>
+          </a:p>
+        </p:txBody>
+      </p:sp>
+      <p:sp>
+        <p:nvSpPr>
+          <p:cNvPr id="3" name="Text Placeholder 2"/>
           <p:cNvSpPr>
             <a:spLocks noGrp="1"/>
           </p:cNvSpPr>
@@ -1004,26 +3899,27 @@
         </p:nvSpPr>
         <p:spPr>
           <a:xfrm>
-            <a:off x="831850" y="4589463"/>
-            <a:ext cx="10515600" cy="1500187"/>
+            <a:off x="677335" y="4527448"/>
+            <a:ext cx="8596668" cy="860400"/>
           </a:xfrm>
         </p:spPr>
         <p:txBody>
-          <a:bodyPr/>
+          <a:bodyPr anchor="t"/>
           <a:lstStyle>
-            <a:lvl1pPr marL="0" indent="0">
-              <a:buNone/>
-              <a:defRPr sz="2400">
+            <a:lvl1pPr marL="0" indent="0" algn="l">
+              <a:buNone/>
+              <a:defRPr sz="2000">
                 <a:solidFill>
                   <a:schemeClr val="tx1">
-                    <a:tint val="75000"/>
+                    <a:lumMod val="50000"/>
+                    <a:lumOff val="50000"/>
                   </a:schemeClr>
                 </a:solidFill>
               </a:defRPr>
             </a:lvl1pPr>
             <a:lvl2pPr marL="457200" indent="0">
               <a:buNone/>
-              <a:defRPr sz="2000">
+              <a:defRPr sz="1800">
                 <a:solidFill>
                   <a:schemeClr val="tx1">
                     <a:tint val="75000"/>
@@ -1033,7 +3929,7 @@
             </a:lvl2pPr>
             <a:lvl3pPr marL="914400" indent="0">
               <a:buNone/>
-              <a:defRPr sz="1800">
+              <a:defRPr sz="1600">
                 <a:solidFill>
                   <a:schemeClr val="tx1">
                     <a:tint val="75000"/>
@@ -1043,7 +3939,7 @@
             </a:lvl3pPr>
             <a:lvl4pPr marL="1371600" indent="0">
               <a:buNone/>
-              <a:defRPr sz="1600">
+              <a:defRPr sz="1400">
                 <a:solidFill>
                   <a:schemeClr val="tx1">
                     <a:tint val="75000"/>
@@ -1053,7 +3949,7 @@
             </a:lvl4pPr>
             <a:lvl5pPr marL="1828800" indent="0">
               <a:buNone/>
-              <a:defRPr sz="1600">
+              <a:defRPr sz="1400">
                 <a:solidFill>
                   <a:schemeClr val="tx1">
                     <a:tint val="75000"/>
@@ -1063,7 +3959,7 @@
             </a:lvl5pPr>
             <a:lvl6pPr marL="2286000" indent="0">
               <a:buNone/>
-              <a:defRPr sz="1600">
+              <a:defRPr sz="1400">
                 <a:solidFill>
                   <a:schemeClr val="tx1">
                     <a:tint val="75000"/>
@@ -1073,7 +3969,7 @@
             </a:lvl6pPr>
             <a:lvl7pPr marL="2743200" indent="0">
               <a:buNone/>
-              <a:defRPr sz="1600">
+              <a:defRPr sz="1400">
                 <a:solidFill>
                   <a:schemeClr val="tx1">
                     <a:tint val="75000"/>
@@ -1083,7 +3979,7 @@
             </a:lvl7pPr>
             <a:lvl8pPr marL="3200400" indent="0">
               <a:buNone/>
-              <a:defRPr sz="1600">
+              <a:defRPr sz="1400">
                 <a:solidFill>
                   <a:schemeClr val="tx1">
                     <a:tint val="75000"/>
@@ -1093,7 +3989,7 @@
             </a:lvl8pPr>
             <a:lvl9pPr marL="3657600" indent="0">
               <a:buNone/>
-              <a:defRPr sz="1600">
+              <a:defRPr sz="1400">
                 <a:solidFill>
                   <a:schemeClr val="tx1">
                     <a:tint val="75000"/>
@@ -1113,13 +4009,7 @@
       </p:sp>
       <p:sp>
         <p:nvSpPr>
-          <p:cNvPr id="4" name="Date Placeholder 3">
-            <a:extLst>
-              <a:ext uri="{FF2B5EF4-FFF2-40B4-BE49-F238E27FC236}">
-                <a16:creationId xmlns:a16="http://schemas.microsoft.com/office/drawing/2014/main" id="{E17A1BE6-D146-4047-992D-B6BA54A6CA19}"/>
-              </a:ext>
-            </a:extLst>
-          </p:cNvPr>
+          <p:cNvPr id="4" name="Date Placeholder 3"/>
           <p:cNvSpPr>
             <a:spLocks noGrp="1"/>
           </p:cNvSpPr>
@@ -1134,7 +4024,7 @@
           <a:p>
             <a:fld id="{BCA1455B-9EF9-4F4B-83B7-0488328AF603}" type="datetimeFigureOut">
               <a:rPr lang="en-US" smtClean="0"/>
-              <a:t>10/8/2021</a:t>
+              <a:t>10/10/2021</a:t>
             </a:fld>
             <a:endParaRPr lang="en-US"/>
           </a:p>
@@ -1142,13 +4032,7 @@
       </p:sp>
       <p:sp>
         <p:nvSpPr>
-          <p:cNvPr id="5" name="Footer Placeholder 4">
-            <a:extLst>
-              <a:ext uri="{FF2B5EF4-FFF2-40B4-BE49-F238E27FC236}">
-                <a16:creationId xmlns:a16="http://schemas.microsoft.com/office/drawing/2014/main" id="{4325965A-970E-40D5-8F00-36CDCD587CE3}"/>
-              </a:ext>
-            </a:extLst>
-          </p:cNvPr>
+          <p:cNvPr id="5" name="Footer Placeholder 4"/>
           <p:cNvSpPr>
             <a:spLocks noGrp="1"/>
           </p:cNvSpPr>
@@ -1167,13 +4051,7 @@
       </p:sp>
       <p:sp>
         <p:nvSpPr>
-          <p:cNvPr id="6" name="Slide Number Placeholder 5">
-            <a:extLst>
-              <a:ext uri="{FF2B5EF4-FFF2-40B4-BE49-F238E27FC236}">
-                <a16:creationId xmlns:a16="http://schemas.microsoft.com/office/drawing/2014/main" id="{BFA55D3D-9126-4C5C-9613-84CBDCD233A2}"/>
-              </a:ext>
-            </a:extLst>
-          </p:cNvPr>
+          <p:cNvPr id="6" name="Slide Number Placeholder 5"/>
           <p:cNvSpPr>
             <a:spLocks noGrp="1"/>
           </p:cNvSpPr>
@@ -1197,7 +4075,7 @@
     </p:spTree>
     <p:extLst>
       <p:ext uri="{BB962C8B-B14F-4D97-AF65-F5344CB8AC3E}">
-        <p14:creationId xmlns:p14="http://schemas.microsoft.com/office/powerpoint/2010/main" val="1757019727"/>
+        <p14:creationId xmlns:p14="http://schemas.microsoft.com/office/powerpoint/2010/main" val="4254484847"/>
       </p:ext>
     </p:extLst>
   </p:cSld>
@@ -1226,13 +4104,7 @@
       </p:grpSpPr>
       <p:sp>
         <p:nvSpPr>
-          <p:cNvPr id="2" name="Title 1">
-            <a:extLst>
-              <a:ext uri="{FF2B5EF4-FFF2-40B4-BE49-F238E27FC236}">
-                <a16:creationId xmlns:a16="http://schemas.microsoft.com/office/drawing/2014/main" id="{99E2D70F-4644-44CC-9FFA-74B2C29597E7}"/>
-              </a:ext>
-            </a:extLst>
-          </p:cNvPr>
+          <p:cNvPr id="2" name="Title 1"/>
           <p:cNvSpPr>
             <a:spLocks noGrp="1"/>
           </p:cNvSpPr>
@@ -1249,18 +4121,13 @@
               <a:rPr lang="en-US"/>
               <a:t>Click to edit Master title style</a:t>
             </a:r>
-          </a:p>
-        </p:txBody>
-      </p:sp>
-      <p:sp>
-        <p:nvSpPr>
-          <p:cNvPr id="3" name="Content Placeholder 2">
-            <a:extLst>
-              <a:ext uri="{FF2B5EF4-FFF2-40B4-BE49-F238E27FC236}">
-                <a16:creationId xmlns:a16="http://schemas.microsoft.com/office/drawing/2014/main" id="{301FEA3C-9E6B-4928-A563-DC73D3418683}"/>
-              </a:ext>
-            </a:extLst>
-          </p:cNvPr>
+            <a:endParaRPr lang="en-US" dirty="0"/>
+          </a:p>
+        </p:txBody>
+      </p:sp>
+      <p:sp>
+        <p:nvSpPr>
+          <p:cNvPr id="3" name="Content Placeholder 2"/>
           <p:cNvSpPr>
             <a:spLocks noGrp="1"/>
           </p:cNvSpPr>
@@ -1270,8 +4137,8 @@
         </p:nvSpPr>
         <p:spPr>
           <a:xfrm>
-            <a:off x="838200" y="1825625"/>
-            <a:ext cx="5181600" cy="4351338"/>
+            <a:off x="677334" y="2160589"/>
+            <a:ext cx="4184035" cy="3880772"/>
           </a:xfrm>
         </p:spPr>
         <p:txBody>
@@ -1311,18 +4178,13 @@
               <a:rPr lang="en-US"/>
               <a:t>Fifth level</a:t>
             </a:r>
-          </a:p>
-        </p:txBody>
-      </p:sp>
-      <p:sp>
-        <p:nvSpPr>
-          <p:cNvPr id="4" name="Content Placeholder 3">
-            <a:extLst>
-              <a:ext uri="{FF2B5EF4-FFF2-40B4-BE49-F238E27FC236}">
-                <a16:creationId xmlns:a16="http://schemas.microsoft.com/office/drawing/2014/main" id="{61989592-3902-4FF4-A5CF-EF31826021F3}"/>
-              </a:ext>
-            </a:extLst>
-          </p:cNvPr>
+            <a:endParaRPr lang="en-US" dirty="0"/>
+          </a:p>
+        </p:txBody>
+      </p:sp>
+      <p:sp>
+        <p:nvSpPr>
+          <p:cNvPr id="4" name="Content Placeholder 3"/>
           <p:cNvSpPr>
             <a:spLocks noGrp="1"/>
           </p:cNvSpPr>
@@ -1332,8 +4194,8 @@
         </p:nvSpPr>
         <p:spPr>
           <a:xfrm>
-            <a:off x="6172200" y="1825625"/>
-            <a:ext cx="5181600" cy="4351338"/>
+            <a:off x="5089970" y="2160589"/>
+            <a:ext cx="4184034" cy="3880773"/>
           </a:xfrm>
         </p:spPr>
         <p:txBody>
@@ -1373,18 +4235,13 @@
               <a:rPr lang="en-US"/>
               <a:t>Fifth level</a:t>
             </a:r>
-          </a:p>
-        </p:txBody>
-      </p:sp>
-      <p:sp>
-        <p:nvSpPr>
-          <p:cNvPr id="5" name="Date Placeholder 4">
-            <a:extLst>
-              <a:ext uri="{FF2B5EF4-FFF2-40B4-BE49-F238E27FC236}">
-                <a16:creationId xmlns:a16="http://schemas.microsoft.com/office/drawing/2014/main" id="{3FBDA072-376F-4FDA-AB11-FD7D53846AA3}"/>
-              </a:ext>
-            </a:extLst>
-          </p:cNvPr>
+            <a:endParaRPr lang="en-US" dirty="0"/>
+          </a:p>
+        </p:txBody>
+      </p:sp>
+      <p:sp>
+        <p:nvSpPr>
+          <p:cNvPr id="5" name="Date Placeholder 4"/>
           <p:cNvSpPr>
             <a:spLocks noGrp="1"/>
           </p:cNvSpPr>
@@ -1399,7 +4256,7 @@
           <a:p>
             <a:fld id="{BCA1455B-9EF9-4F4B-83B7-0488328AF603}" type="datetimeFigureOut">
               <a:rPr lang="en-US" smtClean="0"/>
-              <a:t>10/8/2021</a:t>
+              <a:t>10/10/2021</a:t>
             </a:fld>
             <a:endParaRPr lang="en-US"/>
           </a:p>
@@ -1407,13 +4264,7 @@
       </p:sp>
       <p:sp>
         <p:nvSpPr>
-          <p:cNvPr id="6" name="Footer Placeholder 5">
-            <a:extLst>
-              <a:ext uri="{FF2B5EF4-FFF2-40B4-BE49-F238E27FC236}">
-                <a16:creationId xmlns:a16="http://schemas.microsoft.com/office/drawing/2014/main" id="{78578B2F-C646-4425-9226-B2E86C2F7472}"/>
-              </a:ext>
-            </a:extLst>
-          </p:cNvPr>
+          <p:cNvPr id="6" name="Footer Placeholder 5"/>
           <p:cNvSpPr>
             <a:spLocks noGrp="1"/>
           </p:cNvSpPr>
@@ -1432,13 +4283,7 @@
       </p:sp>
       <p:sp>
         <p:nvSpPr>
-          <p:cNvPr id="7" name="Slide Number Placeholder 6">
-            <a:extLst>
-              <a:ext uri="{FF2B5EF4-FFF2-40B4-BE49-F238E27FC236}">
-                <a16:creationId xmlns:a16="http://schemas.microsoft.com/office/drawing/2014/main" id="{D16EEF02-02F3-4287-9D79-B7091C4A6E2A}"/>
-              </a:ext>
-            </a:extLst>
-          </p:cNvPr>
+          <p:cNvPr id="7" name="Slide Number Placeholder 6"/>
           <p:cNvSpPr>
             <a:spLocks noGrp="1"/>
           </p:cNvSpPr>
@@ -1462,7 +4307,7 @@
     </p:spTree>
     <p:extLst>
       <p:ext uri="{BB962C8B-B14F-4D97-AF65-F5344CB8AC3E}">
-        <p14:creationId xmlns:p14="http://schemas.microsoft.com/office/powerpoint/2010/main" val="3827915992"/>
+        <p14:creationId xmlns:p14="http://schemas.microsoft.com/office/powerpoint/2010/main" val="2751472318"/>
       </p:ext>
     </p:extLst>
   </p:cSld>
@@ -1491,65 +4336,55 @@
       </p:grpSpPr>
       <p:sp>
         <p:nvSpPr>
-          <p:cNvPr id="2" name="Title 1">
-            <a:extLst>
-              <a:ext uri="{FF2B5EF4-FFF2-40B4-BE49-F238E27FC236}">
-                <a16:creationId xmlns:a16="http://schemas.microsoft.com/office/drawing/2014/main" id="{2FBA2139-83CB-4013-9151-89A9C87A5E22}"/>
-              </a:ext>
-            </a:extLst>
-          </p:cNvPr>
+          <p:cNvPr id="2" name="Title 1"/>
           <p:cNvSpPr>
             <a:spLocks noGrp="1"/>
           </p:cNvSpPr>
           <p:nvPr>
             <p:ph type="title"/>
+          </p:nvPr>
+        </p:nvSpPr>
+        <p:spPr/>
+        <p:txBody>
+          <a:bodyPr/>
+          <a:lstStyle>
+            <a:lvl1pPr>
+              <a:defRPr/>
+            </a:lvl1pPr>
+          </a:lstStyle>
+          <a:p>
+            <a:r>
+              <a:rPr lang="en-US"/>
+              <a:t>Click to edit Master title style</a:t>
+            </a:r>
+            <a:endParaRPr lang="en-US" dirty="0"/>
+          </a:p>
+        </p:txBody>
+      </p:sp>
+      <p:sp>
+        <p:nvSpPr>
+          <p:cNvPr id="3" name="Text Placeholder 2"/>
+          <p:cNvSpPr>
+            <a:spLocks noGrp="1"/>
+          </p:cNvSpPr>
+          <p:nvPr>
+            <p:ph type="body" idx="1"/>
           </p:nvPr>
         </p:nvSpPr>
         <p:spPr>
           <a:xfrm>
-            <a:off x="839788" y="365125"/>
-            <a:ext cx="10515600" cy="1325563"/>
+            <a:off x="675745" y="2160983"/>
+            <a:ext cx="4185623" cy="576262"/>
           </a:xfrm>
         </p:spPr>
         <p:txBody>
-          <a:bodyPr/>
-          <a:lstStyle/>
-          <a:p>
-            <a:r>
-              <a:rPr lang="en-US"/>
-              <a:t>Click to edit Master title style</a:t>
-            </a:r>
-          </a:p>
-        </p:txBody>
-      </p:sp>
-      <p:sp>
-        <p:nvSpPr>
-          <p:cNvPr id="3" name="Text Placeholder 2">
-            <a:extLst>
-              <a:ext uri="{FF2B5EF4-FFF2-40B4-BE49-F238E27FC236}">
-                <a16:creationId xmlns:a16="http://schemas.microsoft.com/office/drawing/2014/main" id="{B69AA380-F096-46EC-A43B-1BD564D8EABF}"/>
-              </a:ext>
-            </a:extLst>
-          </p:cNvPr>
-          <p:cNvSpPr>
-            <a:spLocks noGrp="1"/>
-          </p:cNvSpPr>
-          <p:nvPr>
-            <p:ph type="body" idx="1"/>
-          </p:nvPr>
-        </p:nvSpPr>
-        <p:spPr>
-          <a:xfrm>
-            <a:off x="839788" y="1681163"/>
-            <a:ext cx="5157787" cy="823912"/>
-          </a:xfrm>
-        </p:spPr>
-        <p:txBody>
-          <a:bodyPr anchor="b"/>
+          <a:bodyPr anchor="b">
+            <a:noAutofit/>
+          </a:bodyPr>
           <a:lstStyle>
             <a:lvl1pPr marL="0" indent="0">
               <a:buNone/>
-              <a:defRPr sz="2400" b="1"/>
+              <a:defRPr sz="2400" b="0"/>
             </a:lvl1pPr>
             <a:lvl2pPr marL="457200" indent="0">
               <a:buNone/>
@@ -1595,13 +4430,7 @@
       </p:sp>
       <p:sp>
         <p:nvSpPr>
-          <p:cNvPr id="4" name="Content Placeholder 3">
-            <a:extLst>
-              <a:ext uri="{FF2B5EF4-FFF2-40B4-BE49-F238E27FC236}">
-                <a16:creationId xmlns:a16="http://schemas.microsoft.com/office/drawing/2014/main" id="{3F3278C1-EB37-497E-A440-63658D8776FD}"/>
-              </a:ext>
-            </a:extLst>
-          </p:cNvPr>
+          <p:cNvPr id="4" name="Content Placeholder 3"/>
           <p:cNvSpPr>
             <a:spLocks noGrp="1"/>
           </p:cNvSpPr>
@@ -1611,12 +4440,14 @@
         </p:nvSpPr>
         <p:spPr>
           <a:xfrm>
-            <a:off x="839788" y="2505075"/>
-            <a:ext cx="5157787" cy="3684588"/>
+            <a:off x="675745" y="2737245"/>
+            <a:ext cx="4185623" cy="3304117"/>
           </a:xfrm>
         </p:spPr>
         <p:txBody>
-          <a:bodyPr/>
+          <a:bodyPr>
+            <a:normAutofit/>
+          </a:bodyPr>
           <a:lstStyle/>
           <a:p>
             <a:pPr lvl="0"/>
@@ -1652,18 +4483,13 @@
               <a:rPr lang="en-US"/>
               <a:t>Fifth level</a:t>
             </a:r>
-          </a:p>
-        </p:txBody>
-      </p:sp>
-      <p:sp>
-        <p:nvSpPr>
-          <p:cNvPr id="5" name="Text Placeholder 4">
-            <a:extLst>
-              <a:ext uri="{FF2B5EF4-FFF2-40B4-BE49-F238E27FC236}">
-                <a16:creationId xmlns:a16="http://schemas.microsoft.com/office/drawing/2014/main" id="{C7CA8F3F-D1FC-41AE-9FE5-AB7C3B995469}"/>
-              </a:ext>
-            </a:extLst>
-          </p:cNvPr>
+            <a:endParaRPr lang="en-US" dirty="0"/>
+          </a:p>
+        </p:txBody>
+      </p:sp>
+      <p:sp>
+        <p:nvSpPr>
+          <p:cNvPr id="5" name="Text Placeholder 4"/>
           <p:cNvSpPr>
             <a:spLocks noGrp="1"/>
           </p:cNvSpPr>
@@ -1673,16 +4499,18 @@
         </p:nvSpPr>
         <p:spPr>
           <a:xfrm>
-            <a:off x="6172200" y="1681163"/>
-            <a:ext cx="5183188" cy="823912"/>
+            <a:off x="5088383" y="2160983"/>
+            <a:ext cx="4185618" cy="576262"/>
           </a:xfrm>
         </p:spPr>
         <p:txBody>
-          <a:bodyPr anchor="b"/>
+          <a:bodyPr anchor="b">
+            <a:noAutofit/>
+          </a:bodyPr>
           <a:lstStyle>
             <a:lvl1pPr marL="0" indent="0">
               <a:buNone/>
-              <a:defRPr sz="2400" b="1"/>
+              <a:defRPr sz="2400" b="0"/>
             </a:lvl1pPr>
             <a:lvl2pPr marL="457200" indent="0">
               <a:buNone/>
@@ -1728,13 +4556,7 @@
       </p:sp>
       <p:sp>
         <p:nvSpPr>
-          <p:cNvPr id="6" name="Content Placeholder 5">
-            <a:extLst>
-              <a:ext uri="{FF2B5EF4-FFF2-40B4-BE49-F238E27FC236}">
-                <a16:creationId xmlns:a16="http://schemas.microsoft.com/office/drawing/2014/main" id="{169DE7D4-D319-4CD2-B381-CD3DC1AB1A52}"/>
-              </a:ext>
-            </a:extLst>
-          </p:cNvPr>
+          <p:cNvPr id="6" name="Content Placeholder 5"/>
           <p:cNvSpPr>
             <a:spLocks noGrp="1"/>
           </p:cNvSpPr>
@@ -1744,12 +4566,14 @@
         </p:nvSpPr>
         <p:spPr>
           <a:xfrm>
-            <a:off x="6172200" y="2505075"/>
-            <a:ext cx="5183188" cy="3684588"/>
+            <a:off x="5088384" y="2737245"/>
+            <a:ext cx="4185617" cy="3304117"/>
           </a:xfrm>
         </p:spPr>
         <p:txBody>
-          <a:bodyPr/>
+          <a:bodyPr>
+            <a:normAutofit/>
+          </a:bodyPr>
           <a:lstStyle/>
           <a:p>
             <a:pPr lvl="0"/>
@@ -1785,18 +4609,13 @@
               <a:rPr lang="en-US"/>
               <a:t>Fifth level</a:t>
             </a:r>
-          </a:p>
-        </p:txBody>
-      </p:sp>
-      <p:sp>
-        <p:nvSpPr>
-          <p:cNvPr id="7" name="Date Placeholder 6">
-            <a:extLst>
-              <a:ext uri="{FF2B5EF4-FFF2-40B4-BE49-F238E27FC236}">
-                <a16:creationId xmlns:a16="http://schemas.microsoft.com/office/drawing/2014/main" id="{D1207903-C39A-4939-9540-A96DCF730A86}"/>
-              </a:ext>
-            </a:extLst>
-          </p:cNvPr>
+            <a:endParaRPr lang="en-US" dirty="0"/>
+          </a:p>
+        </p:txBody>
+      </p:sp>
+      <p:sp>
+        <p:nvSpPr>
+          <p:cNvPr id="7" name="Date Placeholder 6"/>
           <p:cNvSpPr>
             <a:spLocks noGrp="1"/>
           </p:cNvSpPr>
@@ -1811,7 +4630,7 @@
           <a:p>
             <a:fld id="{BCA1455B-9EF9-4F4B-83B7-0488328AF603}" type="datetimeFigureOut">
               <a:rPr lang="en-US" smtClean="0"/>
-              <a:t>10/8/2021</a:t>
+              <a:t>10/10/2021</a:t>
             </a:fld>
             <a:endParaRPr lang="en-US"/>
           </a:p>
@@ -1819,13 +4638,7 @@
       </p:sp>
       <p:sp>
         <p:nvSpPr>
-          <p:cNvPr id="8" name="Footer Placeholder 7">
-            <a:extLst>
-              <a:ext uri="{FF2B5EF4-FFF2-40B4-BE49-F238E27FC236}">
-                <a16:creationId xmlns:a16="http://schemas.microsoft.com/office/drawing/2014/main" id="{596140C5-C676-4CFD-BCF0-297FEDA1E5AA}"/>
-              </a:ext>
-            </a:extLst>
-          </p:cNvPr>
+          <p:cNvPr id="8" name="Footer Placeholder 7"/>
           <p:cNvSpPr>
             <a:spLocks noGrp="1"/>
           </p:cNvSpPr>
@@ -1844,13 +4657,7 @@
       </p:sp>
       <p:sp>
         <p:nvSpPr>
-          <p:cNvPr id="9" name="Slide Number Placeholder 8">
-            <a:extLst>
-              <a:ext uri="{FF2B5EF4-FFF2-40B4-BE49-F238E27FC236}">
-                <a16:creationId xmlns:a16="http://schemas.microsoft.com/office/drawing/2014/main" id="{F7B830E5-C31D-436F-8DFD-A309FF15CAEF}"/>
-              </a:ext>
-            </a:extLst>
-          </p:cNvPr>
+          <p:cNvPr id="9" name="Slide Number Placeholder 8"/>
           <p:cNvSpPr>
             <a:spLocks noGrp="1"/>
           </p:cNvSpPr>
@@ -1874,7 +4681,7 @@
     </p:spTree>
     <p:extLst>
       <p:ext uri="{BB962C8B-B14F-4D97-AF65-F5344CB8AC3E}">
-        <p14:creationId xmlns:p14="http://schemas.microsoft.com/office/powerpoint/2010/main" val="721283747"/>
+        <p14:creationId xmlns:p14="http://schemas.microsoft.com/office/powerpoint/2010/main" val="4207816263"/>
       </p:ext>
     </p:extLst>
   </p:cSld>
@@ -1903,13 +4710,7 @@
       </p:grpSpPr>
       <p:sp>
         <p:nvSpPr>
-          <p:cNvPr id="2" name="Title 1">
-            <a:extLst>
-              <a:ext uri="{FF2B5EF4-FFF2-40B4-BE49-F238E27FC236}">
-                <a16:creationId xmlns:a16="http://schemas.microsoft.com/office/drawing/2014/main" id="{9D0F2145-7171-4979-8AD3-345B9EBD08DA}"/>
-              </a:ext>
-            </a:extLst>
-          </p:cNvPr>
+          <p:cNvPr id="2" name="Title 1"/>
           <p:cNvSpPr>
             <a:spLocks noGrp="1"/>
           </p:cNvSpPr>
@@ -1917,7 +4718,12 @@
             <p:ph type="title"/>
           </p:nvPr>
         </p:nvSpPr>
-        <p:spPr/>
+        <p:spPr>
+          <a:xfrm>
+            <a:off x="677334" y="609600"/>
+            <a:ext cx="8596668" cy="1320800"/>
+          </a:xfrm>
+        </p:spPr>
         <p:txBody>
           <a:bodyPr/>
           <a:lstStyle/>
@@ -1926,18 +4732,13 @@
               <a:rPr lang="en-US"/>
               <a:t>Click to edit Master title style</a:t>
             </a:r>
-          </a:p>
-        </p:txBody>
-      </p:sp>
-      <p:sp>
-        <p:nvSpPr>
-          <p:cNvPr id="3" name="Date Placeholder 2">
-            <a:extLst>
-              <a:ext uri="{FF2B5EF4-FFF2-40B4-BE49-F238E27FC236}">
-                <a16:creationId xmlns:a16="http://schemas.microsoft.com/office/drawing/2014/main" id="{3252A9A2-2B86-47F1-8EB5-FCE75C55360C}"/>
-              </a:ext>
-            </a:extLst>
-          </p:cNvPr>
+            <a:endParaRPr lang="en-US" dirty="0"/>
+          </a:p>
+        </p:txBody>
+      </p:sp>
+      <p:sp>
+        <p:nvSpPr>
+          <p:cNvPr id="3" name="Date Placeholder 2"/>
           <p:cNvSpPr>
             <a:spLocks noGrp="1"/>
           </p:cNvSpPr>
@@ -1952,7 +4753,7 @@
           <a:p>
             <a:fld id="{BCA1455B-9EF9-4F4B-83B7-0488328AF603}" type="datetimeFigureOut">
               <a:rPr lang="en-US" smtClean="0"/>
-              <a:t>10/8/2021</a:t>
+              <a:t>10/10/2021</a:t>
             </a:fld>
             <a:endParaRPr lang="en-US"/>
           </a:p>
@@ -1960,13 +4761,7 @@
       </p:sp>
       <p:sp>
         <p:nvSpPr>
-          <p:cNvPr id="4" name="Footer Placeholder 3">
-            <a:extLst>
-              <a:ext uri="{FF2B5EF4-FFF2-40B4-BE49-F238E27FC236}">
-                <a16:creationId xmlns:a16="http://schemas.microsoft.com/office/drawing/2014/main" id="{F039CEA3-EDC6-40EA-9558-4ED85FA322E4}"/>
-              </a:ext>
-            </a:extLst>
-          </p:cNvPr>
+          <p:cNvPr id="4" name="Footer Placeholder 3"/>
           <p:cNvSpPr>
             <a:spLocks noGrp="1"/>
           </p:cNvSpPr>
@@ -1985,13 +4780,7 @@
       </p:sp>
       <p:sp>
         <p:nvSpPr>
-          <p:cNvPr id="5" name="Slide Number Placeholder 4">
-            <a:extLst>
-              <a:ext uri="{FF2B5EF4-FFF2-40B4-BE49-F238E27FC236}">
-                <a16:creationId xmlns:a16="http://schemas.microsoft.com/office/drawing/2014/main" id="{3ED3D2E0-90ED-4F21-8D06-E282318F3000}"/>
-              </a:ext>
-            </a:extLst>
-          </p:cNvPr>
+          <p:cNvPr id="5" name="Slide Number Placeholder 4"/>
           <p:cNvSpPr>
             <a:spLocks noGrp="1"/>
           </p:cNvSpPr>
@@ -2015,7 +4804,7 @@
     </p:spTree>
     <p:extLst>
       <p:ext uri="{BB962C8B-B14F-4D97-AF65-F5344CB8AC3E}">
-        <p14:creationId xmlns:p14="http://schemas.microsoft.com/office/powerpoint/2010/main" val="1701766789"/>
+        <p14:creationId xmlns:p14="http://schemas.microsoft.com/office/powerpoint/2010/main" val="839714072"/>
       </p:ext>
     </p:extLst>
   </p:cSld>
@@ -2044,13 +4833,7 @@
       </p:grpSpPr>
       <p:sp>
         <p:nvSpPr>
-          <p:cNvPr id="2" name="Date Placeholder 1">
-            <a:extLst>
-              <a:ext uri="{FF2B5EF4-FFF2-40B4-BE49-F238E27FC236}">
-                <a16:creationId xmlns:a16="http://schemas.microsoft.com/office/drawing/2014/main" id="{7250D8F0-B693-4650-B3EC-BB67D94A784A}"/>
-              </a:ext>
-            </a:extLst>
-          </p:cNvPr>
+          <p:cNvPr id="2" name="Date Placeholder 1"/>
           <p:cNvSpPr>
             <a:spLocks noGrp="1"/>
           </p:cNvSpPr>
@@ -2065,7 +4848,7 @@
           <a:p>
             <a:fld id="{BCA1455B-9EF9-4F4B-83B7-0488328AF603}" type="datetimeFigureOut">
               <a:rPr lang="en-US" smtClean="0"/>
-              <a:t>10/8/2021</a:t>
+              <a:t>10/10/2021</a:t>
             </a:fld>
             <a:endParaRPr lang="en-US"/>
           </a:p>
@@ -2073,13 +4856,7 @@
       </p:sp>
       <p:sp>
         <p:nvSpPr>
-          <p:cNvPr id="3" name="Footer Placeholder 2">
-            <a:extLst>
-              <a:ext uri="{FF2B5EF4-FFF2-40B4-BE49-F238E27FC236}">
-                <a16:creationId xmlns:a16="http://schemas.microsoft.com/office/drawing/2014/main" id="{5796BC19-6EC2-4BDF-81DC-2074399D0456}"/>
-              </a:ext>
-            </a:extLst>
-          </p:cNvPr>
+          <p:cNvPr id="3" name="Footer Placeholder 2"/>
           <p:cNvSpPr>
             <a:spLocks noGrp="1"/>
           </p:cNvSpPr>
@@ -2098,13 +4875,7 @@
       </p:sp>
       <p:sp>
         <p:nvSpPr>
-          <p:cNvPr id="4" name="Slide Number Placeholder 3">
-            <a:extLst>
-              <a:ext uri="{FF2B5EF4-FFF2-40B4-BE49-F238E27FC236}">
-                <a16:creationId xmlns:a16="http://schemas.microsoft.com/office/drawing/2014/main" id="{9DBA7214-9B30-4F61-9FE3-6D8A47479A74}"/>
-              </a:ext>
-            </a:extLst>
-          </p:cNvPr>
+          <p:cNvPr id="4" name="Slide Number Placeholder 3"/>
           <p:cNvSpPr>
             <a:spLocks noGrp="1"/>
           </p:cNvSpPr>
@@ -2128,7 +4899,7 @@
     </p:spTree>
     <p:extLst>
       <p:ext uri="{BB962C8B-B14F-4D97-AF65-F5344CB8AC3E}">
-        <p14:creationId xmlns:p14="http://schemas.microsoft.com/office/powerpoint/2010/main" val="713825769"/>
+        <p14:creationId xmlns:p14="http://schemas.microsoft.com/office/powerpoint/2010/main" val="2593040295"/>
       </p:ext>
     </p:extLst>
   </p:cSld>
@@ -2157,13 +4928,7 @@
       </p:grpSpPr>
       <p:sp>
         <p:nvSpPr>
-          <p:cNvPr id="2" name="Title 1">
-            <a:extLst>
-              <a:ext uri="{FF2B5EF4-FFF2-40B4-BE49-F238E27FC236}">
-                <a16:creationId xmlns:a16="http://schemas.microsoft.com/office/drawing/2014/main" id="{15C3E856-E6D4-44A1-A405-9CF22F10B2EE}"/>
-              </a:ext>
-            </a:extLst>
-          </p:cNvPr>
+          <p:cNvPr id="2" name="Title 1"/>
           <p:cNvSpPr>
             <a:spLocks noGrp="1"/>
           </p:cNvSpPr>
@@ -2173,15 +4938,17 @@
         </p:nvSpPr>
         <p:spPr>
           <a:xfrm>
-            <a:off x="839788" y="457200"/>
-            <a:ext cx="3932237" cy="1600200"/>
+            <a:off x="677334" y="1498604"/>
+            <a:ext cx="3854528" cy="1278466"/>
           </a:xfrm>
         </p:spPr>
         <p:txBody>
-          <a:bodyPr anchor="b"/>
+          <a:bodyPr anchor="b">
+            <a:normAutofit/>
+          </a:bodyPr>
           <a:lstStyle>
             <a:lvl1pPr>
-              <a:defRPr sz="3200"/>
+              <a:defRPr sz="2000"/>
             </a:lvl1pPr>
           </a:lstStyle>
           <a:p>
@@ -2189,18 +4956,13 @@
               <a:rPr lang="en-US"/>
               <a:t>Click to edit Master title style</a:t>
             </a:r>
-          </a:p>
-        </p:txBody>
-      </p:sp>
-      <p:sp>
-        <p:nvSpPr>
-          <p:cNvPr id="3" name="Content Placeholder 2">
-            <a:extLst>
-              <a:ext uri="{FF2B5EF4-FFF2-40B4-BE49-F238E27FC236}">
-                <a16:creationId xmlns:a16="http://schemas.microsoft.com/office/drawing/2014/main" id="{D741BDF2-A86D-4BB4-84A3-BF8FF969FC4F}"/>
-              </a:ext>
-            </a:extLst>
-          </p:cNvPr>
+            <a:endParaRPr lang="en-US" dirty="0"/>
+          </a:p>
+        </p:txBody>
+      </p:sp>
+      <p:sp>
+        <p:nvSpPr>
+          <p:cNvPr id="3" name="Content Placeholder 2"/>
           <p:cNvSpPr>
             <a:spLocks noGrp="1"/>
           </p:cNvSpPr>
@@ -2210,41 +4972,15 @@
         </p:nvSpPr>
         <p:spPr>
           <a:xfrm>
-            <a:off x="5183188" y="987425"/>
-            <a:ext cx="6172200" cy="4873625"/>
+            <a:off x="4760461" y="514924"/>
+            <a:ext cx="4513541" cy="5526437"/>
           </a:xfrm>
         </p:spPr>
         <p:txBody>
-          <a:bodyPr/>
-          <a:lstStyle>
-            <a:lvl1pPr>
-              <a:defRPr sz="3200"/>
-            </a:lvl1pPr>
-            <a:lvl2pPr>
-              <a:defRPr sz="2800"/>
-            </a:lvl2pPr>
-            <a:lvl3pPr>
-              <a:defRPr sz="2400"/>
-            </a:lvl3pPr>
-            <a:lvl4pPr>
-              <a:defRPr sz="2000"/>
-            </a:lvl4pPr>
-            <a:lvl5pPr>
-              <a:defRPr sz="2000"/>
-            </a:lvl5pPr>
-            <a:lvl6pPr>
-              <a:defRPr sz="2000"/>
-            </a:lvl6pPr>
-            <a:lvl7pPr>
-              <a:defRPr sz="2000"/>
-            </a:lvl7pPr>
-            <a:lvl8pPr>
-              <a:defRPr sz="2000"/>
-            </a:lvl8pPr>
-            <a:lvl9pPr>
-              <a:defRPr sz="2000"/>
-            </a:lvl9pPr>
-          </a:lstStyle>
+          <a:bodyPr>
+            <a:normAutofit/>
+          </a:bodyPr>
+          <a:lstStyle/>
           <a:p>
             <a:pPr lvl="0"/>
             <a:r>
@@ -2279,18 +5015,13 @@
               <a:rPr lang="en-US"/>
               <a:t>Fifth level</a:t>
             </a:r>
-          </a:p>
-        </p:txBody>
-      </p:sp>
-      <p:sp>
-        <p:nvSpPr>
-          <p:cNvPr id="4" name="Text Placeholder 3">
-            <a:extLst>
-              <a:ext uri="{FF2B5EF4-FFF2-40B4-BE49-F238E27FC236}">
-                <a16:creationId xmlns:a16="http://schemas.microsoft.com/office/drawing/2014/main" id="{F7163E8E-0C0B-4C9E-955F-5948FE27FB29}"/>
-              </a:ext>
-            </a:extLst>
-          </p:cNvPr>
+            <a:endParaRPr lang="en-US" dirty="0"/>
+          </a:p>
+        </p:txBody>
+      </p:sp>
+      <p:sp>
+        <p:nvSpPr>
+          <p:cNvPr id="4" name="Text Placeholder 3"/>
           <p:cNvSpPr>
             <a:spLocks noGrp="1"/>
           </p:cNvSpPr>
@@ -2300,46 +5031,48 @@
         </p:nvSpPr>
         <p:spPr>
           <a:xfrm>
-            <a:off x="839788" y="2057400"/>
-            <a:ext cx="3932237" cy="3811588"/>
+            <a:off x="677334" y="2777069"/>
+            <a:ext cx="3854528" cy="2584449"/>
           </a:xfrm>
         </p:spPr>
         <p:txBody>
-          <a:bodyPr/>
+          <a:bodyPr>
+            <a:normAutofit/>
+          </a:bodyPr>
           <a:lstStyle>
             <a:lvl1pPr marL="0" indent="0">
               <a:buNone/>
-              <a:defRPr sz="1600"/>
+              <a:defRPr sz="1400"/>
             </a:lvl1pPr>
-            <a:lvl2pPr marL="457200" indent="0">
+            <a:lvl2pPr marL="457063" indent="0">
               <a:buNone/>
               <a:defRPr sz="1400"/>
             </a:lvl2pPr>
-            <a:lvl3pPr marL="914400" indent="0">
+            <a:lvl3pPr marL="914126" indent="0">
               <a:buNone/>
               <a:defRPr sz="1200"/>
             </a:lvl3pPr>
-            <a:lvl4pPr marL="1371600" indent="0">
+            <a:lvl4pPr marL="1371189" indent="0">
               <a:buNone/>
               <a:defRPr sz="1000"/>
             </a:lvl4pPr>
-            <a:lvl5pPr marL="1828800" indent="0">
+            <a:lvl5pPr marL="1828251" indent="0">
               <a:buNone/>
               <a:defRPr sz="1000"/>
             </a:lvl5pPr>
-            <a:lvl6pPr marL="2286000" indent="0">
+            <a:lvl6pPr marL="2285314" indent="0">
               <a:buNone/>
               <a:defRPr sz="1000"/>
             </a:lvl6pPr>
-            <a:lvl7pPr marL="2743200" indent="0">
+            <a:lvl7pPr marL="2742377" indent="0">
               <a:buNone/>
               <a:defRPr sz="1000"/>
             </a:lvl7pPr>
-            <a:lvl8pPr marL="3200400" indent="0">
+            <a:lvl8pPr marL="3199440" indent="0">
               <a:buNone/>
               <a:defRPr sz="1000"/>
             </a:lvl8pPr>
-            <a:lvl9pPr marL="3657600" indent="0">
+            <a:lvl9pPr marL="3656503" indent="0">
               <a:buNone/>
               <a:defRPr sz="1000"/>
             </a:lvl9pPr>
@@ -2355,13 +5088,7 @@
       </p:sp>
       <p:sp>
         <p:nvSpPr>
-          <p:cNvPr id="5" name="Date Placeholder 4">
-            <a:extLst>
-              <a:ext uri="{FF2B5EF4-FFF2-40B4-BE49-F238E27FC236}">
-                <a16:creationId xmlns:a16="http://schemas.microsoft.com/office/drawing/2014/main" id="{B3F89450-96D6-4BDC-B9BD-5314061CE7F6}"/>
-              </a:ext>
-            </a:extLst>
-          </p:cNvPr>
+          <p:cNvPr id="5" name="Date Placeholder 4"/>
           <p:cNvSpPr>
             <a:spLocks noGrp="1"/>
           </p:cNvSpPr>
@@ -2376,7 +5103,7 @@
           <a:p>
             <a:fld id="{BCA1455B-9EF9-4F4B-83B7-0488328AF603}" type="datetimeFigureOut">
               <a:rPr lang="en-US" smtClean="0"/>
-              <a:t>10/8/2021</a:t>
+              <a:t>10/10/2021</a:t>
             </a:fld>
             <a:endParaRPr lang="en-US"/>
           </a:p>
@@ -2384,13 +5111,7 @@
       </p:sp>
       <p:sp>
         <p:nvSpPr>
-          <p:cNvPr id="6" name="Footer Placeholder 5">
-            <a:extLst>
-              <a:ext uri="{FF2B5EF4-FFF2-40B4-BE49-F238E27FC236}">
-                <a16:creationId xmlns:a16="http://schemas.microsoft.com/office/drawing/2014/main" id="{9B04B1EE-C3F8-49C1-A1F8-CB208C81FC96}"/>
-              </a:ext>
-            </a:extLst>
-          </p:cNvPr>
+          <p:cNvPr id="6" name="Footer Placeholder 5"/>
           <p:cNvSpPr>
             <a:spLocks noGrp="1"/>
           </p:cNvSpPr>
@@ -2409,13 +5130,7 @@
       </p:sp>
       <p:sp>
         <p:nvSpPr>
-          <p:cNvPr id="7" name="Slide Number Placeholder 6">
-            <a:extLst>
-              <a:ext uri="{FF2B5EF4-FFF2-40B4-BE49-F238E27FC236}">
-                <a16:creationId xmlns:a16="http://schemas.microsoft.com/office/drawing/2014/main" id="{78CF3882-0A4C-47BA-9DEC-4C4D1661438A}"/>
-              </a:ext>
-            </a:extLst>
-          </p:cNvPr>
+          <p:cNvPr id="7" name="Slide Number Placeholder 6"/>
           <p:cNvSpPr>
             <a:spLocks noGrp="1"/>
           </p:cNvSpPr>
@@ -2439,7 +5154,7 @@
     </p:spTree>
     <p:extLst>
       <p:ext uri="{BB962C8B-B14F-4D97-AF65-F5344CB8AC3E}">
-        <p14:creationId xmlns:p14="http://schemas.microsoft.com/office/powerpoint/2010/main" val="2223719579"/>
+        <p14:creationId xmlns:p14="http://schemas.microsoft.com/office/powerpoint/2010/main" val="2665733397"/>
       </p:ext>
     </p:extLst>
   </p:cSld>
@@ -2468,13 +5183,7 @@
       </p:grpSpPr>
       <p:sp>
         <p:nvSpPr>
-          <p:cNvPr id="2" name="Title 1">
-            <a:extLst>
-              <a:ext uri="{FF2B5EF4-FFF2-40B4-BE49-F238E27FC236}">
-                <a16:creationId xmlns:a16="http://schemas.microsoft.com/office/drawing/2014/main" id="{B70895EF-D03A-4E1A-A4E5-30CCB0691CB3}"/>
-              </a:ext>
-            </a:extLst>
-          </p:cNvPr>
+          <p:cNvPr id="2" name="Title 1"/>
           <p:cNvSpPr>
             <a:spLocks noGrp="1"/>
           </p:cNvSpPr>
@@ -2484,15 +5193,17 @@
         </p:nvSpPr>
         <p:spPr>
           <a:xfrm>
-            <a:off x="839788" y="457200"/>
-            <a:ext cx="3932237" cy="1600200"/>
+            <a:off x="677334" y="4800600"/>
+            <a:ext cx="8596667" cy="566738"/>
           </a:xfrm>
         </p:spPr>
         <p:txBody>
-          <a:bodyPr anchor="b"/>
+          <a:bodyPr anchor="b">
+            <a:normAutofit/>
+          </a:bodyPr>
           <a:lstStyle>
-            <a:lvl1pPr>
-              <a:defRPr sz="3200"/>
+            <a:lvl1pPr algn="l">
+              <a:defRPr sz="2400" b="0"/>
             </a:lvl1pPr>
           </a:lstStyle>
           <a:p>
@@ -2500,20 +5211,15 @@
               <a:rPr lang="en-US"/>
               <a:t>Click to edit Master title style</a:t>
             </a:r>
-          </a:p>
-        </p:txBody>
-      </p:sp>
-      <p:sp>
-        <p:nvSpPr>
-          <p:cNvPr id="3" name="Picture Placeholder 2">
-            <a:extLst>
-              <a:ext uri="{FF2B5EF4-FFF2-40B4-BE49-F238E27FC236}">
-                <a16:creationId xmlns:a16="http://schemas.microsoft.com/office/drawing/2014/main" id="{83CF44F4-BF7E-4E42-B426-E28C4AD89911}"/>
-              </a:ext>
-            </a:extLst>
-          </p:cNvPr>
-          <p:cNvSpPr>
-            <a:spLocks noGrp="1"/>
+            <a:endParaRPr lang="en-US" dirty="0"/>
+          </a:p>
+        </p:txBody>
+      </p:sp>
+      <p:sp>
+        <p:nvSpPr>
+          <p:cNvPr id="3" name="Picture Placeholder 2"/>
+          <p:cNvSpPr>
+            <a:spLocks noGrp="1" noChangeAspect="1"/>
           </p:cNvSpPr>
           <p:nvPr>
             <p:ph type="pic" idx="1"/>
@@ -2521,118 +5227,120 @@
         </p:nvSpPr>
         <p:spPr>
           <a:xfrm>
-            <a:off x="5183188" y="987425"/>
-            <a:ext cx="6172200" cy="4873625"/>
+            <a:off x="677334" y="609600"/>
+            <a:ext cx="8596668" cy="3845718"/>
           </a:xfrm>
         </p:spPr>
         <p:txBody>
-          <a:bodyPr/>
+          <a:bodyPr anchor="t">
+            <a:normAutofit/>
+          </a:bodyPr>
           <a:lstStyle>
-            <a:lvl1pPr marL="0" indent="0">
-              <a:buNone/>
-              <a:defRPr sz="3200"/>
-            </a:lvl1pPr>
-            <a:lvl2pPr marL="457200" indent="0">
-              <a:buNone/>
-              <a:defRPr sz="2800"/>
-            </a:lvl2pPr>
-            <a:lvl3pPr marL="914400" indent="0">
-              <a:buNone/>
-              <a:defRPr sz="2400"/>
-            </a:lvl3pPr>
-            <a:lvl4pPr marL="1371600" indent="0">
-              <a:buNone/>
-              <a:defRPr sz="2000"/>
-            </a:lvl4pPr>
-            <a:lvl5pPr marL="1828800" indent="0">
-              <a:buNone/>
-              <a:defRPr sz="2000"/>
-            </a:lvl5pPr>
-            <a:lvl6pPr marL="2286000" indent="0">
-              <a:buNone/>
-              <a:defRPr sz="2000"/>
-            </a:lvl6pPr>
-            <a:lvl7pPr marL="2743200" indent="0">
-              <a:buNone/>
-              <a:defRPr sz="2000"/>
-            </a:lvl7pPr>
-            <a:lvl8pPr marL="3200400" indent="0">
-              <a:buNone/>
-              <a:defRPr sz="2000"/>
-            </a:lvl8pPr>
-            <a:lvl9pPr marL="3657600" indent="0">
-              <a:buNone/>
-              <a:defRPr sz="2000"/>
-            </a:lvl9pPr>
-          </a:lstStyle>
-          <a:p>
-            <a:endParaRPr lang="en-US"/>
-          </a:p>
-        </p:txBody>
-      </p:sp>
-      <p:sp>
-        <p:nvSpPr>
-          <p:cNvPr id="4" name="Text Placeholder 3">
-            <a:extLst>
-              <a:ext uri="{FF2B5EF4-FFF2-40B4-BE49-F238E27FC236}">
-                <a16:creationId xmlns:a16="http://schemas.microsoft.com/office/drawing/2014/main" id="{323CFEB0-E1E6-4B7C-B8C3-7CFA1AA4A20C}"/>
-              </a:ext>
-            </a:extLst>
-          </p:cNvPr>
-          <p:cNvSpPr>
-            <a:spLocks noGrp="1"/>
-          </p:cNvSpPr>
-          <p:nvPr>
-            <p:ph type="body" sz="half" idx="2"/>
-          </p:nvPr>
-        </p:nvSpPr>
-        <p:spPr>
-          <a:xfrm>
-            <a:off x="839788" y="2057400"/>
-            <a:ext cx="3932237" cy="3811588"/>
-          </a:xfrm>
-        </p:spPr>
-        <p:txBody>
-          <a:bodyPr/>
-          <a:lstStyle>
-            <a:lvl1pPr marL="0" indent="0">
+            <a:lvl1pPr marL="0" indent="0" algn="ctr">
               <a:buNone/>
               <a:defRPr sz="1600"/>
             </a:lvl1pPr>
             <a:lvl2pPr marL="457200" indent="0">
               <a:buNone/>
-              <a:defRPr sz="1400"/>
+              <a:defRPr sz="1600"/>
             </a:lvl2pPr>
             <a:lvl3pPr marL="914400" indent="0">
               <a:buNone/>
-              <a:defRPr sz="1200"/>
+              <a:defRPr sz="1600"/>
             </a:lvl3pPr>
             <a:lvl4pPr marL="1371600" indent="0">
               <a:buNone/>
-              <a:defRPr sz="1000"/>
+              <a:defRPr sz="1600"/>
             </a:lvl4pPr>
             <a:lvl5pPr marL="1828800" indent="0">
               <a:buNone/>
-              <a:defRPr sz="1000"/>
+              <a:defRPr sz="1600"/>
             </a:lvl5pPr>
             <a:lvl6pPr marL="2286000" indent="0">
               <a:buNone/>
-              <a:defRPr sz="1000"/>
+              <a:defRPr sz="1600"/>
             </a:lvl6pPr>
             <a:lvl7pPr marL="2743200" indent="0">
               <a:buNone/>
-              <a:defRPr sz="1000"/>
+              <a:defRPr sz="1600"/>
             </a:lvl7pPr>
             <a:lvl8pPr marL="3200400" indent="0">
               <a:buNone/>
-              <a:defRPr sz="1000"/>
+              <a:defRPr sz="1600"/>
             </a:lvl8pPr>
             <a:lvl9pPr marL="3657600" indent="0">
               <a:buNone/>
-              <a:defRPr sz="1000"/>
+              <a:defRPr sz="1600"/>
             </a:lvl9pPr>
           </a:lstStyle>
           <a:p>
+            <a:r>
+              <a:rPr lang="en-US"/>
+              <a:t>Click icon to add picture</a:t>
+            </a:r>
+            <a:endParaRPr lang="en-US" dirty="0"/>
+          </a:p>
+        </p:txBody>
+      </p:sp>
+      <p:sp>
+        <p:nvSpPr>
+          <p:cNvPr id="4" name="Text Placeholder 3"/>
+          <p:cNvSpPr>
+            <a:spLocks noGrp="1"/>
+          </p:cNvSpPr>
+          <p:nvPr>
+            <p:ph type="body" sz="half" idx="2"/>
+          </p:nvPr>
+        </p:nvSpPr>
+        <p:spPr>
+          <a:xfrm>
+            <a:off x="677334" y="5367338"/>
+            <a:ext cx="8596667" cy="674024"/>
+          </a:xfrm>
+        </p:spPr>
+        <p:txBody>
+          <a:bodyPr>
+            <a:normAutofit/>
+          </a:bodyPr>
+          <a:lstStyle>
+            <a:lvl1pPr marL="0" indent="0">
+              <a:buNone/>
+              <a:defRPr sz="1200"/>
+            </a:lvl1pPr>
+            <a:lvl2pPr marL="457200" indent="0">
+              <a:buNone/>
+              <a:defRPr sz="1200"/>
+            </a:lvl2pPr>
+            <a:lvl3pPr marL="914400" indent="0">
+              <a:buNone/>
+              <a:defRPr sz="1000"/>
+            </a:lvl3pPr>
+            <a:lvl4pPr marL="1371600" indent="0">
+              <a:buNone/>
+              <a:defRPr sz="900"/>
+            </a:lvl4pPr>
+            <a:lvl5pPr marL="1828800" indent="0">
+              <a:buNone/>
+              <a:defRPr sz="900"/>
+            </a:lvl5pPr>
+            <a:lvl6pPr marL="2286000" indent="0">
+              <a:buNone/>
+              <a:defRPr sz="900"/>
+            </a:lvl6pPr>
+            <a:lvl7pPr marL="2743200" indent="0">
+              <a:buNone/>
+              <a:defRPr sz="900"/>
+            </a:lvl7pPr>
+            <a:lvl8pPr marL="3200400" indent="0">
+              <a:buNone/>
+              <a:defRPr sz="900"/>
+            </a:lvl8pPr>
+            <a:lvl9pPr marL="3657600" indent="0">
+              <a:buNone/>
+              <a:defRPr sz="900"/>
+            </a:lvl9pPr>
+          </a:lstStyle>
+          <a:p>
             <a:pPr lvl="0"/>
             <a:r>
               <a:rPr lang="en-US"/>
@@ -2643,13 +5351,7 @@
       </p:sp>
       <p:sp>
         <p:nvSpPr>
-          <p:cNvPr id="5" name="Date Placeholder 4">
-            <a:extLst>
-              <a:ext uri="{FF2B5EF4-FFF2-40B4-BE49-F238E27FC236}">
-                <a16:creationId xmlns:a16="http://schemas.microsoft.com/office/drawing/2014/main" id="{FB0AAE98-DCB9-4E2D-8E2C-7B7EC7232D0F}"/>
-              </a:ext>
-            </a:extLst>
-          </p:cNvPr>
+          <p:cNvPr id="5" name="Date Placeholder 4"/>
           <p:cNvSpPr>
             <a:spLocks noGrp="1"/>
           </p:cNvSpPr>
@@ -2664,7 +5366,7 @@
           <a:p>
             <a:fld id="{BCA1455B-9EF9-4F4B-83B7-0488328AF603}" type="datetimeFigureOut">
               <a:rPr lang="en-US" smtClean="0"/>
-              <a:t>10/8/2021</a:t>
+              <a:t>10/10/2021</a:t>
             </a:fld>
             <a:endParaRPr lang="en-US"/>
           </a:p>
@@ -2672,13 +5374,7 @@
       </p:sp>
       <p:sp>
         <p:nvSpPr>
-          <p:cNvPr id="6" name="Footer Placeholder 5">
-            <a:extLst>
-              <a:ext uri="{FF2B5EF4-FFF2-40B4-BE49-F238E27FC236}">
-                <a16:creationId xmlns:a16="http://schemas.microsoft.com/office/drawing/2014/main" id="{B1AB3927-D902-4FA6-A5B2-3ED951D9C3BC}"/>
-              </a:ext>
-            </a:extLst>
-          </p:cNvPr>
+          <p:cNvPr id="6" name="Footer Placeholder 5"/>
           <p:cNvSpPr>
             <a:spLocks noGrp="1"/>
           </p:cNvSpPr>
@@ -2697,13 +5393,7 @@
       </p:sp>
       <p:sp>
         <p:nvSpPr>
-          <p:cNvPr id="7" name="Slide Number Placeholder 6">
-            <a:extLst>
-              <a:ext uri="{FF2B5EF4-FFF2-40B4-BE49-F238E27FC236}">
-                <a16:creationId xmlns:a16="http://schemas.microsoft.com/office/drawing/2014/main" id="{5EB3A5E1-2F72-4081-BD8A-7B643F324FC4}"/>
-              </a:ext>
-            </a:extLst>
-          </p:cNvPr>
+          <p:cNvPr id="7" name="Slide Number Placeholder 6"/>
           <p:cNvSpPr>
             <a:spLocks noGrp="1"/>
           </p:cNvSpPr>
@@ -2727,7 +5417,7 @@
     </p:spTree>
     <p:extLst>
       <p:ext uri="{BB962C8B-B14F-4D97-AF65-F5344CB8AC3E}">
-        <p14:creationId xmlns:p14="http://schemas.microsoft.com/office/powerpoint/2010/main" val="260631868"/>
+        <p14:creationId xmlns:p14="http://schemas.microsoft.com/office/powerpoint/2010/main" val="2350411324"/>
       </p:ext>
     </p:extLst>
   </p:cSld>
@@ -2759,15 +5449,539 @@
           <a:chExt cx="0" cy="0"/>
         </a:xfrm>
       </p:grpSpPr>
-      <p:sp>
-        <p:nvSpPr>
-          <p:cNvPr id="2" name="Title Placeholder 1">
-            <a:extLst>
-              <a:ext uri="{FF2B5EF4-FFF2-40B4-BE49-F238E27FC236}">
-                <a16:creationId xmlns:a16="http://schemas.microsoft.com/office/drawing/2014/main" id="{7837ECF8-9A03-4B12-B355-AAE83B80CB84}"/>
-              </a:ext>
-            </a:extLst>
-          </p:cNvPr>
+      <p:grpSp>
+        <p:nvGrpSpPr>
+          <p:cNvPr id="7" name="Group 6"/>
+          <p:cNvGrpSpPr/>
+          <p:nvPr/>
+        </p:nvGrpSpPr>
+        <p:grpSpPr>
+          <a:xfrm>
+            <a:off x="0" y="-8467"/>
+            <a:ext cx="12192000" cy="6866467"/>
+            <a:chOff x="0" y="-8467"/>
+            <a:chExt cx="12192000" cy="6866467"/>
+          </a:xfrm>
+        </p:grpSpPr>
+        <p:cxnSp>
+          <p:nvCxnSpPr>
+            <p:cNvPr id="20" name="Straight Connector 19"/>
+            <p:cNvCxnSpPr/>
+            <p:nvPr/>
+          </p:nvCxnSpPr>
+          <p:spPr>
+            <a:xfrm>
+              <a:off x="9371012" y="0"/>
+              <a:ext cx="1219200" cy="6858000"/>
+            </a:xfrm>
+            <a:prstGeom prst="line">
+              <a:avLst/>
+            </a:prstGeom>
+            <a:ln w="9525">
+              <a:solidFill>
+                <a:schemeClr val="bg1">
+                  <a:lumMod val="75000"/>
+                </a:schemeClr>
+              </a:solidFill>
+            </a:ln>
+          </p:spPr>
+          <p:style>
+            <a:lnRef idx="2">
+              <a:schemeClr val="accent1"/>
+            </a:lnRef>
+            <a:fillRef idx="0">
+              <a:schemeClr val="accent1"/>
+            </a:fillRef>
+            <a:effectRef idx="1">
+              <a:schemeClr val="accent1"/>
+            </a:effectRef>
+            <a:fontRef idx="minor">
+              <a:schemeClr val="tx1"/>
+            </a:fontRef>
+          </p:style>
+        </p:cxnSp>
+        <p:cxnSp>
+          <p:nvCxnSpPr>
+            <p:cNvPr id="21" name="Straight Connector 20"/>
+            <p:cNvCxnSpPr/>
+            <p:nvPr/>
+          </p:nvCxnSpPr>
+          <p:spPr>
+            <a:xfrm flipH="1">
+              <a:off x="7425267" y="3681413"/>
+              <a:ext cx="4763558" cy="3176587"/>
+            </a:xfrm>
+            <a:prstGeom prst="line">
+              <a:avLst/>
+            </a:prstGeom>
+            <a:ln w="9525">
+              <a:solidFill>
+                <a:schemeClr val="bg1">
+                  <a:lumMod val="85000"/>
+                </a:schemeClr>
+              </a:solidFill>
+            </a:ln>
+          </p:spPr>
+          <p:style>
+            <a:lnRef idx="2">
+              <a:schemeClr val="accent1"/>
+            </a:lnRef>
+            <a:fillRef idx="0">
+              <a:schemeClr val="accent1"/>
+            </a:fillRef>
+            <a:effectRef idx="1">
+              <a:schemeClr val="accent1"/>
+            </a:effectRef>
+            <a:fontRef idx="minor">
+              <a:schemeClr val="tx1"/>
+            </a:fontRef>
+          </p:style>
+        </p:cxnSp>
+        <p:sp>
+          <p:nvSpPr>
+            <p:cNvPr id="22" name="Rectangle 23"/>
+            <p:cNvSpPr/>
+            <p:nvPr/>
+          </p:nvSpPr>
+          <p:spPr>
+            <a:xfrm>
+              <a:off x="9181476" y="-8467"/>
+              <a:ext cx="3007349" cy="6866467"/>
+            </a:xfrm>
+            <a:custGeom>
+              <a:avLst/>
+              <a:gdLst/>
+              <a:ahLst/>
+              <a:cxnLst/>
+              <a:rect l="l" t="t" r="r" b="b"/>
+              <a:pathLst>
+                <a:path w="3007349" h="6866467">
+                  <a:moveTo>
+                    <a:pt x="2045532" y="0"/>
+                  </a:moveTo>
+                  <a:lnTo>
+                    <a:pt x="3007349" y="0"/>
+                  </a:lnTo>
+                  <a:lnTo>
+                    <a:pt x="3007349" y="6866467"/>
+                  </a:lnTo>
+                  <a:lnTo>
+                    <a:pt x="0" y="6866467"/>
+                  </a:lnTo>
+                  <a:lnTo>
+                    <a:pt x="2045532" y="0"/>
+                  </a:lnTo>
+                  <a:close/>
+                </a:path>
+              </a:pathLst>
+            </a:custGeom>
+            <a:solidFill>
+              <a:schemeClr val="accent1">
+                <a:alpha val="30000"/>
+              </a:schemeClr>
+            </a:solidFill>
+            <a:ln>
+              <a:noFill/>
+            </a:ln>
+            <a:effectLst/>
+          </p:spPr>
+          <p:style>
+            <a:lnRef idx="1">
+              <a:schemeClr val="accent1"/>
+            </a:lnRef>
+            <a:fillRef idx="3">
+              <a:schemeClr val="accent1"/>
+            </a:fillRef>
+            <a:effectRef idx="2">
+              <a:schemeClr val="accent1"/>
+            </a:effectRef>
+            <a:fontRef idx="minor">
+              <a:schemeClr val="lt1"/>
+            </a:fontRef>
+          </p:style>
+        </p:sp>
+        <p:sp>
+          <p:nvSpPr>
+            <p:cNvPr id="23" name="Rectangle 25"/>
+            <p:cNvSpPr/>
+            <p:nvPr/>
+          </p:nvSpPr>
+          <p:spPr>
+            <a:xfrm>
+              <a:off x="9603442" y="-8467"/>
+              <a:ext cx="2588558" cy="6866467"/>
+            </a:xfrm>
+            <a:custGeom>
+              <a:avLst/>
+              <a:gdLst/>
+              <a:ahLst/>
+              <a:cxnLst/>
+              <a:rect l="l" t="t" r="r" b="b"/>
+              <a:pathLst>
+                <a:path w="2573311" h="6866467">
+                  <a:moveTo>
+                    <a:pt x="0" y="0"/>
+                  </a:moveTo>
+                  <a:lnTo>
+                    <a:pt x="2573311" y="0"/>
+                  </a:lnTo>
+                  <a:lnTo>
+                    <a:pt x="2573311" y="6866467"/>
+                  </a:lnTo>
+                  <a:lnTo>
+                    <a:pt x="1202336" y="6866467"/>
+                  </a:lnTo>
+                  <a:lnTo>
+                    <a:pt x="0" y="0"/>
+                  </a:lnTo>
+                  <a:close/>
+                </a:path>
+              </a:pathLst>
+            </a:custGeom>
+            <a:solidFill>
+              <a:schemeClr val="accent1">
+                <a:alpha val="20000"/>
+              </a:schemeClr>
+            </a:solidFill>
+            <a:ln>
+              <a:noFill/>
+            </a:ln>
+            <a:effectLst/>
+          </p:spPr>
+          <p:style>
+            <a:lnRef idx="1">
+              <a:schemeClr val="accent1"/>
+            </a:lnRef>
+            <a:fillRef idx="3">
+              <a:schemeClr val="accent1"/>
+            </a:fillRef>
+            <a:effectRef idx="2">
+              <a:schemeClr val="accent1"/>
+            </a:effectRef>
+            <a:fontRef idx="minor">
+              <a:schemeClr val="lt1"/>
+            </a:fontRef>
+          </p:style>
+        </p:sp>
+        <p:sp>
+          <p:nvSpPr>
+            <p:cNvPr id="24" name="Isosceles Triangle 23"/>
+            <p:cNvSpPr/>
+            <p:nvPr/>
+          </p:nvSpPr>
+          <p:spPr>
+            <a:xfrm>
+              <a:off x="8932333" y="3048000"/>
+              <a:ext cx="3259667" cy="3810000"/>
+            </a:xfrm>
+            <a:prstGeom prst="triangle">
+              <a:avLst>
+                <a:gd name="adj" fmla="val 100000"/>
+              </a:avLst>
+            </a:prstGeom>
+            <a:solidFill>
+              <a:schemeClr val="accent2">
+                <a:alpha val="72000"/>
+              </a:schemeClr>
+            </a:solidFill>
+            <a:ln>
+              <a:noFill/>
+            </a:ln>
+            <a:effectLst/>
+          </p:spPr>
+          <p:style>
+            <a:lnRef idx="1">
+              <a:schemeClr val="accent1"/>
+            </a:lnRef>
+            <a:fillRef idx="3">
+              <a:schemeClr val="accent1"/>
+            </a:fillRef>
+            <a:effectRef idx="2">
+              <a:schemeClr val="accent1"/>
+            </a:effectRef>
+            <a:fontRef idx="minor">
+              <a:schemeClr val="lt1"/>
+            </a:fontRef>
+          </p:style>
+        </p:sp>
+        <p:sp>
+          <p:nvSpPr>
+            <p:cNvPr id="25" name="Rectangle 27"/>
+            <p:cNvSpPr/>
+            <p:nvPr/>
+          </p:nvSpPr>
+          <p:spPr>
+            <a:xfrm>
+              <a:off x="9334500" y="-8467"/>
+              <a:ext cx="2854326" cy="6866467"/>
+            </a:xfrm>
+            <a:custGeom>
+              <a:avLst/>
+              <a:gdLst/>
+              <a:ahLst/>
+              <a:cxnLst/>
+              <a:rect l="l" t="t" r="r" b="b"/>
+              <a:pathLst>
+                <a:path w="2858013" h="6866467">
+                  <a:moveTo>
+                    <a:pt x="0" y="0"/>
+                  </a:moveTo>
+                  <a:lnTo>
+                    <a:pt x="2858013" y="0"/>
+                  </a:lnTo>
+                  <a:lnTo>
+                    <a:pt x="2858013" y="6866467"/>
+                  </a:lnTo>
+                  <a:lnTo>
+                    <a:pt x="2473942" y="6866467"/>
+                  </a:lnTo>
+                  <a:lnTo>
+                    <a:pt x="0" y="0"/>
+                  </a:lnTo>
+                  <a:close/>
+                </a:path>
+              </a:pathLst>
+            </a:custGeom>
+            <a:solidFill>
+              <a:schemeClr val="accent2">
+                <a:lumMod val="75000"/>
+                <a:alpha val="70000"/>
+              </a:schemeClr>
+            </a:solidFill>
+            <a:ln>
+              <a:noFill/>
+            </a:ln>
+            <a:effectLst/>
+          </p:spPr>
+          <p:style>
+            <a:lnRef idx="1">
+              <a:schemeClr val="accent1"/>
+            </a:lnRef>
+            <a:fillRef idx="3">
+              <a:schemeClr val="accent1"/>
+            </a:fillRef>
+            <a:effectRef idx="2">
+              <a:schemeClr val="accent1"/>
+            </a:effectRef>
+            <a:fontRef idx="minor">
+              <a:schemeClr val="lt1"/>
+            </a:fontRef>
+          </p:style>
+        </p:sp>
+        <p:sp>
+          <p:nvSpPr>
+            <p:cNvPr id="26" name="Rectangle 28"/>
+            <p:cNvSpPr/>
+            <p:nvPr/>
+          </p:nvSpPr>
+          <p:spPr>
+            <a:xfrm>
+              <a:off x="10898730" y="-8467"/>
+              <a:ext cx="1290094" cy="6866467"/>
+            </a:xfrm>
+            <a:custGeom>
+              <a:avLst/>
+              <a:gdLst/>
+              <a:ahLst/>
+              <a:cxnLst/>
+              <a:rect l="l" t="t" r="r" b="b"/>
+              <a:pathLst>
+                <a:path w="1290094" h="6858000">
+                  <a:moveTo>
+                    <a:pt x="1019735" y="0"/>
+                  </a:moveTo>
+                  <a:lnTo>
+                    <a:pt x="1290094" y="0"/>
+                  </a:lnTo>
+                  <a:lnTo>
+                    <a:pt x="1290094" y="6858000"/>
+                  </a:lnTo>
+                  <a:lnTo>
+                    <a:pt x="0" y="6858000"/>
+                  </a:lnTo>
+                  <a:lnTo>
+                    <a:pt x="1019735" y="0"/>
+                  </a:lnTo>
+                  <a:close/>
+                </a:path>
+              </a:pathLst>
+            </a:custGeom>
+            <a:solidFill>
+              <a:schemeClr val="accent1">
+                <a:lumMod val="60000"/>
+                <a:lumOff val="40000"/>
+                <a:alpha val="70000"/>
+              </a:schemeClr>
+            </a:solidFill>
+            <a:ln>
+              <a:noFill/>
+            </a:ln>
+            <a:effectLst/>
+          </p:spPr>
+          <p:style>
+            <a:lnRef idx="1">
+              <a:schemeClr val="accent1"/>
+            </a:lnRef>
+            <a:fillRef idx="3">
+              <a:schemeClr val="accent1"/>
+            </a:fillRef>
+            <a:effectRef idx="2">
+              <a:schemeClr val="accent1"/>
+            </a:effectRef>
+            <a:fontRef idx="minor">
+              <a:schemeClr val="lt1"/>
+            </a:fontRef>
+          </p:style>
+        </p:sp>
+        <p:sp>
+          <p:nvSpPr>
+            <p:cNvPr id="27" name="Rectangle 29"/>
+            <p:cNvSpPr/>
+            <p:nvPr/>
+          </p:nvSpPr>
+          <p:spPr>
+            <a:xfrm>
+              <a:off x="10938999" y="-8467"/>
+              <a:ext cx="1249825" cy="6866467"/>
+            </a:xfrm>
+            <a:custGeom>
+              <a:avLst/>
+              <a:gdLst/>
+              <a:ahLst/>
+              <a:cxnLst/>
+              <a:rect l="l" t="t" r="r" b="b"/>
+              <a:pathLst>
+                <a:path w="1249825" h="6858000">
+                  <a:moveTo>
+                    <a:pt x="0" y="0"/>
+                  </a:moveTo>
+                  <a:lnTo>
+                    <a:pt x="1249825" y="0"/>
+                  </a:lnTo>
+                  <a:lnTo>
+                    <a:pt x="1249825" y="6858000"/>
+                  </a:lnTo>
+                  <a:lnTo>
+                    <a:pt x="1109382" y="6858000"/>
+                  </a:lnTo>
+                  <a:lnTo>
+                    <a:pt x="0" y="0"/>
+                  </a:lnTo>
+                  <a:close/>
+                </a:path>
+              </a:pathLst>
+            </a:custGeom>
+            <a:solidFill>
+              <a:schemeClr val="accent1">
+                <a:alpha val="65000"/>
+              </a:schemeClr>
+            </a:solidFill>
+            <a:ln>
+              <a:noFill/>
+            </a:ln>
+            <a:effectLst/>
+          </p:spPr>
+          <p:style>
+            <a:lnRef idx="1">
+              <a:schemeClr val="accent1"/>
+            </a:lnRef>
+            <a:fillRef idx="3">
+              <a:schemeClr val="accent1"/>
+            </a:fillRef>
+            <a:effectRef idx="2">
+              <a:schemeClr val="accent1"/>
+            </a:effectRef>
+            <a:fontRef idx="minor">
+              <a:schemeClr val="lt1"/>
+            </a:fontRef>
+          </p:style>
+        </p:sp>
+        <p:sp>
+          <p:nvSpPr>
+            <p:cNvPr id="28" name="Isosceles Triangle 27"/>
+            <p:cNvSpPr/>
+            <p:nvPr/>
+          </p:nvSpPr>
+          <p:spPr>
+            <a:xfrm>
+              <a:off x="10371666" y="3589867"/>
+              <a:ext cx="1817159" cy="3268133"/>
+            </a:xfrm>
+            <a:prstGeom prst="triangle">
+              <a:avLst>
+                <a:gd name="adj" fmla="val 100000"/>
+              </a:avLst>
+            </a:prstGeom>
+            <a:solidFill>
+              <a:schemeClr val="accent1">
+                <a:alpha val="80000"/>
+              </a:schemeClr>
+            </a:solidFill>
+            <a:ln>
+              <a:noFill/>
+            </a:ln>
+            <a:effectLst/>
+          </p:spPr>
+          <p:style>
+            <a:lnRef idx="1">
+              <a:schemeClr val="accent1"/>
+            </a:lnRef>
+            <a:fillRef idx="3">
+              <a:schemeClr val="accent1"/>
+            </a:fillRef>
+            <a:effectRef idx="2">
+              <a:schemeClr val="accent1"/>
+            </a:effectRef>
+            <a:fontRef idx="minor">
+              <a:schemeClr val="lt1"/>
+            </a:fontRef>
+          </p:style>
+        </p:sp>
+        <p:sp>
+          <p:nvSpPr>
+            <p:cNvPr id="29" name="Isosceles Triangle 28"/>
+            <p:cNvSpPr/>
+            <p:nvPr/>
+          </p:nvSpPr>
+          <p:spPr>
+            <a:xfrm>
+              <a:off x="0" y="4013200"/>
+              <a:ext cx="448733" cy="2844800"/>
+            </a:xfrm>
+            <a:prstGeom prst="triangle">
+              <a:avLst>
+                <a:gd name="adj" fmla="val 0"/>
+              </a:avLst>
+            </a:prstGeom>
+            <a:solidFill>
+              <a:schemeClr val="accent1">
+                <a:alpha val="85000"/>
+              </a:schemeClr>
+            </a:solidFill>
+            <a:ln>
+              <a:noFill/>
+            </a:ln>
+            <a:effectLst/>
+          </p:spPr>
+          <p:style>
+            <a:lnRef idx="1">
+              <a:schemeClr val="accent1"/>
+            </a:lnRef>
+            <a:fillRef idx="3">
+              <a:schemeClr val="accent1"/>
+            </a:fillRef>
+            <a:effectRef idx="2">
+              <a:schemeClr val="accent1"/>
+            </a:effectRef>
+            <a:fontRef idx="minor">
+              <a:schemeClr val="lt1"/>
+            </a:fontRef>
+          </p:style>
+        </p:sp>
+      </p:grpSp>
+      <p:sp>
+        <p:nvSpPr>
+          <p:cNvPr id="2" name="Title Placeholder 1"/>
           <p:cNvSpPr>
             <a:spLocks noGrp="1"/>
           </p:cNvSpPr>
@@ -2777,15 +5991,15 @@
         </p:nvSpPr>
         <p:spPr>
           <a:xfrm>
-            <a:off x="838200" y="365125"/>
-            <a:ext cx="10515600" cy="1325563"/>
+            <a:off x="677334" y="609600"/>
+            <a:ext cx="8596668" cy="1320800"/>
           </a:xfrm>
           <a:prstGeom prst="rect">
             <a:avLst/>
           </a:prstGeom>
         </p:spPr>
         <p:txBody>
-          <a:bodyPr vert="horz" lIns="91440" tIns="45720" rIns="91440" bIns="45720" rtlCol="0" anchor="ctr">
+          <a:bodyPr vert="horz" lIns="91440" tIns="45720" rIns="91440" bIns="45720" rtlCol="0" anchor="t">
             <a:normAutofit/>
           </a:bodyPr>
           <a:lstStyle/>
@@ -2794,18 +6008,13 @@
               <a:rPr lang="en-US"/>
               <a:t>Click to edit Master title style</a:t>
             </a:r>
-          </a:p>
-        </p:txBody>
-      </p:sp>
-      <p:sp>
-        <p:nvSpPr>
-          <p:cNvPr id="3" name="Text Placeholder 2">
-            <a:extLst>
-              <a:ext uri="{FF2B5EF4-FFF2-40B4-BE49-F238E27FC236}">
-                <a16:creationId xmlns:a16="http://schemas.microsoft.com/office/drawing/2014/main" id="{50D12E51-95A5-450A-8AEF-D646F87A159D}"/>
-              </a:ext>
-            </a:extLst>
-          </p:cNvPr>
+            <a:endParaRPr lang="en-US" dirty="0"/>
+          </a:p>
+        </p:txBody>
+      </p:sp>
+      <p:sp>
+        <p:nvSpPr>
+          <p:cNvPr id="3" name="Text Placeholder 2"/>
           <p:cNvSpPr>
             <a:spLocks noGrp="1"/>
           </p:cNvSpPr>
@@ -2815,8 +6024,8 @@
         </p:nvSpPr>
         <p:spPr>
           <a:xfrm>
-            <a:off x="838200" y="1825625"/>
-            <a:ext cx="10515600" cy="4351338"/>
+            <a:off x="677334" y="2160589"/>
+            <a:ext cx="8596668" cy="3880773"/>
           </a:xfrm>
           <a:prstGeom prst="rect">
             <a:avLst/>
@@ -2861,18 +6070,13 @@
               <a:rPr lang="en-US"/>
               <a:t>Fifth level</a:t>
             </a:r>
-          </a:p>
-        </p:txBody>
-      </p:sp>
-      <p:sp>
-        <p:nvSpPr>
-          <p:cNvPr id="4" name="Date Placeholder 3">
-            <a:extLst>
-              <a:ext uri="{FF2B5EF4-FFF2-40B4-BE49-F238E27FC236}">
-                <a16:creationId xmlns:a16="http://schemas.microsoft.com/office/drawing/2014/main" id="{9C8F4C10-62DB-4396-980B-B95B6E365F13}"/>
-              </a:ext>
-            </a:extLst>
-          </p:cNvPr>
+            <a:endParaRPr lang="en-US" dirty="0"/>
+          </a:p>
+        </p:txBody>
+      </p:sp>
+      <p:sp>
+        <p:nvSpPr>
+          <p:cNvPr id="4" name="Date Placeholder 3"/>
           <p:cNvSpPr>
             <a:spLocks noGrp="1"/>
           </p:cNvSpPr>
@@ -2882,8 +6086,8 @@
         </p:nvSpPr>
         <p:spPr>
           <a:xfrm>
-            <a:off x="838200" y="6356350"/>
-            <a:ext cx="2743200" cy="365125"/>
+            <a:off x="7205133" y="6041362"/>
+            <a:ext cx="911939" cy="365125"/>
           </a:xfrm>
           <a:prstGeom prst="rect">
             <a:avLst/>
@@ -2892,8 +6096,8 @@
         <p:txBody>
           <a:bodyPr vert="horz" lIns="91440" tIns="45720" rIns="91440" bIns="45720" rtlCol="0" anchor="ctr"/>
           <a:lstStyle>
-            <a:lvl1pPr algn="l">
-              <a:defRPr sz="1200">
+            <a:lvl1pPr algn="r">
+              <a:defRPr sz="900">
                 <a:solidFill>
                   <a:schemeClr val="tx1">
                     <a:tint val="75000"/>
@@ -2905,7 +6109,7 @@
           <a:p>
             <a:fld id="{BCA1455B-9EF9-4F4B-83B7-0488328AF603}" type="datetimeFigureOut">
               <a:rPr lang="en-US" smtClean="0"/>
-              <a:t>10/8/2021</a:t>
+              <a:t>10/10/2021</a:t>
             </a:fld>
             <a:endParaRPr lang="en-US"/>
           </a:p>
@@ -2913,13 +6117,7 @@
       </p:sp>
       <p:sp>
         <p:nvSpPr>
-          <p:cNvPr id="5" name="Footer Placeholder 4">
-            <a:extLst>
-              <a:ext uri="{FF2B5EF4-FFF2-40B4-BE49-F238E27FC236}">
-                <a16:creationId xmlns:a16="http://schemas.microsoft.com/office/drawing/2014/main" id="{FCA19919-3BD7-4400-8756-2D0FE719EA51}"/>
-              </a:ext>
-            </a:extLst>
-          </p:cNvPr>
+          <p:cNvPr id="5" name="Footer Placeholder 4"/>
           <p:cNvSpPr>
             <a:spLocks noGrp="1"/>
           </p:cNvSpPr>
@@ -2929,8 +6127,8 @@
         </p:nvSpPr>
         <p:spPr>
           <a:xfrm>
-            <a:off x="4038600" y="6356350"/>
-            <a:ext cx="4114800" cy="365125"/>
+            <a:off x="677334" y="6041362"/>
+            <a:ext cx="6297612" cy="365125"/>
           </a:xfrm>
           <a:prstGeom prst="rect">
             <a:avLst/>
@@ -2939,8 +6137,8 @@
         <p:txBody>
           <a:bodyPr vert="horz" lIns="91440" tIns="45720" rIns="91440" bIns="45720" rtlCol="0" anchor="ctr"/>
           <a:lstStyle>
-            <a:lvl1pPr algn="ctr">
-              <a:defRPr sz="1200">
+            <a:lvl1pPr algn="l">
+              <a:defRPr sz="900">
                 <a:solidFill>
                   <a:schemeClr val="tx1">
                     <a:tint val="75000"/>
@@ -2956,13 +6154,7 @@
       </p:sp>
       <p:sp>
         <p:nvSpPr>
-          <p:cNvPr id="6" name="Slide Number Placeholder 5">
-            <a:extLst>
-              <a:ext uri="{FF2B5EF4-FFF2-40B4-BE49-F238E27FC236}">
-                <a16:creationId xmlns:a16="http://schemas.microsoft.com/office/drawing/2014/main" id="{D8D3AA2B-78BF-4169-8260-4453C879555E}"/>
-              </a:ext>
-            </a:extLst>
-          </p:cNvPr>
+          <p:cNvPr id="6" name="Slide Number Placeholder 5"/>
           <p:cNvSpPr>
             <a:spLocks noGrp="1"/>
           </p:cNvSpPr>
@@ -2972,8 +6164,8 @@
         </p:nvSpPr>
         <p:spPr>
           <a:xfrm>
-            <a:off x="8610600" y="6356350"/>
-            <a:ext cx="2743200" cy="365125"/>
+            <a:off x="8590663" y="6041362"/>
+            <a:ext cx="683339" cy="365125"/>
           </a:xfrm>
           <a:prstGeom prst="rect">
             <a:avLst/>
@@ -2983,11 +6175,9 @@
           <a:bodyPr vert="horz" lIns="91440" tIns="45720" rIns="91440" bIns="45720" rtlCol="0" anchor="ctr"/>
           <a:lstStyle>
             <a:lvl1pPr algn="r">
-              <a:defRPr sz="1200">
+              <a:defRPr sz="900">
                 <a:solidFill>
-                  <a:schemeClr val="tx1">
-                    <a:tint val="75000"/>
-                  </a:schemeClr>
+                  <a:schemeClr val="accent1"/>
                 </a:solidFill>
               </a:defRPr>
             </a:lvl1pPr>
@@ -3004,201 +6194,322 @@
     </p:spTree>
     <p:extLst>
       <p:ext uri="{BB962C8B-B14F-4D97-AF65-F5344CB8AC3E}">
-        <p14:creationId xmlns:p14="http://schemas.microsoft.com/office/powerpoint/2010/main" val="1960719150"/>
+        <p14:creationId xmlns:p14="http://schemas.microsoft.com/office/powerpoint/2010/main" val="4282995500"/>
       </p:ext>
     </p:extLst>
   </p:cSld>
   <p:clrMap bg1="lt1" tx1="dk1" bg2="lt2" tx2="dk2" accent1="accent1" accent2="accent2" accent3="accent3" accent4="accent4" accent5="accent5" accent6="accent6" hlink="hlink" folHlink="folHlink"/>
   <p:sldLayoutIdLst>
-    <p:sldLayoutId id="2147483649" r:id="rId1"/>
-    <p:sldLayoutId id="2147483650" r:id="rId2"/>
-    <p:sldLayoutId id="2147483651" r:id="rId3"/>
-    <p:sldLayoutId id="2147483652" r:id="rId4"/>
-    <p:sldLayoutId id="2147483653" r:id="rId5"/>
-    <p:sldLayoutId id="2147483654" r:id="rId6"/>
-    <p:sldLayoutId id="2147483655" r:id="rId7"/>
-    <p:sldLayoutId id="2147483656" r:id="rId8"/>
-    <p:sldLayoutId id="2147483657" r:id="rId9"/>
-    <p:sldLayoutId id="2147483658" r:id="rId10"/>
-    <p:sldLayoutId id="2147483659" r:id="rId11"/>
+    <p:sldLayoutId id="2147483661" r:id="rId1"/>
+    <p:sldLayoutId id="2147483662" r:id="rId2"/>
+    <p:sldLayoutId id="2147483663" r:id="rId3"/>
+    <p:sldLayoutId id="2147483664" r:id="rId4"/>
+    <p:sldLayoutId id="2147483665" r:id="rId5"/>
+    <p:sldLayoutId id="2147483666" r:id="rId6"/>
+    <p:sldLayoutId id="2147483667" r:id="rId7"/>
+    <p:sldLayoutId id="2147483668" r:id="rId8"/>
+    <p:sldLayoutId id="2147483669" r:id="rId9"/>
+    <p:sldLayoutId id="2147483670" r:id="rId10"/>
+    <p:sldLayoutId id="2147483671" r:id="rId11"/>
+    <p:sldLayoutId id="2147483672" r:id="rId12"/>
+    <p:sldLayoutId id="2147483673" r:id="rId13"/>
+    <p:sldLayoutId id="2147483674" r:id="rId14"/>
+    <p:sldLayoutId id="2147483675" r:id="rId15"/>
+    <p:sldLayoutId id="2147483676" r:id="rId16"/>
   </p:sldLayoutIdLst>
   <p:txStyles>
     <p:titleStyle>
-      <a:lvl1pPr algn="l" defTabSz="914400" rtl="0" eaLnBrk="1" latinLnBrk="0" hangingPunct="1">
-        <a:lnSpc>
-          <a:spcPct val="90000"/>
-        </a:lnSpc>
+      <a:lvl1pPr algn="l" defTabSz="457200" rtl="0" eaLnBrk="1" latinLnBrk="0" hangingPunct="1">
         <a:spcBef>
           <a:spcPct val="0"/>
         </a:spcBef>
         <a:buNone/>
-        <a:defRPr sz="4400" kern="1200">
+        <a:defRPr sz="3600" kern="1200">
           <a:solidFill>
-            <a:schemeClr val="tx1"/>
+            <a:schemeClr val="accent1"/>
           </a:solidFill>
           <a:latin typeface="+mj-lt"/>
           <a:ea typeface="+mj-ea"/>
           <a:cs typeface="+mj-cs"/>
         </a:defRPr>
       </a:lvl1pPr>
+      <a:lvl2pPr eaLnBrk="1" hangingPunct="1">
+        <a:defRPr>
+          <a:solidFill>
+            <a:schemeClr val="tx2"/>
+          </a:solidFill>
+        </a:defRPr>
+      </a:lvl2pPr>
+      <a:lvl3pPr eaLnBrk="1" hangingPunct="1">
+        <a:defRPr>
+          <a:solidFill>
+            <a:schemeClr val="tx2"/>
+          </a:solidFill>
+        </a:defRPr>
+      </a:lvl3pPr>
+      <a:lvl4pPr eaLnBrk="1" hangingPunct="1">
+        <a:defRPr>
+          <a:solidFill>
+            <a:schemeClr val="tx2"/>
+          </a:solidFill>
+        </a:defRPr>
+      </a:lvl4pPr>
+      <a:lvl5pPr eaLnBrk="1" hangingPunct="1">
+        <a:defRPr>
+          <a:solidFill>
+            <a:schemeClr val="tx2"/>
+          </a:solidFill>
+        </a:defRPr>
+      </a:lvl5pPr>
+      <a:lvl6pPr eaLnBrk="1" hangingPunct="1">
+        <a:defRPr>
+          <a:solidFill>
+            <a:schemeClr val="tx2"/>
+          </a:solidFill>
+        </a:defRPr>
+      </a:lvl6pPr>
+      <a:lvl7pPr eaLnBrk="1" hangingPunct="1">
+        <a:defRPr>
+          <a:solidFill>
+            <a:schemeClr val="tx2"/>
+          </a:solidFill>
+        </a:defRPr>
+      </a:lvl7pPr>
+      <a:lvl8pPr eaLnBrk="1" hangingPunct="1">
+        <a:defRPr>
+          <a:solidFill>
+            <a:schemeClr val="tx2"/>
+          </a:solidFill>
+        </a:defRPr>
+      </a:lvl8pPr>
+      <a:lvl9pPr eaLnBrk="1" hangingPunct="1">
+        <a:defRPr>
+          <a:solidFill>
+            <a:schemeClr val="tx2"/>
+          </a:solidFill>
+        </a:defRPr>
+      </a:lvl9pPr>
     </p:titleStyle>
     <p:bodyStyle>
-      <a:lvl1pPr marL="228600" indent="-228600" algn="l" defTabSz="914400" rtl="0" eaLnBrk="1" latinLnBrk="0" hangingPunct="1">
-        <a:lnSpc>
-          <a:spcPct val="90000"/>
-        </a:lnSpc>
+      <a:lvl1pPr marL="342900" indent="-342900" algn="l" defTabSz="457200" rtl="0" eaLnBrk="1" latinLnBrk="0" hangingPunct="1">
         <a:spcBef>
           <a:spcPts val="1000"/>
         </a:spcBef>
-        <a:buFont typeface="Arial" panose="020B0604020202020204" pitchFamily="34" charset="0"/>
-        <a:buChar char="•"/>
-        <a:defRPr sz="2800" kern="1200">
+        <a:spcAft>
+          <a:spcPts val="0"/>
+        </a:spcAft>
+        <a:buClr>
+          <a:schemeClr val="accent1"/>
+        </a:buClr>
+        <a:buSzPct val="80000"/>
+        <a:buFont typeface="Wingdings 3" charset="2"/>
+        <a:buChar char=""/>
+        <a:defRPr sz="1800" kern="1200">
           <a:solidFill>
-            <a:schemeClr val="tx1"/>
+            <a:schemeClr val="tx1">
+              <a:lumMod val="75000"/>
+              <a:lumOff val="25000"/>
+            </a:schemeClr>
           </a:solidFill>
           <a:latin typeface="+mn-lt"/>
           <a:ea typeface="+mn-ea"/>
           <a:cs typeface="+mn-cs"/>
         </a:defRPr>
       </a:lvl1pPr>
-      <a:lvl2pPr marL="685800" indent="-228600" algn="l" defTabSz="914400" rtl="0" eaLnBrk="1" latinLnBrk="0" hangingPunct="1">
-        <a:lnSpc>
-          <a:spcPct val="90000"/>
-        </a:lnSpc>
+      <a:lvl2pPr marL="742950" indent="-285750" algn="l" defTabSz="457200" rtl="0" eaLnBrk="1" latinLnBrk="0" hangingPunct="1">
         <a:spcBef>
-          <a:spcPts val="500"/>
+          <a:spcPts val="1000"/>
         </a:spcBef>
-        <a:buFont typeface="Arial" panose="020B0604020202020204" pitchFamily="34" charset="0"/>
-        <a:buChar char="•"/>
-        <a:defRPr sz="2400" kern="1200">
+        <a:spcAft>
+          <a:spcPts val="0"/>
+        </a:spcAft>
+        <a:buClr>
+          <a:schemeClr val="accent1"/>
+        </a:buClr>
+        <a:buSzPct val="80000"/>
+        <a:buFont typeface="Wingdings 3" charset="2"/>
+        <a:buChar char=""/>
+        <a:defRPr sz="1600" kern="1200">
           <a:solidFill>
-            <a:schemeClr val="tx1"/>
+            <a:schemeClr val="tx1">
+              <a:lumMod val="75000"/>
+              <a:lumOff val="25000"/>
+            </a:schemeClr>
           </a:solidFill>
           <a:latin typeface="+mn-lt"/>
           <a:ea typeface="+mn-ea"/>
           <a:cs typeface="+mn-cs"/>
         </a:defRPr>
       </a:lvl2pPr>
-      <a:lvl3pPr marL="1143000" indent="-228600" algn="l" defTabSz="914400" rtl="0" eaLnBrk="1" latinLnBrk="0" hangingPunct="1">
-        <a:lnSpc>
-          <a:spcPct val="90000"/>
-        </a:lnSpc>
+      <a:lvl3pPr marL="1143000" indent="-228600" algn="l" defTabSz="457200" rtl="0" eaLnBrk="1" latinLnBrk="0" hangingPunct="1">
         <a:spcBef>
-          <a:spcPts val="500"/>
+          <a:spcPts val="1000"/>
         </a:spcBef>
-        <a:buFont typeface="Arial" panose="020B0604020202020204" pitchFamily="34" charset="0"/>
-        <a:buChar char="•"/>
-        <a:defRPr sz="2000" kern="1200">
+        <a:spcAft>
+          <a:spcPts val="0"/>
+        </a:spcAft>
+        <a:buClr>
+          <a:schemeClr val="accent1"/>
+        </a:buClr>
+        <a:buSzPct val="80000"/>
+        <a:buFont typeface="Wingdings 3" charset="2"/>
+        <a:buChar char=""/>
+        <a:defRPr sz="1400" kern="1200">
           <a:solidFill>
-            <a:schemeClr val="tx1"/>
+            <a:schemeClr val="tx1">
+              <a:lumMod val="75000"/>
+              <a:lumOff val="25000"/>
+            </a:schemeClr>
           </a:solidFill>
           <a:latin typeface="+mn-lt"/>
           <a:ea typeface="+mn-ea"/>
           <a:cs typeface="+mn-cs"/>
         </a:defRPr>
       </a:lvl3pPr>
-      <a:lvl4pPr marL="1600200" indent="-228600" algn="l" defTabSz="914400" rtl="0" eaLnBrk="1" latinLnBrk="0" hangingPunct="1">
-        <a:lnSpc>
-          <a:spcPct val="90000"/>
-        </a:lnSpc>
+      <a:lvl4pPr marL="1600200" indent="-228600" algn="l" defTabSz="457200" rtl="0" eaLnBrk="1" latinLnBrk="0" hangingPunct="1">
         <a:spcBef>
-          <a:spcPts val="500"/>
+          <a:spcPts val="1000"/>
         </a:spcBef>
-        <a:buFont typeface="Arial" panose="020B0604020202020204" pitchFamily="34" charset="0"/>
-        <a:buChar char="•"/>
-        <a:defRPr sz="1800" kern="1200">
+        <a:spcAft>
+          <a:spcPts val="0"/>
+        </a:spcAft>
+        <a:buClr>
+          <a:schemeClr val="accent1"/>
+        </a:buClr>
+        <a:buSzPct val="80000"/>
+        <a:buFont typeface="Wingdings 3" charset="2"/>
+        <a:buChar char=""/>
+        <a:defRPr sz="1200" kern="1200">
           <a:solidFill>
-            <a:schemeClr val="tx1"/>
+            <a:schemeClr val="tx1">
+              <a:lumMod val="75000"/>
+              <a:lumOff val="25000"/>
+            </a:schemeClr>
           </a:solidFill>
           <a:latin typeface="+mn-lt"/>
           <a:ea typeface="+mn-ea"/>
           <a:cs typeface="+mn-cs"/>
         </a:defRPr>
       </a:lvl4pPr>
-      <a:lvl5pPr marL="2057400" indent="-228600" algn="l" defTabSz="914400" rtl="0" eaLnBrk="1" latinLnBrk="0" hangingPunct="1">
-        <a:lnSpc>
-          <a:spcPct val="90000"/>
-        </a:lnSpc>
+      <a:lvl5pPr marL="2057400" indent="-228600" algn="l" defTabSz="457200" rtl="0" eaLnBrk="1" latinLnBrk="0" hangingPunct="1">
         <a:spcBef>
-          <a:spcPts val="500"/>
+          <a:spcPts val="1000"/>
         </a:spcBef>
-        <a:buFont typeface="Arial" panose="020B0604020202020204" pitchFamily="34" charset="0"/>
-        <a:buChar char="•"/>
-        <a:defRPr sz="1800" kern="1200">
+        <a:spcAft>
+          <a:spcPts val="0"/>
+        </a:spcAft>
+        <a:buClr>
+          <a:schemeClr val="accent1"/>
+        </a:buClr>
+        <a:buSzPct val="80000"/>
+        <a:buFont typeface="Wingdings 3" charset="2"/>
+        <a:buChar char=""/>
+        <a:defRPr sz="1200" kern="1200">
           <a:solidFill>
-            <a:schemeClr val="tx1"/>
+            <a:schemeClr val="tx1">
+              <a:lumMod val="75000"/>
+              <a:lumOff val="25000"/>
+            </a:schemeClr>
           </a:solidFill>
           <a:latin typeface="+mn-lt"/>
           <a:ea typeface="+mn-ea"/>
           <a:cs typeface="+mn-cs"/>
         </a:defRPr>
       </a:lvl5pPr>
-      <a:lvl6pPr marL="2514600" indent="-228600" algn="l" defTabSz="914400" rtl="0" eaLnBrk="1" latinLnBrk="0" hangingPunct="1">
-        <a:lnSpc>
-          <a:spcPct val="90000"/>
-        </a:lnSpc>
+      <a:lvl6pPr marL="2514600" indent="-228600" algn="l" defTabSz="457200" rtl="0" eaLnBrk="1" latinLnBrk="0" hangingPunct="1">
         <a:spcBef>
-          <a:spcPts val="500"/>
+          <a:spcPts val="1000"/>
         </a:spcBef>
-        <a:buFont typeface="Arial" panose="020B0604020202020204" pitchFamily="34" charset="0"/>
-        <a:buChar char="•"/>
-        <a:defRPr sz="1800" kern="1200">
+        <a:spcAft>
+          <a:spcPts val="0"/>
+        </a:spcAft>
+        <a:buClr>
+          <a:schemeClr val="accent1"/>
+        </a:buClr>
+        <a:buSzPct val="80000"/>
+        <a:buFont typeface="Wingdings 3" charset="2"/>
+        <a:buChar char=""/>
+        <a:defRPr sz="1200" kern="1200">
           <a:solidFill>
-            <a:schemeClr val="tx1"/>
+            <a:schemeClr val="tx1">
+              <a:lumMod val="75000"/>
+              <a:lumOff val="25000"/>
+            </a:schemeClr>
           </a:solidFill>
           <a:latin typeface="+mn-lt"/>
           <a:ea typeface="+mn-ea"/>
           <a:cs typeface="+mn-cs"/>
         </a:defRPr>
       </a:lvl6pPr>
-      <a:lvl7pPr marL="2971800" indent="-228600" algn="l" defTabSz="914400" rtl="0" eaLnBrk="1" latinLnBrk="0" hangingPunct="1">
-        <a:lnSpc>
-          <a:spcPct val="90000"/>
-        </a:lnSpc>
+      <a:lvl7pPr marL="2971800" indent="-228600" algn="l" defTabSz="457200" rtl="0" eaLnBrk="1" latinLnBrk="0" hangingPunct="1">
         <a:spcBef>
-          <a:spcPts val="500"/>
+          <a:spcPts val="1000"/>
         </a:spcBef>
-        <a:buFont typeface="Arial" panose="020B0604020202020204" pitchFamily="34" charset="0"/>
-        <a:buChar char="•"/>
-        <a:defRPr sz="1800" kern="1200">
+        <a:spcAft>
+          <a:spcPts val="0"/>
+        </a:spcAft>
+        <a:buClr>
+          <a:schemeClr val="accent1"/>
+        </a:buClr>
+        <a:buSzPct val="80000"/>
+        <a:buFont typeface="Wingdings 3" charset="2"/>
+        <a:buChar char=""/>
+        <a:defRPr sz="1200" kern="1200">
           <a:solidFill>
-            <a:schemeClr val="tx1"/>
+            <a:schemeClr val="tx1">
+              <a:lumMod val="75000"/>
+              <a:lumOff val="25000"/>
+            </a:schemeClr>
           </a:solidFill>
           <a:latin typeface="+mn-lt"/>
           <a:ea typeface="+mn-ea"/>
           <a:cs typeface="+mn-cs"/>
         </a:defRPr>
       </a:lvl7pPr>
-      <a:lvl8pPr marL="3429000" indent="-228600" algn="l" defTabSz="914400" rtl="0" eaLnBrk="1" latinLnBrk="0" hangingPunct="1">
-        <a:lnSpc>
-          <a:spcPct val="90000"/>
-        </a:lnSpc>
+      <a:lvl8pPr marL="3429000" indent="-228600" algn="l" defTabSz="457200" rtl="0" eaLnBrk="1" latinLnBrk="0" hangingPunct="1">
         <a:spcBef>
-          <a:spcPts val="500"/>
+          <a:spcPts val="1000"/>
         </a:spcBef>
-        <a:buFont typeface="Arial" panose="020B0604020202020204" pitchFamily="34" charset="0"/>
-        <a:buChar char="•"/>
-        <a:defRPr sz="1800" kern="1200">
+        <a:spcAft>
+          <a:spcPts val="0"/>
+        </a:spcAft>
+        <a:buClr>
+          <a:schemeClr val="accent1"/>
+        </a:buClr>
+        <a:buSzPct val="80000"/>
+        <a:buFont typeface="Wingdings 3" charset="2"/>
+        <a:buChar char=""/>
+        <a:defRPr sz="1200" kern="1200">
           <a:solidFill>
-            <a:schemeClr val="tx1"/>
+            <a:schemeClr val="tx1">
+              <a:lumMod val="75000"/>
+              <a:lumOff val="25000"/>
+            </a:schemeClr>
           </a:solidFill>
           <a:latin typeface="+mn-lt"/>
           <a:ea typeface="+mn-ea"/>
           <a:cs typeface="+mn-cs"/>
         </a:defRPr>
       </a:lvl8pPr>
-      <a:lvl9pPr marL="3886200" indent="-228600" algn="l" defTabSz="914400" rtl="0" eaLnBrk="1" latinLnBrk="0" hangingPunct="1">
-        <a:lnSpc>
-          <a:spcPct val="90000"/>
-        </a:lnSpc>
+      <a:lvl9pPr marL="3886200" indent="-228600" algn="l" defTabSz="457200" rtl="0" eaLnBrk="1" latinLnBrk="0" hangingPunct="1">
         <a:spcBef>
-          <a:spcPts val="500"/>
+          <a:spcPts val="1000"/>
         </a:spcBef>
-        <a:buFont typeface="Arial" panose="020B0604020202020204" pitchFamily="34" charset="0"/>
-        <a:buChar char="•"/>
-        <a:defRPr sz="1800" kern="1200">
+        <a:spcAft>
+          <a:spcPts val="0"/>
+        </a:spcAft>
+        <a:buClr>
+          <a:schemeClr val="accent1"/>
+        </a:buClr>
+        <a:buSzPct val="80000"/>
+        <a:buFont typeface="Wingdings 3" charset="2"/>
+        <a:buChar char=""/>
+        <a:defRPr sz="1200" kern="1200">
           <a:solidFill>
-            <a:schemeClr val="tx1"/>
+            <a:schemeClr val="tx1">
+              <a:lumMod val="75000"/>
+              <a:lumOff val="25000"/>
+            </a:schemeClr>
           </a:solidFill>
           <a:latin typeface="+mn-lt"/>
           <a:ea typeface="+mn-ea"/>
@@ -3210,7 +6521,7 @@
       <a:defPPr>
         <a:defRPr lang="en-US"/>
       </a:defPPr>
-      <a:lvl1pPr marL="0" algn="l" defTabSz="914400" rtl="0" eaLnBrk="1" latinLnBrk="0" hangingPunct="1">
+      <a:lvl1pPr marL="0" algn="l" defTabSz="457200" rtl="0" eaLnBrk="1" latinLnBrk="0" hangingPunct="1">
         <a:defRPr sz="1800" kern="1200">
           <a:solidFill>
             <a:schemeClr val="tx1"/>
@@ -3220,7 +6531,7 @@
           <a:cs typeface="+mn-cs"/>
         </a:defRPr>
       </a:lvl1pPr>
-      <a:lvl2pPr marL="457200" algn="l" defTabSz="914400" rtl="0" eaLnBrk="1" latinLnBrk="0" hangingPunct="1">
+      <a:lvl2pPr marL="457200" algn="l" defTabSz="457200" rtl="0" eaLnBrk="1" latinLnBrk="0" hangingPunct="1">
         <a:defRPr sz="1800" kern="1200">
           <a:solidFill>
             <a:schemeClr val="tx1"/>
@@ -3230,7 +6541,7 @@
           <a:cs typeface="+mn-cs"/>
         </a:defRPr>
       </a:lvl2pPr>
-      <a:lvl3pPr marL="914400" algn="l" defTabSz="914400" rtl="0" eaLnBrk="1" latinLnBrk="0" hangingPunct="1">
+      <a:lvl3pPr marL="914400" algn="l" defTabSz="457200" rtl="0" eaLnBrk="1" latinLnBrk="0" hangingPunct="1">
         <a:defRPr sz="1800" kern="1200">
           <a:solidFill>
             <a:schemeClr val="tx1"/>
@@ -3240,7 +6551,7 @@
           <a:cs typeface="+mn-cs"/>
         </a:defRPr>
       </a:lvl3pPr>
-      <a:lvl4pPr marL="1371600" algn="l" defTabSz="914400" rtl="0" eaLnBrk="1" latinLnBrk="0" hangingPunct="1">
+      <a:lvl4pPr marL="1371600" algn="l" defTabSz="457200" rtl="0" eaLnBrk="1" latinLnBrk="0" hangingPunct="1">
         <a:defRPr sz="1800" kern="1200">
           <a:solidFill>
             <a:schemeClr val="tx1"/>
@@ -3250,7 +6561,7 @@
           <a:cs typeface="+mn-cs"/>
         </a:defRPr>
       </a:lvl4pPr>
-      <a:lvl5pPr marL="1828800" algn="l" defTabSz="914400" rtl="0" eaLnBrk="1" latinLnBrk="0" hangingPunct="1">
+      <a:lvl5pPr marL="1828800" algn="l" defTabSz="457200" rtl="0" eaLnBrk="1" latinLnBrk="0" hangingPunct="1">
         <a:defRPr sz="1800" kern="1200">
           <a:solidFill>
             <a:schemeClr val="tx1"/>
@@ -3260,7 +6571,7 @@
           <a:cs typeface="+mn-cs"/>
         </a:defRPr>
       </a:lvl5pPr>
-      <a:lvl6pPr marL="2286000" algn="l" defTabSz="914400" rtl="0" eaLnBrk="1" latinLnBrk="0" hangingPunct="1">
+      <a:lvl6pPr marL="2286000" algn="l" defTabSz="457200" rtl="0" eaLnBrk="1" latinLnBrk="0" hangingPunct="1">
         <a:defRPr sz="1800" kern="1200">
           <a:solidFill>
             <a:schemeClr val="tx1"/>
@@ -3270,7 +6581,7 @@
           <a:cs typeface="+mn-cs"/>
         </a:defRPr>
       </a:lvl6pPr>
-      <a:lvl7pPr marL="2743200" algn="l" defTabSz="914400" rtl="0" eaLnBrk="1" latinLnBrk="0" hangingPunct="1">
+      <a:lvl7pPr marL="2743200" algn="l" defTabSz="457200" rtl="0" eaLnBrk="1" latinLnBrk="0" hangingPunct="1">
         <a:defRPr sz="1800" kern="1200">
           <a:solidFill>
             <a:schemeClr val="tx1"/>
@@ -3280,7 +6591,7 @@
           <a:cs typeface="+mn-cs"/>
         </a:defRPr>
       </a:lvl7pPr>
-      <a:lvl8pPr marL="3200400" algn="l" defTabSz="914400" rtl="0" eaLnBrk="1" latinLnBrk="0" hangingPunct="1">
+      <a:lvl8pPr marL="3200400" algn="l" defTabSz="457200" rtl="0" eaLnBrk="1" latinLnBrk="0" hangingPunct="1">
         <a:defRPr sz="1800" kern="1200">
           <a:solidFill>
             <a:schemeClr val="tx1"/>
@@ -3290,7 +6601,7 @@
           <a:cs typeface="+mn-cs"/>
         </a:defRPr>
       </a:lvl8pPr>
-      <a:lvl9pPr marL="3657600" algn="l" defTabSz="914400" rtl="0" eaLnBrk="1" latinLnBrk="0" hangingPunct="1">
+      <a:lvl9pPr marL="3657600" algn="l" defTabSz="457200" rtl="0" eaLnBrk="1" latinLnBrk="0" hangingPunct="1">
         <a:defRPr sz="1800" kern="1200">
           <a:solidFill>
             <a:schemeClr val="tx1"/>
@@ -3343,7 +6654,10 @@
           <a:bodyPr/>
           <a:lstStyle/>
           <a:p>
-            <a:endParaRPr lang="en-US" dirty="0"/>
+            <a:r>
+              <a:rPr lang="en-US" dirty="0"/>
+              <a:t>Case Study 01</a:t>
+            </a:r>
           </a:p>
         </p:txBody>
       </p:sp>
@@ -3368,7 +6682,16 @@
           <a:bodyPr/>
           <a:lstStyle/>
           <a:p>
-            <a:endParaRPr lang="en-US"/>
+            <a:r>
+              <a:rPr lang="en-US" dirty="0"/>
+              <a:t>Erin McClure-Price</a:t>
+            </a:r>
+          </a:p>
+          <a:p>
+            <a:r>
+              <a:rPr lang="en-US" dirty="0"/>
+              <a:t>Josh Mitchell</a:t>
+            </a:r>
           </a:p>
         </p:txBody>
       </p:sp>
@@ -3423,7 +6746,10 @@
           <a:bodyPr/>
           <a:lstStyle/>
           <a:p>
-            <a:endParaRPr lang="en-US"/>
+            <a:r>
+              <a:rPr lang="en-US" dirty="0"/>
+              <a:t>Breweries by State</a:t>
+            </a:r>
           </a:p>
         </p:txBody>
       </p:sp>
@@ -3445,13 +6771,115 @@
         </p:nvSpPr>
         <p:spPr/>
         <p:txBody>
-          <a:bodyPr/>
-          <a:lstStyle/>
-          <a:p>
-            <a:endParaRPr lang="en-US"/>
-          </a:p>
-        </p:txBody>
-      </p:sp>
+          <a:bodyPr>
+            <a:normAutofit/>
+          </a:bodyPr>
+          <a:lstStyle/>
+          <a:p>
+            <a:r>
+              <a:rPr lang="en-US" dirty="0"/>
+              <a:t>Something </a:t>
+            </a:r>
+            <a:r>
+              <a:rPr lang="en-US" dirty="0" err="1"/>
+              <a:t>something</a:t>
+            </a:r>
+            <a:r>
+              <a:rPr lang="en-US" dirty="0"/>
+              <a:t> </a:t>
+            </a:r>
+            <a:r>
+              <a:rPr lang="en-US" dirty="0" err="1"/>
+              <a:t>something</a:t>
+            </a:r>
+            <a:endParaRPr lang="en-US" dirty="0"/>
+          </a:p>
+          <a:p>
+            <a:endParaRPr lang="en-US" dirty="0"/>
+          </a:p>
+          <a:p>
+            <a:r>
+              <a:rPr lang="en-US" dirty="0"/>
+              <a:t>Min.   : 1.00  </a:t>
+            </a:r>
+          </a:p>
+          <a:p>
+            <a:r>
+              <a:rPr lang="en-US" dirty="0"/>
+              <a:t>Mean  :10.94  </a:t>
+            </a:r>
+          </a:p>
+          <a:p>
+            <a:r>
+              <a:rPr lang="en-US" dirty="0"/>
+              <a:t>SD      : 10.61</a:t>
+            </a:r>
+          </a:p>
+          <a:p>
+            <a:endParaRPr lang="en-US" dirty="0"/>
+          </a:p>
+        </p:txBody>
+      </p:sp>
+      <p:pic>
+        <p:nvPicPr>
+          <p:cNvPr id="8" name="Content Placeholder 4">
+            <a:extLst>
+              <a:ext uri="{FF2B5EF4-FFF2-40B4-BE49-F238E27FC236}">
+                <a16:creationId xmlns:a16="http://schemas.microsoft.com/office/drawing/2014/main" id="{C19DB38B-071A-412F-BFEB-CDA1992A6FD9}"/>
+              </a:ext>
+            </a:extLst>
+          </p:cNvPr>
+          <p:cNvPicPr>
+            <a:picLocks noChangeAspect="1"/>
+          </p:cNvPicPr>
+          <p:nvPr/>
+        </p:nvPicPr>
+        <p:blipFill>
+          <a:blip r:embed="rId3"/>
+          <a:stretch>
+            <a:fillRect/>
+          </a:stretch>
+        </p:blipFill>
+        <p:spPr>
+          <a:xfrm>
+            <a:off x="6448374" y="2216150"/>
+            <a:ext cx="3246958" cy="1970723"/>
+          </a:xfrm>
+          <a:prstGeom prst="rect">
+            <a:avLst/>
+          </a:prstGeom>
+        </p:spPr>
+      </p:pic>
+      <p:pic>
+        <p:nvPicPr>
+          <p:cNvPr id="9" name="Picture 8">
+            <a:extLst>
+              <a:ext uri="{FF2B5EF4-FFF2-40B4-BE49-F238E27FC236}">
+                <a16:creationId xmlns:a16="http://schemas.microsoft.com/office/drawing/2014/main" id="{F88E2A8F-A0B4-46FE-A9BF-A804435A92E1}"/>
+              </a:ext>
+            </a:extLst>
+          </p:cNvPr>
+          <p:cNvPicPr>
+            <a:picLocks noChangeAspect="1"/>
+          </p:cNvPicPr>
+          <p:nvPr/>
+        </p:nvPicPr>
+        <p:blipFill>
+          <a:blip r:embed="rId4"/>
+          <a:stretch>
+            <a:fillRect/>
+          </a:stretch>
+        </p:blipFill>
+        <p:spPr>
+          <a:xfrm>
+            <a:off x="6412814" y="4417062"/>
+            <a:ext cx="3246958" cy="1965324"/>
+          </a:xfrm>
+          <a:prstGeom prst="rect">
+            <a:avLst/>
+          </a:prstGeom>
+        </p:spPr>
+      </p:pic>
     </p:spTree>
     <p:extLst>
       <p:ext uri="{BB962C8B-B14F-4D97-AF65-F5344CB8AC3E}">
@@ -3465,7 +6893,896 @@
 </p:sld>
 </file>
 
+<file path=ppt/slides/slide3.xml><?xml version="1.0" encoding="utf-8"?>
+<p:sld xmlns:a="http://schemas.openxmlformats.org/drawingml/2006/main" xmlns:r="http://schemas.openxmlformats.org/officeDocument/2006/relationships" xmlns:p="http://schemas.openxmlformats.org/presentationml/2006/main">
+  <p:cSld>
+    <p:spTree>
+      <p:nvGrpSpPr>
+        <p:cNvPr id="1" name=""/>
+        <p:cNvGrpSpPr/>
+        <p:nvPr/>
+      </p:nvGrpSpPr>
+      <p:grpSpPr>
+        <a:xfrm>
+          <a:off x="0" y="0"/>
+          <a:ext cx="0" cy="0"/>
+          <a:chOff x="0" y="0"/>
+          <a:chExt cx="0" cy="0"/>
+        </a:xfrm>
+      </p:grpSpPr>
+      <p:sp>
+        <p:nvSpPr>
+          <p:cNvPr id="2" name="Title 1">
+            <a:extLst>
+              <a:ext uri="{FF2B5EF4-FFF2-40B4-BE49-F238E27FC236}">
+                <a16:creationId xmlns:a16="http://schemas.microsoft.com/office/drawing/2014/main" id="{38B6C5B5-862F-40CB-A603-47B1CB566BBC}"/>
+              </a:ext>
+            </a:extLst>
+          </p:cNvPr>
+          <p:cNvSpPr>
+            <a:spLocks noGrp="1"/>
+          </p:cNvSpPr>
+          <p:nvPr>
+            <p:ph type="title"/>
+          </p:nvPr>
+        </p:nvSpPr>
+        <p:spPr/>
+        <p:txBody>
+          <a:bodyPr/>
+          <a:lstStyle/>
+          <a:p>
+            <a:r>
+              <a:rPr lang="en-US" dirty="0"/>
+              <a:t>Addressing Missing Data</a:t>
+            </a:r>
+          </a:p>
+        </p:txBody>
+      </p:sp>
+      <p:sp>
+        <p:nvSpPr>
+          <p:cNvPr id="3" name="Content Placeholder 2">
+            <a:extLst>
+              <a:ext uri="{FF2B5EF4-FFF2-40B4-BE49-F238E27FC236}">
+                <a16:creationId xmlns:a16="http://schemas.microsoft.com/office/drawing/2014/main" id="{A84E38BD-45DC-43DF-B999-CFAAB41CD4EF}"/>
+              </a:ext>
+            </a:extLst>
+          </p:cNvPr>
+          <p:cNvSpPr>
+            <a:spLocks noGrp="1"/>
+          </p:cNvSpPr>
+          <p:nvPr>
+            <p:ph idx="1"/>
+          </p:nvPr>
+        </p:nvSpPr>
+        <p:spPr/>
+        <p:txBody>
+          <a:bodyPr>
+            <a:normAutofit/>
+          </a:bodyPr>
+          <a:lstStyle/>
+          <a:p>
+            <a:r>
+              <a:rPr lang="en-US" dirty="0"/>
+              <a:t>Total: 2410</a:t>
+            </a:r>
+          </a:p>
+          <a:p>
+            <a:r>
+              <a:rPr lang="en-US" dirty="0"/>
+              <a:t>Missing IBU: 959</a:t>
+            </a:r>
+          </a:p>
+          <a:p>
+            <a:r>
+              <a:rPr lang="en-US" dirty="0"/>
+              <a:t>Missing ABU: 1</a:t>
+            </a:r>
+          </a:p>
+          <a:p>
+            <a:r>
+              <a:rPr lang="en-US" dirty="0"/>
+              <a:t>Minimize impact on ABU calculations</a:t>
+            </a:r>
+          </a:p>
+          <a:p>
+            <a:r>
+              <a:rPr lang="en-US" dirty="0"/>
+              <a:t>~40% of data has some form of missing elements</a:t>
+            </a:r>
+          </a:p>
+          <a:p>
+            <a:r>
+              <a:rPr lang="en-US" dirty="0"/>
+              <a:t>…. </a:t>
+            </a:r>
+          </a:p>
+        </p:txBody>
+      </p:sp>
+    </p:spTree>
+    <p:extLst>
+      <p:ext uri="{BB962C8B-B14F-4D97-AF65-F5344CB8AC3E}">
+        <p14:creationId xmlns:p14="http://schemas.microsoft.com/office/powerpoint/2010/main" val="1069514361"/>
+      </p:ext>
+    </p:extLst>
+  </p:cSld>
+  <p:clrMapOvr>
+    <a:masterClrMapping/>
+  </p:clrMapOvr>
+</p:sld>
+</file>
+
+<file path=ppt/slides/slide4.xml><?xml version="1.0" encoding="utf-8"?>
+<p:sld xmlns:a="http://schemas.openxmlformats.org/drawingml/2006/main" xmlns:r="http://schemas.openxmlformats.org/officeDocument/2006/relationships" xmlns:p="http://schemas.openxmlformats.org/presentationml/2006/main">
+  <p:cSld>
+    <p:spTree>
+      <p:nvGrpSpPr>
+        <p:cNvPr id="1" name=""/>
+        <p:cNvGrpSpPr/>
+        <p:nvPr/>
+      </p:nvGrpSpPr>
+      <p:grpSpPr>
+        <a:xfrm>
+          <a:off x="0" y="0"/>
+          <a:ext cx="0" cy="0"/>
+          <a:chOff x="0" y="0"/>
+          <a:chExt cx="0" cy="0"/>
+        </a:xfrm>
+      </p:grpSpPr>
+      <p:sp>
+        <p:nvSpPr>
+          <p:cNvPr id="2" name="Title 1">
+            <a:extLst>
+              <a:ext uri="{FF2B5EF4-FFF2-40B4-BE49-F238E27FC236}">
+                <a16:creationId xmlns:a16="http://schemas.microsoft.com/office/drawing/2014/main" id="{38B6C5B5-862F-40CB-A603-47B1CB566BBC}"/>
+              </a:ext>
+            </a:extLst>
+          </p:cNvPr>
+          <p:cNvSpPr>
+            <a:spLocks noGrp="1"/>
+          </p:cNvSpPr>
+          <p:nvPr>
+            <p:ph type="title"/>
+          </p:nvPr>
+        </p:nvSpPr>
+        <p:spPr/>
+        <p:txBody>
+          <a:bodyPr/>
+          <a:lstStyle/>
+          <a:p>
+            <a:r>
+              <a:rPr lang="en-US" dirty="0"/>
+              <a:t>Median ABU and IBU</a:t>
+            </a:r>
+          </a:p>
+        </p:txBody>
+      </p:sp>
+      <p:sp>
+        <p:nvSpPr>
+          <p:cNvPr id="3" name="Content Placeholder 2">
+            <a:extLst>
+              <a:ext uri="{FF2B5EF4-FFF2-40B4-BE49-F238E27FC236}">
+                <a16:creationId xmlns:a16="http://schemas.microsoft.com/office/drawing/2014/main" id="{A84E38BD-45DC-43DF-B999-CFAAB41CD4EF}"/>
+              </a:ext>
+            </a:extLst>
+          </p:cNvPr>
+          <p:cNvSpPr>
+            <a:spLocks noGrp="1"/>
+          </p:cNvSpPr>
+          <p:nvPr>
+            <p:ph idx="1"/>
+          </p:nvPr>
+        </p:nvSpPr>
+        <p:spPr/>
+        <p:txBody>
+          <a:bodyPr>
+            <a:normAutofit/>
+          </a:bodyPr>
+          <a:lstStyle/>
+          <a:p>
+            <a:r>
+              <a:rPr lang="en-US" dirty="0"/>
+              <a:t>Something </a:t>
+            </a:r>
+            <a:r>
+              <a:rPr lang="en-US" dirty="0" err="1"/>
+              <a:t>something</a:t>
+            </a:r>
+            <a:r>
+              <a:rPr lang="en-US" dirty="0"/>
+              <a:t> missing south Dakoda </a:t>
+            </a:r>
+          </a:p>
+          <a:p>
+            <a:r>
+              <a:rPr lang="en-US" dirty="0"/>
+              <a:t>b/c IBU data is missing</a:t>
+            </a:r>
+          </a:p>
+          <a:p>
+            <a:r>
+              <a:rPr lang="en-US" dirty="0"/>
+              <a:t>Highest IBU</a:t>
+            </a:r>
+          </a:p>
+          <a:p>
+            <a:pPr lvl="1"/>
+            <a:r>
+              <a:rPr lang="en-US" dirty="0"/>
+              <a:t>Oregon</a:t>
+            </a:r>
+          </a:p>
+          <a:p>
+            <a:r>
+              <a:rPr lang="en-US" dirty="0"/>
+              <a:t>Highest ABV</a:t>
+            </a:r>
+          </a:p>
+          <a:p>
+            <a:pPr lvl="1"/>
+            <a:r>
+              <a:rPr lang="en-US" dirty="0"/>
+              <a:t>Colorado</a:t>
+            </a:r>
+          </a:p>
+          <a:p>
+            <a:endParaRPr lang="en-US" dirty="0"/>
+          </a:p>
+          <a:p>
+            <a:endParaRPr lang="en-US" dirty="0"/>
+          </a:p>
+        </p:txBody>
+      </p:sp>
+      <p:pic>
+        <p:nvPicPr>
+          <p:cNvPr id="11" name="Picture 10">
+            <a:extLst>
+              <a:ext uri="{FF2B5EF4-FFF2-40B4-BE49-F238E27FC236}">
+                <a16:creationId xmlns:a16="http://schemas.microsoft.com/office/drawing/2014/main" id="{9511F837-66BB-438E-B990-EFAE208495CE}"/>
+              </a:ext>
+            </a:extLst>
+          </p:cNvPr>
+          <p:cNvPicPr>
+            <a:picLocks noChangeAspect="1"/>
+          </p:cNvPicPr>
+          <p:nvPr/>
+        </p:nvPicPr>
+        <p:blipFill>
+          <a:blip r:embed="rId3"/>
+          <a:stretch>
+            <a:fillRect/>
+          </a:stretch>
+        </p:blipFill>
+        <p:spPr>
+          <a:xfrm>
+            <a:off x="4169695" y="4189490"/>
+            <a:ext cx="4110705" cy="2470389"/>
+          </a:xfrm>
+          <a:prstGeom prst="rect">
+            <a:avLst/>
+          </a:prstGeom>
+        </p:spPr>
+      </p:pic>
+      <p:pic>
+        <p:nvPicPr>
+          <p:cNvPr id="13" name="Picture 12">
+            <a:extLst>
+              <a:ext uri="{FF2B5EF4-FFF2-40B4-BE49-F238E27FC236}">
+                <a16:creationId xmlns:a16="http://schemas.microsoft.com/office/drawing/2014/main" id="{725BFF7D-6FB5-4FC6-8449-00F1F3A8DFC7}"/>
+              </a:ext>
+            </a:extLst>
+          </p:cNvPr>
+          <p:cNvPicPr>
+            <a:picLocks noChangeAspect="1"/>
+          </p:cNvPicPr>
+          <p:nvPr/>
+        </p:nvPicPr>
+        <p:blipFill>
+          <a:blip r:embed="rId4"/>
+          <a:stretch>
+            <a:fillRect/>
+          </a:stretch>
+        </p:blipFill>
+        <p:spPr>
+          <a:xfrm>
+            <a:off x="6958713" y="1150912"/>
+            <a:ext cx="4405248" cy="2740151"/>
+          </a:xfrm>
+          <a:prstGeom prst="rect">
+            <a:avLst/>
+          </a:prstGeom>
+        </p:spPr>
+      </p:pic>
+    </p:spTree>
+    <p:extLst>
+      <p:ext uri="{BB962C8B-B14F-4D97-AF65-F5344CB8AC3E}">
+        <p14:creationId xmlns:p14="http://schemas.microsoft.com/office/powerpoint/2010/main" val="2781540416"/>
+      </p:ext>
+    </p:extLst>
+  </p:cSld>
+  <p:clrMapOvr>
+    <a:masterClrMapping/>
+  </p:clrMapOvr>
+</p:sld>
+</file>
+
+<file path=ppt/slides/slide5.xml><?xml version="1.0" encoding="utf-8"?>
+<p:sld xmlns:a="http://schemas.openxmlformats.org/drawingml/2006/main" xmlns:r="http://schemas.openxmlformats.org/officeDocument/2006/relationships" xmlns:p="http://schemas.openxmlformats.org/presentationml/2006/main">
+  <p:cSld>
+    <p:spTree>
+      <p:nvGrpSpPr>
+        <p:cNvPr id="1" name=""/>
+        <p:cNvGrpSpPr/>
+        <p:nvPr/>
+      </p:nvGrpSpPr>
+      <p:grpSpPr>
+        <a:xfrm>
+          <a:off x="0" y="0"/>
+          <a:ext cx="0" cy="0"/>
+          <a:chOff x="0" y="0"/>
+          <a:chExt cx="0" cy="0"/>
+        </a:xfrm>
+      </p:grpSpPr>
+      <p:sp>
+        <p:nvSpPr>
+          <p:cNvPr id="2" name="Title 1">
+            <a:extLst>
+              <a:ext uri="{FF2B5EF4-FFF2-40B4-BE49-F238E27FC236}">
+                <a16:creationId xmlns:a16="http://schemas.microsoft.com/office/drawing/2014/main" id="{38B6C5B5-862F-40CB-A603-47B1CB566BBC}"/>
+              </a:ext>
+            </a:extLst>
+          </p:cNvPr>
+          <p:cNvSpPr>
+            <a:spLocks noGrp="1"/>
+          </p:cNvSpPr>
+          <p:nvPr>
+            <p:ph type="title"/>
+          </p:nvPr>
+        </p:nvSpPr>
+        <p:spPr/>
+        <p:txBody>
+          <a:bodyPr/>
+          <a:lstStyle/>
+          <a:p>
+            <a:r>
+              <a:rPr lang="en-US" dirty="0"/>
+              <a:t>ABV Summary </a:t>
+            </a:r>
+          </a:p>
+        </p:txBody>
+      </p:sp>
+      <p:sp>
+        <p:nvSpPr>
+          <p:cNvPr id="3" name="Content Placeholder 2">
+            <a:extLst>
+              <a:ext uri="{FF2B5EF4-FFF2-40B4-BE49-F238E27FC236}">
+                <a16:creationId xmlns:a16="http://schemas.microsoft.com/office/drawing/2014/main" id="{A84E38BD-45DC-43DF-B999-CFAAB41CD4EF}"/>
+              </a:ext>
+            </a:extLst>
+          </p:cNvPr>
+          <p:cNvSpPr>
+            <a:spLocks noGrp="1"/>
+          </p:cNvSpPr>
+          <p:nvPr>
+            <p:ph idx="1"/>
+          </p:nvPr>
+        </p:nvSpPr>
+        <p:spPr/>
+        <p:txBody>
+          <a:bodyPr>
+            <a:normAutofit/>
+          </a:bodyPr>
+          <a:lstStyle/>
+          <a:p>
+            <a:r>
+              <a:rPr lang="en-US" dirty="0"/>
+              <a:t>Min.   : 0.00100  </a:t>
+            </a:r>
+          </a:p>
+          <a:p>
+            <a:r>
+              <a:rPr lang="en-US" dirty="0"/>
+              <a:t>Mean  : 0.05977  </a:t>
+            </a:r>
+          </a:p>
+          <a:p>
+            <a:r>
+              <a:rPr lang="en-US" dirty="0"/>
+              <a:t>Max     : 0.12800</a:t>
+            </a:r>
+          </a:p>
+          <a:p>
+            <a:r>
+              <a:rPr lang="en-US" dirty="0"/>
+              <a:t>Standard Dev. : 0.01354173</a:t>
+            </a:r>
+          </a:p>
+          <a:p>
+            <a:r>
+              <a:rPr lang="en-US" dirty="0"/>
+              <a:t>Variance : 0.0001833786</a:t>
+            </a:r>
+          </a:p>
+          <a:p>
+            <a:endParaRPr lang="en-US" dirty="0"/>
+          </a:p>
+        </p:txBody>
+      </p:sp>
+      <p:pic>
+        <p:nvPicPr>
+          <p:cNvPr id="5" name="Picture 4">
+            <a:extLst>
+              <a:ext uri="{FF2B5EF4-FFF2-40B4-BE49-F238E27FC236}">
+                <a16:creationId xmlns:a16="http://schemas.microsoft.com/office/drawing/2014/main" id="{6A72EAE6-8EF4-4D30-9A2B-7858DB5320D4}"/>
+              </a:ext>
+            </a:extLst>
+          </p:cNvPr>
+          <p:cNvPicPr>
+            <a:picLocks noChangeAspect="1"/>
+          </p:cNvPicPr>
+          <p:nvPr/>
+        </p:nvPicPr>
+        <p:blipFill>
+          <a:blip r:embed="rId3"/>
+          <a:stretch>
+            <a:fillRect/>
+          </a:stretch>
+        </p:blipFill>
+        <p:spPr>
+          <a:xfrm>
+            <a:off x="7477611" y="1456894"/>
+            <a:ext cx="3459630" cy="2226106"/>
+          </a:xfrm>
+          <a:prstGeom prst="rect">
+            <a:avLst/>
+          </a:prstGeom>
+        </p:spPr>
+      </p:pic>
+      <p:pic>
+        <p:nvPicPr>
+          <p:cNvPr id="7" name="Picture 6">
+            <a:extLst>
+              <a:ext uri="{FF2B5EF4-FFF2-40B4-BE49-F238E27FC236}">
+                <a16:creationId xmlns:a16="http://schemas.microsoft.com/office/drawing/2014/main" id="{47376199-C51E-4DE4-B226-B3D1FDF97AD7}"/>
+              </a:ext>
+            </a:extLst>
+          </p:cNvPr>
+          <p:cNvPicPr>
+            <a:picLocks noChangeAspect="1"/>
+          </p:cNvPicPr>
+          <p:nvPr/>
+        </p:nvPicPr>
+        <p:blipFill>
+          <a:blip r:embed="rId4"/>
+          <a:stretch>
+            <a:fillRect/>
+          </a:stretch>
+        </p:blipFill>
+        <p:spPr>
+          <a:xfrm>
+            <a:off x="4565011" y="4100975"/>
+            <a:ext cx="3667421" cy="2348829"/>
+          </a:xfrm>
+          <a:prstGeom prst="rect">
+            <a:avLst/>
+          </a:prstGeom>
+        </p:spPr>
+      </p:pic>
+    </p:spTree>
+    <p:extLst>
+      <p:ext uri="{BB962C8B-B14F-4D97-AF65-F5344CB8AC3E}">
+        <p14:creationId xmlns:p14="http://schemas.microsoft.com/office/powerpoint/2010/main" val="1425940787"/>
+      </p:ext>
+    </p:extLst>
+  </p:cSld>
+  <p:clrMapOvr>
+    <a:masterClrMapping/>
+  </p:clrMapOvr>
+</p:sld>
+</file>
+
+<file path=ppt/slides/slide6.xml><?xml version="1.0" encoding="utf-8"?>
+<p:sld xmlns:a="http://schemas.openxmlformats.org/drawingml/2006/main" xmlns:r="http://schemas.openxmlformats.org/officeDocument/2006/relationships" xmlns:p="http://schemas.openxmlformats.org/presentationml/2006/main">
+  <p:cSld>
+    <p:spTree>
+      <p:nvGrpSpPr>
+        <p:cNvPr id="1" name=""/>
+        <p:cNvGrpSpPr/>
+        <p:nvPr/>
+      </p:nvGrpSpPr>
+      <p:grpSpPr>
+        <a:xfrm>
+          <a:off x="0" y="0"/>
+          <a:ext cx="0" cy="0"/>
+          <a:chOff x="0" y="0"/>
+          <a:chExt cx="0" cy="0"/>
+        </a:xfrm>
+      </p:grpSpPr>
+      <p:sp>
+        <p:nvSpPr>
+          <p:cNvPr id="2" name="Title 1">
+            <a:extLst>
+              <a:ext uri="{FF2B5EF4-FFF2-40B4-BE49-F238E27FC236}">
+                <a16:creationId xmlns:a16="http://schemas.microsoft.com/office/drawing/2014/main" id="{38B6C5B5-862F-40CB-A603-47B1CB566BBC}"/>
+              </a:ext>
+            </a:extLst>
+          </p:cNvPr>
+          <p:cNvSpPr>
+            <a:spLocks noGrp="1"/>
+          </p:cNvSpPr>
+          <p:nvPr>
+            <p:ph type="title"/>
+          </p:nvPr>
+        </p:nvSpPr>
+        <p:spPr/>
+        <p:txBody>
+          <a:bodyPr/>
+          <a:lstStyle/>
+          <a:p>
+            <a:r>
+              <a:rPr lang="en-US" dirty="0"/>
+              <a:t>ABV &amp; IBU Relationship</a:t>
+            </a:r>
+          </a:p>
+        </p:txBody>
+      </p:sp>
+      <p:sp>
+        <p:nvSpPr>
+          <p:cNvPr id="3" name="Content Placeholder 2">
+            <a:extLst>
+              <a:ext uri="{FF2B5EF4-FFF2-40B4-BE49-F238E27FC236}">
+                <a16:creationId xmlns:a16="http://schemas.microsoft.com/office/drawing/2014/main" id="{A84E38BD-45DC-43DF-B999-CFAAB41CD4EF}"/>
+              </a:ext>
+            </a:extLst>
+          </p:cNvPr>
+          <p:cNvSpPr>
+            <a:spLocks noGrp="1"/>
+          </p:cNvSpPr>
+          <p:nvPr>
+            <p:ph idx="1"/>
+          </p:nvPr>
+        </p:nvSpPr>
+        <p:spPr/>
+        <p:txBody>
+          <a:bodyPr>
+            <a:normAutofit/>
+          </a:bodyPr>
+          <a:lstStyle/>
+          <a:p>
+            <a:r>
+              <a:rPr lang="en-US" dirty="0"/>
+              <a:t>Min.   : 0.00100  </a:t>
+            </a:r>
+          </a:p>
+          <a:p>
+            <a:r>
+              <a:rPr lang="en-US" dirty="0"/>
+              <a:t>Mean  : 0.05977  </a:t>
+            </a:r>
+          </a:p>
+          <a:p>
+            <a:r>
+              <a:rPr lang="en-US" dirty="0"/>
+              <a:t>Max     : 0.12800</a:t>
+            </a:r>
+          </a:p>
+          <a:p>
+            <a:r>
+              <a:rPr lang="en-US" dirty="0"/>
+              <a:t>Standard Dev. : 0.01354173</a:t>
+            </a:r>
+          </a:p>
+          <a:p>
+            <a:r>
+              <a:rPr lang="en-US" dirty="0"/>
+              <a:t>Variance : 0.0001833786</a:t>
+            </a:r>
+          </a:p>
+          <a:p>
+            <a:endParaRPr lang="en-US" dirty="0"/>
+          </a:p>
+        </p:txBody>
+      </p:sp>
+      <p:pic>
+        <p:nvPicPr>
+          <p:cNvPr id="6" name="Picture 5">
+            <a:extLst>
+              <a:ext uri="{FF2B5EF4-FFF2-40B4-BE49-F238E27FC236}">
+                <a16:creationId xmlns:a16="http://schemas.microsoft.com/office/drawing/2014/main" id="{9B978441-5424-4635-8222-5A6D5F2F67B9}"/>
+              </a:ext>
+            </a:extLst>
+          </p:cNvPr>
+          <p:cNvPicPr>
+            <a:picLocks noChangeAspect="1"/>
+          </p:cNvPicPr>
+          <p:nvPr/>
+        </p:nvPicPr>
+        <p:blipFill>
+          <a:blip r:embed="rId3"/>
+          <a:stretch>
+            <a:fillRect/>
+          </a:stretch>
+        </p:blipFill>
+        <p:spPr>
+          <a:xfrm>
+            <a:off x="5918200" y="1772814"/>
+            <a:ext cx="5338276" cy="3312372"/>
+          </a:xfrm>
+          <a:prstGeom prst="rect">
+            <a:avLst/>
+          </a:prstGeom>
+        </p:spPr>
+      </p:pic>
+    </p:spTree>
+    <p:extLst>
+      <p:ext uri="{BB962C8B-B14F-4D97-AF65-F5344CB8AC3E}">
+        <p14:creationId xmlns:p14="http://schemas.microsoft.com/office/powerpoint/2010/main" val="3515877144"/>
+      </p:ext>
+    </p:extLst>
+  </p:cSld>
+  <p:clrMapOvr>
+    <a:masterClrMapping/>
+  </p:clrMapOvr>
+</p:sld>
+</file>
+
 <file path=ppt/theme/theme1.xml><?xml version="1.0" encoding="utf-8"?>
+<a:theme xmlns:a="http://schemas.openxmlformats.org/drawingml/2006/main" name="Facet">
+  <a:themeElements>
+    <a:clrScheme name="Red">
+      <a:dk1>
+        <a:sysClr val="windowText" lastClr="000000"/>
+      </a:dk1>
+      <a:lt1>
+        <a:sysClr val="window" lastClr="FFFFFF"/>
+      </a:lt1>
+      <a:dk2>
+        <a:srgbClr val="323232"/>
+      </a:dk2>
+      <a:lt2>
+        <a:srgbClr val="E5C243"/>
+      </a:lt2>
+      <a:accent1>
+        <a:srgbClr val="A5300F"/>
+      </a:accent1>
+      <a:accent2>
+        <a:srgbClr val="D55816"/>
+      </a:accent2>
+      <a:accent3>
+        <a:srgbClr val="E19825"/>
+      </a:accent3>
+      <a:accent4>
+        <a:srgbClr val="B19C7D"/>
+      </a:accent4>
+      <a:accent5>
+        <a:srgbClr val="7F5F52"/>
+      </a:accent5>
+      <a:accent6>
+        <a:srgbClr val="B27D49"/>
+      </a:accent6>
+      <a:hlink>
+        <a:srgbClr val="6B9F25"/>
+      </a:hlink>
+      <a:folHlink>
+        <a:srgbClr val="B26B02"/>
+      </a:folHlink>
+    </a:clrScheme>
+    <a:fontScheme name="Facet">
+      <a:majorFont>
+        <a:latin typeface="Trebuchet MS" panose="020B0603020202020204"/>
+        <a:ea typeface=""/>
+        <a:cs typeface=""/>
+        <a:font script="Jpan" typeface="メイリオ"/>
+        <a:font script="Hang" typeface="맑은 고딕"/>
+        <a:font script="Hans" typeface="方正姚体"/>
+        <a:font script="Hant" typeface="微軟正黑體"/>
+        <a:font script="Arab" typeface="Tahoma"/>
+        <a:font script="Hebr" typeface="Arial"/>
+        <a:font script="Thai" typeface="Cordia New"/>
+        <a:font script="Ethi" typeface="Nyala"/>
+        <a:font script="Beng" typeface="Vrinda"/>
+        <a:font script="Gujr" typeface="Shruti"/>
+        <a:font script="Khmr" typeface="DaunPenh"/>
+        <a:font script="Knda" typeface="Tunga"/>
+        <a:font script="Guru" typeface="Raavi"/>
+        <a:font script="Cans" typeface="Euphemia"/>
+        <a:font script="Cher" typeface="Plantagenet Cherokee"/>
+        <a:font script="Yiii" typeface="Microsoft Yi Baiti"/>
+        <a:font script="Tibt" typeface="Microsoft Himalaya"/>
+        <a:font script="Thaa" typeface="MV Boli"/>
+        <a:font script="Deva" typeface="Mangal"/>
+        <a:font script="Telu" typeface="Gautami"/>
+        <a:font script="Taml" typeface="Latha"/>
+        <a:font script="Syrc" typeface="Estrangelo Edessa"/>
+        <a:font script="Orya" typeface="Kalinga"/>
+        <a:font script="Mlym" typeface="Kartika"/>
+        <a:font script="Laoo" typeface="DokChampa"/>
+        <a:font script="Sinh" typeface="Iskoola Pota"/>
+        <a:font script="Mong" typeface="Mongolian Baiti"/>
+        <a:font script="Viet" typeface="Tahoma"/>
+        <a:font script="Uigh" typeface="Microsoft Uighur"/>
+        <a:font script="Geor" typeface="Sylfaen"/>
+      </a:majorFont>
+      <a:minorFont>
+        <a:latin typeface="Trebuchet MS" panose="020B0603020202020204"/>
+        <a:ea typeface=""/>
+        <a:cs typeface=""/>
+        <a:font script="Jpan" typeface="メイリオ"/>
+        <a:font script="Hang" typeface="HY그래픽M"/>
+        <a:font script="Hans" typeface="华文新魏"/>
+        <a:font script="Hant" typeface="微軟正黑體"/>
+        <a:font script="Arab" typeface="Tahoma"/>
+        <a:font script="Hebr" typeface="Gisha"/>
+        <a:font script="Thai" typeface="IrisUPC"/>
+        <a:font script="Ethi" typeface="Nyala"/>
+        <a:font script="Beng" typeface="Vrinda"/>
+        <a:font script="Gujr" typeface="Shruti"/>
+        <a:font script="Khmr" typeface="DaunPenh"/>
+        <a:font script="Knda" typeface="Tunga"/>
+        <a:font script="Guru" typeface="Raavi"/>
+        <a:font script="Cans" typeface="Euphemia"/>
+        <a:font script="Cher" typeface="Plantagenet Cherokee"/>
+        <a:font script="Yiii" typeface="Microsoft Yi Baiti"/>
+        <a:font script="Tibt" typeface="Microsoft Himalaya"/>
+        <a:font script="Thaa" typeface="MV Boli"/>
+        <a:font script="Deva" typeface="Mangal"/>
+        <a:font script="Telu" typeface="Gautami"/>
+        <a:font script="Taml" typeface="Latha"/>
+        <a:font script="Syrc" typeface="Estrangelo Edessa"/>
+        <a:font script="Orya" typeface="Kalinga"/>
+        <a:font script="Mlym" typeface="Kartika"/>
+        <a:font script="Laoo" typeface="DokChampa"/>
+        <a:font script="Sinh" typeface="Iskoola Pota"/>
+        <a:font script="Mong" typeface="Mongolian Baiti"/>
+        <a:font script="Viet" typeface="Arial"/>
+        <a:font script="Uigh" typeface="Microsoft Uighur"/>
+        <a:font script="Geor" typeface="Sylfaen"/>
+      </a:minorFont>
+    </a:fontScheme>
+    <a:fmtScheme name="Facet">
+      <a:fillStyleLst>
+        <a:solidFill>
+          <a:schemeClr val="phClr"/>
+        </a:solidFill>
+        <a:gradFill rotWithShape="1">
+          <a:gsLst>
+            <a:gs pos="0">
+              <a:schemeClr val="phClr">
+                <a:tint val="65000"/>
+                <a:lumMod val="110000"/>
+              </a:schemeClr>
+            </a:gs>
+            <a:gs pos="88000">
+              <a:schemeClr val="phClr">
+                <a:tint val="90000"/>
+              </a:schemeClr>
+            </a:gs>
+          </a:gsLst>
+          <a:lin ang="5400000" scaled="0"/>
+        </a:gradFill>
+        <a:gradFill rotWithShape="1">
+          <a:gsLst>
+            <a:gs pos="0">
+              <a:schemeClr val="phClr">
+                <a:tint val="96000"/>
+                <a:lumMod val="100000"/>
+              </a:schemeClr>
+            </a:gs>
+            <a:gs pos="78000">
+              <a:schemeClr val="phClr">
+                <a:shade val="94000"/>
+                <a:lumMod val="94000"/>
+              </a:schemeClr>
+            </a:gs>
+          </a:gsLst>
+          <a:lin ang="5400000" scaled="0"/>
+        </a:gradFill>
+      </a:fillStyleLst>
+      <a:lnStyleLst>
+        <a:ln w="12700" cap="rnd" cmpd="sng" algn="ctr">
+          <a:solidFill>
+            <a:schemeClr val="phClr"/>
+          </a:solidFill>
+          <a:prstDash val="solid"/>
+        </a:ln>
+        <a:ln w="19050" cap="rnd" cmpd="sng" algn="ctr">
+          <a:solidFill>
+            <a:schemeClr val="phClr"/>
+          </a:solidFill>
+          <a:prstDash val="solid"/>
+        </a:ln>
+        <a:ln w="25400" cap="rnd" cmpd="sng" algn="ctr">
+          <a:solidFill>
+            <a:schemeClr val="phClr"/>
+          </a:solidFill>
+          <a:prstDash val="solid"/>
+        </a:ln>
+      </a:lnStyleLst>
+      <a:effectStyleLst>
+        <a:effectStyle>
+          <a:effectLst/>
+        </a:effectStyle>
+        <a:effectStyle>
+          <a:effectLst>
+            <a:outerShdw blurRad="38100" dist="25400" dir="5400000" rotWithShape="0">
+              <a:srgbClr val="000000">
+                <a:alpha val="35000"/>
+              </a:srgbClr>
+            </a:outerShdw>
+          </a:effectLst>
+        </a:effectStyle>
+        <a:effectStyle>
+          <a:effectLst>
+            <a:outerShdw blurRad="50800" dist="38100" dir="5400000" rotWithShape="0">
+              <a:srgbClr val="000000">
+                <a:alpha val="35000"/>
+              </a:srgbClr>
+            </a:outerShdw>
+          </a:effectLst>
+          <a:scene3d>
+            <a:camera prst="orthographicFront">
+              <a:rot lat="0" lon="0" rev="0"/>
+            </a:camera>
+            <a:lightRig rig="threePt" dir="tl"/>
+          </a:scene3d>
+          <a:sp3d prstMaterial="plastic">
+            <a:bevelT w="0" h="0"/>
+          </a:sp3d>
+        </a:effectStyle>
+      </a:effectStyleLst>
+      <a:bgFillStyleLst>
+        <a:solidFill>
+          <a:schemeClr val="phClr"/>
+        </a:solidFill>
+        <a:gradFill rotWithShape="1">
+          <a:gsLst>
+            <a:gs pos="0">
+              <a:schemeClr val="phClr">
+                <a:tint val="90000"/>
+                <a:lumMod val="104000"/>
+              </a:schemeClr>
+            </a:gs>
+            <a:gs pos="94000">
+              <a:schemeClr val="phClr">
+                <a:shade val="96000"/>
+                <a:lumMod val="82000"/>
+              </a:schemeClr>
+            </a:gs>
+          </a:gsLst>
+          <a:lin ang="5400000" scaled="0"/>
+        </a:gradFill>
+        <a:gradFill rotWithShape="1">
+          <a:gsLst>
+            <a:gs pos="0">
+              <a:schemeClr val="phClr">
+                <a:tint val="90000"/>
+                <a:lumMod val="110000"/>
+              </a:schemeClr>
+            </a:gs>
+            <a:gs pos="100000">
+              <a:schemeClr val="phClr">
+                <a:shade val="94000"/>
+                <a:lumMod val="96000"/>
+              </a:schemeClr>
+            </a:gs>
+          </a:gsLst>
+          <a:path path="circle">
+            <a:fillToRect l="50000" t="50000" r="100000" b="100000"/>
+          </a:path>
+        </a:gradFill>
+      </a:bgFillStyleLst>
+    </a:fmtScheme>
+  </a:themeElements>
+  <a:objectDefaults/>
+  <a:extraClrSchemeLst/>
+  <a:extLst>
+    <a:ext uri="{05A4C25C-085E-4340-85A3-A5531E510DB2}">
+      <thm15:themeFamily xmlns:thm15="http://schemas.microsoft.com/office/thememl/2012/main" name="Facet" id="{C0C680CD-088A-49FC-A102-D699147F32B2}" vid="{CFBC31BA-B70F-4F30-BCAA-4F3011E16C4D}"/>
+    </a:ext>
+  </a:extLst>
+</a:theme>
+</file>
+
+<file path=ppt/theme/theme2.xml><?xml version="1.0" encoding="utf-8"?>
 <a:theme xmlns:a="http://schemas.openxmlformats.org/drawingml/2006/main" name="Office Theme">
   <a:themeElements>
     <a:clrScheme name="Office">

--- a/presentation/case_study_01_presentation.pptx
+++ b/presentation/case_study_01_presentation.pptx
@@ -4,9 +4,18 @@
   <p:sldMasterIdLst>
     <p:sldMasterId id="2147483648" r:id="rId1"/>
   </p:sldMasterIdLst>
+  <p:notesMasterIdLst>
+    <p:notesMasterId r:id="rId10"/>
+  </p:notesMasterIdLst>
   <p:sldIdLst>
     <p:sldId id="256" r:id="rId2"/>
     <p:sldId id="257" r:id="rId3"/>
+    <p:sldId id="258" r:id="rId4"/>
+    <p:sldId id="259" r:id="rId5"/>
+    <p:sldId id="260" r:id="rId6"/>
+    <p:sldId id="261" r:id="rId7"/>
+    <p:sldId id="262" r:id="rId8"/>
+    <p:sldId id="263" r:id="rId9"/>
   </p:sldIdLst>
   <p:sldSz cx="12192000" cy="6858000"/>
   <p:notesSz cx="6858000" cy="9144000"/>
@@ -105,7 +114,1234 @@
       </a:defRPr>
     </a:lvl9pPr>
   </p:defaultTextStyle>
+  <p:extLst>
+    <p:ext uri="{EFAFB233-063F-42B5-8137-9DF3F51BA10A}">
+      <p15:sldGuideLst xmlns:p15="http://schemas.microsoft.com/office/powerpoint/2012/main"/>
+    </p:ext>
+  </p:extLst>
 </p:presentation>
+</file>
+
+<file path=ppt/notesMasters/notesMaster1.xml><?xml version="1.0" encoding="utf-8"?>
+<p:notesMaster xmlns:a="http://schemas.openxmlformats.org/drawingml/2006/main" xmlns:r="http://schemas.openxmlformats.org/officeDocument/2006/relationships" xmlns:p="http://schemas.openxmlformats.org/presentationml/2006/main">
+  <p:cSld>
+    <p:bg>
+      <p:bgRef idx="1001">
+        <a:schemeClr val="bg1"/>
+      </p:bgRef>
+    </p:bg>
+    <p:spTree>
+      <p:nvGrpSpPr>
+        <p:cNvPr id="1" name=""/>
+        <p:cNvGrpSpPr/>
+        <p:nvPr/>
+      </p:nvGrpSpPr>
+      <p:grpSpPr>
+        <a:xfrm>
+          <a:off x="0" y="0"/>
+          <a:ext cx="0" cy="0"/>
+          <a:chOff x="0" y="0"/>
+          <a:chExt cx="0" cy="0"/>
+        </a:xfrm>
+      </p:grpSpPr>
+      <p:sp>
+        <p:nvSpPr>
+          <p:cNvPr id="2" name="Header Placeholder 1"/>
+          <p:cNvSpPr>
+            <a:spLocks noGrp="1"/>
+          </p:cNvSpPr>
+          <p:nvPr>
+            <p:ph type="hdr" sz="quarter"/>
+          </p:nvPr>
+        </p:nvSpPr>
+        <p:spPr>
+          <a:xfrm>
+            <a:off x="0" y="0"/>
+            <a:ext cx="2971800" cy="458788"/>
+          </a:xfrm>
+          <a:prstGeom prst="rect">
+            <a:avLst/>
+          </a:prstGeom>
+        </p:spPr>
+        <p:txBody>
+          <a:bodyPr vert="horz" lIns="91440" tIns="45720" rIns="91440" bIns="45720" rtlCol="0"/>
+          <a:lstStyle>
+            <a:lvl1pPr algn="l">
+              <a:defRPr sz="1200"/>
+            </a:lvl1pPr>
+          </a:lstStyle>
+          <a:p>
+            <a:endParaRPr lang="en-US"/>
+          </a:p>
+        </p:txBody>
+      </p:sp>
+      <p:sp>
+        <p:nvSpPr>
+          <p:cNvPr id="3" name="Date Placeholder 2"/>
+          <p:cNvSpPr>
+            <a:spLocks noGrp="1"/>
+          </p:cNvSpPr>
+          <p:nvPr>
+            <p:ph type="dt" idx="1"/>
+          </p:nvPr>
+        </p:nvSpPr>
+        <p:spPr>
+          <a:xfrm>
+            <a:off x="3884613" y="0"/>
+            <a:ext cx="2971800" cy="458788"/>
+          </a:xfrm>
+          <a:prstGeom prst="rect">
+            <a:avLst/>
+          </a:prstGeom>
+        </p:spPr>
+        <p:txBody>
+          <a:bodyPr vert="horz" lIns="91440" tIns="45720" rIns="91440" bIns="45720" rtlCol="0"/>
+          <a:lstStyle>
+            <a:lvl1pPr algn="r">
+              <a:defRPr sz="1200"/>
+            </a:lvl1pPr>
+          </a:lstStyle>
+          <a:p>
+            <a:fld id="{1C3724EF-78AD-422D-BAC0-6FD379E01EA1}" type="datetimeFigureOut">
+              <a:rPr lang="en-US" smtClean="0"/>
+              <a:t>10/10/2021</a:t>
+            </a:fld>
+            <a:endParaRPr lang="en-US"/>
+          </a:p>
+        </p:txBody>
+      </p:sp>
+      <p:sp>
+        <p:nvSpPr>
+          <p:cNvPr id="4" name="Slide Image Placeholder 3"/>
+          <p:cNvSpPr>
+            <a:spLocks noGrp="1" noRot="1" noChangeAspect="1"/>
+          </p:cNvSpPr>
+          <p:nvPr>
+            <p:ph type="sldImg" idx="2"/>
+          </p:nvPr>
+        </p:nvSpPr>
+        <p:spPr>
+          <a:xfrm>
+            <a:off x="685800" y="1143000"/>
+            <a:ext cx="5486400" cy="3086100"/>
+          </a:xfrm>
+          <a:prstGeom prst="rect">
+            <a:avLst/>
+          </a:prstGeom>
+          <a:noFill/>
+          <a:ln w="12700">
+            <a:solidFill>
+              <a:prstClr val="black"/>
+            </a:solidFill>
+          </a:ln>
+        </p:spPr>
+        <p:txBody>
+          <a:bodyPr vert="horz" lIns="91440" tIns="45720" rIns="91440" bIns="45720" rtlCol="0" anchor="ctr"/>
+          <a:lstStyle/>
+          <a:p>
+            <a:endParaRPr lang="en-US"/>
+          </a:p>
+        </p:txBody>
+      </p:sp>
+      <p:sp>
+        <p:nvSpPr>
+          <p:cNvPr id="5" name="Notes Placeholder 4"/>
+          <p:cNvSpPr>
+            <a:spLocks noGrp="1"/>
+          </p:cNvSpPr>
+          <p:nvPr>
+            <p:ph type="body" sz="quarter" idx="3"/>
+          </p:nvPr>
+        </p:nvSpPr>
+        <p:spPr>
+          <a:xfrm>
+            <a:off x="685800" y="4400550"/>
+            <a:ext cx="5486400" cy="3600450"/>
+          </a:xfrm>
+          <a:prstGeom prst="rect">
+            <a:avLst/>
+          </a:prstGeom>
+        </p:spPr>
+        <p:txBody>
+          <a:bodyPr vert="horz" lIns="91440" tIns="45720" rIns="91440" bIns="45720" rtlCol="0"/>
+          <a:lstStyle/>
+          <a:p>
+            <a:pPr lvl="0"/>
+            <a:r>
+              <a:rPr lang="en-US"/>
+              <a:t>Click to edit Master text styles</a:t>
+            </a:r>
+          </a:p>
+          <a:p>
+            <a:pPr lvl="1"/>
+            <a:r>
+              <a:rPr lang="en-US"/>
+              <a:t>Second level</a:t>
+            </a:r>
+          </a:p>
+          <a:p>
+            <a:pPr lvl="2"/>
+            <a:r>
+              <a:rPr lang="en-US"/>
+              <a:t>Third level</a:t>
+            </a:r>
+          </a:p>
+          <a:p>
+            <a:pPr lvl="3"/>
+            <a:r>
+              <a:rPr lang="en-US"/>
+              <a:t>Fourth level</a:t>
+            </a:r>
+          </a:p>
+          <a:p>
+            <a:pPr lvl="4"/>
+            <a:r>
+              <a:rPr lang="en-US"/>
+              <a:t>Fifth level</a:t>
+            </a:r>
+          </a:p>
+        </p:txBody>
+      </p:sp>
+      <p:sp>
+        <p:nvSpPr>
+          <p:cNvPr id="6" name="Footer Placeholder 5"/>
+          <p:cNvSpPr>
+            <a:spLocks noGrp="1"/>
+          </p:cNvSpPr>
+          <p:nvPr>
+            <p:ph type="ftr" sz="quarter" idx="4"/>
+          </p:nvPr>
+        </p:nvSpPr>
+        <p:spPr>
+          <a:xfrm>
+            <a:off x="0" y="8685213"/>
+            <a:ext cx="2971800" cy="458787"/>
+          </a:xfrm>
+          <a:prstGeom prst="rect">
+            <a:avLst/>
+          </a:prstGeom>
+        </p:spPr>
+        <p:txBody>
+          <a:bodyPr vert="horz" lIns="91440" tIns="45720" rIns="91440" bIns="45720" rtlCol="0" anchor="b"/>
+          <a:lstStyle>
+            <a:lvl1pPr algn="l">
+              <a:defRPr sz="1200"/>
+            </a:lvl1pPr>
+          </a:lstStyle>
+          <a:p>
+            <a:endParaRPr lang="en-US"/>
+          </a:p>
+        </p:txBody>
+      </p:sp>
+      <p:sp>
+        <p:nvSpPr>
+          <p:cNvPr id="7" name="Slide Number Placeholder 6"/>
+          <p:cNvSpPr>
+            <a:spLocks noGrp="1"/>
+          </p:cNvSpPr>
+          <p:nvPr>
+            <p:ph type="sldNum" sz="quarter" idx="5"/>
+          </p:nvPr>
+        </p:nvSpPr>
+        <p:spPr>
+          <a:xfrm>
+            <a:off x="3884613" y="8685213"/>
+            <a:ext cx="2971800" cy="458787"/>
+          </a:xfrm>
+          <a:prstGeom prst="rect">
+            <a:avLst/>
+          </a:prstGeom>
+        </p:spPr>
+        <p:txBody>
+          <a:bodyPr vert="horz" lIns="91440" tIns="45720" rIns="91440" bIns="45720" rtlCol="0" anchor="b"/>
+          <a:lstStyle>
+            <a:lvl1pPr algn="r">
+              <a:defRPr sz="1200"/>
+            </a:lvl1pPr>
+          </a:lstStyle>
+          <a:p>
+            <a:fld id="{EF29598C-82BF-4B89-9B0C-D2C664D03DF6}" type="slidenum">
+              <a:rPr lang="en-US" smtClean="0"/>
+              <a:t>‹#›</a:t>
+            </a:fld>
+            <a:endParaRPr lang="en-US"/>
+          </a:p>
+        </p:txBody>
+      </p:sp>
+    </p:spTree>
+    <p:extLst>
+      <p:ext uri="{BB962C8B-B14F-4D97-AF65-F5344CB8AC3E}">
+        <p14:creationId xmlns:p14="http://schemas.microsoft.com/office/powerpoint/2010/main" val="2682789543"/>
+      </p:ext>
+    </p:extLst>
+  </p:cSld>
+  <p:clrMap bg1="lt1" tx1="dk1" bg2="lt2" tx2="dk2" accent1="accent1" accent2="accent2" accent3="accent3" accent4="accent4" accent5="accent5" accent6="accent6" hlink="hlink" folHlink="folHlink"/>
+  <p:notesStyle>
+    <a:lvl1pPr marL="0" algn="l" defTabSz="914400" rtl="0" eaLnBrk="1" latinLnBrk="0" hangingPunct="1">
+      <a:defRPr sz="1200" kern="1200">
+        <a:solidFill>
+          <a:schemeClr val="tx1"/>
+        </a:solidFill>
+        <a:latin typeface="+mn-lt"/>
+        <a:ea typeface="+mn-ea"/>
+        <a:cs typeface="+mn-cs"/>
+      </a:defRPr>
+    </a:lvl1pPr>
+    <a:lvl2pPr marL="457200" algn="l" defTabSz="914400" rtl="0" eaLnBrk="1" latinLnBrk="0" hangingPunct="1">
+      <a:defRPr sz="1200" kern="1200">
+        <a:solidFill>
+          <a:schemeClr val="tx1"/>
+        </a:solidFill>
+        <a:latin typeface="+mn-lt"/>
+        <a:ea typeface="+mn-ea"/>
+        <a:cs typeface="+mn-cs"/>
+      </a:defRPr>
+    </a:lvl2pPr>
+    <a:lvl3pPr marL="914400" algn="l" defTabSz="914400" rtl="0" eaLnBrk="1" latinLnBrk="0" hangingPunct="1">
+      <a:defRPr sz="1200" kern="1200">
+        <a:solidFill>
+          <a:schemeClr val="tx1"/>
+        </a:solidFill>
+        <a:latin typeface="+mn-lt"/>
+        <a:ea typeface="+mn-ea"/>
+        <a:cs typeface="+mn-cs"/>
+      </a:defRPr>
+    </a:lvl3pPr>
+    <a:lvl4pPr marL="1371600" algn="l" defTabSz="914400" rtl="0" eaLnBrk="1" latinLnBrk="0" hangingPunct="1">
+      <a:defRPr sz="1200" kern="1200">
+        <a:solidFill>
+          <a:schemeClr val="tx1"/>
+        </a:solidFill>
+        <a:latin typeface="+mn-lt"/>
+        <a:ea typeface="+mn-ea"/>
+        <a:cs typeface="+mn-cs"/>
+      </a:defRPr>
+    </a:lvl4pPr>
+    <a:lvl5pPr marL="1828800" algn="l" defTabSz="914400" rtl="0" eaLnBrk="1" latinLnBrk="0" hangingPunct="1">
+      <a:defRPr sz="1200" kern="1200">
+        <a:solidFill>
+          <a:schemeClr val="tx1"/>
+        </a:solidFill>
+        <a:latin typeface="+mn-lt"/>
+        <a:ea typeface="+mn-ea"/>
+        <a:cs typeface="+mn-cs"/>
+      </a:defRPr>
+    </a:lvl5pPr>
+    <a:lvl6pPr marL="2286000" algn="l" defTabSz="914400" rtl="0" eaLnBrk="1" latinLnBrk="0" hangingPunct="1">
+      <a:defRPr sz="1200" kern="1200">
+        <a:solidFill>
+          <a:schemeClr val="tx1"/>
+        </a:solidFill>
+        <a:latin typeface="+mn-lt"/>
+        <a:ea typeface="+mn-ea"/>
+        <a:cs typeface="+mn-cs"/>
+      </a:defRPr>
+    </a:lvl6pPr>
+    <a:lvl7pPr marL="2743200" algn="l" defTabSz="914400" rtl="0" eaLnBrk="1" latinLnBrk="0" hangingPunct="1">
+      <a:defRPr sz="1200" kern="1200">
+        <a:solidFill>
+          <a:schemeClr val="tx1"/>
+        </a:solidFill>
+        <a:latin typeface="+mn-lt"/>
+        <a:ea typeface="+mn-ea"/>
+        <a:cs typeface="+mn-cs"/>
+      </a:defRPr>
+    </a:lvl7pPr>
+    <a:lvl8pPr marL="3200400" algn="l" defTabSz="914400" rtl="0" eaLnBrk="1" latinLnBrk="0" hangingPunct="1">
+      <a:defRPr sz="1200" kern="1200">
+        <a:solidFill>
+          <a:schemeClr val="tx1"/>
+        </a:solidFill>
+        <a:latin typeface="+mn-lt"/>
+        <a:ea typeface="+mn-ea"/>
+        <a:cs typeface="+mn-cs"/>
+      </a:defRPr>
+    </a:lvl8pPr>
+    <a:lvl9pPr marL="3657600" algn="l" defTabSz="914400" rtl="0" eaLnBrk="1" latinLnBrk="0" hangingPunct="1">
+      <a:defRPr sz="1200" kern="1200">
+        <a:solidFill>
+          <a:schemeClr val="tx1"/>
+        </a:solidFill>
+        <a:latin typeface="+mn-lt"/>
+        <a:ea typeface="+mn-ea"/>
+        <a:cs typeface="+mn-cs"/>
+      </a:defRPr>
+    </a:lvl9pPr>
+  </p:notesStyle>
+</p:notesMaster>
+</file>
+
+<file path=ppt/notesSlides/notesSlide1.xml><?xml version="1.0" encoding="utf-8"?>
+<p:notes xmlns:a="http://schemas.openxmlformats.org/drawingml/2006/main" xmlns:r="http://schemas.openxmlformats.org/officeDocument/2006/relationships" xmlns:p="http://schemas.openxmlformats.org/presentationml/2006/main">
+  <p:cSld>
+    <p:spTree>
+      <p:nvGrpSpPr>
+        <p:cNvPr id="1" name=""/>
+        <p:cNvGrpSpPr/>
+        <p:nvPr/>
+      </p:nvGrpSpPr>
+      <p:grpSpPr>
+        <a:xfrm>
+          <a:off x="0" y="0"/>
+          <a:ext cx="0" cy="0"/>
+          <a:chOff x="0" y="0"/>
+          <a:chExt cx="0" cy="0"/>
+        </a:xfrm>
+      </p:grpSpPr>
+      <p:sp>
+        <p:nvSpPr>
+          <p:cNvPr id="2" name="Slide Image Placeholder 1"/>
+          <p:cNvSpPr>
+            <a:spLocks noGrp="1" noRot="1" noChangeAspect="1"/>
+          </p:cNvSpPr>
+          <p:nvPr>
+            <p:ph type="sldImg"/>
+          </p:nvPr>
+        </p:nvSpPr>
+        <p:spPr/>
+      </p:sp>
+      <p:sp>
+        <p:nvSpPr>
+          <p:cNvPr id="3" name="Notes Placeholder 2"/>
+          <p:cNvSpPr>
+            <a:spLocks noGrp="1"/>
+          </p:cNvSpPr>
+          <p:nvPr>
+            <p:ph type="body" idx="1"/>
+          </p:nvPr>
+        </p:nvSpPr>
+        <p:spPr/>
+        <p:txBody>
+          <a:bodyPr/>
+          <a:lstStyle/>
+          <a:p>
+            <a:pPr marL="0" marR="0" lvl="0" indent="0" algn="l" defTabSz="914400" rtl="0" eaLnBrk="1" fontAlgn="auto" latinLnBrk="0" hangingPunct="1">
+              <a:lnSpc>
+                <a:spcPct val="100000"/>
+              </a:lnSpc>
+              <a:spcBef>
+                <a:spcPts val="0"/>
+              </a:spcBef>
+              <a:spcAft>
+                <a:spcPts val="0"/>
+              </a:spcAft>
+              <a:buClrTx/>
+              <a:buSzTx/>
+              <a:buFontTx/>
+              <a:buNone/>
+              <a:tabLst/>
+              <a:defRPr/>
+            </a:pPr>
+            <a:r>
+              <a:rPr lang="en-US" sz="1800" dirty="0">
+                <a:effectLst/>
+                <a:latin typeface="Arial" panose="020B0604020202020204" pitchFamily="34" charset="0"/>
+                <a:ea typeface="Times New Roman" panose="02020603050405020304" pitchFamily="18" charset="0"/>
+                <a:cs typeface="Times New Roman" panose="02020603050405020304" pitchFamily="18" charset="0"/>
+              </a:rPr>
+              <a:t>1.</a:t>
+            </a:r>
+            <a:r>
+              <a:rPr lang="en-US" sz="1800" dirty="0">
+                <a:effectLst/>
+                <a:latin typeface="Times New Roman" panose="02020603050405020304" pitchFamily="18" charset="0"/>
+                <a:ea typeface="Times New Roman" panose="02020603050405020304" pitchFamily="18" charset="0"/>
+                <a:cs typeface="Times New Roman" panose="02020603050405020304" pitchFamily="18" charset="0"/>
+              </a:rPr>
+              <a:t>   </a:t>
+            </a:r>
+            <a:r>
+              <a:rPr lang="en-US" sz="1800" dirty="0">
+                <a:effectLst/>
+                <a:latin typeface="Arial" panose="020B0604020202020204" pitchFamily="34" charset="0"/>
+                <a:ea typeface="Times New Roman" panose="02020603050405020304" pitchFamily="18" charset="0"/>
+                <a:cs typeface="Times New Roman" panose="02020603050405020304" pitchFamily="18" charset="0"/>
+              </a:rPr>
+              <a:t>How many breweries are present in each state?</a:t>
+            </a:r>
+            <a:endParaRPr lang="en-US" sz="1800" dirty="0">
+              <a:effectLst/>
+              <a:latin typeface="Calibri" panose="020F0502020204030204" pitchFamily="34" charset="0"/>
+              <a:ea typeface="Calibri" panose="020F0502020204030204" pitchFamily="34" charset="0"/>
+              <a:cs typeface="Times New Roman" panose="02020603050405020304" pitchFamily="18" charset="0"/>
+            </a:endParaRPr>
+          </a:p>
+          <a:p>
+            <a:endParaRPr lang="en-US" dirty="0"/>
+          </a:p>
+        </p:txBody>
+      </p:sp>
+      <p:sp>
+        <p:nvSpPr>
+          <p:cNvPr id="4" name="Slide Number Placeholder 3"/>
+          <p:cNvSpPr>
+            <a:spLocks noGrp="1"/>
+          </p:cNvSpPr>
+          <p:nvPr>
+            <p:ph type="sldNum" sz="quarter" idx="5"/>
+          </p:nvPr>
+        </p:nvSpPr>
+        <p:spPr/>
+        <p:txBody>
+          <a:bodyPr/>
+          <a:lstStyle/>
+          <a:p>
+            <a:fld id="{EF29598C-82BF-4B89-9B0C-D2C664D03DF6}" type="slidenum">
+              <a:rPr lang="en-US" smtClean="0"/>
+              <a:t>3</a:t>
+            </a:fld>
+            <a:endParaRPr lang="en-US"/>
+          </a:p>
+        </p:txBody>
+      </p:sp>
+    </p:spTree>
+    <p:extLst>
+      <p:ext uri="{BB962C8B-B14F-4D97-AF65-F5344CB8AC3E}">
+        <p14:creationId xmlns:p14="http://schemas.microsoft.com/office/powerpoint/2010/main" val="3977730230"/>
+      </p:ext>
+    </p:extLst>
+  </p:cSld>
+  <p:clrMapOvr>
+    <a:masterClrMapping/>
+  </p:clrMapOvr>
+</p:notes>
+</file>
+
+<file path=ppt/notesSlides/notesSlide2.xml><?xml version="1.0" encoding="utf-8"?>
+<p:notes xmlns:a="http://schemas.openxmlformats.org/drawingml/2006/main" xmlns:r="http://schemas.openxmlformats.org/officeDocument/2006/relationships" xmlns:p="http://schemas.openxmlformats.org/presentationml/2006/main">
+  <p:cSld>
+    <p:spTree>
+      <p:nvGrpSpPr>
+        <p:cNvPr id="1" name=""/>
+        <p:cNvGrpSpPr/>
+        <p:nvPr/>
+      </p:nvGrpSpPr>
+      <p:grpSpPr>
+        <a:xfrm>
+          <a:off x="0" y="0"/>
+          <a:ext cx="0" cy="0"/>
+          <a:chOff x="0" y="0"/>
+          <a:chExt cx="0" cy="0"/>
+        </a:xfrm>
+      </p:grpSpPr>
+      <p:sp>
+        <p:nvSpPr>
+          <p:cNvPr id="2" name="Slide Image Placeholder 1"/>
+          <p:cNvSpPr>
+            <a:spLocks noGrp="1" noRot="1" noChangeAspect="1"/>
+          </p:cNvSpPr>
+          <p:nvPr>
+            <p:ph type="sldImg"/>
+          </p:nvPr>
+        </p:nvSpPr>
+        <p:spPr/>
+      </p:sp>
+      <p:sp>
+        <p:nvSpPr>
+          <p:cNvPr id="3" name="Notes Placeholder 2"/>
+          <p:cNvSpPr>
+            <a:spLocks noGrp="1"/>
+          </p:cNvSpPr>
+          <p:nvPr>
+            <p:ph type="body" idx="1"/>
+          </p:nvPr>
+        </p:nvSpPr>
+        <p:spPr/>
+        <p:txBody>
+          <a:bodyPr/>
+          <a:lstStyle/>
+          <a:p>
+            <a:pPr marL="0" marR="0" lvl="0" indent="0" algn="l" defTabSz="914400" rtl="0" eaLnBrk="1" fontAlgn="auto" latinLnBrk="0" hangingPunct="1">
+              <a:lnSpc>
+                <a:spcPct val="100000"/>
+              </a:lnSpc>
+              <a:spcBef>
+                <a:spcPts val="0"/>
+              </a:spcBef>
+              <a:spcAft>
+                <a:spcPts val="0"/>
+              </a:spcAft>
+              <a:buClrTx/>
+              <a:buSzTx/>
+              <a:buFontTx/>
+              <a:buNone/>
+              <a:tabLst/>
+              <a:defRPr/>
+            </a:pPr>
+            <a:r>
+              <a:rPr lang="en-US" sz="1800" dirty="0">
+                <a:effectLst/>
+                <a:latin typeface="Arial" panose="020B0604020202020204" pitchFamily="34" charset="0"/>
+                <a:ea typeface="Times New Roman" panose="02020603050405020304" pitchFamily="18" charset="0"/>
+                <a:cs typeface="Times New Roman" panose="02020603050405020304" pitchFamily="18" charset="0"/>
+              </a:rPr>
+              <a:t>3.</a:t>
+            </a:r>
+            <a:r>
+              <a:rPr lang="en-US" sz="1800" dirty="0">
+                <a:effectLst/>
+                <a:latin typeface="Times New Roman" panose="02020603050405020304" pitchFamily="18" charset="0"/>
+                <a:ea typeface="Times New Roman" panose="02020603050405020304" pitchFamily="18" charset="0"/>
+                <a:cs typeface="Times New Roman" panose="02020603050405020304" pitchFamily="18" charset="0"/>
+              </a:rPr>
+              <a:t>   </a:t>
+            </a:r>
+            <a:r>
+              <a:rPr lang="en-US" sz="1800" dirty="0">
+                <a:effectLst/>
+                <a:latin typeface="Arial" panose="020B0604020202020204" pitchFamily="34" charset="0"/>
+                <a:ea typeface="Times New Roman" panose="02020603050405020304" pitchFamily="18" charset="0"/>
+                <a:cs typeface="Times New Roman" panose="02020603050405020304" pitchFamily="18" charset="0"/>
+              </a:rPr>
+              <a:t>Address the missing values in each column.</a:t>
+            </a:r>
+            <a:endParaRPr lang="en-US" sz="1800" dirty="0">
+              <a:effectLst/>
+              <a:latin typeface="Calibri" panose="020F0502020204030204" pitchFamily="34" charset="0"/>
+              <a:ea typeface="Calibri" panose="020F0502020204030204" pitchFamily="34" charset="0"/>
+              <a:cs typeface="Times New Roman" panose="02020603050405020304" pitchFamily="18" charset="0"/>
+            </a:endParaRPr>
+          </a:p>
+          <a:p>
+            <a:endParaRPr lang="en-US" dirty="0"/>
+          </a:p>
+        </p:txBody>
+      </p:sp>
+      <p:sp>
+        <p:nvSpPr>
+          <p:cNvPr id="4" name="Slide Number Placeholder 3"/>
+          <p:cNvSpPr>
+            <a:spLocks noGrp="1"/>
+          </p:cNvSpPr>
+          <p:nvPr>
+            <p:ph type="sldNum" sz="quarter" idx="5"/>
+          </p:nvPr>
+        </p:nvSpPr>
+        <p:spPr/>
+        <p:txBody>
+          <a:bodyPr/>
+          <a:lstStyle/>
+          <a:p>
+            <a:fld id="{EF29598C-82BF-4B89-9B0C-D2C664D03DF6}" type="slidenum">
+              <a:rPr lang="en-US" smtClean="0"/>
+              <a:t>4</a:t>
+            </a:fld>
+            <a:endParaRPr lang="en-US"/>
+          </a:p>
+        </p:txBody>
+      </p:sp>
+    </p:spTree>
+    <p:extLst>
+      <p:ext uri="{BB962C8B-B14F-4D97-AF65-F5344CB8AC3E}">
+        <p14:creationId xmlns:p14="http://schemas.microsoft.com/office/powerpoint/2010/main" val="97256089"/>
+      </p:ext>
+    </p:extLst>
+  </p:cSld>
+  <p:clrMapOvr>
+    <a:masterClrMapping/>
+  </p:clrMapOvr>
+</p:notes>
+</file>
+
+<file path=ppt/notesSlides/notesSlide3.xml><?xml version="1.0" encoding="utf-8"?>
+<p:notes xmlns:a="http://schemas.openxmlformats.org/drawingml/2006/main" xmlns:r="http://schemas.openxmlformats.org/officeDocument/2006/relationships" xmlns:p="http://schemas.openxmlformats.org/presentationml/2006/main">
+  <p:cSld>
+    <p:spTree>
+      <p:nvGrpSpPr>
+        <p:cNvPr id="1" name=""/>
+        <p:cNvGrpSpPr/>
+        <p:nvPr/>
+      </p:nvGrpSpPr>
+      <p:grpSpPr>
+        <a:xfrm>
+          <a:off x="0" y="0"/>
+          <a:ext cx="0" cy="0"/>
+          <a:chOff x="0" y="0"/>
+          <a:chExt cx="0" cy="0"/>
+        </a:xfrm>
+      </p:grpSpPr>
+      <p:sp>
+        <p:nvSpPr>
+          <p:cNvPr id="2" name="Slide Image Placeholder 1"/>
+          <p:cNvSpPr>
+            <a:spLocks noGrp="1" noRot="1" noChangeAspect="1"/>
+          </p:cNvSpPr>
+          <p:nvPr>
+            <p:ph type="sldImg"/>
+          </p:nvPr>
+        </p:nvSpPr>
+        <p:spPr/>
+      </p:sp>
+      <p:sp>
+        <p:nvSpPr>
+          <p:cNvPr id="3" name="Notes Placeholder 2"/>
+          <p:cNvSpPr>
+            <a:spLocks noGrp="1"/>
+          </p:cNvSpPr>
+          <p:nvPr>
+            <p:ph type="body" idx="1"/>
+          </p:nvPr>
+        </p:nvSpPr>
+        <p:spPr/>
+        <p:txBody>
+          <a:bodyPr/>
+          <a:lstStyle/>
+          <a:p>
+            <a:pPr marL="0" marR="0" lvl="0" indent="0" algn="l" defTabSz="914400" rtl="0" eaLnBrk="1" fontAlgn="auto" latinLnBrk="0" hangingPunct="1">
+              <a:lnSpc>
+                <a:spcPct val="100000"/>
+              </a:lnSpc>
+              <a:spcBef>
+                <a:spcPts val="0"/>
+              </a:spcBef>
+              <a:spcAft>
+                <a:spcPts val="0"/>
+              </a:spcAft>
+              <a:buClrTx/>
+              <a:buSzTx/>
+              <a:buFontTx/>
+              <a:buNone/>
+              <a:tabLst/>
+              <a:defRPr/>
+            </a:pPr>
+            <a:r>
+              <a:rPr lang="en-US" sz="1800" dirty="0">
+                <a:effectLst/>
+                <a:latin typeface="Arial" panose="020B0604020202020204" pitchFamily="34" charset="0"/>
+                <a:ea typeface="Times New Roman" panose="02020603050405020304" pitchFamily="18" charset="0"/>
+                <a:cs typeface="Times New Roman" panose="02020603050405020304" pitchFamily="18" charset="0"/>
+              </a:rPr>
+              <a:t>4.</a:t>
+            </a:r>
+            <a:r>
+              <a:rPr lang="en-US" sz="1800" dirty="0">
+                <a:effectLst/>
+                <a:latin typeface="Times New Roman" panose="02020603050405020304" pitchFamily="18" charset="0"/>
+                <a:ea typeface="Times New Roman" panose="02020603050405020304" pitchFamily="18" charset="0"/>
+                <a:cs typeface="Times New Roman" panose="02020603050405020304" pitchFamily="18" charset="0"/>
+              </a:rPr>
+              <a:t>   </a:t>
+            </a:r>
+            <a:r>
+              <a:rPr lang="en-US" sz="1800" dirty="0">
+                <a:effectLst/>
+                <a:latin typeface="Arial" panose="020B0604020202020204" pitchFamily="34" charset="0"/>
+                <a:ea typeface="Times New Roman" panose="02020603050405020304" pitchFamily="18" charset="0"/>
+                <a:cs typeface="Times New Roman" panose="02020603050405020304" pitchFamily="18" charset="0"/>
+              </a:rPr>
+              <a:t>Compute the median alcohol content and international bitterness unit for each state. Plot a bar chart to compare.</a:t>
+            </a:r>
+            <a:endParaRPr lang="en-US" sz="1800" dirty="0">
+              <a:effectLst/>
+              <a:latin typeface="Calibri" panose="020F0502020204030204" pitchFamily="34" charset="0"/>
+              <a:ea typeface="Calibri" panose="020F0502020204030204" pitchFamily="34" charset="0"/>
+              <a:cs typeface="Times New Roman" panose="02020603050405020304" pitchFamily="18" charset="0"/>
+            </a:endParaRPr>
+          </a:p>
+          <a:p>
+            <a:endParaRPr lang="en-US" dirty="0"/>
+          </a:p>
+        </p:txBody>
+      </p:sp>
+      <p:sp>
+        <p:nvSpPr>
+          <p:cNvPr id="4" name="Slide Number Placeholder 3"/>
+          <p:cNvSpPr>
+            <a:spLocks noGrp="1"/>
+          </p:cNvSpPr>
+          <p:nvPr>
+            <p:ph type="sldNum" sz="quarter" idx="5"/>
+          </p:nvPr>
+        </p:nvSpPr>
+        <p:spPr/>
+        <p:txBody>
+          <a:bodyPr/>
+          <a:lstStyle/>
+          <a:p>
+            <a:fld id="{EF29598C-82BF-4B89-9B0C-D2C664D03DF6}" type="slidenum">
+              <a:rPr lang="en-US" smtClean="0"/>
+              <a:t>5</a:t>
+            </a:fld>
+            <a:endParaRPr lang="en-US"/>
+          </a:p>
+        </p:txBody>
+      </p:sp>
+    </p:spTree>
+    <p:extLst>
+      <p:ext uri="{BB962C8B-B14F-4D97-AF65-F5344CB8AC3E}">
+        <p14:creationId xmlns:p14="http://schemas.microsoft.com/office/powerpoint/2010/main" val="3122915124"/>
+      </p:ext>
+    </p:extLst>
+  </p:cSld>
+  <p:clrMapOvr>
+    <a:masterClrMapping/>
+  </p:clrMapOvr>
+</p:notes>
+</file>
+
+<file path=ppt/notesSlides/notesSlide4.xml><?xml version="1.0" encoding="utf-8"?>
+<p:notes xmlns:a="http://schemas.openxmlformats.org/drawingml/2006/main" xmlns:r="http://schemas.openxmlformats.org/officeDocument/2006/relationships" xmlns:p="http://schemas.openxmlformats.org/presentationml/2006/main">
+  <p:cSld>
+    <p:spTree>
+      <p:nvGrpSpPr>
+        <p:cNvPr id="1" name=""/>
+        <p:cNvGrpSpPr/>
+        <p:nvPr/>
+      </p:nvGrpSpPr>
+      <p:grpSpPr>
+        <a:xfrm>
+          <a:off x="0" y="0"/>
+          <a:ext cx="0" cy="0"/>
+          <a:chOff x="0" y="0"/>
+          <a:chExt cx="0" cy="0"/>
+        </a:xfrm>
+      </p:grpSpPr>
+      <p:sp>
+        <p:nvSpPr>
+          <p:cNvPr id="2" name="Slide Image Placeholder 1"/>
+          <p:cNvSpPr>
+            <a:spLocks noGrp="1" noRot="1" noChangeAspect="1"/>
+          </p:cNvSpPr>
+          <p:nvPr>
+            <p:ph type="sldImg"/>
+          </p:nvPr>
+        </p:nvSpPr>
+        <p:spPr/>
+      </p:sp>
+      <p:sp>
+        <p:nvSpPr>
+          <p:cNvPr id="3" name="Notes Placeholder 2"/>
+          <p:cNvSpPr>
+            <a:spLocks noGrp="1"/>
+          </p:cNvSpPr>
+          <p:nvPr>
+            <p:ph type="body" idx="1"/>
+          </p:nvPr>
+        </p:nvSpPr>
+        <p:spPr/>
+        <p:txBody>
+          <a:bodyPr/>
+          <a:lstStyle/>
+          <a:p>
+            <a:pPr marL="0" marR="0" lvl="0" indent="0" algn="l" defTabSz="914400" rtl="0" eaLnBrk="1" fontAlgn="auto" latinLnBrk="0" hangingPunct="1">
+              <a:lnSpc>
+                <a:spcPct val="100000"/>
+              </a:lnSpc>
+              <a:spcBef>
+                <a:spcPts val="0"/>
+              </a:spcBef>
+              <a:spcAft>
+                <a:spcPts val="0"/>
+              </a:spcAft>
+              <a:buClrTx/>
+              <a:buSzTx/>
+              <a:buFontTx/>
+              <a:buNone/>
+              <a:tabLst/>
+              <a:defRPr/>
+            </a:pPr>
+            <a:r>
+              <a:rPr lang="en-US" sz="1800" dirty="0">
+                <a:effectLst/>
+                <a:latin typeface="Arial" panose="020B0604020202020204" pitchFamily="34" charset="0"/>
+                <a:ea typeface="Times New Roman" panose="02020603050405020304" pitchFamily="18" charset="0"/>
+                <a:cs typeface="Times New Roman" panose="02020603050405020304" pitchFamily="18" charset="0"/>
+              </a:rPr>
+              <a:t>5.</a:t>
+            </a:r>
+            <a:r>
+              <a:rPr lang="en-US" sz="1800" dirty="0">
+                <a:effectLst/>
+                <a:latin typeface="Times New Roman" panose="02020603050405020304" pitchFamily="18" charset="0"/>
+                <a:ea typeface="Times New Roman" panose="02020603050405020304" pitchFamily="18" charset="0"/>
+                <a:cs typeface="Times New Roman" panose="02020603050405020304" pitchFamily="18" charset="0"/>
+              </a:rPr>
+              <a:t>   </a:t>
+            </a:r>
+            <a:r>
+              <a:rPr lang="en-US" sz="1800" dirty="0">
+                <a:effectLst/>
+                <a:latin typeface="Arial" panose="020B0604020202020204" pitchFamily="34" charset="0"/>
+                <a:ea typeface="Times New Roman" panose="02020603050405020304" pitchFamily="18" charset="0"/>
+                <a:cs typeface="Times New Roman" panose="02020603050405020304" pitchFamily="18" charset="0"/>
+              </a:rPr>
+              <a:t>Which state has the maximum alcoholic (ABV) beer? Which state has the most bitter (IBU) beer?</a:t>
+            </a:r>
+            <a:endParaRPr lang="en-US" sz="1800" dirty="0">
+              <a:effectLst/>
+              <a:latin typeface="Calibri" panose="020F0502020204030204" pitchFamily="34" charset="0"/>
+              <a:ea typeface="Calibri" panose="020F0502020204030204" pitchFamily="34" charset="0"/>
+              <a:cs typeface="Times New Roman" panose="02020603050405020304" pitchFamily="18" charset="0"/>
+            </a:endParaRPr>
+          </a:p>
+          <a:p>
+            <a:endParaRPr lang="en-US" dirty="0"/>
+          </a:p>
+        </p:txBody>
+      </p:sp>
+      <p:sp>
+        <p:nvSpPr>
+          <p:cNvPr id="4" name="Slide Number Placeholder 3"/>
+          <p:cNvSpPr>
+            <a:spLocks noGrp="1"/>
+          </p:cNvSpPr>
+          <p:nvPr>
+            <p:ph type="sldNum" sz="quarter" idx="5"/>
+          </p:nvPr>
+        </p:nvSpPr>
+        <p:spPr/>
+        <p:txBody>
+          <a:bodyPr/>
+          <a:lstStyle/>
+          <a:p>
+            <a:fld id="{EF29598C-82BF-4B89-9B0C-D2C664D03DF6}" type="slidenum">
+              <a:rPr lang="en-US" smtClean="0"/>
+              <a:t>6</a:t>
+            </a:fld>
+            <a:endParaRPr lang="en-US"/>
+          </a:p>
+        </p:txBody>
+      </p:sp>
+    </p:spTree>
+    <p:extLst>
+      <p:ext uri="{BB962C8B-B14F-4D97-AF65-F5344CB8AC3E}">
+        <p14:creationId xmlns:p14="http://schemas.microsoft.com/office/powerpoint/2010/main" val="1748930744"/>
+      </p:ext>
+    </p:extLst>
+  </p:cSld>
+  <p:clrMapOvr>
+    <a:masterClrMapping/>
+  </p:clrMapOvr>
+</p:notes>
+</file>
+
+<file path=ppt/notesSlides/notesSlide5.xml><?xml version="1.0" encoding="utf-8"?>
+<p:notes xmlns:a="http://schemas.openxmlformats.org/drawingml/2006/main" xmlns:r="http://schemas.openxmlformats.org/officeDocument/2006/relationships" xmlns:p="http://schemas.openxmlformats.org/presentationml/2006/main">
+  <p:cSld>
+    <p:spTree>
+      <p:nvGrpSpPr>
+        <p:cNvPr id="1" name=""/>
+        <p:cNvGrpSpPr/>
+        <p:nvPr/>
+      </p:nvGrpSpPr>
+      <p:grpSpPr>
+        <a:xfrm>
+          <a:off x="0" y="0"/>
+          <a:ext cx="0" cy="0"/>
+          <a:chOff x="0" y="0"/>
+          <a:chExt cx="0" cy="0"/>
+        </a:xfrm>
+      </p:grpSpPr>
+      <p:sp>
+        <p:nvSpPr>
+          <p:cNvPr id="2" name="Slide Image Placeholder 1"/>
+          <p:cNvSpPr>
+            <a:spLocks noGrp="1" noRot="1" noChangeAspect="1"/>
+          </p:cNvSpPr>
+          <p:nvPr>
+            <p:ph type="sldImg"/>
+          </p:nvPr>
+        </p:nvSpPr>
+        <p:spPr/>
+      </p:sp>
+      <p:sp>
+        <p:nvSpPr>
+          <p:cNvPr id="3" name="Notes Placeholder 2"/>
+          <p:cNvSpPr>
+            <a:spLocks noGrp="1"/>
+          </p:cNvSpPr>
+          <p:nvPr>
+            <p:ph type="body" idx="1"/>
+          </p:nvPr>
+        </p:nvSpPr>
+        <p:spPr/>
+        <p:txBody>
+          <a:bodyPr/>
+          <a:lstStyle/>
+          <a:p>
+            <a:pPr marL="0" marR="0" lvl="0" indent="0" algn="l" defTabSz="914400" rtl="0" eaLnBrk="1" fontAlgn="auto" latinLnBrk="0" hangingPunct="1">
+              <a:lnSpc>
+                <a:spcPct val="100000"/>
+              </a:lnSpc>
+              <a:spcBef>
+                <a:spcPts val="0"/>
+              </a:spcBef>
+              <a:spcAft>
+                <a:spcPts val="0"/>
+              </a:spcAft>
+              <a:buClrTx/>
+              <a:buSzTx/>
+              <a:buFontTx/>
+              <a:buNone/>
+              <a:tabLst/>
+              <a:defRPr/>
+            </a:pPr>
+            <a:r>
+              <a:rPr lang="en-US" dirty="0"/>
+              <a:t>Questions 1,3,4,5,6 and 7 should be fully addressed</a:t>
+            </a:r>
+          </a:p>
+          <a:p>
+            <a:pPr marL="0" marR="0" lvl="0" indent="0" algn="l" defTabSz="914400" rtl="0" eaLnBrk="1" fontAlgn="auto" latinLnBrk="0" hangingPunct="1">
+              <a:lnSpc>
+                <a:spcPct val="100000"/>
+              </a:lnSpc>
+              <a:spcBef>
+                <a:spcPts val="0"/>
+              </a:spcBef>
+              <a:spcAft>
+                <a:spcPts val="0"/>
+              </a:spcAft>
+              <a:buClrTx/>
+              <a:buSzTx/>
+              <a:buFontTx/>
+              <a:buNone/>
+              <a:tabLst/>
+              <a:defRPr/>
+            </a:pPr>
+            <a:r>
+              <a:rPr lang="en-US" sz="1800" dirty="0">
+                <a:effectLst/>
+                <a:latin typeface="Arial" panose="020B0604020202020204" pitchFamily="34" charset="0"/>
+                <a:ea typeface="Times New Roman" panose="02020603050405020304" pitchFamily="18" charset="0"/>
+                <a:cs typeface="Times New Roman" panose="02020603050405020304" pitchFamily="18" charset="0"/>
+              </a:rPr>
+              <a:t>6.</a:t>
+            </a:r>
+            <a:r>
+              <a:rPr lang="en-US" sz="1800" dirty="0">
+                <a:effectLst/>
+                <a:latin typeface="Times New Roman" panose="02020603050405020304" pitchFamily="18" charset="0"/>
+                <a:ea typeface="Times New Roman" panose="02020603050405020304" pitchFamily="18" charset="0"/>
+                <a:cs typeface="Times New Roman" panose="02020603050405020304" pitchFamily="18" charset="0"/>
+              </a:rPr>
+              <a:t>   </a:t>
+            </a:r>
+            <a:r>
+              <a:rPr lang="en-US" sz="1800" dirty="0">
+                <a:effectLst/>
+                <a:latin typeface="Arial" panose="020B0604020202020204" pitchFamily="34" charset="0"/>
+                <a:ea typeface="Times New Roman" panose="02020603050405020304" pitchFamily="18" charset="0"/>
+                <a:cs typeface="Times New Roman" panose="02020603050405020304" pitchFamily="18" charset="0"/>
+              </a:rPr>
+              <a:t>Comment on the summary statistics and distribution of the ABV variable.</a:t>
+            </a:r>
+            <a:endParaRPr lang="en-US" sz="1800" dirty="0">
+              <a:effectLst/>
+              <a:latin typeface="Calibri" panose="020F0502020204030204" pitchFamily="34" charset="0"/>
+              <a:ea typeface="Calibri" panose="020F0502020204030204" pitchFamily="34" charset="0"/>
+              <a:cs typeface="Times New Roman" panose="02020603050405020304" pitchFamily="18" charset="0"/>
+            </a:endParaRPr>
+          </a:p>
+          <a:p>
+            <a:endParaRPr lang="en-US" dirty="0"/>
+          </a:p>
+        </p:txBody>
+      </p:sp>
+      <p:sp>
+        <p:nvSpPr>
+          <p:cNvPr id="4" name="Slide Number Placeholder 3"/>
+          <p:cNvSpPr>
+            <a:spLocks noGrp="1"/>
+          </p:cNvSpPr>
+          <p:nvPr>
+            <p:ph type="sldNum" sz="quarter" idx="5"/>
+          </p:nvPr>
+        </p:nvSpPr>
+        <p:spPr/>
+        <p:txBody>
+          <a:bodyPr/>
+          <a:lstStyle/>
+          <a:p>
+            <a:fld id="{EF29598C-82BF-4B89-9B0C-D2C664D03DF6}" type="slidenum">
+              <a:rPr lang="en-US" smtClean="0"/>
+              <a:t>7</a:t>
+            </a:fld>
+            <a:endParaRPr lang="en-US"/>
+          </a:p>
+        </p:txBody>
+      </p:sp>
+    </p:spTree>
+    <p:extLst>
+      <p:ext uri="{BB962C8B-B14F-4D97-AF65-F5344CB8AC3E}">
+        <p14:creationId xmlns:p14="http://schemas.microsoft.com/office/powerpoint/2010/main" val="3761009469"/>
+      </p:ext>
+    </p:extLst>
+  </p:cSld>
+  <p:clrMapOvr>
+    <a:masterClrMapping/>
+  </p:clrMapOvr>
+</p:notes>
+</file>
+
+<file path=ppt/notesSlides/notesSlide6.xml><?xml version="1.0" encoding="utf-8"?>
+<p:notes xmlns:a="http://schemas.openxmlformats.org/drawingml/2006/main" xmlns:r="http://schemas.openxmlformats.org/officeDocument/2006/relationships" xmlns:p="http://schemas.openxmlformats.org/presentationml/2006/main">
+  <p:cSld>
+    <p:spTree>
+      <p:nvGrpSpPr>
+        <p:cNvPr id="1" name=""/>
+        <p:cNvGrpSpPr/>
+        <p:nvPr/>
+      </p:nvGrpSpPr>
+      <p:grpSpPr>
+        <a:xfrm>
+          <a:off x="0" y="0"/>
+          <a:ext cx="0" cy="0"/>
+          <a:chOff x="0" y="0"/>
+          <a:chExt cx="0" cy="0"/>
+        </a:xfrm>
+      </p:grpSpPr>
+      <p:sp>
+        <p:nvSpPr>
+          <p:cNvPr id="2" name="Slide Image Placeholder 1"/>
+          <p:cNvSpPr>
+            <a:spLocks noGrp="1" noRot="1" noChangeAspect="1"/>
+          </p:cNvSpPr>
+          <p:nvPr>
+            <p:ph type="sldImg"/>
+          </p:nvPr>
+        </p:nvSpPr>
+        <p:spPr/>
+      </p:sp>
+      <p:sp>
+        <p:nvSpPr>
+          <p:cNvPr id="3" name="Notes Placeholder 2"/>
+          <p:cNvSpPr>
+            <a:spLocks noGrp="1"/>
+          </p:cNvSpPr>
+          <p:nvPr>
+            <p:ph type="body" idx="1"/>
+          </p:nvPr>
+        </p:nvSpPr>
+        <p:spPr/>
+        <p:txBody>
+          <a:bodyPr/>
+          <a:lstStyle/>
+          <a:p>
+            <a:pPr marL="0" marR="0" lvl="0" indent="0" algn="l" defTabSz="914400" rtl="0" eaLnBrk="1" fontAlgn="auto" latinLnBrk="0" hangingPunct="1">
+              <a:lnSpc>
+                <a:spcPct val="100000"/>
+              </a:lnSpc>
+              <a:spcBef>
+                <a:spcPts val="0"/>
+              </a:spcBef>
+              <a:spcAft>
+                <a:spcPts val="0"/>
+              </a:spcAft>
+              <a:buClrTx/>
+              <a:buSzTx/>
+              <a:buFontTx/>
+              <a:buNone/>
+              <a:tabLst/>
+              <a:defRPr/>
+            </a:pPr>
+            <a:r>
+              <a:rPr lang="en-US" sz="1800" dirty="0">
+                <a:effectLst/>
+                <a:latin typeface="Arial" panose="020B0604020202020204" pitchFamily="34" charset="0"/>
+                <a:ea typeface="Times New Roman" panose="02020603050405020304" pitchFamily="18" charset="0"/>
+                <a:cs typeface="Times New Roman" panose="02020603050405020304" pitchFamily="18" charset="0"/>
+              </a:rPr>
+              <a:t>7.</a:t>
+            </a:r>
+            <a:r>
+              <a:rPr lang="en-US" sz="1800" dirty="0">
+                <a:effectLst/>
+                <a:latin typeface="Times New Roman" panose="02020603050405020304" pitchFamily="18" charset="0"/>
+                <a:ea typeface="Times New Roman" panose="02020603050405020304" pitchFamily="18" charset="0"/>
+                <a:cs typeface="Times New Roman" panose="02020603050405020304" pitchFamily="18" charset="0"/>
+              </a:rPr>
+              <a:t>   </a:t>
+            </a:r>
+            <a:r>
+              <a:rPr lang="en-US" sz="1800" dirty="0">
+                <a:effectLst/>
+                <a:latin typeface="Arial" panose="020B0604020202020204" pitchFamily="34" charset="0"/>
+                <a:ea typeface="Times New Roman" panose="02020603050405020304" pitchFamily="18" charset="0"/>
+                <a:cs typeface="Times New Roman" panose="02020603050405020304" pitchFamily="18" charset="0"/>
+              </a:rPr>
+              <a:t>Is there an apparent relationship between the bitterness of the beer and its alcoholic content? Draw a scatter plot.  </a:t>
+            </a:r>
+            <a:r>
+              <a:rPr lang="en-US" sz="1800" dirty="0">
+                <a:effectLst/>
+                <a:latin typeface="Arial" panose="020B0604020202020204" pitchFamily="34" charset="0"/>
+                <a:ea typeface="Calibri" panose="020F0502020204030204" pitchFamily="34" charset="0"/>
+                <a:cs typeface="Times New Roman" panose="02020603050405020304" pitchFamily="18" charset="0"/>
+              </a:rPr>
+              <a:t>Make your best judgment of a relationship and EXPLAIN your answer.</a:t>
+            </a:r>
+            <a:endParaRPr lang="en-US" sz="1800" dirty="0">
+              <a:effectLst/>
+              <a:latin typeface="Calibri" panose="020F0502020204030204" pitchFamily="34" charset="0"/>
+              <a:ea typeface="Calibri" panose="020F0502020204030204" pitchFamily="34" charset="0"/>
+              <a:cs typeface="Times New Roman" panose="02020603050405020304" pitchFamily="18" charset="0"/>
+            </a:endParaRPr>
+          </a:p>
+          <a:p>
+            <a:pPr marL="0" marR="0" lvl="0" indent="0" algn="l" defTabSz="914400" rtl="0" eaLnBrk="1" fontAlgn="auto" latinLnBrk="0" hangingPunct="1">
+              <a:lnSpc>
+                <a:spcPct val="100000"/>
+              </a:lnSpc>
+              <a:spcBef>
+                <a:spcPts val="0"/>
+              </a:spcBef>
+              <a:spcAft>
+                <a:spcPts val="0"/>
+              </a:spcAft>
+              <a:buClrTx/>
+              <a:buSzTx/>
+              <a:buFontTx/>
+              <a:buNone/>
+              <a:tabLst/>
+              <a:defRPr/>
+            </a:pPr>
+            <a:endParaRPr lang="en-US" sz="1800" dirty="0">
+              <a:effectLst/>
+              <a:latin typeface="Calibri" panose="020F0502020204030204" pitchFamily="34" charset="0"/>
+              <a:ea typeface="Calibri" panose="020F0502020204030204" pitchFamily="34" charset="0"/>
+              <a:cs typeface="Times New Roman" panose="02020603050405020304" pitchFamily="18" charset="0"/>
+            </a:endParaRPr>
+          </a:p>
+          <a:p>
+            <a:endParaRPr lang="en-US" dirty="0"/>
+          </a:p>
+        </p:txBody>
+      </p:sp>
+      <p:sp>
+        <p:nvSpPr>
+          <p:cNvPr id="4" name="Slide Number Placeholder 3"/>
+          <p:cNvSpPr>
+            <a:spLocks noGrp="1"/>
+          </p:cNvSpPr>
+          <p:nvPr>
+            <p:ph type="sldNum" sz="quarter" idx="5"/>
+          </p:nvPr>
+        </p:nvSpPr>
+        <p:spPr/>
+        <p:txBody>
+          <a:bodyPr/>
+          <a:lstStyle/>
+          <a:p>
+            <a:fld id="{EF29598C-82BF-4B89-9B0C-D2C664D03DF6}" type="slidenum">
+              <a:rPr lang="en-US" smtClean="0"/>
+              <a:t>8</a:t>
+            </a:fld>
+            <a:endParaRPr lang="en-US"/>
+          </a:p>
+        </p:txBody>
+      </p:sp>
+    </p:spTree>
+    <p:extLst>
+      <p:ext uri="{BB962C8B-B14F-4D97-AF65-F5344CB8AC3E}">
+        <p14:creationId xmlns:p14="http://schemas.microsoft.com/office/powerpoint/2010/main" val="2524306307"/>
+      </p:ext>
+    </p:extLst>
+  </p:cSld>
+  <p:clrMapOvr>
+    <a:masterClrMapping/>
+  </p:clrMapOvr>
+</p:notes>
 </file>
 
 <file path=ppt/slideLayouts/slideLayout1.xml><?xml version="1.0" encoding="utf-8"?>
@@ -255,7 +1491,7 @@
           <a:p>
             <a:fld id="{BCA1455B-9EF9-4F4B-83B7-0488328AF603}" type="datetimeFigureOut">
               <a:rPr lang="en-US" smtClean="0"/>
-              <a:t>10/8/2021</a:t>
+              <a:t>10/10/2021</a:t>
             </a:fld>
             <a:endParaRPr lang="en-US"/>
           </a:p>
@@ -453,7 +1689,7 @@
           <a:p>
             <a:fld id="{BCA1455B-9EF9-4F4B-83B7-0488328AF603}" type="datetimeFigureOut">
               <a:rPr lang="en-US" smtClean="0"/>
-              <a:t>10/8/2021</a:t>
+              <a:t>10/10/2021</a:t>
             </a:fld>
             <a:endParaRPr lang="en-US"/>
           </a:p>
@@ -661,7 +1897,7 @@
           <a:p>
             <a:fld id="{BCA1455B-9EF9-4F4B-83B7-0488328AF603}" type="datetimeFigureOut">
               <a:rPr lang="en-US" smtClean="0"/>
-              <a:t>10/8/2021</a:t>
+              <a:t>10/10/2021</a:t>
             </a:fld>
             <a:endParaRPr lang="en-US"/>
           </a:p>
@@ -859,7 +2095,7 @@
           <a:p>
             <a:fld id="{BCA1455B-9EF9-4F4B-83B7-0488328AF603}" type="datetimeFigureOut">
               <a:rPr lang="en-US" smtClean="0"/>
-              <a:t>10/8/2021</a:t>
+              <a:t>10/10/2021</a:t>
             </a:fld>
             <a:endParaRPr lang="en-US"/>
           </a:p>
@@ -1134,7 +2370,7 @@
           <a:p>
             <a:fld id="{BCA1455B-9EF9-4F4B-83B7-0488328AF603}" type="datetimeFigureOut">
               <a:rPr lang="en-US" smtClean="0"/>
-              <a:t>10/8/2021</a:t>
+              <a:t>10/10/2021</a:t>
             </a:fld>
             <a:endParaRPr lang="en-US"/>
           </a:p>
@@ -1399,7 +2635,7 @@
           <a:p>
             <a:fld id="{BCA1455B-9EF9-4F4B-83B7-0488328AF603}" type="datetimeFigureOut">
               <a:rPr lang="en-US" smtClean="0"/>
-              <a:t>10/8/2021</a:t>
+              <a:t>10/10/2021</a:t>
             </a:fld>
             <a:endParaRPr lang="en-US"/>
           </a:p>
@@ -1811,7 +3047,7 @@
           <a:p>
             <a:fld id="{BCA1455B-9EF9-4F4B-83B7-0488328AF603}" type="datetimeFigureOut">
               <a:rPr lang="en-US" smtClean="0"/>
-              <a:t>10/8/2021</a:t>
+              <a:t>10/10/2021</a:t>
             </a:fld>
             <a:endParaRPr lang="en-US"/>
           </a:p>
@@ -1952,7 +3188,7 @@
           <a:p>
             <a:fld id="{BCA1455B-9EF9-4F4B-83B7-0488328AF603}" type="datetimeFigureOut">
               <a:rPr lang="en-US" smtClean="0"/>
-              <a:t>10/8/2021</a:t>
+              <a:t>10/10/2021</a:t>
             </a:fld>
             <a:endParaRPr lang="en-US"/>
           </a:p>
@@ -2065,7 +3301,7 @@
           <a:p>
             <a:fld id="{BCA1455B-9EF9-4F4B-83B7-0488328AF603}" type="datetimeFigureOut">
               <a:rPr lang="en-US" smtClean="0"/>
-              <a:t>10/8/2021</a:t>
+              <a:t>10/10/2021</a:t>
             </a:fld>
             <a:endParaRPr lang="en-US"/>
           </a:p>
@@ -2376,7 +3612,7 @@
           <a:p>
             <a:fld id="{BCA1455B-9EF9-4F4B-83B7-0488328AF603}" type="datetimeFigureOut">
               <a:rPr lang="en-US" smtClean="0"/>
-              <a:t>10/8/2021</a:t>
+              <a:t>10/10/2021</a:t>
             </a:fld>
             <a:endParaRPr lang="en-US"/>
           </a:p>
@@ -2664,7 +3900,7 @@
           <a:p>
             <a:fld id="{BCA1455B-9EF9-4F4B-83B7-0488328AF603}" type="datetimeFigureOut">
               <a:rPr lang="en-US" smtClean="0"/>
-              <a:t>10/8/2021</a:t>
+              <a:t>10/10/2021</a:t>
             </a:fld>
             <a:endParaRPr lang="en-US"/>
           </a:p>
@@ -2905,7 +4141,7 @@
           <a:p>
             <a:fld id="{BCA1455B-9EF9-4F4B-83B7-0488328AF603}" type="datetimeFigureOut">
               <a:rPr lang="en-US" smtClean="0"/>
-              <a:t>10/8/2021</a:t>
+              <a:t>10/10/2021</a:t>
             </a:fld>
             <a:endParaRPr lang="en-US"/>
           </a:p>
@@ -3308,6 +4544,14 @@
 <file path=ppt/slides/slide1.xml><?xml version="1.0" encoding="utf-8"?>
 <p:sld xmlns:a="http://schemas.openxmlformats.org/drawingml/2006/main" xmlns:r="http://schemas.openxmlformats.org/officeDocument/2006/relationships" xmlns:p="http://schemas.openxmlformats.org/presentationml/2006/main">
   <p:cSld>
+    <p:bg>
+      <p:bgPr>
+        <a:solidFill>
+          <a:srgbClr val="000000"/>
+        </a:solidFill>
+        <a:effectLst/>
+      </p:bgPr>
+    </p:bg>
     <p:spTree>
       <p:nvGrpSpPr>
         <p:cNvPr id="1" name=""/>
@@ -3324,6 +4568,105 @@
       </p:grpSpPr>
       <p:sp>
         <p:nvSpPr>
+          <p:cNvPr id="10" name="Rectangle 9">
+            <a:extLst>
+              <a:ext uri="{FF2B5EF4-FFF2-40B4-BE49-F238E27FC236}">
+                <a16:creationId xmlns:a16="http://schemas.microsoft.com/office/drawing/2014/main" id="{71B2258F-86CA-4D4D-8270-BC05FCDEBFB3}"/>
+              </a:ext>
+              <a:ext uri="{C183D7F6-B498-43B3-948B-1728B52AA6E4}">
+                <adec:decorative xmlns:adec="http://schemas.microsoft.com/office/drawing/2017/decorative" val="1"/>
+              </a:ext>
+            </a:extLst>
+          </p:cNvPr>
+          <p:cNvSpPr>
+            <a:spLocks noGrp="1" noRot="1" noChangeAspect="1" noMove="1" noResize="1" noEditPoints="1" noAdjustHandles="1" noChangeArrowheads="1" noChangeShapeType="1" noTextEdit="1"/>
+          </p:cNvSpPr>
+          <p:nvPr>
+            <p:extLst>
+              <p:ext uri="{386F3935-93C4-4BCD-93E2-E3B085C9AB24}">
+                <p16:designElem xmlns:p16="http://schemas.microsoft.com/office/powerpoint/2015/main" val="1"/>
+              </p:ext>
+            </p:extLst>
+          </p:nvPr>
+        </p:nvSpPr>
+        <p:spPr>
+          <a:xfrm>
+            <a:off x="0" y="0"/>
+            <a:ext cx="12192000" cy="6857999"/>
+          </a:xfrm>
+          <a:prstGeom prst="rect">
+            <a:avLst/>
+          </a:prstGeom>
+          <a:solidFill>
+            <a:srgbClr val="000000"/>
+          </a:solidFill>
+          <a:ln>
+            <a:noFill/>
+          </a:ln>
+        </p:spPr>
+        <p:style>
+          <a:lnRef idx="2">
+            <a:schemeClr val="accent1">
+              <a:shade val="50000"/>
+            </a:schemeClr>
+          </a:lnRef>
+          <a:fillRef idx="1">
+            <a:schemeClr val="accent1"/>
+          </a:fillRef>
+          <a:effectRef idx="0">
+            <a:schemeClr val="accent1"/>
+          </a:effectRef>
+          <a:fontRef idx="minor">
+            <a:schemeClr val="lt1"/>
+          </a:fontRef>
+        </p:style>
+        <p:txBody>
+          <a:bodyPr rtlCol="0" anchor="ctr"/>
+          <a:lstStyle/>
+          <a:p>
+            <a:pPr algn="ctr"/>
+            <a:endParaRPr lang="en-US"/>
+          </a:p>
+        </p:txBody>
+      </p:sp>
+      <p:pic>
+        <p:nvPicPr>
+          <p:cNvPr id="5" name="Picture 4" descr="A picture containing bottle, indoor, vessel, alcohol&#10;&#10;Description automatically generated">
+            <a:extLst>
+              <a:ext uri="{FF2B5EF4-FFF2-40B4-BE49-F238E27FC236}">
+                <a16:creationId xmlns:a16="http://schemas.microsoft.com/office/drawing/2014/main" id="{0C51A0EC-16FA-4573-8B72-270909057A2B}"/>
+              </a:ext>
+            </a:extLst>
+          </p:cNvPr>
+          <p:cNvPicPr>
+            <a:picLocks noChangeAspect="1"/>
+          </p:cNvPicPr>
+          <p:nvPr/>
+        </p:nvPicPr>
+        <p:blipFill rotWithShape="1">
+          <a:blip r:embed="rId2">
+            <a:alphaModFix amt="50000"/>
+            <a:extLst>
+              <a:ext uri="{28A0092B-C50C-407E-A947-70E740481C1C}">
+                <a14:useLocalDpi xmlns:a14="http://schemas.microsoft.com/office/drawing/2010/main" val="0"/>
+              </a:ext>
+            </a:extLst>
+          </a:blip>
+          <a:srcRect t="23778" b="1222"/>
+          <a:stretch/>
+        </p:blipFill>
+        <p:spPr>
+          <a:xfrm>
+            <a:off x="20" y="1"/>
+            <a:ext cx="12191980" cy="6857999"/>
+          </a:xfrm>
+          <a:prstGeom prst="rect">
+            <a:avLst/>
+          </a:prstGeom>
+        </p:spPr>
+      </p:pic>
+      <p:sp>
+        <p:nvSpPr>
           <p:cNvPr id="2" name="Title 1">
             <a:extLst>
               <a:ext uri="{FF2B5EF4-FFF2-40B4-BE49-F238E27FC236}">
@@ -3338,12 +4681,26 @@
             <p:ph type="ctrTitle"/>
           </p:nvPr>
         </p:nvSpPr>
-        <p:spPr/>
-        <p:txBody>
-          <a:bodyPr/>
-          <a:lstStyle/>
-          <a:p>
-            <a:endParaRPr lang="en-US" dirty="0"/>
+        <p:spPr>
+          <a:xfrm>
+            <a:off x="1524000" y="1122362"/>
+            <a:ext cx="9144000" cy="2900518"/>
+          </a:xfrm>
+        </p:spPr>
+        <p:txBody>
+          <a:bodyPr>
+            <a:normAutofit/>
+          </a:bodyPr>
+          <a:lstStyle/>
+          <a:p>
+            <a:r>
+              <a:rPr lang="en-US" dirty="0">
+                <a:solidFill>
+                  <a:srgbClr val="FFFFFF"/>
+                </a:solidFill>
+              </a:rPr>
+              <a:t>Unit 8 Presentation</a:t>
+            </a:r>
           </a:p>
         </p:txBody>
       </p:sp>
@@ -3363,12 +4720,46 @@
             <p:ph type="subTitle" idx="1"/>
           </p:nvPr>
         </p:nvSpPr>
-        <p:spPr/>
-        <p:txBody>
-          <a:bodyPr/>
-          <a:lstStyle/>
-          <a:p>
-            <a:endParaRPr lang="en-US"/>
+        <p:spPr>
+          <a:xfrm>
+            <a:off x="1524000" y="4159404"/>
+            <a:ext cx="9144000" cy="1293745"/>
+          </a:xfrm>
+        </p:spPr>
+        <p:txBody>
+          <a:bodyPr>
+            <a:normAutofit lnSpcReduction="10000"/>
+          </a:bodyPr>
+          <a:lstStyle/>
+          <a:p>
+            <a:r>
+              <a:rPr lang="en-US" dirty="0">
+                <a:solidFill>
+                  <a:srgbClr val="FFFFFF"/>
+                </a:solidFill>
+              </a:rPr>
+              <a:t>Josh Mitchell</a:t>
+            </a:r>
+          </a:p>
+          <a:p>
+            <a:r>
+              <a:rPr lang="en-US" dirty="0">
+                <a:solidFill>
+                  <a:srgbClr val="FFFFFF"/>
+                </a:solidFill>
+              </a:rPr>
+              <a:t>&amp;</a:t>
+            </a:r>
+          </a:p>
+          <a:p>
+            <a:r>
+              <a:rPr lang="en-US" dirty="0">
+                <a:solidFill>
+                  <a:srgbClr val="FFFFFF"/>
+                </a:solidFill>
+              </a:rPr>
+              <a:t>Erin McClure-Price</a:t>
+            </a:r>
           </a:p>
         </p:txBody>
       </p:sp>
@@ -3380,7 +4771,7 @@
     </p:extLst>
   </p:cSld>
   <p:clrMapOvr>
-    <a:masterClrMapping/>
+    <a:overrideClrMapping bg1="dk1" tx1="lt1" bg2="dk2" tx2="lt2" accent1="accent1" accent2="accent2" accent3="accent3" accent4="accent4" accent5="accent5" accent6="accent6" hlink="hlink" folHlink="folHlink"/>
   </p:clrMapOvr>
 </p:sld>
 </file>
@@ -3423,16 +4814,19 @@
           <a:bodyPr/>
           <a:lstStyle/>
           <a:p>
-            <a:endParaRPr lang="en-US"/>
-          </a:p>
-        </p:txBody>
-      </p:sp>
-      <p:sp>
-        <p:nvSpPr>
-          <p:cNvPr id="3" name="Content Placeholder 2">
-            <a:extLst>
-              <a:ext uri="{FF2B5EF4-FFF2-40B4-BE49-F238E27FC236}">
-                <a16:creationId xmlns:a16="http://schemas.microsoft.com/office/drawing/2014/main" id="{A84E38BD-45DC-43DF-B999-CFAAB41CD4EF}"/>
+            <a:r>
+              <a:rPr lang="en-US" dirty="0"/>
+              <a:t>General Overview</a:t>
+            </a:r>
+          </a:p>
+        </p:txBody>
+      </p:sp>
+      <p:sp>
+        <p:nvSpPr>
+          <p:cNvPr id="7" name="Content Placeholder 6">
+            <a:extLst>
+              <a:ext uri="{FF2B5EF4-FFF2-40B4-BE49-F238E27FC236}">
+                <a16:creationId xmlns:a16="http://schemas.microsoft.com/office/drawing/2014/main" id="{95E0B7B5-30EE-4C6A-A4F1-65C3CF56F555}"/>
               </a:ext>
             </a:extLst>
           </p:cNvPr>
@@ -3448,7 +4842,37 @@
           <a:bodyPr/>
           <a:lstStyle/>
           <a:p>
-            <a:endParaRPr lang="en-US"/>
+            <a:r>
+              <a:rPr lang="en-US" dirty="0"/>
+              <a:t>Colorado has more breweries than any other state (47)</a:t>
+            </a:r>
+          </a:p>
+          <a:p>
+            <a:r>
+              <a:rPr lang="en-US" dirty="0"/>
+              <a:t>A simply scatterplot of IBU vs ABV showed positive correlation, inferring that alcohol increases as bitterness increases (or vice versa)</a:t>
+            </a:r>
+          </a:p>
+          <a:p>
+            <a:r>
+              <a:rPr lang="en-US" dirty="0"/>
+              <a:t>IPA style beers were higher in both IBU and ABV (THIS IS A GUESS)</a:t>
+            </a:r>
+          </a:p>
+          <a:p>
+            <a:r>
+              <a:rPr lang="en-US" dirty="0"/>
+              <a:t>Median IBU content were significantly lower in a handful of states</a:t>
+            </a:r>
+          </a:p>
+          <a:p>
+            <a:r>
+              <a:rPr lang="en-US" dirty="0"/>
+              <a:t>ABV content did not vary greatly, with exceptions occurring for significantly lower ABV content in both Arkansas and Utah</a:t>
+            </a:r>
+          </a:p>
+          <a:p>
+            <a:endParaRPr lang="en-US" dirty="0"/>
           </a:p>
         </p:txBody>
       </p:sp>
@@ -3456,6 +4880,1376 @@
     <p:extLst>
       <p:ext uri="{BB962C8B-B14F-4D97-AF65-F5344CB8AC3E}">
         <p14:creationId xmlns:p14="http://schemas.microsoft.com/office/powerpoint/2010/main" val="1662655069"/>
+      </p:ext>
+    </p:extLst>
+  </p:cSld>
+  <p:clrMapOvr>
+    <a:masterClrMapping/>
+  </p:clrMapOvr>
+</p:sld>
+</file>
+
+<file path=ppt/slides/slide3.xml><?xml version="1.0" encoding="utf-8"?>
+<p:sld xmlns:a="http://schemas.openxmlformats.org/drawingml/2006/main" xmlns:r="http://schemas.openxmlformats.org/officeDocument/2006/relationships" xmlns:p="http://schemas.openxmlformats.org/presentationml/2006/main">
+  <p:cSld>
+    <p:bg>
+      <p:bgPr>
+        <a:solidFill>
+          <a:schemeClr val="bg1"/>
+        </a:solidFill>
+        <a:effectLst/>
+      </p:bgPr>
+    </p:bg>
+    <p:spTree>
+      <p:nvGrpSpPr>
+        <p:cNvPr id="1" name=""/>
+        <p:cNvGrpSpPr/>
+        <p:nvPr/>
+      </p:nvGrpSpPr>
+      <p:grpSpPr>
+        <a:xfrm>
+          <a:off x="0" y="0"/>
+          <a:ext cx="0" cy="0"/>
+          <a:chOff x="0" y="0"/>
+          <a:chExt cx="0" cy="0"/>
+        </a:xfrm>
+      </p:grpSpPr>
+      <p:pic>
+        <p:nvPicPr>
+          <p:cNvPr id="5" name="Picture 4" descr="A picture containing bottle, indoor, vessel, alcohol&#10;&#10;Description automatically generated">
+            <a:extLst>
+              <a:ext uri="{FF2B5EF4-FFF2-40B4-BE49-F238E27FC236}">
+                <a16:creationId xmlns:a16="http://schemas.microsoft.com/office/drawing/2014/main" id="{83F12BAD-A8B9-4B69-8B4E-7F69AFE6353C}"/>
+              </a:ext>
+            </a:extLst>
+          </p:cNvPr>
+          <p:cNvPicPr>
+            <a:picLocks noChangeAspect="1"/>
+          </p:cNvPicPr>
+          <p:nvPr/>
+        </p:nvPicPr>
+        <p:blipFill rotWithShape="1">
+          <a:blip r:embed="rId3">
+            <a:extLst>
+              <a:ext uri="{28A0092B-C50C-407E-A947-70E740481C1C}">
+                <a14:useLocalDpi xmlns:a14="http://schemas.microsoft.com/office/drawing/2010/main" val="0"/>
+              </a:ext>
+            </a:extLst>
+          </a:blip>
+          <a:srcRect t="23778" b="1222"/>
+          <a:stretch/>
+        </p:blipFill>
+        <p:spPr>
+          <a:xfrm>
+            <a:off x="20" y="1"/>
+            <a:ext cx="12191980" cy="6857999"/>
+          </a:xfrm>
+          <a:prstGeom prst="rect">
+            <a:avLst/>
+          </a:prstGeom>
+        </p:spPr>
+      </p:pic>
+      <p:sp>
+        <p:nvSpPr>
+          <p:cNvPr id="10" name="Freeform 5">
+            <a:extLst>
+              <a:ext uri="{FF2B5EF4-FFF2-40B4-BE49-F238E27FC236}">
+                <a16:creationId xmlns:a16="http://schemas.microsoft.com/office/drawing/2014/main" id="{3CD9DF72-87A3-404E-A828-84CBF11A8303}"/>
+              </a:ext>
+              <a:ext uri="{C183D7F6-B498-43B3-948B-1728B52AA6E4}">
+                <adec:decorative xmlns:adec="http://schemas.microsoft.com/office/drawing/2017/decorative" val="1"/>
+              </a:ext>
+            </a:extLst>
+          </p:cNvPr>
+          <p:cNvSpPr>
+            <a:spLocks noGrp="1" noRot="1" noChangeAspect="1" noMove="1" noResize="1" noEditPoints="1" noAdjustHandles="1" noChangeArrowheads="1" noChangeShapeType="1" noTextEdit="1"/>
+          </p:cNvSpPr>
+          <p:nvPr>
+            <p:extLst>
+              <p:ext uri="{386F3935-93C4-4BCD-93E2-E3B085C9AB24}">
+                <p16:designElem xmlns:p16="http://schemas.microsoft.com/office/powerpoint/2015/main" val="1"/>
+              </p:ext>
+            </p:extLst>
+          </p:nvPr>
+        </p:nvSpPr>
+        <p:spPr bwMode="grayWhite">
+          <a:xfrm flipH="1">
+            <a:off x="0" y="998175"/>
+            <a:ext cx="6017172" cy="5859825"/>
+          </a:xfrm>
+          <a:custGeom>
+            <a:avLst/>
+            <a:gdLst>
+              <a:gd name="T0" fmla="*/ 1333 w 1333"/>
+              <a:gd name="T1" fmla="*/ 1031 h 1298"/>
+              <a:gd name="T2" fmla="*/ 1333 w 1333"/>
+              <a:gd name="T3" fmla="*/ 380 h 1298"/>
+              <a:gd name="T4" fmla="*/ 706 w 1333"/>
+              <a:gd name="T5" fmla="*/ 0 h 1298"/>
+              <a:gd name="T6" fmla="*/ 0 w 1333"/>
+              <a:gd name="T7" fmla="*/ 706 h 1298"/>
+              <a:gd name="T8" fmla="*/ 323 w 1333"/>
+              <a:gd name="T9" fmla="*/ 1298 h 1298"/>
+              <a:gd name="T10" fmla="*/ 1090 w 1333"/>
+              <a:gd name="T11" fmla="*/ 1298 h 1298"/>
+              <a:gd name="T12" fmla="*/ 1333 w 1333"/>
+              <a:gd name="T13" fmla="*/ 1031 h 1298"/>
+            </a:gdLst>
+            <a:ahLst/>
+            <a:cxnLst>
+              <a:cxn ang="0">
+                <a:pos x="T0" y="T1"/>
+              </a:cxn>
+              <a:cxn ang="0">
+                <a:pos x="T2" y="T3"/>
+              </a:cxn>
+              <a:cxn ang="0">
+                <a:pos x="T4" y="T5"/>
+              </a:cxn>
+              <a:cxn ang="0">
+                <a:pos x="T6" y="T7"/>
+              </a:cxn>
+              <a:cxn ang="0">
+                <a:pos x="T8" y="T9"/>
+              </a:cxn>
+              <a:cxn ang="0">
+                <a:pos x="T10" y="T11"/>
+              </a:cxn>
+              <a:cxn ang="0">
+                <a:pos x="T12" y="T13"/>
+              </a:cxn>
+            </a:cxnLst>
+            <a:rect l="0" t="0" r="r" b="b"/>
+            <a:pathLst>
+              <a:path w="1333" h="1298">
+                <a:moveTo>
+                  <a:pt x="1333" y="1031"/>
+                </a:moveTo>
+                <a:cubicBezTo>
+                  <a:pt x="1333" y="380"/>
+                  <a:pt x="1333" y="380"/>
+                  <a:pt x="1333" y="380"/>
+                </a:cubicBezTo>
+                <a:cubicBezTo>
+                  <a:pt x="1215" y="154"/>
+                  <a:pt x="979" y="0"/>
+                  <a:pt x="706" y="0"/>
+                </a:cubicBezTo>
+                <a:cubicBezTo>
+                  <a:pt x="317" y="0"/>
+                  <a:pt x="0" y="316"/>
+                  <a:pt x="0" y="706"/>
+                </a:cubicBezTo>
+                <a:cubicBezTo>
+                  <a:pt x="0" y="954"/>
+                  <a:pt x="129" y="1172"/>
+                  <a:pt x="323" y="1298"/>
+                </a:cubicBezTo>
+                <a:cubicBezTo>
+                  <a:pt x="1090" y="1298"/>
+                  <a:pt x="1090" y="1298"/>
+                  <a:pt x="1090" y="1298"/>
+                </a:cubicBezTo>
+                <a:cubicBezTo>
+                  <a:pt x="1193" y="1232"/>
+                  <a:pt x="1276" y="1140"/>
+                  <a:pt x="1333" y="1031"/>
+                </a:cubicBezTo>
+                <a:close/>
+              </a:path>
+            </a:pathLst>
+          </a:custGeom>
+          <a:solidFill>
+            <a:schemeClr val="bg1">
+              <a:alpha val="75000"/>
+            </a:schemeClr>
+          </a:solidFill>
+          <a:ln w="50800" cap="sq" cmpd="dbl">
+            <a:noFill/>
+            <a:miter lim="800000"/>
+          </a:ln>
+          <a:effectLst/>
+        </p:spPr>
+        <p:txBody>
+          <a:bodyPr vert="horz" lIns="91440" tIns="45720" rIns="91440" bIns="45720" rtlCol="0" anchor="t">
+            <a:normAutofit/>
+          </a:bodyPr>
+          <a:lstStyle/>
+          <a:p>
+            <a:pPr algn="ctr">
+              <a:spcAft>
+                <a:spcPts val="1000"/>
+              </a:spcAft>
+              <a:buClr>
+                <a:schemeClr val="tx1"/>
+              </a:buClr>
+              <a:buSzPct val="100000"/>
+              <a:buFont typeface="Arial"/>
+              <a:buNone/>
+            </a:pPr>
+            <a:endParaRPr lang="en-US" sz="1600" cap="all"/>
+          </a:p>
+        </p:txBody>
+      </p:sp>
+      <p:sp>
+        <p:nvSpPr>
+          <p:cNvPr id="2" name="Title 1">
+            <a:extLst>
+              <a:ext uri="{FF2B5EF4-FFF2-40B4-BE49-F238E27FC236}">
+                <a16:creationId xmlns:a16="http://schemas.microsoft.com/office/drawing/2014/main" id="{EE665024-2A01-4C13-9DEB-45CB4F47819F}"/>
+              </a:ext>
+            </a:extLst>
+          </p:cNvPr>
+          <p:cNvSpPr>
+            <a:spLocks noGrp="1"/>
+          </p:cNvSpPr>
+          <p:nvPr>
+            <p:ph type="title"/>
+          </p:nvPr>
+        </p:nvSpPr>
+        <p:spPr>
+          <a:xfrm>
+            <a:off x="709448" y="1913950"/>
+            <a:ext cx="4204137" cy="1342754"/>
+          </a:xfrm>
+        </p:spPr>
+        <p:txBody>
+          <a:bodyPr vert="horz" lIns="91440" tIns="45720" rIns="91440" bIns="45720" rtlCol="0" anchor="ctr">
+            <a:normAutofit/>
+          </a:bodyPr>
+          <a:lstStyle/>
+          <a:p>
+            <a:pPr algn="ctr"/>
+            <a:r>
+              <a:rPr lang="en-US" sz="3600" dirty="0"/>
+              <a:t>Breweries per State</a:t>
+            </a:r>
+          </a:p>
+        </p:txBody>
+      </p:sp>
+      <p:cxnSp>
+        <p:nvCxnSpPr>
+          <p:cNvPr id="12" name="Straight Connector 11">
+            <a:extLst>
+              <a:ext uri="{FF2B5EF4-FFF2-40B4-BE49-F238E27FC236}">
+                <a16:creationId xmlns:a16="http://schemas.microsoft.com/office/drawing/2014/main" id="{20E3A342-4D61-4E3F-AF90-1AB42AEB96CC}"/>
+              </a:ext>
+              <a:ext uri="{C183D7F6-B498-43B3-948B-1728B52AA6E4}">
+                <adec:decorative xmlns:adec="http://schemas.microsoft.com/office/drawing/2017/decorative" val="1"/>
+              </a:ext>
+            </a:extLst>
+          </p:cNvPr>
+          <p:cNvCxnSpPr>
+            <a:cxnSpLocks noGrp="1" noRot="1" noChangeAspect="1" noMove="1" noResize="1" noEditPoints="1" noAdjustHandles="1" noChangeArrowheads="1" noChangeShapeType="1"/>
+          </p:cNvCxnSpPr>
+          <p:nvPr>
+            <p:extLst>
+              <p:ext uri="{386F3935-93C4-4BCD-93E2-E3B085C9AB24}">
+                <p16:designElem xmlns:p16="http://schemas.microsoft.com/office/powerpoint/2015/main" val="1"/>
+              </p:ext>
+            </p:extLst>
+          </p:nvPr>
+        </p:nvCxnSpPr>
+        <p:spPr>
+          <a:xfrm>
+            <a:off x="2287051" y="3337139"/>
+            <a:ext cx="935420" cy="0"/>
+          </a:xfrm>
+          <a:prstGeom prst="line">
+            <a:avLst/>
+          </a:prstGeom>
+          <a:ln w="25400" cap="sq">
+            <a:solidFill>
+              <a:schemeClr val="tx1">
+                <a:lumMod val="85000"/>
+                <a:lumOff val="15000"/>
+              </a:schemeClr>
+            </a:solidFill>
+            <a:bevel/>
+          </a:ln>
+        </p:spPr>
+        <p:style>
+          <a:lnRef idx="1">
+            <a:schemeClr val="accent1"/>
+          </a:lnRef>
+          <a:fillRef idx="0">
+            <a:schemeClr val="accent1"/>
+          </a:fillRef>
+          <a:effectRef idx="0">
+            <a:schemeClr val="accent1"/>
+          </a:effectRef>
+          <a:fontRef idx="minor">
+            <a:schemeClr val="tx1"/>
+          </a:fontRef>
+        </p:style>
+      </p:cxnSp>
+      <p:sp>
+        <p:nvSpPr>
+          <p:cNvPr id="4" name="Text Placeholder 3">
+            <a:extLst>
+              <a:ext uri="{FF2B5EF4-FFF2-40B4-BE49-F238E27FC236}">
+                <a16:creationId xmlns:a16="http://schemas.microsoft.com/office/drawing/2014/main" id="{69CB9CD4-37F3-4A53-BE2A-B733F72E3AFB}"/>
+              </a:ext>
+            </a:extLst>
+          </p:cNvPr>
+          <p:cNvSpPr>
+            <a:spLocks noGrp="1"/>
+          </p:cNvSpPr>
+          <p:nvPr>
+            <p:ph type="body" sz="half" idx="2"/>
+          </p:nvPr>
+        </p:nvSpPr>
+        <p:spPr>
+          <a:xfrm>
+            <a:off x="525516" y="3417573"/>
+            <a:ext cx="4593021" cy="2619839"/>
+          </a:xfrm>
+        </p:spPr>
+        <p:txBody>
+          <a:bodyPr vert="horz" lIns="91440" tIns="45720" rIns="91440" bIns="45720" rtlCol="0" anchor="ctr">
+            <a:normAutofit/>
+          </a:bodyPr>
+          <a:lstStyle/>
+          <a:p>
+            <a:pPr indent="-228600">
+              <a:buFont typeface="Arial" panose="020B0604020202020204" pitchFamily="34" charset="0"/>
+              <a:buChar char="•"/>
+            </a:pPr>
+            <a:r>
+              <a:rPr lang="en-US" sz="1800" dirty="0"/>
+              <a:t>Need to make a map or table for this</a:t>
+            </a:r>
+          </a:p>
+        </p:txBody>
+      </p:sp>
+    </p:spTree>
+    <p:extLst>
+      <p:ext uri="{BB962C8B-B14F-4D97-AF65-F5344CB8AC3E}">
+        <p14:creationId xmlns:p14="http://schemas.microsoft.com/office/powerpoint/2010/main" val="1196438737"/>
+      </p:ext>
+    </p:extLst>
+  </p:cSld>
+  <p:clrMapOvr>
+    <a:masterClrMapping/>
+  </p:clrMapOvr>
+</p:sld>
+</file>
+
+<file path=ppt/slides/slide4.xml><?xml version="1.0" encoding="utf-8"?>
+<p:sld xmlns:a="http://schemas.openxmlformats.org/drawingml/2006/main" xmlns:r="http://schemas.openxmlformats.org/officeDocument/2006/relationships" xmlns:p="http://schemas.openxmlformats.org/presentationml/2006/main">
+  <p:cSld>
+    <p:bg>
+      <p:bgPr>
+        <a:solidFill>
+          <a:schemeClr val="bg1"/>
+        </a:solidFill>
+        <a:effectLst/>
+      </p:bgPr>
+    </p:bg>
+    <p:spTree>
+      <p:nvGrpSpPr>
+        <p:cNvPr id="1" name=""/>
+        <p:cNvGrpSpPr/>
+        <p:nvPr/>
+      </p:nvGrpSpPr>
+      <p:grpSpPr>
+        <a:xfrm>
+          <a:off x="0" y="0"/>
+          <a:ext cx="0" cy="0"/>
+          <a:chOff x="0" y="0"/>
+          <a:chExt cx="0" cy="0"/>
+        </a:xfrm>
+      </p:grpSpPr>
+      <p:sp>
+        <p:nvSpPr>
+          <p:cNvPr id="2" name="Title 1">
+            <a:extLst>
+              <a:ext uri="{FF2B5EF4-FFF2-40B4-BE49-F238E27FC236}">
+                <a16:creationId xmlns:a16="http://schemas.microsoft.com/office/drawing/2014/main" id="{9251A328-3F97-4FE5-A700-1F6B63C4AB72}"/>
+              </a:ext>
+            </a:extLst>
+          </p:cNvPr>
+          <p:cNvSpPr>
+            <a:spLocks noGrp="1"/>
+          </p:cNvSpPr>
+          <p:nvPr>
+            <p:ph type="title"/>
+          </p:nvPr>
+        </p:nvSpPr>
+        <p:spPr>
+          <a:xfrm>
+            <a:off x="655320" y="365125"/>
+            <a:ext cx="5120114" cy="1692794"/>
+          </a:xfrm>
+        </p:spPr>
+        <p:txBody>
+          <a:bodyPr vert="horz" lIns="91440" tIns="45720" rIns="91440" bIns="45720" rtlCol="0" anchor="ctr">
+            <a:normAutofit/>
+          </a:bodyPr>
+          <a:lstStyle/>
+          <a:p>
+            <a:endParaRPr lang="en-US" sz="4400"/>
+          </a:p>
+        </p:txBody>
+      </p:sp>
+      <p:cxnSp>
+        <p:nvCxnSpPr>
+          <p:cNvPr id="10" name="Straight Arrow Connector 9">
+            <a:extLst>
+              <a:ext uri="{FF2B5EF4-FFF2-40B4-BE49-F238E27FC236}">
+                <a16:creationId xmlns:a16="http://schemas.microsoft.com/office/drawing/2014/main" id="{E4A809D5-3600-46D4-A466-67F2349A54FB}"/>
+              </a:ext>
+              <a:ext uri="{C183D7F6-B498-43B3-948B-1728B52AA6E4}">
+                <adec:decorative xmlns:adec="http://schemas.microsoft.com/office/drawing/2017/decorative" val="1"/>
+              </a:ext>
+            </a:extLst>
+          </p:cNvPr>
+          <p:cNvCxnSpPr>
+            <a:cxnSpLocks noGrp="1" noRot="1" noChangeAspect="1" noMove="1" noResize="1" noEditPoints="1" noAdjustHandles="1" noChangeArrowheads="1" noChangeShapeType="1"/>
+          </p:cNvCxnSpPr>
+          <p:nvPr>
+            <p:extLst>
+              <p:ext uri="{386F3935-93C4-4BCD-93E2-E3B085C9AB24}">
+                <p16:designElem xmlns:p16="http://schemas.microsoft.com/office/powerpoint/2015/main" val="1"/>
+              </p:ext>
+            </p:extLst>
+          </p:nvPr>
+        </p:nvCxnSpPr>
+        <p:spPr>
+          <a:xfrm>
+            <a:off x="655320" y="2316480"/>
+            <a:ext cx="4572000" cy="0"/>
+          </a:xfrm>
+          <a:prstGeom prst="straightConnector1">
+            <a:avLst/>
+          </a:prstGeom>
+          <a:ln w="19050" cap="sq">
+            <a:solidFill>
+              <a:schemeClr val="tx1"/>
+            </a:solidFill>
+            <a:tailEnd type="none"/>
+          </a:ln>
+        </p:spPr>
+        <p:style>
+          <a:lnRef idx="1">
+            <a:schemeClr val="accent1"/>
+          </a:lnRef>
+          <a:fillRef idx="0">
+            <a:schemeClr val="accent1"/>
+          </a:fillRef>
+          <a:effectRef idx="0">
+            <a:schemeClr val="accent1"/>
+          </a:effectRef>
+          <a:fontRef idx="minor">
+            <a:schemeClr val="tx1"/>
+          </a:fontRef>
+        </p:style>
+      </p:cxnSp>
+      <p:sp>
+        <p:nvSpPr>
+          <p:cNvPr id="4" name="Text Placeholder 3">
+            <a:extLst>
+              <a:ext uri="{FF2B5EF4-FFF2-40B4-BE49-F238E27FC236}">
+                <a16:creationId xmlns:a16="http://schemas.microsoft.com/office/drawing/2014/main" id="{B84529F2-5947-4D11-B4E3-EC359DBB9F4F}"/>
+              </a:ext>
+            </a:extLst>
+          </p:cNvPr>
+          <p:cNvSpPr>
+            <a:spLocks noGrp="1"/>
+          </p:cNvSpPr>
+          <p:nvPr>
+            <p:ph type="body" sz="half" idx="2"/>
+          </p:nvPr>
+        </p:nvSpPr>
+        <p:spPr>
+          <a:xfrm>
+            <a:off x="655321" y="2575034"/>
+            <a:ext cx="5120113" cy="3462228"/>
+          </a:xfrm>
+        </p:spPr>
+        <p:txBody>
+          <a:bodyPr vert="horz" lIns="91440" tIns="45720" rIns="91440" bIns="45720" rtlCol="0">
+            <a:normAutofit/>
+          </a:bodyPr>
+          <a:lstStyle/>
+          <a:p>
+            <a:pPr indent="-228600">
+              <a:buFont typeface="Arial" panose="020B0604020202020204" pitchFamily="34" charset="0"/>
+              <a:buChar char="•"/>
+            </a:pPr>
+            <a:endParaRPr lang="en-US" sz="1800"/>
+          </a:p>
+        </p:txBody>
+      </p:sp>
+      <p:pic>
+        <p:nvPicPr>
+          <p:cNvPr id="5" name="Picture 4" descr="A picture containing bottle, indoor, vessel, alcohol&#10;&#10;Description automatically generated">
+            <a:extLst>
+              <a:ext uri="{FF2B5EF4-FFF2-40B4-BE49-F238E27FC236}">
+                <a16:creationId xmlns:a16="http://schemas.microsoft.com/office/drawing/2014/main" id="{F2D545F3-085D-4888-ABE9-E0D47A1CE2FC}"/>
+              </a:ext>
+            </a:extLst>
+          </p:cNvPr>
+          <p:cNvPicPr>
+            <a:picLocks noChangeAspect="1"/>
+          </p:cNvPicPr>
+          <p:nvPr/>
+        </p:nvPicPr>
+        <p:blipFill rotWithShape="1">
+          <a:blip r:embed="rId3">
+            <a:extLst>
+              <a:ext uri="{28A0092B-C50C-407E-A947-70E740481C1C}">
+                <a14:useLocalDpi xmlns:a14="http://schemas.microsoft.com/office/drawing/2010/main" val="0"/>
+              </a:ext>
+            </a:extLst>
+          </a:blip>
+          <a:srcRect l="11008" r="19951"/>
+          <a:stretch/>
+        </p:blipFill>
+        <p:spPr>
+          <a:xfrm>
+            <a:off x="5878849" y="10"/>
+            <a:ext cx="6313150" cy="6857987"/>
+          </a:xfrm>
+          <a:custGeom>
+            <a:avLst/>
+            <a:gdLst/>
+            <a:ahLst/>
+            <a:cxnLst/>
+            <a:rect l="l" t="t" r="r" b="b"/>
+            <a:pathLst>
+              <a:path w="6313150" h="6857997">
+                <a:moveTo>
+                  <a:pt x="65565" y="0"/>
+                </a:moveTo>
+                <a:lnTo>
+                  <a:pt x="6313150" y="0"/>
+                </a:lnTo>
+                <a:lnTo>
+                  <a:pt x="6313150" y="6857997"/>
+                </a:lnTo>
+                <a:lnTo>
+                  <a:pt x="3293946" y="6857997"/>
+                </a:lnTo>
+                <a:lnTo>
+                  <a:pt x="3235857" y="6823061"/>
+                </a:lnTo>
+                <a:cubicBezTo>
+                  <a:pt x="1291240" y="5592803"/>
+                  <a:pt x="0" y="3423096"/>
+                  <a:pt x="0" y="951803"/>
+                </a:cubicBezTo>
+                <a:cubicBezTo>
+                  <a:pt x="0" y="727140"/>
+                  <a:pt x="10673" y="504970"/>
+                  <a:pt x="31536" y="285771"/>
+                </a:cubicBezTo>
+                <a:close/>
+              </a:path>
+            </a:pathLst>
+          </a:custGeom>
+        </p:spPr>
+      </p:pic>
+    </p:spTree>
+    <p:extLst>
+      <p:ext uri="{BB962C8B-B14F-4D97-AF65-F5344CB8AC3E}">
+        <p14:creationId xmlns:p14="http://schemas.microsoft.com/office/powerpoint/2010/main" val="3651360199"/>
+      </p:ext>
+    </p:extLst>
+  </p:cSld>
+  <p:clrMapOvr>
+    <a:masterClrMapping/>
+  </p:clrMapOvr>
+</p:sld>
+</file>
+
+<file path=ppt/slides/slide5.xml><?xml version="1.0" encoding="utf-8"?>
+<p:sld xmlns:a="http://schemas.openxmlformats.org/drawingml/2006/main" xmlns:r="http://schemas.openxmlformats.org/officeDocument/2006/relationships" xmlns:p="http://schemas.openxmlformats.org/presentationml/2006/main">
+  <p:cSld>
+    <p:bg>
+      <p:bgPr>
+        <a:solidFill>
+          <a:schemeClr val="bg1"/>
+        </a:solidFill>
+        <a:effectLst/>
+      </p:bgPr>
+    </p:bg>
+    <p:spTree>
+      <p:nvGrpSpPr>
+        <p:cNvPr id="1" name=""/>
+        <p:cNvGrpSpPr/>
+        <p:nvPr/>
+      </p:nvGrpSpPr>
+      <p:grpSpPr>
+        <a:xfrm>
+          <a:off x="0" y="0"/>
+          <a:ext cx="0" cy="0"/>
+          <a:chOff x="0" y="0"/>
+          <a:chExt cx="0" cy="0"/>
+        </a:xfrm>
+      </p:grpSpPr>
+      <p:sp useBgFill="1">
+        <p:nvSpPr>
+          <p:cNvPr id="18" name="Rectangle 17">
+            <a:extLst>
+              <a:ext uri="{FF2B5EF4-FFF2-40B4-BE49-F238E27FC236}">
+                <a16:creationId xmlns:a16="http://schemas.microsoft.com/office/drawing/2014/main" id="{2B97F24A-32CE-4C1C-A50D-3016B394DCFB}"/>
+              </a:ext>
+              <a:ext uri="{C183D7F6-B498-43B3-948B-1728B52AA6E4}">
+                <adec:decorative xmlns:adec="http://schemas.microsoft.com/office/drawing/2017/decorative" val="1"/>
+              </a:ext>
+            </a:extLst>
+          </p:cNvPr>
+          <p:cNvSpPr>
+            <a:spLocks noGrp="1" noRot="1" noChangeAspect="1" noMove="1" noResize="1" noEditPoints="1" noAdjustHandles="1" noChangeArrowheads="1" noChangeShapeType="1" noTextEdit="1"/>
+          </p:cNvSpPr>
+          <p:nvPr>
+            <p:extLst>
+              <p:ext uri="{386F3935-93C4-4BCD-93E2-E3B085C9AB24}">
+                <p16:designElem xmlns:p16="http://schemas.microsoft.com/office/powerpoint/2015/main" val="1"/>
+              </p:ext>
+            </p:extLst>
+          </p:nvPr>
+        </p:nvSpPr>
+        <p:spPr>
+          <a:xfrm>
+            <a:off x="0" y="0"/>
+            <a:ext cx="12192000" cy="6858000"/>
+          </a:xfrm>
+          <a:prstGeom prst="rect">
+            <a:avLst/>
+          </a:prstGeom>
+          <a:ln>
+            <a:noFill/>
+          </a:ln>
+        </p:spPr>
+        <p:style>
+          <a:lnRef idx="2">
+            <a:schemeClr val="accent1">
+              <a:shade val="50000"/>
+            </a:schemeClr>
+          </a:lnRef>
+          <a:fillRef idx="1">
+            <a:schemeClr val="accent1"/>
+          </a:fillRef>
+          <a:effectRef idx="0">
+            <a:schemeClr val="accent1"/>
+          </a:effectRef>
+          <a:fontRef idx="minor">
+            <a:schemeClr val="lt1"/>
+          </a:fontRef>
+        </p:style>
+        <p:txBody>
+          <a:bodyPr rtlCol="0" anchor="ctr"/>
+          <a:lstStyle/>
+          <a:p>
+            <a:pPr algn="ctr"/>
+            <a:endParaRPr lang="en-US"/>
+          </a:p>
+        </p:txBody>
+      </p:sp>
+      <p:sp>
+        <p:nvSpPr>
+          <p:cNvPr id="2" name="Title 1">
+            <a:extLst>
+              <a:ext uri="{FF2B5EF4-FFF2-40B4-BE49-F238E27FC236}">
+                <a16:creationId xmlns:a16="http://schemas.microsoft.com/office/drawing/2014/main" id="{E3C63ECD-4E49-4CFE-BD02-59AD493E5031}"/>
+              </a:ext>
+            </a:extLst>
+          </p:cNvPr>
+          <p:cNvSpPr>
+            <a:spLocks noGrp="1"/>
+          </p:cNvSpPr>
+          <p:nvPr>
+            <p:ph type="title"/>
+          </p:nvPr>
+        </p:nvSpPr>
+        <p:spPr>
+          <a:xfrm>
+            <a:off x="630935" y="481132"/>
+            <a:ext cx="3828175" cy="1877460"/>
+          </a:xfrm>
+        </p:spPr>
+        <p:txBody>
+          <a:bodyPr vert="horz" lIns="91440" tIns="45720" rIns="91440" bIns="45720" rtlCol="0" anchor="b">
+            <a:normAutofit/>
+          </a:bodyPr>
+          <a:lstStyle/>
+          <a:p>
+            <a:r>
+              <a:rPr lang="en-US" sz="5400" kern="1200" dirty="0">
+                <a:solidFill>
+                  <a:schemeClr val="tx1"/>
+                </a:solidFill>
+                <a:latin typeface="+mj-lt"/>
+                <a:ea typeface="+mj-ea"/>
+                <a:cs typeface="+mj-cs"/>
+              </a:rPr>
+              <a:t>Analysis of IBU per State</a:t>
+            </a:r>
+          </a:p>
+        </p:txBody>
+      </p:sp>
+      <p:sp>
+        <p:nvSpPr>
+          <p:cNvPr id="23" name="sketch line">
+            <a:extLst>
+              <a:ext uri="{FF2B5EF4-FFF2-40B4-BE49-F238E27FC236}">
+                <a16:creationId xmlns:a16="http://schemas.microsoft.com/office/drawing/2014/main" id="{6357EC4F-235E-4222-A36F-C7878ACE37F2}"/>
+              </a:ext>
+              <a:ext uri="{C183D7F6-B498-43B3-948B-1728B52AA6E4}">
+                <adec:decorative xmlns:adec="http://schemas.microsoft.com/office/drawing/2017/decorative" val="1"/>
+              </a:ext>
+            </a:extLst>
+          </p:cNvPr>
+          <p:cNvSpPr>
+            <a:spLocks noGrp="1" noRot="1" noChangeAspect="1" noMove="1" noResize="1" noEditPoints="1" noAdjustHandles="1" noChangeArrowheads="1" noChangeShapeType="1" noTextEdit="1"/>
+          </p:cNvSpPr>
+          <p:nvPr>
+            <p:extLst>
+              <p:ext uri="{386F3935-93C4-4BCD-93E2-E3B085C9AB24}">
+                <p16:designElem xmlns:p16="http://schemas.microsoft.com/office/powerpoint/2015/main" val="1"/>
+              </p:ext>
+            </p:extLst>
+          </p:nvPr>
+        </p:nvSpPr>
+        <p:spPr>
+          <a:xfrm>
+            <a:off x="643278" y="2573756"/>
+            <a:ext cx="3255095" cy="18288"/>
+          </a:xfrm>
+          <a:custGeom>
+            <a:avLst/>
+            <a:gdLst>
+              <a:gd name="connsiteX0" fmla="*/ 0 w 3255095"/>
+              <a:gd name="connsiteY0" fmla="*/ 0 h 18288"/>
+              <a:gd name="connsiteX1" fmla="*/ 618468 w 3255095"/>
+              <a:gd name="connsiteY1" fmla="*/ 0 h 18288"/>
+              <a:gd name="connsiteX2" fmla="*/ 1269487 w 3255095"/>
+              <a:gd name="connsiteY2" fmla="*/ 0 h 18288"/>
+              <a:gd name="connsiteX3" fmla="*/ 1953057 w 3255095"/>
+              <a:gd name="connsiteY3" fmla="*/ 0 h 18288"/>
+              <a:gd name="connsiteX4" fmla="*/ 2636627 w 3255095"/>
+              <a:gd name="connsiteY4" fmla="*/ 0 h 18288"/>
+              <a:gd name="connsiteX5" fmla="*/ 3255095 w 3255095"/>
+              <a:gd name="connsiteY5" fmla="*/ 0 h 18288"/>
+              <a:gd name="connsiteX6" fmla="*/ 3255095 w 3255095"/>
+              <a:gd name="connsiteY6" fmla="*/ 18288 h 18288"/>
+              <a:gd name="connsiteX7" fmla="*/ 2538974 w 3255095"/>
+              <a:gd name="connsiteY7" fmla="*/ 18288 h 18288"/>
+              <a:gd name="connsiteX8" fmla="*/ 1822853 w 3255095"/>
+              <a:gd name="connsiteY8" fmla="*/ 18288 h 18288"/>
+              <a:gd name="connsiteX9" fmla="*/ 1171834 w 3255095"/>
+              <a:gd name="connsiteY9" fmla="*/ 18288 h 18288"/>
+              <a:gd name="connsiteX10" fmla="*/ 0 w 3255095"/>
+              <a:gd name="connsiteY10" fmla="*/ 18288 h 18288"/>
+              <a:gd name="connsiteX11" fmla="*/ 0 w 3255095"/>
+              <a:gd name="connsiteY11" fmla="*/ 0 h 18288"/>
+            </a:gdLst>
+            <a:ahLst/>
+            <a:cxnLst>
+              <a:cxn ang="0">
+                <a:pos x="connsiteX0" y="connsiteY0"/>
+              </a:cxn>
+              <a:cxn ang="0">
+                <a:pos x="connsiteX1" y="connsiteY1"/>
+              </a:cxn>
+              <a:cxn ang="0">
+                <a:pos x="connsiteX2" y="connsiteY2"/>
+              </a:cxn>
+              <a:cxn ang="0">
+                <a:pos x="connsiteX3" y="connsiteY3"/>
+              </a:cxn>
+              <a:cxn ang="0">
+                <a:pos x="connsiteX4" y="connsiteY4"/>
+              </a:cxn>
+              <a:cxn ang="0">
+                <a:pos x="connsiteX5" y="connsiteY5"/>
+              </a:cxn>
+              <a:cxn ang="0">
+                <a:pos x="connsiteX6" y="connsiteY6"/>
+              </a:cxn>
+              <a:cxn ang="0">
+                <a:pos x="connsiteX7" y="connsiteY7"/>
+              </a:cxn>
+              <a:cxn ang="0">
+                <a:pos x="connsiteX8" y="connsiteY8"/>
+              </a:cxn>
+              <a:cxn ang="0">
+                <a:pos x="connsiteX9" y="connsiteY9"/>
+              </a:cxn>
+              <a:cxn ang="0">
+                <a:pos x="connsiteX10" y="connsiteY10"/>
+              </a:cxn>
+              <a:cxn ang="0">
+                <a:pos x="connsiteX11" y="connsiteY11"/>
+              </a:cxn>
+            </a:cxnLst>
+            <a:rect l="l" t="t" r="r" b="b"/>
+            <a:pathLst>
+              <a:path w="3255095" h="18288" fill="none" extrusionOk="0">
+                <a:moveTo>
+                  <a:pt x="0" y="0"/>
+                </a:moveTo>
+                <a:cubicBezTo>
+                  <a:pt x="240201" y="-22123"/>
+                  <a:pt x="462021" y="-19623"/>
+                  <a:pt x="618468" y="0"/>
+                </a:cubicBezTo>
+                <a:cubicBezTo>
+                  <a:pt x="774915" y="19623"/>
+                  <a:pt x="974734" y="2035"/>
+                  <a:pt x="1269487" y="0"/>
+                </a:cubicBezTo>
+                <a:cubicBezTo>
+                  <a:pt x="1564240" y="-2035"/>
+                  <a:pt x="1733579" y="10639"/>
+                  <a:pt x="1953057" y="0"/>
+                </a:cubicBezTo>
+                <a:cubicBezTo>
+                  <a:pt x="2172535" y="-10639"/>
+                  <a:pt x="2453962" y="14018"/>
+                  <a:pt x="2636627" y="0"/>
+                </a:cubicBezTo>
+                <a:cubicBezTo>
+                  <a:pt x="2819292" y="-14018"/>
+                  <a:pt x="3121375" y="5399"/>
+                  <a:pt x="3255095" y="0"/>
+                </a:cubicBezTo>
+                <a:cubicBezTo>
+                  <a:pt x="3254386" y="8157"/>
+                  <a:pt x="3254682" y="12125"/>
+                  <a:pt x="3255095" y="18288"/>
+                </a:cubicBezTo>
+                <a:cubicBezTo>
+                  <a:pt x="3088545" y="23203"/>
+                  <a:pt x="2687475" y="7419"/>
+                  <a:pt x="2538974" y="18288"/>
+                </a:cubicBezTo>
+                <a:cubicBezTo>
+                  <a:pt x="2390473" y="29157"/>
+                  <a:pt x="2137381" y="-8959"/>
+                  <a:pt x="1822853" y="18288"/>
+                </a:cubicBezTo>
+                <a:cubicBezTo>
+                  <a:pt x="1508325" y="45535"/>
+                  <a:pt x="1466437" y="20385"/>
+                  <a:pt x="1171834" y="18288"/>
+                </a:cubicBezTo>
+                <a:cubicBezTo>
+                  <a:pt x="877231" y="16191"/>
+                  <a:pt x="561097" y="37643"/>
+                  <a:pt x="0" y="18288"/>
+                </a:cubicBezTo>
+                <a:cubicBezTo>
+                  <a:pt x="-46" y="12483"/>
+                  <a:pt x="-203" y="6491"/>
+                  <a:pt x="0" y="0"/>
+                </a:cubicBezTo>
+                <a:close/>
+              </a:path>
+              <a:path w="3255095" h="18288" stroke="0" extrusionOk="0">
+                <a:moveTo>
+                  <a:pt x="0" y="0"/>
+                </a:moveTo>
+                <a:cubicBezTo>
+                  <a:pt x="291965" y="19429"/>
+                  <a:pt x="363155" y="8568"/>
+                  <a:pt x="618468" y="0"/>
+                </a:cubicBezTo>
+                <a:cubicBezTo>
+                  <a:pt x="873781" y="-8568"/>
+                  <a:pt x="904459" y="-19505"/>
+                  <a:pt x="1171834" y="0"/>
+                </a:cubicBezTo>
+                <a:cubicBezTo>
+                  <a:pt x="1439209" y="19505"/>
+                  <a:pt x="1744369" y="9790"/>
+                  <a:pt x="1887955" y="0"/>
+                </a:cubicBezTo>
+                <a:cubicBezTo>
+                  <a:pt x="2031541" y="-9790"/>
+                  <a:pt x="2346378" y="21240"/>
+                  <a:pt x="2506423" y="0"/>
+                </a:cubicBezTo>
+                <a:cubicBezTo>
+                  <a:pt x="2666468" y="-21240"/>
+                  <a:pt x="2990257" y="30414"/>
+                  <a:pt x="3255095" y="0"/>
+                </a:cubicBezTo>
+                <a:cubicBezTo>
+                  <a:pt x="3254831" y="4493"/>
+                  <a:pt x="3255479" y="9472"/>
+                  <a:pt x="3255095" y="18288"/>
+                </a:cubicBezTo>
+                <a:cubicBezTo>
+                  <a:pt x="3120743" y="16690"/>
+                  <a:pt x="2759628" y="42462"/>
+                  <a:pt x="2604076" y="18288"/>
+                </a:cubicBezTo>
+                <a:cubicBezTo>
+                  <a:pt x="2448524" y="-5886"/>
+                  <a:pt x="2184336" y="19599"/>
+                  <a:pt x="1887955" y="18288"/>
+                </a:cubicBezTo>
+                <a:cubicBezTo>
+                  <a:pt x="1591574" y="16977"/>
+                  <a:pt x="1548845" y="6870"/>
+                  <a:pt x="1334589" y="18288"/>
+                </a:cubicBezTo>
+                <a:cubicBezTo>
+                  <a:pt x="1120333" y="29706"/>
+                  <a:pt x="996014" y="9662"/>
+                  <a:pt x="683570" y="18288"/>
+                </a:cubicBezTo>
+                <a:cubicBezTo>
+                  <a:pt x="371126" y="26914"/>
+                  <a:pt x="198687" y="16167"/>
+                  <a:pt x="0" y="18288"/>
+                </a:cubicBezTo>
+                <a:cubicBezTo>
+                  <a:pt x="843" y="9577"/>
+                  <a:pt x="371" y="6900"/>
+                  <a:pt x="0" y="0"/>
+                </a:cubicBezTo>
+                <a:close/>
+              </a:path>
+            </a:pathLst>
+          </a:custGeom>
+          <a:solidFill>
+            <a:schemeClr val="accent2"/>
+          </a:solidFill>
+          <a:ln w="38100" cap="rnd">
+            <a:solidFill>
+              <a:schemeClr val="accent2"/>
+            </a:solidFill>
+            <a:round/>
+            <a:extLst>
+              <a:ext uri="{C807C97D-BFC1-408E-A445-0C87EB9F89A2}">
+                <ask:lineSketchStyleProps xmlns:ask="http://schemas.microsoft.com/office/drawing/2018/sketchyshapes" sd="1219033472">
+                  <a:prstGeom prst="rect">
+                    <a:avLst/>
+                  </a:prstGeom>
+                  <ask:type>
+                    <ask:lineSketchFreehand/>
+                  </ask:type>
+                </ask:lineSketchStyleProps>
+              </a:ext>
+            </a:extLst>
+          </a:ln>
+        </p:spPr>
+        <p:style>
+          <a:lnRef idx="2">
+            <a:schemeClr val="accent1">
+              <a:shade val="50000"/>
+            </a:schemeClr>
+          </a:lnRef>
+          <a:fillRef idx="1">
+            <a:schemeClr val="accent1"/>
+          </a:fillRef>
+          <a:effectRef idx="0">
+            <a:schemeClr val="accent1"/>
+          </a:effectRef>
+          <a:fontRef idx="minor">
+            <a:schemeClr val="lt1"/>
+          </a:fontRef>
+        </p:style>
+        <p:txBody>
+          <a:bodyPr rtlCol="0" anchor="ctr"/>
+          <a:lstStyle/>
+          <a:p>
+            <a:pPr algn="ctr"/>
+            <a:endParaRPr lang="en-US"/>
+          </a:p>
+        </p:txBody>
+      </p:sp>
+      <p:sp>
+        <p:nvSpPr>
+          <p:cNvPr id="4" name="Text Placeholder 3">
+            <a:extLst>
+              <a:ext uri="{FF2B5EF4-FFF2-40B4-BE49-F238E27FC236}">
+                <a16:creationId xmlns:a16="http://schemas.microsoft.com/office/drawing/2014/main" id="{A30A897E-71B8-4561-AC8E-FCCDE7D6BB53}"/>
+              </a:ext>
+            </a:extLst>
+          </p:cNvPr>
+          <p:cNvSpPr>
+            <a:spLocks noGrp="1"/>
+          </p:cNvSpPr>
+          <p:nvPr>
+            <p:ph type="body" sz="half" idx="2"/>
+          </p:nvPr>
+        </p:nvSpPr>
+        <p:spPr>
+          <a:xfrm>
+            <a:off x="630936" y="2807208"/>
+            <a:ext cx="3429000" cy="3410712"/>
+          </a:xfrm>
+        </p:spPr>
+        <p:txBody>
+          <a:bodyPr vert="horz" lIns="91440" tIns="45720" rIns="91440" bIns="45720" rtlCol="0" anchor="t">
+            <a:normAutofit/>
+          </a:bodyPr>
+          <a:lstStyle/>
+          <a:p>
+            <a:pPr indent="-228600">
+              <a:buFont typeface="Arial" panose="020B0604020202020204" pitchFamily="34" charset="0"/>
+              <a:buChar char="•"/>
+            </a:pPr>
+            <a:r>
+              <a:rPr lang="en-US" sz="2200" dirty="0"/>
+              <a:t>IBU varies </a:t>
+            </a:r>
+          </a:p>
+        </p:txBody>
+      </p:sp>
+      <p:pic>
+        <p:nvPicPr>
+          <p:cNvPr id="24" name="Picture 23" descr="Chart, histogram&#10;&#10;Description automatically generated">
+            <a:extLst>
+              <a:ext uri="{FF2B5EF4-FFF2-40B4-BE49-F238E27FC236}">
+                <a16:creationId xmlns:a16="http://schemas.microsoft.com/office/drawing/2014/main" id="{C01BC6F9-3558-4F35-869B-DBC83923B316}"/>
+              </a:ext>
+            </a:extLst>
+          </p:cNvPr>
+          <p:cNvPicPr>
+            <a:picLocks noChangeAspect="1"/>
+          </p:cNvPicPr>
+          <p:nvPr/>
+        </p:nvPicPr>
+        <p:blipFill>
+          <a:blip r:embed="rId3">
+            <a:extLst>
+              <a:ext uri="{28A0092B-C50C-407E-A947-70E740481C1C}">
+                <a14:useLocalDpi xmlns:a14="http://schemas.microsoft.com/office/drawing/2010/main" val="0"/>
+              </a:ext>
+            </a:extLst>
+          </a:blip>
+          <a:stretch>
+            <a:fillRect/>
+          </a:stretch>
+        </p:blipFill>
+        <p:spPr>
+          <a:xfrm>
+            <a:off x="5402072" y="126624"/>
+            <a:ext cx="6668431" cy="3810532"/>
+          </a:xfrm>
+          <a:prstGeom prst="rect">
+            <a:avLst/>
+          </a:prstGeom>
+          <a:ln w="38100" cap="sq">
+            <a:solidFill>
+              <a:srgbClr val="000000"/>
+            </a:solidFill>
+            <a:prstDash val="solid"/>
+            <a:miter lim="800000"/>
+          </a:ln>
+          <a:effectLst>
+            <a:outerShdw blurRad="50800" dist="38100" dir="2700000" algn="tl" rotWithShape="0">
+              <a:srgbClr val="000000">
+                <a:alpha val="43000"/>
+              </a:srgbClr>
+            </a:outerShdw>
+          </a:effectLst>
+        </p:spPr>
+      </p:pic>
+    </p:spTree>
+    <p:extLst>
+      <p:ext uri="{BB962C8B-B14F-4D97-AF65-F5344CB8AC3E}">
+        <p14:creationId xmlns:p14="http://schemas.microsoft.com/office/powerpoint/2010/main" val="4017715771"/>
+      </p:ext>
+    </p:extLst>
+  </p:cSld>
+  <p:clrMapOvr>
+    <a:masterClrMapping/>
+  </p:clrMapOvr>
+</p:sld>
+</file>
+
+<file path=ppt/slides/slide6.xml><?xml version="1.0" encoding="utf-8"?>
+<p:sld xmlns:a="http://schemas.openxmlformats.org/drawingml/2006/main" xmlns:r="http://schemas.openxmlformats.org/officeDocument/2006/relationships" xmlns:p="http://schemas.openxmlformats.org/presentationml/2006/main">
+  <p:cSld>
+    <p:spTree>
+      <p:nvGrpSpPr>
+        <p:cNvPr id="1" name=""/>
+        <p:cNvGrpSpPr/>
+        <p:nvPr/>
+      </p:nvGrpSpPr>
+      <p:grpSpPr>
+        <a:xfrm>
+          <a:off x="0" y="0"/>
+          <a:ext cx="0" cy="0"/>
+          <a:chOff x="0" y="0"/>
+          <a:chExt cx="0" cy="0"/>
+        </a:xfrm>
+      </p:grpSpPr>
+      <p:sp>
+        <p:nvSpPr>
+          <p:cNvPr id="2" name="Title 1">
+            <a:extLst>
+              <a:ext uri="{FF2B5EF4-FFF2-40B4-BE49-F238E27FC236}">
+                <a16:creationId xmlns:a16="http://schemas.microsoft.com/office/drawing/2014/main" id="{00A2729A-727A-42AB-8789-B6EF83BCEACC}"/>
+              </a:ext>
+            </a:extLst>
+          </p:cNvPr>
+          <p:cNvSpPr>
+            <a:spLocks noGrp="1"/>
+          </p:cNvSpPr>
+          <p:nvPr>
+            <p:ph type="title"/>
+          </p:nvPr>
+        </p:nvSpPr>
+        <p:spPr/>
+        <p:txBody>
+          <a:bodyPr/>
+          <a:lstStyle/>
+          <a:p>
+            <a:endParaRPr lang="en-US"/>
+          </a:p>
+        </p:txBody>
+      </p:sp>
+      <p:sp>
+        <p:nvSpPr>
+          <p:cNvPr id="3" name="Picture Placeholder 2">
+            <a:extLst>
+              <a:ext uri="{FF2B5EF4-FFF2-40B4-BE49-F238E27FC236}">
+                <a16:creationId xmlns:a16="http://schemas.microsoft.com/office/drawing/2014/main" id="{A3B857F0-7CB8-4892-BE85-47C8117DE5AD}"/>
+              </a:ext>
+            </a:extLst>
+          </p:cNvPr>
+          <p:cNvSpPr>
+            <a:spLocks noGrp="1"/>
+          </p:cNvSpPr>
+          <p:nvPr>
+            <p:ph type="pic" idx="1"/>
+          </p:nvPr>
+        </p:nvSpPr>
+        <p:spPr/>
+      </p:sp>
+      <p:sp>
+        <p:nvSpPr>
+          <p:cNvPr id="4" name="Text Placeholder 3">
+            <a:extLst>
+              <a:ext uri="{FF2B5EF4-FFF2-40B4-BE49-F238E27FC236}">
+                <a16:creationId xmlns:a16="http://schemas.microsoft.com/office/drawing/2014/main" id="{2FDA2531-40DD-4117-AB8E-9E332C2BF41C}"/>
+              </a:ext>
+            </a:extLst>
+          </p:cNvPr>
+          <p:cNvSpPr>
+            <a:spLocks noGrp="1"/>
+          </p:cNvSpPr>
+          <p:nvPr>
+            <p:ph type="body" sz="half" idx="2"/>
+          </p:nvPr>
+        </p:nvSpPr>
+        <p:spPr/>
+        <p:txBody>
+          <a:bodyPr/>
+          <a:lstStyle/>
+          <a:p>
+            <a:endParaRPr lang="en-US"/>
+          </a:p>
+        </p:txBody>
+      </p:sp>
+    </p:spTree>
+    <p:extLst>
+      <p:ext uri="{BB962C8B-B14F-4D97-AF65-F5344CB8AC3E}">
+        <p14:creationId xmlns:p14="http://schemas.microsoft.com/office/powerpoint/2010/main" val="3564775049"/>
+      </p:ext>
+    </p:extLst>
+  </p:cSld>
+  <p:clrMapOvr>
+    <a:masterClrMapping/>
+  </p:clrMapOvr>
+</p:sld>
+</file>
+
+<file path=ppt/slides/slide7.xml><?xml version="1.0" encoding="utf-8"?>
+<p:sld xmlns:a="http://schemas.openxmlformats.org/drawingml/2006/main" xmlns:r="http://schemas.openxmlformats.org/officeDocument/2006/relationships" xmlns:p="http://schemas.openxmlformats.org/presentationml/2006/main">
+  <p:cSld>
+    <p:spTree>
+      <p:nvGrpSpPr>
+        <p:cNvPr id="1" name=""/>
+        <p:cNvGrpSpPr/>
+        <p:nvPr/>
+      </p:nvGrpSpPr>
+      <p:grpSpPr>
+        <a:xfrm>
+          <a:off x="0" y="0"/>
+          <a:ext cx="0" cy="0"/>
+          <a:chOff x="0" y="0"/>
+          <a:chExt cx="0" cy="0"/>
+        </a:xfrm>
+      </p:grpSpPr>
+      <p:sp>
+        <p:nvSpPr>
+          <p:cNvPr id="2" name="Title 1">
+            <a:extLst>
+              <a:ext uri="{FF2B5EF4-FFF2-40B4-BE49-F238E27FC236}">
+                <a16:creationId xmlns:a16="http://schemas.microsoft.com/office/drawing/2014/main" id="{B8411512-1A58-4200-BF90-111E65AA7586}"/>
+              </a:ext>
+            </a:extLst>
+          </p:cNvPr>
+          <p:cNvSpPr>
+            <a:spLocks noGrp="1"/>
+          </p:cNvSpPr>
+          <p:nvPr>
+            <p:ph type="title"/>
+          </p:nvPr>
+        </p:nvSpPr>
+        <p:spPr/>
+        <p:txBody>
+          <a:bodyPr/>
+          <a:lstStyle/>
+          <a:p>
+            <a:endParaRPr lang="en-US"/>
+          </a:p>
+        </p:txBody>
+      </p:sp>
+      <p:sp>
+        <p:nvSpPr>
+          <p:cNvPr id="3" name="Picture Placeholder 2">
+            <a:extLst>
+              <a:ext uri="{FF2B5EF4-FFF2-40B4-BE49-F238E27FC236}">
+                <a16:creationId xmlns:a16="http://schemas.microsoft.com/office/drawing/2014/main" id="{B9F3EA1E-1316-49D0-8AE3-DA010D0AD79C}"/>
+              </a:ext>
+            </a:extLst>
+          </p:cNvPr>
+          <p:cNvSpPr>
+            <a:spLocks noGrp="1"/>
+          </p:cNvSpPr>
+          <p:nvPr>
+            <p:ph type="pic" idx="1"/>
+          </p:nvPr>
+        </p:nvSpPr>
+        <p:spPr/>
+      </p:sp>
+      <p:sp>
+        <p:nvSpPr>
+          <p:cNvPr id="4" name="Text Placeholder 3">
+            <a:extLst>
+              <a:ext uri="{FF2B5EF4-FFF2-40B4-BE49-F238E27FC236}">
+                <a16:creationId xmlns:a16="http://schemas.microsoft.com/office/drawing/2014/main" id="{B7CE7D90-5DD6-4EFE-B673-CA94545C6D80}"/>
+              </a:ext>
+            </a:extLst>
+          </p:cNvPr>
+          <p:cNvSpPr>
+            <a:spLocks noGrp="1"/>
+          </p:cNvSpPr>
+          <p:nvPr>
+            <p:ph type="body" sz="half" idx="2"/>
+          </p:nvPr>
+        </p:nvSpPr>
+        <p:spPr/>
+        <p:txBody>
+          <a:bodyPr/>
+          <a:lstStyle/>
+          <a:p>
+            <a:endParaRPr lang="en-US"/>
+          </a:p>
+        </p:txBody>
+      </p:sp>
+    </p:spTree>
+    <p:extLst>
+      <p:ext uri="{BB962C8B-B14F-4D97-AF65-F5344CB8AC3E}">
+        <p14:creationId xmlns:p14="http://schemas.microsoft.com/office/powerpoint/2010/main" val="2054468576"/>
+      </p:ext>
+    </p:extLst>
+  </p:cSld>
+  <p:clrMapOvr>
+    <a:masterClrMapping/>
+  </p:clrMapOvr>
+</p:sld>
+</file>
+
+<file path=ppt/slides/slide8.xml><?xml version="1.0" encoding="utf-8"?>
+<p:sld xmlns:a="http://schemas.openxmlformats.org/drawingml/2006/main" xmlns:r="http://schemas.openxmlformats.org/officeDocument/2006/relationships" xmlns:p="http://schemas.openxmlformats.org/presentationml/2006/main">
+  <p:cSld>
+    <p:spTree>
+      <p:nvGrpSpPr>
+        <p:cNvPr id="1" name=""/>
+        <p:cNvGrpSpPr/>
+        <p:nvPr/>
+      </p:nvGrpSpPr>
+      <p:grpSpPr>
+        <a:xfrm>
+          <a:off x="0" y="0"/>
+          <a:ext cx="0" cy="0"/>
+          <a:chOff x="0" y="0"/>
+          <a:chExt cx="0" cy="0"/>
+        </a:xfrm>
+      </p:grpSpPr>
+      <p:sp>
+        <p:nvSpPr>
+          <p:cNvPr id="2" name="Title 1">
+            <a:extLst>
+              <a:ext uri="{FF2B5EF4-FFF2-40B4-BE49-F238E27FC236}">
+                <a16:creationId xmlns:a16="http://schemas.microsoft.com/office/drawing/2014/main" id="{B8411512-1A58-4200-BF90-111E65AA7586}"/>
+              </a:ext>
+            </a:extLst>
+          </p:cNvPr>
+          <p:cNvSpPr>
+            <a:spLocks noGrp="1"/>
+          </p:cNvSpPr>
+          <p:nvPr>
+            <p:ph type="title"/>
+          </p:nvPr>
+        </p:nvSpPr>
+        <p:spPr/>
+        <p:txBody>
+          <a:bodyPr/>
+          <a:lstStyle/>
+          <a:p>
+            <a:endParaRPr lang="en-US"/>
+          </a:p>
+        </p:txBody>
+      </p:sp>
+      <p:sp>
+        <p:nvSpPr>
+          <p:cNvPr id="3" name="Picture Placeholder 2">
+            <a:extLst>
+              <a:ext uri="{FF2B5EF4-FFF2-40B4-BE49-F238E27FC236}">
+                <a16:creationId xmlns:a16="http://schemas.microsoft.com/office/drawing/2014/main" id="{B9F3EA1E-1316-49D0-8AE3-DA010D0AD79C}"/>
+              </a:ext>
+            </a:extLst>
+          </p:cNvPr>
+          <p:cNvSpPr>
+            <a:spLocks noGrp="1"/>
+          </p:cNvSpPr>
+          <p:nvPr>
+            <p:ph type="pic" idx="1"/>
+          </p:nvPr>
+        </p:nvSpPr>
+        <p:spPr/>
+      </p:sp>
+      <p:sp>
+        <p:nvSpPr>
+          <p:cNvPr id="4" name="Text Placeholder 3">
+            <a:extLst>
+              <a:ext uri="{FF2B5EF4-FFF2-40B4-BE49-F238E27FC236}">
+                <a16:creationId xmlns:a16="http://schemas.microsoft.com/office/drawing/2014/main" id="{B7CE7D90-5DD6-4EFE-B673-CA94545C6D80}"/>
+              </a:ext>
+            </a:extLst>
+          </p:cNvPr>
+          <p:cNvSpPr>
+            <a:spLocks noGrp="1"/>
+          </p:cNvSpPr>
+          <p:nvPr>
+            <p:ph type="body" sz="half" idx="2"/>
+          </p:nvPr>
+        </p:nvSpPr>
+        <p:spPr/>
+        <p:txBody>
+          <a:bodyPr/>
+          <a:lstStyle/>
+          <a:p>
+            <a:endParaRPr lang="en-US"/>
+          </a:p>
+        </p:txBody>
+      </p:sp>
+    </p:spTree>
+    <p:extLst>
+      <p:ext uri="{BB962C8B-B14F-4D97-AF65-F5344CB8AC3E}">
+        <p14:creationId xmlns:p14="http://schemas.microsoft.com/office/powerpoint/2010/main" val="1610141642"/>
       </p:ext>
     </p:extLst>
   </p:cSld>
@@ -3758,4 +6552,299 @@
     </a:ext>
   </a:extLst>
 </a:theme>
+</file>
+
+<file path=ppt/theme/theme2.xml><?xml version="1.0" encoding="utf-8"?>
+<a:theme xmlns:a="http://schemas.openxmlformats.org/drawingml/2006/main" name="Office Theme">
+  <a:themeElements>
+    <a:clrScheme name="Office">
+      <a:dk1>
+        <a:sysClr val="windowText" lastClr="000000"/>
+      </a:dk1>
+      <a:lt1>
+        <a:sysClr val="window" lastClr="FFFFFF"/>
+      </a:lt1>
+      <a:dk2>
+        <a:srgbClr val="44546A"/>
+      </a:dk2>
+      <a:lt2>
+        <a:srgbClr val="E7E6E6"/>
+      </a:lt2>
+      <a:accent1>
+        <a:srgbClr val="4472C4"/>
+      </a:accent1>
+      <a:accent2>
+        <a:srgbClr val="ED7D31"/>
+      </a:accent2>
+      <a:accent3>
+        <a:srgbClr val="A5A5A5"/>
+      </a:accent3>
+      <a:accent4>
+        <a:srgbClr val="FFC000"/>
+      </a:accent4>
+      <a:accent5>
+        <a:srgbClr val="5B9BD5"/>
+      </a:accent5>
+      <a:accent6>
+        <a:srgbClr val="70AD47"/>
+      </a:accent6>
+      <a:hlink>
+        <a:srgbClr val="0563C1"/>
+      </a:hlink>
+      <a:folHlink>
+        <a:srgbClr val="954F72"/>
+      </a:folHlink>
+    </a:clrScheme>
+    <a:fontScheme name="Office">
+      <a:majorFont>
+        <a:latin typeface="Calibri Light" panose="020F0302020204030204"/>
+        <a:ea typeface=""/>
+        <a:cs typeface=""/>
+        <a:font script="Jpan" typeface="游ゴシック Light"/>
+        <a:font script="Hang" typeface="맑은 고딕"/>
+        <a:font script="Hans" typeface="等线 Light"/>
+        <a:font script="Hant" typeface="新細明體"/>
+        <a:font script="Arab" typeface="Times New Roman"/>
+        <a:font script="Hebr" typeface="Times New Roman"/>
+        <a:font script="Thai" typeface="Angsana New"/>
+        <a:font script="Ethi" typeface="Nyala"/>
+        <a:font script="Beng" typeface="Vrinda"/>
+        <a:font script="Gujr" typeface="Shruti"/>
+        <a:font script="Khmr" typeface="MoolBoran"/>
+        <a:font script="Knda" typeface="Tunga"/>
+        <a:font script="Guru" typeface="Raavi"/>
+        <a:font script="Cans" typeface="Euphemia"/>
+        <a:font script="Cher" typeface="Plantagenet Cherokee"/>
+        <a:font script="Yiii" typeface="Microsoft Yi Baiti"/>
+        <a:font script="Tibt" typeface="Microsoft Himalaya"/>
+        <a:font script="Thaa" typeface="MV Boli"/>
+        <a:font script="Deva" typeface="Mangal"/>
+        <a:font script="Telu" typeface="Gautami"/>
+        <a:font script="Taml" typeface="Latha"/>
+        <a:font script="Syrc" typeface="Estrangelo Edessa"/>
+        <a:font script="Orya" typeface="Kalinga"/>
+        <a:font script="Mlym" typeface="Kartika"/>
+        <a:font script="Laoo" typeface="DokChampa"/>
+        <a:font script="Sinh" typeface="Iskoola Pota"/>
+        <a:font script="Mong" typeface="Mongolian Baiti"/>
+        <a:font script="Viet" typeface="Times New Roman"/>
+        <a:font script="Uigh" typeface="Microsoft Uighur"/>
+        <a:font script="Geor" typeface="Sylfaen"/>
+        <a:font script="Armn" typeface="Arial"/>
+        <a:font script="Bugi" typeface="Leelawadee UI"/>
+        <a:font script="Bopo" typeface="Microsoft JhengHei"/>
+        <a:font script="Java" typeface="Javanese Text"/>
+        <a:font script="Lisu" typeface="Segoe UI"/>
+        <a:font script="Mymr" typeface="Myanmar Text"/>
+        <a:font script="Nkoo" typeface="Ebrima"/>
+        <a:font script="Olck" typeface="Nirmala UI"/>
+        <a:font script="Osma" typeface="Ebrima"/>
+        <a:font script="Phag" typeface="Phagspa"/>
+        <a:font script="Syrn" typeface="Estrangelo Edessa"/>
+        <a:font script="Syrj" typeface="Estrangelo Edessa"/>
+        <a:font script="Syre" typeface="Estrangelo Edessa"/>
+        <a:font script="Sora" typeface="Nirmala UI"/>
+        <a:font script="Tale" typeface="Microsoft Tai Le"/>
+        <a:font script="Talu" typeface="Microsoft New Tai Lue"/>
+        <a:font script="Tfng" typeface="Ebrima"/>
+      </a:majorFont>
+      <a:minorFont>
+        <a:latin typeface="Calibri" panose="020F0502020204030204"/>
+        <a:ea typeface=""/>
+        <a:cs typeface=""/>
+        <a:font script="Jpan" typeface="游ゴシック"/>
+        <a:font script="Hang" typeface="맑은 고딕"/>
+        <a:font script="Hans" typeface="等线"/>
+        <a:font script="Hant" typeface="新細明體"/>
+        <a:font script="Arab" typeface="Arial"/>
+        <a:font script="Hebr" typeface="Arial"/>
+        <a:font script="Thai" typeface="Cordia New"/>
+        <a:font script="Ethi" typeface="Nyala"/>
+        <a:font script="Beng" typeface="Vrinda"/>
+        <a:font script="Gujr" typeface="Shruti"/>
+        <a:font script="Khmr" typeface="DaunPenh"/>
+        <a:font script="Knda" typeface="Tunga"/>
+        <a:font script="Guru" typeface="Raavi"/>
+        <a:font script="Cans" typeface="Euphemia"/>
+        <a:font script="Cher" typeface="Plantagenet Cherokee"/>
+        <a:font script="Yiii" typeface="Microsoft Yi Baiti"/>
+        <a:font script="Tibt" typeface="Microsoft Himalaya"/>
+        <a:font script="Thaa" typeface="MV Boli"/>
+        <a:font script="Deva" typeface="Mangal"/>
+        <a:font script="Telu" typeface="Gautami"/>
+        <a:font script="Taml" typeface="Latha"/>
+        <a:font script="Syrc" typeface="Estrangelo Edessa"/>
+        <a:font script="Orya" typeface="Kalinga"/>
+        <a:font script="Mlym" typeface="Kartika"/>
+        <a:font script="Laoo" typeface="DokChampa"/>
+        <a:font script="Sinh" typeface="Iskoola Pota"/>
+        <a:font script="Mong" typeface="Mongolian Baiti"/>
+        <a:font script="Viet" typeface="Arial"/>
+        <a:font script="Uigh" typeface="Microsoft Uighur"/>
+        <a:font script="Geor" typeface="Sylfaen"/>
+        <a:font script="Armn" typeface="Arial"/>
+        <a:font script="Bugi" typeface="Leelawadee UI"/>
+        <a:font script="Bopo" typeface="Microsoft JhengHei"/>
+        <a:font script="Java" typeface="Javanese Text"/>
+        <a:font script="Lisu" typeface="Segoe UI"/>
+        <a:font script="Mymr" typeface="Myanmar Text"/>
+        <a:font script="Nkoo" typeface="Ebrima"/>
+        <a:font script="Olck" typeface="Nirmala UI"/>
+        <a:font script="Osma" typeface="Ebrima"/>
+        <a:font script="Phag" typeface="Phagspa"/>
+        <a:font script="Syrn" typeface="Estrangelo Edessa"/>
+        <a:font script="Syrj" typeface="Estrangelo Edessa"/>
+        <a:font script="Syre" typeface="Estrangelo Edessa"/>
+        <a:font script="Sora" typeface="Nirmala UI"/>
+        <a:font script="Tale" typeface="Microsoft Tai Le"/>
+        <a:font script="Talu" typeface="Microsoft New Tai Lue"/>
+        <a:font script="Tfng" typeface="Ebrima"/>
+      </a:minorFont>
+    </a:fontScheme>
+    <a:fmtScheme name="Office">
+      <a:fillStyleLst>
+        <a:solidFill>
+          <a:schemeClr val="phClr"/>
+        </a:solidFill>
+        <a:gradFill rotWithShape="1">
+          <a:gsLst>
+            <a:gs pos="0">
+              <a:schemeClr val="phClr">
+                <a:lumMod val="110000"/>
+                <a:satMod val="105000"/>
+                <a:tint val="67000"/>
+              </a:schemeClr>
+            </a:gs>
+            <a:gs pos="50000">
+              <a:schemeClr val="phClr">
+                <a:lumMod val="105000"/>
+                <a:satMod val="103000"/>
+                <a:tint val="73000"/>
+              </a:schemeClr>
+            </a:gs>
+            <a:gs pos="100000">
+              <a:schemeClr val="phClr">
+                <a:lumMod val="105000"/>
+                <a:satMod val="109000"/>
+                <a:tint val="81000"/>
+              </a:schemeClr>
+            </a:gs>
+          </a:gsLst>
+          <a:lin ang="5400000" scaled="0"/>
+        </a:gradFill>
+        <a:gradFill rotWithShape="1">
+          <a:gsLst>
+            <a:gs pos="0">
+              <a:schemeClr val="phClr">
+                <a:satMod val="103000"/>
+                <a:lumMod val="102000"/>
+                <a:tint val="94000"/>
+              </a:schemeClr>
+            </a:gs>
+            <a:gs pos="50000">
+              <a:schemeClr val="phClr">
+                <a:satMod val="110000"/>
+                <a:lumMod val="100000"/>
+                <a:shade val="100000"/>
+              </a:schemeClr>
+            </a:gs>
+            <a:gs pos="100000">
+              <a:schemeClr val="phClr">
+                <a:lumMod val="99000"/>
+                <a:satMod val="120000"/>
+                <a:shade val="78000"/>
+              </a:schemeClr>
+            </a:gs>
+          </a:gsLst>
+          <a:lin ang="5400000" scaled="0"/>
+        </a:gradFill>
+      </a:fillStyleLst>
+      <a:lnStyleLst>
+        <a:ln w="6350" cap="flat" cmpd="sng" algn="ctr">
+          <a:solidFill>
+            <a:schemeClr val="phClr"/>
+          </a:solidFill>
+          <a:prstDash val="solid"/>
+          <a:miter lim="800000"/>
+        </a:ln>
+        <a:ln w="12700" cap="flat" cmpd="sng" algn="ctr">
+          <a:solidFill>
+            <a:schemeClr val="phClr"/>
+          </a:solidFill>
+          <a:prstDash val="solid"/>
+          <a:miter lim="800000"/>
+        </a:ln>
+        <a:ln w="19050" cap="flat" cmpd="sng" algn="ctr">
+          <a:solidFill>
+            <a:schemeClr val="phClr"/>
+          </a:solidFill>
+          <a:prstDash val="solid"/>
+          <a:miter lim="800000"/>
+        </a:ln>
+      </a:lnStyleLst>
+      <a:effectStyleLst>
+        <a:effectStyle>
+          <a:effectLst/>
+        </a:effectStyle>
+        <a:effectStyle>
+          <a:effectLst/>
+        </a:effectStyle>
+        <a:effectStyle>
+          <a:effectLst>
+            <a:outerShdw blurRad="57150" dist="19050" dir="5400000" algn="ctr" rotWithShape="0">
+              <a:srgbClr val="000000">
+                <a:alpha val="63000"/>
+              </a:srgbClr>
+            </a:outerShdw>
+          </a:effectLst>
+        </a:effectStyle>
+      </a:effectStyleLst>
+      <a:bgFillStyleLst>
+        <a:solidFill>
+          <a:schemeClr val="phClr"/>
+        </a:solidFill>
+        <a:solidFill>
+          <a:schemeClr val="phClr">
+            <a:tint val="95000"/>
+            <a:satMod val="170000"/>
+          </a:schemeClr>
+        </a:solidFill>
+        <a:gradFill rotWithShape="1">
+          <a:gsLst>
+            <a:gs pos="0">
+              <a:schemeClr val="phClr">
+                <a:tint val="93000"/>
+                <a:satMod val="150000"/>
+                <a:shade val="98000"/>
+                <a:lumMod val="102000"/>
+              </a:schemeClr>
+            </a:gs>
+            <a:gs pos="50000">
+              <a:schemeClr val="phClr">
+                <a:tint val="98000"/>
+                <a:satMod val="130000"/>
+                <a:shade val="90000"/>
+                <a:lumMod val="103000"/>
+              </a:schemeClr>
+            </a:gs>
+            <a:gs pos="100000">
+              <a:schemeClr val="phClr">
+                <a:shade val="63000"/>
+                <a:satMod val="120000"/>
+              </a:schemeClr>
+            </a:gs>
+          </a:gsLst>
+          <a:lin ang="5400000" scaled="0"/>
+        </a:gradFill>
+      </a:bgFillStyleLst>
+    </a:fmtScheme>
+  </a:themeElements>
+  <a:objectDefaults/>
+  <a:extraClrSchemeLst/>
+  <a:extLst>
+    <a:ext uri="{05A4C25C-085E-4340-85A3-A5531E510DB2}">
+      <thm15:themeFamily xmlns:thm15="http://schemas.microsoft.com/office/thememl/2012/main" name="Office Theme" id="{62F939B6-93AF-4DB8-9C6B-D6C7DFDC589F}" vid="{4A3C46E8-61CC-4603-A589-7422A47A8E4A}"/>
+    </a:ext>
+  </a:extLst>
+</a:theme>
 </file>